--- a/thesis/slides.pptx
+++ b/thesis/slides.pptx
@@ -6498,7 +6498,7 @@
         </p:blipFill>
         <p:spPr>
           <a:xfrm>
-            <a:off x="5618753" y="5155926"/>
+            <a:off x="5674775" y="1529268"/>
             <a:ext cx="3048000" cy="1003300"/>
           </a:xfrm>
         </p:spPr>
@@ -6774,86 +6774,107 @@
           </a:p>
         </p:txBody>
       </p:sp>
-      <p:pic>
-        <p:nvPicPr>
-          <p:cNvPr id="8" name="Picture 7">
+      <p:grpSp>
+        <p:nvGrpSpPr>
+          <p:cNvPr id="10" name="Group 9">
             <a:extLst>
               <a:ext uri="{FF2B5EF4-FFF2-40B4-BE49-F238E27FC236}">
-                <a16:creationId xmlns:a16="http://schemas.microsoft.com/office/drawing/2014/main" id="{92CBA8BC-5223-3649-9BC4-F7B3EFAE9517}"/>
+                <a16:creationId xmlns:a16="http://schemas.microsoft.com/office/drawing/2014/main" id="{55D0F675-27A3-9642-B8D0-47183BE1D0AD}"/>
               </a:ext>
             </a:extLst>
           </p:cNvPr>
-          <p:cNvPicPr>
-            <a:picLocks noChangeAspect="1"/>
-          </p:cNvPicPr>
+          <p:cNvGrpSpPr/>
           <p:nvPr/>
-        </p:nvPicPr>
-        <p:blipFill>
-          <a:blip r:embed="rId4">
-            <a:extLst>
-              <a:ext uri="{28A0092B-C50C-407E-A947-70E740481C1C}">
-                <a14:useLocalDpi xmlns:a14="http://schemas.microsoft.com/office/drawing/2010/main" val="0"/>
-              </a:ext>
-            </a:extLst>
-          </a:blip>
-          <a:stretch>
-            <a:fillRect/>
-          </a:stretch>
-        </p:blipFill>
-        <p:spPr>
+        </p:nvGrpSpPr>
+        <p:grpSpPr>
           <a:xfrm>
-            <a:off x="5142317" y="1499775"/>
-            <a:ext cx="4000872" cy="2909725"/>
+            <a:off x="5106216" y="2874503"/>
+            <a:ext cx="4000872" cy="3251660"/>
+            <a:chOff x="5142317" y="1499775"/>
+            <a:chExt cx="4000872" cy="3251660"/>
           </a:xfrm>
-          <a:prstGeom prst="rect">
-            <a:avLst/>
-          </a:prstGeom>
-        </p:spPr>
-      </p:pic>
-      <p:sp>
-        <p:nvSpPr>
-          <p:cNvPr id="9" name="TextBox 8">
-            <a:extLst>
-              <a:ext uri="{FF2B5EF4-FFF2-40B4-BE49-F238E27FC236}">
-                <a16:creationId xmlns:a16="http://schemas.microsoft.com/office/drawing/2014/main" id="{36928E0F-1AA6-D943-A362-FD5618F9B7F0}"/>
-              </a:ext>
-            </a:extLst>
-          </p:cNvPr>
-          <p:cNvSpPr txBox="1"/>
-          <p:nvPr/>
-        </p:nvSpPr>
-        <p:spPr>
-          <a:xfrm>
-            <a:off x="5486569" y="4412881"/>
-            <a:ext cx="3312368" cy="338554"/>
-          </a:xfrm>
-          <a:prstGeom prst="rect">
-            <a:avLst/>
-          </a:prstGeom>
-          <a:noFill/>
-        </p:spPr>
-        <p:txBody>
-          <a:bodyPr wrap="square" rtlCol="0">
-            <a:spAutoFit/>
-          </a:bodyPr>
-          <a:lstStyle/>
-          <a:p>
-            <a:pPr algn="ctr"/>
-            <a:r>
-              <a:rPr lang="de-DE" sz="1600" dirty="0"/>
-              <a:t>Image </a:t>
-            </a:r>
-            <a:r>
-              <a:rPr lang="de-DE" sz="1600" dirty="0" err="1"/>
-              <a:t>by</a:t>
-            </a:r>
-            <a:r>
-              <a:rPr lang="de-DE" sz="1600" dirty="0"/>
-              <a:t> Erin Gallagher @3r1nG</a:t>
-            </a:r>
-          </a:p>
-        </p:txBody>
-      </p:sp>
+        </p:grpSpPr>
+        <p:pic>
+          <p:nvPicPr>
+            <p:cNvPr id="8" name="Picture 7">
+              <a:extLst>
+                <a:ext uri="{FF2B5EF4-FFF2-40B4-BE49-F238E27FC236}">
+                  <a16:creationId xmlns:a16="http://schemas.microsoft.com/office/drawing/2014/main" id="{92CBA8BC-5223-3649-9BC4-F7B3EFAE9517}"/>
+                </a:ext>
+              </a:extLst>
+            </p:cNvPr>
+            <p:cNvPicPr>
+              <a:picLocks noChangeAspect="1"/>
+            </p:cNvPicPr>
+            <p:nvPr/>
+          </p:nvPicPr>
+          <p:blipFill>
+            <a:blip r:embed="rId4">
+              <a:extLst>
+                <a:ext uri="{28A0092B-C50C-407E-A947-70E740481C1C}">
+                  <a14:useLocalDpi xmlns:a14="http://schemas.microsoft.com/office/drawing/2010/main" val="0"/>
+                </a:ext>
+              </a:extLst>
+            </a:blip>
+            <a:stretch>
+              <a:fillRect/>
+            </a:stretch>
+          </p:blipFill>
+          <p:spPr>
+            <a:xfrm>
+              <a:off x="5142317" y="1499775"/>
+              <a:ext cx="4000872" cy="2909725"/>
+            </a:xfrm>
+            <a:prstGeom prst="rect">
+              <a:avLst/>
+            </a:prstGeom>
+          </p:spPr>
+        </p:pic>
+        <p:sp>
+          <p:nvSpPr>
+            <p:cNvPr id="9" name="TextBox 8">
+              <a:extLst>
+                <a:ext uri="{FF2B5EF4-FFF2-40B4-BE49-F238E27FC236}">
+                  <a16:creationId xmlns:a16="http://schemas.microsoft.com/office/drawing/2014/main" id="{36928E0F-1AA6-D943-A362-FD5618F9B7F0}"/>
+                </a:ext>
+              </a:extLst>
+            </p:cNvPr>
+            <p:cNvSpPr txBox="1"/>
+            <p:nvPr/>
+          </p:nvSpPr>
+          <p:spPr>
+            <a:xfrm>
+              <a:off x="5486569" y="4412881"/>
+              <a:ext cx="3312368" cy="338554"/>
+            </a:xfrm>
+            <a:prstGeom prst="rect">
+              <a:avLst/>
+            </a:prstGeom>
+            <a:noFill/>
+          </p:spPr>
+          <p:txBody>
+            <a:bodyPr wrap="square" rtlCol="0">
+              <a:spAutoFit/>
+            </a:bodyPr>
+            <a:lstStyle/>
+            <a:p>
+              <a:pPr algn="ctr"/>
+              <a:r>
+                <a:rPr lang="de-DE" sz="1600" dirty="0"/>
+                <a:t>Image </a:t>
+              </a:r>
+              <a:r>
+                <a:rPr lang="de-DE" sz="1600" dirty="0" err="1"/>
+                <a:t>by</a:t>
+              </a:r>
+              <a:r>
+                <a:rPr lang="de-DE" sz="1600" dirty="0"/>
+                <a:t> Erin Gallagher @3r1nG</a:t>
+              </a:r>
+            </a:p>
+          </p:txBody>
+        </p:sp>
+      </p:grpSp>
     </p:spTree>
     <p:extLst>
       <p:ext uri="{BB962C8B-B14F-4D97-AF65-F5344CB8AC3E}">
@@ -6864,6 +6885,395 @@
   <p:clrMapOvr>
     <a:masterClrMapping/>
   </p:clrMapOvr>
+  <p:timing>
+    <p:tnLst>
+      <p:par>
+        <p:cTn id="1" dur="indefinite" restart="never" nodeType="tmRoot">
+          <p:childTnLst>
+            <p:seq concurrent="1" nextAc="seek">
+              <p:cTn id="2" dur="indefinite" nodeType="mainSeq">
+                <p:childTnLst>
+                  <p:par>
+                    <p:cTn id="3" fill="hold">
+                      <p:stCondLst>
+                        <p:cond delay="indefinite"/>
+                      </p:stCondLst>
+                      <p:childTnLst>
+                        <p:par>
+                          <p:cTn id="4" fill="hold">
+                            <p:stCondLst>
+                              <p:cond delay="0"/>
+                            </p:stCondLst>
+                            <p:childTnLst>
+                              <p:par>
+                                <p:cTn id="5" presetID="1" presetClass="entr" presetSubtype="0" fill="hold" grpId="0" nodeType="clickEffect">
+                                  <p:stCondLst>
+                                    <p:cond delay="0"/>
+                                  </p:stCondLst>
+                                  <p:childTnLst>
+                                    <p:set>
+                                      <p:cBhvr>
+                                        <p:cTn id="6" dur="1" fill="hold">
+                                          <p:stCondLst>
+                                            <p:cond delay="0"/>
+                                          </p:stCondLst>
+                                        </p:cTn>
+                                        <p:tgtEl>
+                                          <p:spTgt spid="3">
+                                            <p:txEl>
+                                              <p:pRg st="0" end="0"/>
+                                            </p:txEl>
+                                          </p:spTgt>
+                                        </p:tgtEl>
+                                        <p:attrNameLst>
+                                          <p:attrName>style.visibility</p:attrName>
+                                        </p:attrNameLst>
+                                      </p:cBhvr>
+                                      <p:to>
+                                        <p:strVal val="visible"/>
+                                      </p:to>
+                                    </p:set>
+                                  </p:childTnLst>
+                                </p:cTn>
+                              </p:par>
+                              <p:par>
+                                <p:cTn id="7" presetID="1" presetClass="entr" presetSubtype="0" fill="hold" nodeType="withEffect">
+                                  <p:stCondLst>
+                                    <p:cond delay="0"/>
+                                  </p:stCondLst>
+                                  <p:childTnLst>
+                                    <p:set>
+                                      <p:cBhvr>
+                                        <p:cTn id="8" dur="1" fill="hold">
+                                          <p:stCondLst>
+                                            <p:cond delay="0"/>
+                                          </p:stCondLst>
+                                        </p:cTn>
+                                        <p:tgtEl>
+                                          <p:spTgt spid="6"/>
+                                        </p:tgtEl>
+                                        <p:attrNameLst>
+                                          <p:attrName>style.visibility</p:attrName>
+                                        </p:attrNameLst>
+                                      </p:cBhvr>
+                                      <p:to>
+                                        <p:strVal val="visible"/>
+                                      </p:to>
+                                    </p:set>
+                                  </p:childTnLst>
+                                </p:cTn>
+                              </p:par>
+                            </p:childTnLst>
+                          </p:cTn>
+                        </p:par>
+                      </p:childTnLst>
+                    </p:cTn>
+                  </p:par>
+                  <p:par>
+                    <p:cTn id="9" fill="hold">
+                      <p:stCondLst>
+                        <p:cond delay="indefinite"/>
+                      </p:stCondLst>
+                      <p:childTnLst>
+                        <p:par>
+                          <p:cTn id="10" fill="hold">
+                            <p:stCondLst>
+                              <p:cond delay="0"/>
+                            </p:stCondLst>
+                            <p:childTnLst>
+                              <p:par>
+                                <p:cTn id="11" presetID="1" presetClass="entr" presetSubtype="0" fill="hold" grpId="0" nodeType="clickEffect">
+                                  <p:stCondLst>
+                                    <p:cond delay="0"/>
+                                  </p:stCondLst>
+                                  <p:childTnLst>
+                                    <p:set>
+                                      <p:cBhvr>
+                                        <p:cTn id="12" dur="1" fill="hold">
+                                          <p:stCondLst>
+                                            <p:cond delay="0"/>
+                                          </p:stCondLst>
+                                        </p:cTn>
+                                        <p:tgtEl>
+                                          <p:spTgt spid="3">
+                                            <p:txEl>
+                                              <p:pRg st="1" end="1"/>
+                                            </p:txEl>
+                                          </p:spTgt>
+                                        </p:tgtEl>
+                                        <p:attrNameLst>
+                                          <p:attrName>style.visibility</p:attrName>
+                                        </p:attrNameLst>
+                                      </p:cBhvr>
+                                      <p:to>
+                                        <p:strVal val="visible"/>
+                                      </p:to>
+                                    </p:set>
+                                  </p:childTnLst>
+                                </p:cTn>
+                              </p:par>
+                              <p:par>
+                                <p:cTn id="13" presetID="1" presetClass="entr" presetSubtype="0" fill="hold" nodeType="withEffect">
+                                  <p:stCondLst>
+                                    <p:cond delay="0"/>
+                                  </p:stCondLst>
+                                  <p:childTnLst>
+                                    <p:set>
+                                      <p:cBhvr>
+                                        <p:cTn id="14" dur="1" fill="hold">
+                                          <p:stCondLst>
+                                            <p:cond delay="0"/>
+                                          </p:stCondLst>
+                                        </p:cTn>
+                                        <p:tgtEl>
+                                          <p:spTgt spid="10"/>
+                                        </p:tgtEl>
+                                        <p:attrNameLst>
+                                          <p:attrName>style.visibility</p:attrName>
+                                        </p:attrNameLst>
+                                      </p:cBhvr>
+                                      <p:to>
+                                        <p:strVal val="visible"/>
+                                      </p:to>
+                                    </p:set>
+                                  </p:childTnLst>
+                                </p:cTn>
+                              </p:par>
+                              <p:par>
+                                <p:cTn id="15" presetID="1" presetClass="entr" presetSubtype="0" fill="hold" grpId="0" nodeType="withEffect">
+                                  <p:stCondLst>
+                                    <p:cond delay="0"/>
+                                  </p:stCondLst>
+                                  <p:childTnLst>
+                                    <p:set>
+                                      <p:cBhvr>
+                                        <p:cTn id="16" dur="1" fill="hold">
+                                          <p:stCondLst>
+                                            <p:cond delay="0"/>
+                                          </p:stCondLst>
+                                        </p:cTn>
+                                        <p:tgtEl>
+                                          <p:spTgt spid="3">
+                                            <p:txEl>
+                                              <p:pRg st="2" end="2"/>
+                                            </p:txEl>
+                                          </p:spTgt>
+                                        </p:tgtEl>
+                                        <p:attrNameLst>
+                                          <p:attrName>style.visibility</p:attrName>
+                                        </p:attrNameLst>
+                                      </p:cBhvr>
+                                      <p:to>
+                                        <p:strVal val="visible"/>
+                                      </p:to>
+                                    </p:set>
+                                  </p:childTnLst>
+                                </p:cTn>
+                              </p:par>
+                              <p:par>
+                                <p:cTn id="17" presetID="1" presetClass="entr" presetSubtype="0" fill="hold" grpId="0" nodeType="withEffect">
+                                  <p:stCondLst>
+                                    <p:cond delay="0"/>
+                                  </p:stCondLst>
+                                  <p:childTnLst>
+                                    <p:set>
+                                      <p:cBhvr>
+                                        <p:cTn id="18" dur="1" fill="hold">
+                                          <p:stCondLst>
+                                            <p:cond delay="0"/>
+                                          </p:stCondLst>
+                                        </p:cTn>
+                                        <p:tgtEl>
+                                          <p:spTgt spid="3">
+                                            <p:txEl>
+                                              <p:pRg st="3" end="3"/>
+                                            </p:txEl>
+                                          </p:spTgt>
+                                        </p:tgtEl>
+                                        <p:attrNameLst>
+                                          <p:attrName>style.visibility</p:attrName>
+                                        </p:attrNameLst>
+                                      </p:cBhvr>
+                                      <p:to>
+                                        <p:strVal val="visible"/>
+                                      </p:to>
+                                    </p:set>
+                                  </p:childTnLst>
+                                </p:cTn>
+                              </p:par>
+                              <p:par>
+                                <p:cTn id="19" presetID="1" presetClass="entr" presetSubtype="0" fill="hold" grpId="0" nodeType="withEffect">
+                                  <p:stCondLst>
+                                    <p:cond delay="0"/>
+                                  </p:stCondLst>
+                                  <p:childTnLst>
+                                    <p:set>
+                                      <p:cBhvr>
+                                        <p:cTn id="20" dur="1" fill="hold">
+                                          <p:stCondLst>
+                                            <p:cond delay="0"/>
+                                          </p:stCondLst>
+                                        </p:cTn>
+                                        <p:tgtEl>
+                                          <p:spTgt spid="3">
+                                            <p:txEl>
+                                              <p:pRg st="4" end="4"/>
+                                            </p:txEl>
+                                          </p:spTgt>
+                                        </p:tgtEl>
+                                        <p:attrNameLst>
+                                          <p:attrName>style.visibility</p:attrName>
+                                        </p:attrNameLst>
+                                      </p:cBhvr>
+                                      <p:to>
+                                        <p:strVal val="visible"/>
+                                      </p:to>
+                                    </p:set>
+                                  </p:childTnLst>
+                                </p:cTn>
+                              </p:par>
+                            </p:childTnLst>
+                          </p:cTn>
+                        </p:par>
+                      </p:childTnLst>
+                    </p:cTn>
+                  </p:par>
+                  <p:par>
+                    <p:cTn id="21" fill="hold">
+                      <p:stCondLst>
+                        <p:cond delay="indefinite"/>
+                      </p:stCondLst>
+                      <p:childTnLst>
+                        <p:par>
+                          <p:cTn id="22" fill="hold">
+                            <p:stCondLst>
+                              <p:cond delay="0"/>
+                            </p:stCondLst>
+                            <p:childTnLst>
+                              <p:par>
+                                <p:cTn id="23" presetID="1" presetClass="entr" presetSubtype="0" fill="hold" grpId="0" nodeType="clickEffect">
+                                  <p:stCondLst>
+                                    <p:cond delay="0"/>
+                                  </p:stCondLst>
+                                  <p:childTnLst>
+                                    <p:set>
+                                      <p:cBhvr>
+                                        <p:cTn id="24" dur="1" fill="hold">
+                                          <p:stCondLst>
+                                            <p:cond delay="0"/>
+                                          </p:stCondLst>
+                                        </p:cTn>
+                                        <p:tgtEl>
+                                          <p:spTgt spid="3">
+                                            <p:txEl>
+                                              <p:pRg st="5" end="5"/>
+                                            </p:txEl>
+                                          </p:spTgt>
+                                        </p:tgtEl>
+                                        <p:attrNameLst>
+                                          <p:attrName>style.visibility</p:attrName>
+                                        </p:attrNameLst>
+                                      </p:cBhvr>
+                                      <p:to>
+                                        <p:strVal val="visible"/>
+                                      </p:to>
+                                    </p:set>
+                                  </p:childTnLst>
+                                </p:cTn>
+                              </p:par>
+                              <p:par>
+                                <p:cTn id="25" presetID="1" presetClass="entr" presetSubtype="0" fill="hold" grpId="0" nodeType="withEffect">
+                                  <p:stCondLst>
+                                    <p:cond delay="0"/>
+                                  </p:stCondLst>
+                                  <p:childTnLst>
+                                    <p:set>
+                                      <p:cBhvr>
+                                        <p:cTn id="26" dur="1" fill="hold">
+                                          <p:stCondLst>
+                                            <p:cond delay="0"/>
+                                          </p:stCondLst>
+                                        </p:cTn>
+                                        <p:tgtEl>
+                                          <p:spTgt spid="3">
+                                            <p:txEl>
+                                              <p:pRg st="6" end="6"/>
+                                            </p:txEl>
+                                          </p:spTgt>
+                                        </p:tgtEl>
+                                        <p:attrNameLst>
+                                          <p:attrName>style.visibility</p:attrName>
+                                        </p:attrNameLst>
+                                      </p:cBhvr>
+                                      <p:to>
+                                        <p:strVal val="visible"/>
+                                      </p:to>
+                                    </p:set>
+                                  </p:childTnLst>
+                                </p:cTn>
+                              </p:par>
+                              <p:par>
+                                <p:cTn id="27" presetID="1" presetClass="entr" presetSubtype="0" fill="hold" grpId="0" nodeType="withEffect">
+                                  <p:stCondLst>
+                                    <p:cond delay="0"/>
+                                  </p:stCondLst>
+                                  <p:childTnLst>
+                                    <p:set>
+                                      <p:cBhvr>
+                                        <p:cTn id="28" dur="1" fill="hold">
+                                          <p:stCondLst>
+                                            <p:cond delay="0"/>
+                                          </p:stCondLst>
+                                        </p:cTn>
+                                        <p:tgtEl>
+                                          <p:spTgt spid="3">
+                                            <p:txEl>
+                                              <p:pRg st="7" end="7"/>
+                                            </p:txEl>
+                                          </p:spTgt>
+                                        </p:tgtEl>
+                                        <p:attrNameLst>
+                                          <p:attrName>style.visibility</p:attrName>
+                                        </p:attrNameLst>
+                                      </p:cBhvr>
+                                      <p:to>
+                                        <p:strVal val="visible"/>
+                                      </p:to>
+                                    </p:set>
+                                  </p:childTnLst>
+                                </p:cTn>
+                              </p:par>
+                            </p:childTnLst>
+                          </p:cTn>
+                        </p:par>
+                      </p:childTnLst>
+                    </p:cTn>
+                  </p:par>
+                </p:childTnLst>
+              </p:cTn>
+              <p:prevCondLst>
+                <p:cond evt="onPrev" delay="0">
+                  <p:tgtEl>
+                    <p:sldTgt/>
+                  </p:tgtEl>
+                </p:cond>
+              </p:prevCondLst>
+              <p:nextCondLst>
+                <p:cond evt="onNext" delay="0">
+                  <p:tgtEl>
+                    <p:sldTgt/>
+                  </p:tgtEl>
+                </p:cond>
+              </p:nextCondLst>
+            </p:seq>
+          </p:childTnLst>
+        </p:cTn>
+      </p:par>
+    </p:tnLst>
+    <p:bldLst>
+      <p:bldP spid="3" grpId="0" uiExpand="1" build="p"/>
+    </p:bldLst>
+  </p:timing>
 </p:sld>
 </file>
 

--- a/thesis/slides.pptx
+++ b/thesis/slides.pptx
@@ -5,10 +5,10 @@
     <p:sldMasterId id="2147483648" r:id="rId1"/>
   </p:sldMasterIdLst>
   <p:notesMasterIdLst>
-    <p:notesMasterId r:id="rId10"/>
+    <p:notesMasterId r:id="rId24"/>
   </p:notesMasterIdLst>
   <p:handoutMasterIdLst>
-    <p:handoutMasterId r:id="rId11"/>
+    <p:handoutMasterId r:id="rId25"/>
   </p:handoutMasterIdLst>
   <p:sldIdLst>
     <p:sldId id="256" r:id="rId2"/>
@@ -19,6 +19,20 @@
     <p:sldId id="260" r:id="rId7"/>
     <p:sldId id="262" r:id="rId8"/>
     <p:sldId id="263" r:id="rId9"/>
+    <p:sldId id="264" r:id="rId10"/>
+    <p:sldId id="269" r:id="rId11"/>
+    <p:sldId id="279" r:id="rId12"/>
+    <p:sldId id="266" r:id="rId13"/>
+    <p:sldId id="280" r:id="rId14"/>
+    <p:sldId id="270" r:id="rId15"/>
+    <p:sldId id="281" r:id="rId16"/>
+    <p:sldId id="272" r:id="rId17"/>
+    <p:sldId id="271" r:id="rId18"/>
+    <p:sldId id="273" r:id="rId19"/>
+    <p:sldId id="274" r:id="rId20"/>
+    <p:sldId id="276" r:id="rId21"/>
+    <p:sldId id="277" r:id="rId22"/>
+    <p:sldId id="278" r:id="rId23"/>
   </p:sldIdLst>
   <p:sldSz cx="9144000" cy="6858000" type="screen4x3"/>
   <p:notesSz cx="6858000" cy="9144000"/>
@@ -286,7 +300,7 @@
             <a:fld id="{A32DC80D-291A-4ABB-A78B-0417274A267C}" type="datetime4">
               <a:rPr lang="de-DE"/>
               <a:pPr/>
-              <a:t>7. Oktober 2019</a:t>
+              <a:t>4. November 2019</a:t>
             </a:fld>
             <a:endParaRPr lang="de-DE"/>
           </a:p>
@@ -669,7 +683,7 @@
             <a:fld id="{065B079B-E513-489A-8A1B-D7C78493EA86}" type="datetime4">
               <a:rPr lang="de-DE"/>
               <a:pPr/>
-              <a:t>7. Oktober 2019</a:t>
+              <a:t>4. November 2019</a:t>
             </a:fld>
             <a:endParaRPr lang="de-DE"/>
           </a:p>
@@ -1304,7 +1318,7 @@
             <a:fld id="{065B079B-E513-489A-8A1B-D7C78493EA86}" type="datetime4">
               <a:rPr lang="de-DE" smtClean="0"/>
               <a:pPr/>
-              <a:t>7. Oktober 2019</a:t>
+              <a:t>4. November 2019</a:t>
             </a:fld>
             <a:endParaRPr lang="de-DE"/>
           </a:p>
@@ -1711,7 +1725,7 @@
             <a:fld id="{065B079B-E513-489A-8A1B-D7C78493EA86}" type="datetime4">
               <a:rPr lang="de-DE" smtClean="0"/>
               <a:pPr/>
-              <a:t>7. Oktober 2019</a:t>
+              <a:t>4. November 2019</a:t>
             </a:fld>
             <a:endParaRPr lang="de-DE"/>
           </a:p>
@@ -2735,7 +2749,7 @@
             <a:fld id="{065B079B-E513-489A-8A1B-D7C78493EA86}" type="datetime4">
               <a:rPr lang="de-DE" smtClean="0"/>
               <a:pPr/>
-              <a:t>7. Oktober 2019</a:t>
+              <a:t>4. November 2019</a:t>
             </a:fld>
             <a:endParaRPr lang="de-DE"/>
           </a:p>
@@ -3169,7 +3183,7 @@
             <a:fld id="{065B079B-E513-489A-8A1B-D7C78493EA86}" type="datetime4">
               <a:rPr lang="de-DE" smtClean="0"/>
               <a:pPr/>
-              <a:t>7. Oktober 2019</a:t>
+              <a:t>4. November 2019</a:t>
             </a:fld>
             <a:endParaRPr lang="de-DE"/>
           </a:p>
@@ -3229,6 +3243,1494 @@
     <p:extLst>
       <p:ext uri="{BB962C8B-B14F-4D97-AF65-F5344CB8AC3E}">
         <p14:creationId xmlns:p14="http://schemas.microsoft.com/office/powerpoint/2010/main" val="2007133012"/>
+      </p:ext>
+    </p:extLst>
+  </p:cSld>
+  <p:clrMapOvr>
+    <a:masterClrMapping/>
+  </p:clrMapOvr>
+</p:notes>
+</file>
+
+<file path=ppt/notesSlides/notesSlide5.xml><?xml version="1.0" encoding="utf-8"?>
+<p:notes xmlns:a="http://schemas.openxmlformats.org/drawingml/2006/main" xmlns:r="http://schemas.openxmlformats.org/officeDocument/2006/relationships" xmlns:p="http://schemas.openxmlformats.org/presentationml/2006/main">
+  <p:cSld>
+    <p:spTree>
+      <p:nvGrpSpPr>
+        <p:cNvPr id="1" name=""/>
+        <p:cNvGrpSpPr/>
+        <p:nvPr/>
+      </p:nvGrpSpPr>
+      <p:grpSpPr>
+        <a:xfrm>
+          <a:off x="0" y="0"/>
+          <a:ext cx="0" cy="0"/>
+          <a:chOff x="0" y="0"/>
+          <a:chExt cx="0" cy="0"/>
+        </a:xfrm>
+      </p:grpSpPr>
+      <p:sp>
+        <p:nvSpPr>
+          <p:cNvPr id="2" name="Slide Image Placeholder 1"/>
+          <p:cNvSpPr>
+            <a:spLocks noGrp="1" noRot="1" noChangeAspect="1"/>
+          </p:cNvSpPr>
+          <p:nvPr>
+            <p:ph type="sldImg"/>
+          </p:nvPr>
+        </p:nvSpPr>
+        <p:spPr>
+          <a:xfrm>
+            <a:off x="1371600" y="923925"/>
+            <a:ext cx="4095750" cy="3071813"/>
+          </a:xfrm>
+        </p:spPr>
+      </p:sp>
+      <p:sp>
+        <p:nvSpPr>
+          <p:cNvPr id="3" name="Notes Placeholder 2"/>
+          <p:cNvSpPr>
+            <a:spLocks noGrp="1"/>
+          </p:cNvSpPr>
+          <p:nvPr>
+            <p:ph type="body" idx="1"/>
+          </p:nvPr>
+        </p:nvSpPr>
+        <p:spPr/>
+        <p:txBody>
+          <a:bodyPr/>
+          <a:lstStyle/>
+          <a:p>
+            <a:r>
+              <a:rPr lang="de-DE" dirty="0" err="1"/>
+              <a:t>Each</a:t>
+            </a:r>
+            <a:r>
+              <a:rPr lang="de-DE" dirty="0"/>
+              <a:t> </a:t>
+            </a:r>
+            <a:r>
+              <a:rPr lang="de-DE" dirty="0" err="1"/>
+              <a:t>window</a:t>
+            </a:r>
+            <a:r>
+              <a:rPr lang="de-DE" dirty="0"/>
+              <a:t> </a:t>
+            </a:r>
+            <a:r>
+              <a:rPr lang="de-DE" dirty="0" err="1"/>
+              <a:t>has</a:t>
+            </a:r>
+            <a:r>
+              <a:rPr lang="de-DE" dirty="0"/>
+              <a:t> </a:t>
+            </a:r>
+            <a:r>
+              <a:rPr lang="de-DE" dirty="0" err="1"/>
+              <a:t>it‘s</a:t>
+            </a:r>
+            <a:r>
+              <a:rPr lang="de-DE" dirty="0"/>
+              <a:t> </a:t>
+            </a:r>
+            <a:r>
+              <a:rPr lang="de-DE" dirty="0" err="1"/>
+              <a:t>own</a:t>
+            </a:r>
+            <a:r>
+              <a:rPr lang="de-DE" dirty="0"/>
+              <a:t> </a:t>
+            </a:r>
+            <a:r>
+              <a:rPr lang="de-DE" dirty="0" err="1"/>
+              <a:t>execution</a:t>
+            </a:r>
+            <a:r>
+              <a:rPr lang="de-DE" dirty="0"/>
+              <a:t> </a:t>
+            </a:r>
+            <a:r>
+              <a:rPr lang="de-DE" dirty="0" err="1"/>
+              <a:t>context</a:t>
+            </a:r>
+            <a:r>
+              <a:rPr lang="de-DE" dirty="0"/>
+              <a:t>. </a:t>
+            </a:r>
+            <a:r>
+              <a:rPr lang="de-DE" dirty="0" err="1"/>
+              <a:t>Execution</a:t>
+            </a:r>
+            <a:r>
+              <a:rPr lang="de-DE" dirty="0"/>
+              <a:t> </a:t>
+            </a:r>
+            <a:r>
+              <a:rPr lang="de-DE" dirty="0" err="1"/>
+              <a:t>context</a:t>
+            </a:r>
+            <a:r>
+              <a:rPr lang="de-DE" dirty="0"/>
+              <a:t> </a:t>
+            </a:r>
+            <a:r>
+              <a:rPr lang="de-DE" dirty="0" err="1"/>
+              <a:t>consist</a:t>
+            </a:r>
+            <a:r>
+              <a:rPr lang="de-DE" dirty="0"/>
+              <a:t> </a:t>
+            </a:r>
+            <a:r>
+              <a:rPr lang="de-DE" dirty="0" err="1"/>
+              <a:t>of</a:t>
+            </a:r>
+            <a:r>
+              <a:rPr lang="de-DE" dirty="0"/>
+              <a:t> </a:t>
+            </a:r>
+            <a:r>
+              <a:rPr lang="de-DE" dirty="0" err="1"/>
+              <a:t>heap</a:t>
+            </a:r>
+            <a:r>
+              <a:rPr lang="de-DE" dirty="0"/>
+              <a:t> </a:t>
+            </a:r>
+            <a:r>
+              <a:rPr lang="de-DE" dirty="0" err="1"/>
+              <a:t>memory</a:t>
+            </a:r>
+            <a:r>
+              <a:rPr lang="de-DE" dirty="0"/>
+              <a:t> </a:t>
+            </a:r>
+            <a:r>
+              <a:rPr lang="de-DE" dirty="0" err="1"/>
+              <a:t>and</a:t>
+            </a:r>
+            <a:r>
+              <a:rPr lang="de-DE" dirty="0"/>
+              <a:t> global </a:t>
+            </a:r>
+            <a:r>
+              <a:rPr lang="de-DE" dirty="0" err="1"/>
+              <a:t>object</a:t>
+            </a:r>
+            <a:r>
+              <a:rPr lang="de-DE" dirty="0"/>
+              <a:t>.</a:t>
+            </a:r>
+          </a:p>
+          <a:p>
+            <a:endParaRPr lang="de-DE" dirty="0"/>
+          </a:p>
+          <a:p>
+            <a:r>
+              <a:rPr lang="de-DE" dirty="0" err="1"/>
+              <a:t>Each</a:t>
+            </a:r>
+            <a:r>
+              <a:rPr lang="de-DE" dirty="0"/>
+              <a:t> </a:t>
+            </a:r>
+            <a:r>
+              <a:rPr lang="de-DE" dirty="0" err="1"/>
+              <a:t>exeuction</a:t>
+            </a:r>
+            <a:r>
+              <a:rPr lang="de-DE" dirty="0"/>
+              <a:t> </a:t>
+            </a:r>
+            <a:r>
+              <a:rPr lang="de-DE" dirty="0" err="1"/>
+              <a:t>context</a:t>
+            </a:r>
+            <a:r>
+              <a:rPr lang="de-DE" dirty="0"/>
+              <a:t> </a:t>
+            </a:r>
+            <a:r>
+              <a:rPr lang="de-DE" dirty="0" err="1"/>
+              <a:t>has</a:t>
+            </a:r>
+            <a:r>
+              <a:rPr lang="de-DE" dirty="0"/>
+              <a:t> an </a:t>
+            </a:r>
+            <a:r>
+              <a:rPr lang="de-DE" dirty="0" err="1"/>
+              <a:t>event</a:t>
+            </a:r>
+            <a:r>
+              <a:rPr lang="de-DE" dirty="0"/>
+              <a:t> </a:t>
+            </a:r>
+            <a:r>
+              <a:rPr lang="de-DE" dirty="0" err="1"/>
+              <a:t>loop</a:t>
+            </a:r>
+            <a:endParaRPr lang="de-DE" dirty="0"/>
+          </a:p>
+          <a:p>
+            <a:endParaRPr lang="de-DE" dirty="0"/>
+          </a:p>
+          <a:p>
+            <a:r>
+              <a:rPr lang="de-DE" dirty="0"/>
+              <a:t>Event </a:t>
+            </a:r>
+            <a:r>
+              <a:rPr lang="de-DE" dirty="0" err="1"/>
+              <a:t>loop</a:t>
+            </a:r>
+            <a:r>
+              <a:rPr lang="de-DE" dirty="0"/>
+              <a:t> </a:t>
+            </a:r>
+            <a:r>
+              <a:rPr lang="de-DE" dirty="0" err="1"/>
+              <a:t>executes</a:t>
+            </a:r>
+            <a:r>
+              <a:rPr lang="de-DE" dirty="0"/>
+              <a:t> </a:t>
+            </a:r>
+            <a:r>
+              <a:rPr lang="de-DE" dirty="0" err="1"/>
+              <a:t>tasks</a:t>
+            </a:r>
+            <a:r>
+              <a:rPr lang="de-DE" dirty="0"/>
+              <a:t> </a:t>
+            </a:r>
+            <a:r>
+              <a:rPr lang="de-DE" dirty="0" err="1"/>
+              <a:t>added</a:t>
+            </a:r>
+            <a:r>
+              <a:rPr lang="de-DE" dirty="0"/>
+              <a:t> </a:t>
+            </a:r>
+            <a:r>
+              <a:rPr lang="de-DE" dirty="0" err="1"/>
+              <a:t>to</a:t>
+            </a:r>
+            <a:r>
+              <a:rPr lang="de-DE" dirty="0"/>
+              <a:t> </a:t>
+            </a:r>
+            <a:r>
+              <a:rPr lang="de-DE" dirty="0" err="1"/>
+              <a:t>the</a:t>
+            </a:r>
+            <a:r>
+              <a:rPr lang="de-DE" dirty="0"/>
+              <a:t> </a:t>
+            </a:r>
+            <a:r>
+              <a:rPr lang="de-DE" dirty="0" err="1"/>
+              <a:t>task</a:t>
+            </a:r>
+            <a:r>
+              <a:rPr lang="de-DE" dirty="0"/>
+              <a:t> </a:t>
+            </a:r>
+            <a:r>
+              <a:rPr lang="de-DE" dirty="0" err="1"/>
+              <a:t>queue</a:t>
+            </a:r>
+            <a:r>
+              <a:rPr lang="de-DE" dirty="0"/>
+              <a:t>. Tasks </a:t>
+            </a:r>
+            <a:r>
+              <a:rPr lang="de-DE" dirty="0" err="1"/>
+              <a:t>can</a:t>
+            </a:r>
+            <a:r>
+              <a:rPr lang="de-DE" dirty="0"/>
+              <a:t> </a:t>
+            </a:r>
+            <a:r>
+              <a:rPr lang="de-DE" dirty="0" err="1"/>
+              <a:t>be</a:t>
+            </a:r>
+            <a:r>
+              <a:rPr lang="de-DE" dirty="0"/>
+              <a:t> </a:t>
+            </a:r>
+            <a:r>
+              <a:rPr lang="de-DE" dirty="0" err="1"/>
+              <a:t>added</a:t>
+            </a:r>
+            <a:r>
+              <a:rPr lang="de-DE" dirty="0"/>
+              <a:t> </a:t>
+            </a:r>
+            <a:r>
+              <a:rPr lang="de-DE" dirty="0" err="1"/>
+              <a:t>by</a:t>
+            </a:r>
+            <a:r>
+              <a:rPr lang="de-DE" dirty="0"/>
+              <a:t> </a:t>
+            </a:r>
+            <a:r>
+              <a:rPr lang="de-DE" dirty="0" err="1"/>
+              <a:t>registering</a:t>
+            </a:r>
+            <a:r>
+              <a:rPr lang="de-DE" dirty="0"/>
+              <a:t> </a:t>
+            </a:r>
+            <a:r>
+              <a:rPr lang="de-DE" dirty="0" err="1"/>
+              <a:t>for</a:t>
+            </a:r>
+            <a:r>
+              <a:rPr lang="de-DE" dirty="0"/>
+              <a:t> </a:t>
+            </a:r>
+            <a:r>
+              <a:rPr lang="de-DE" dirty="0" err="1"/>
+              <a:t>events</a:t>
+            </a:r>
+            <a:r>
+              <a:rPr lang="de-DE" dirty="0"/>
+              <a:t> (e.g. </a:t>
+            </a:r>
+            <a:r>
+              <a:rPr lang="de-DE" dirty="0" err="1"/>
+              <a:t>button</a:t>
+            </a:r>
+            <a:r>
+              <a:rPr lang="de-DE" dirty="0"/>
+              <a:t> was </a:t>
+            </a:r>
+            <a:r>
+              <a:rPr lang="de-DE" dirty="0" err="1"/>
+              <a:t>clicked</a:t>
+            </a:r>
+            <a:r>
+              <a:rPr lang="de-DE" dirty="0"/>
+              <a:t>, form was </a:t>
+            </a:r>
+            <a:r>
+              <a:rPr lang="de-DE" dirty="0" err="1"/>
+              <a:t>submitted</a:t>
+            </a:r>
+            <a:r>
+              <a:rPr lang="de-DE" dirty="0"/>
+              <a:t>) </a:t>
+            </a:r>
+            <a:r>
+              <a:rPr lang="de-DE" dirty="0" err="1"/>
+              <a:t>or</a:t>
+            </a:r>
+            <a:r>
+              <a:rPr lang="de-DE" dirty="0"/>
+              <a:t> </a:t>
+            </a:r>
+            <a:r>
+              <a:rPr lang="de-DE" dirty="0" err="1"/>
+              <a:t>by</a:t>
+            </a:r>
+            <a:r>
+              <a:rPr lang="de-DE" dirty="0"/>
+              <a:t> </a:t>
+            </a:r>
+            <a:r>
+              <a:rPr lang="de-DE" dirty="0" err="1"/>
+              <a:t>execution</a:t>
+            </a:r>
+            <a:r>
+              <a:rPr lang="de-DE" dirty="0"/>
+              <a:t> </a:t>
+            </a:r>
+            <a:r>
+              <a:rPr lang="de-DE" dirty="0" err="1"/>
+              <a:t>long</a:t>
+            </a:r>
+            <a:r>
+              <a:rPr lang="de-DE" dirty="0"/>
+              <a:t> </a:t>
+            </a:r>
+            <a:r>
+              <a:rPr lang="de-DE" dirty="0" err="1"/>
+              <a:t>running</a:t>
+            </a:r>
+            <a:r>
+              <a:rPr lang="de-DE" dirty="0"/>
+              <a:t> </a:t>
+            </a:r>
+            <a:r>
+              <a:rPr lang="de-DE" dirty="0" err="1"/>
+              <a:t>tasks</a:t>
+            </a:r>
+            <a:r>
+              <a:rPr lang="de-DE" dirty="0"/>
+              <a:t> (e.g. </a:t>
+            </a:r>
+            <a:r>
+              <a:rPr lang="de-DE" dirty="0" err="1"/>
+              <a:t>network</a:t>
+            </a:r>
+            <a:r>
+              <a:rPr lang="de-DE" dirty="0"/>
+              <a:t> </a:t>
+            </a:r>
+            <a:r>
+              <a:rPr lang="de-DE" dirty="0" err="1"/>
+              <a:t>request</a:t>
+            </a:r>
+            <a:r>
+              <a:rPr lang="de-DE" dirty="0"/>
+              <a:t>, </a:t>
+            </a:r>
+            <a:r>
+              <a:rPr lang="de-DE" dirty="0" err="1"/>
+              <a:t>geolocation</a:t>
+            </a:r>
+            <a:r>
+              <a:rPr lang="de-DE" dirty="0"/>
+              <a:t>, etc.)</a:t>
+            </a:r>
+          </a:p>
+          <a:p>
+            <a:endParaRPr lang="de-DE" dirty="0"/>
+          </a:p>
+          <a:p>
+            <a:r>
+              <a:rPr lang="de-DE" dirty="0"/>
+              <a:t>Tasks </a:t>
+            </a:r>
+            <a:r>
+              <a:rPr lang="de-DE" dirty="0" err="1"/>
+              <a:t>are</a:t>
+            </a:r>
+            <a:r>
+              <a:rPr lang="de-DE" dirty="0"/>
+              <a:t> </a:t>
+            </a:r>
+            <a:r>
+              <a:rPr lang="de-DE" dirty="0" err="1"/>
+              <a:t>executed</a:t>
+            </a:r>
+            <a:r>
+              <a:rPr lang="de-DE" dirty="0"/>
+              <a:t> in a </a:t>
+            </a:r>
+            <a:r>
+              <a:rPr lang="de-DE" dirty="0" err="1"/>
+              <a:t>serial</a:t>
+            </a:r>
+            <a:r>
+              <a:rPr lang="de-DE" dirty="0"/>
+              <a:t> </a:t>
+            </a:r>
+            <a:r>
+              <a:rPr lang="de-DE" dirty="0" err="1"/>
+              <a:t>manner</a:t>
+            </a:r>
+            <a:r>
+              <a:rPr lang="de-DE" dirty="0"/>
+              <a:t>. </a:t>
+            </a:r>
+            <a:r>
+              <a:rPr lang="de-DE" dirty="0" err="1"/>
+              <a:t>No</a:t>
+            </a:r>
+            <a:r>
+              <a:rPr lang="de-DE" dirty="0"/>
+              <a:t> </a:t>
+            </a:r>
+            <a:r>
+              <a:rPr lang="de-DE" dirty="0" err="1"/>
+              <a:t>two</a:t>
+            </a:r>
+            <a:r>
+              <a:rPr lang="de-DE" dirty="0"/>
+              <a:t> </a:t>
+            </a:r>
+            <a:r>
+              <a:rPr lang="de-DE" dirty="0" err="1"/>
+              <a:t>tasks</a:t>
+            </a:r>
+            <a:r>
+              <a:rPr lang="de-DE" dirty="0"/>
+              <a:t> </a:t>
+            </a:r>
+            <a:r>
+              <a:rPr lang="de-DE" dirty="0" err="1"/>
+              <a:t>run</a:t>
+            </a:r>
+            <a:r>
+              <a:rPr lang="de-DE" dirty="0"/>
+              <a:t> at </a:t>
+            </a:r>
+            <a:r>
+              <a:rPr lang="de-DE" dirty="0" err="1"/>
+              <a:t>the</a:t>
+            </a:r>
+            <a:r>
+              <a:rPr lang="de-DE" dirty="0"/>
+              <a:t> same time.</a:t>
+            </a:r>
+          </a:p>
+        </p:txBody>
+      </p:sp>
+      <p:sp>
+        <p:nvSpPr>
+          <p:cNvPr id="4" name="Date Placeholder 3"/>
+          <p:cNvSpPr>
+            <a:spLocks noGrp="1"/>
+          </p:cNvSpPr>
+          <p:nvPr>
+            <p:ph type="dt" idx="1"/>
+          </p:nvPr>
+        </p:nvSpPr>
+        <p:spPr/>
+        <p:txBody>
+          <a:bodyPr/>
+          <a:lstStyle/>
+          <a:p>
+            <a:fld id="{065B079B-E513-489A-8A1B-D7C78493EA86}" type="datetime4">
+              <a:rPr lang="de-DE" smtClean="0"/>
+              <a:pPr/>
+              <a:t>4. November 2019</a:t>
+            </a:fld>
+            <a:endParaRPr lang="de-DE"/>
+          </a:p>
+        </p:txBody>
+      </p:sp>
+      <p:sp>
+        <p:nvSpPr>
+          <p:cNvPr id="5" name="Footer Placeholder 4"/>
+          <p:cNvSpPr>
+            <a:spLocks noGrp="1"/>
+          </p:cNvSpPr>
+          <p:nvPr>
+            <p:ph type="ftr" sz="quarter" idx="4"/>
+          </p:nvPr>
+        </p:nvSpPr>
+        <p:spPr/>
+        <p:txBody>
+          <a:bodyPr/>
+          <a:lstStyle/>
+          <a:p>
+            <a:r>
+              <a:rPr lang="de-DE"/>
+              <a:t>|  </a:t>
+            </a:r>
+          </a:p>
+        </p:txBody>
+      </p:sp>
+      <p:sp>
+        <p:nvSpPr>
+          <p:cNvPr id="6" name="Slide Number Placeholder 5"/>
+          <p:cNvSpPr>
+            <a:spLocks noGrp="1"/>
+          </p:cNvSpPr>
+          <p:nvPr>
+            <p:ph type="sldNum" sz="quarter" idx="5"/>
+          </p:nvPr>
+        </p:nvSpPr>
+        <p:spPr/>
+        <p:txBody>
+          <a:bodyPr/>
+          <a:lstStyle/>
+          <a:p>
+            <a:r>
+              <a:rPr lang="de-DE"/>
+              <a:t>|  </a:t>
+            </a:r>
+            <a:fld id="{C36AA9A4-5D0B-4134-89A6-D8B9DAA4F25C}" type="slidenum">
+              <a:rPr lang="de-DE" smtClean="0"/>
+              <a:pPr/>
+              <a:t>8</a:t>
+            </a:fld>
+            <a:endParaRPr lang="de-DE"/>
+          </a:p>
+        </p:txBody>
+      </p:sp>
+    </p:spTree>
+    <p:extLst>
+      <p:ext uri="{BB962C8B-B14F-4D97-AF65-F5344CB8AC3E}">
+        <p14:creationId xmlns:p14="http://schemas.microsoft.com/office/powerpoint/2010/main" val="3998824269"/>
+      </p:ext>
+    </p:extLst>
+  </p:cSld>
+  <p:clrMapOvr>
+    <a:masterClrMapping/>
+  </p:clrMapOvr>
+</p:notes>
+</file>
+
+<file path=ppt/notesSlides/notesSlide6.xml><?xml version="1.0" encoding="utf-8"?>
+<p:notes xmlns:a="http://schemas.openxmlformats.org/drawingml/2006/main" xmlns:r="http://schemas.openxmlformats.org/officeDocument/2006/relationships" xmlns:p="http://schemas.openxmlformats.org/presentationml/2006/main">
+  <p:cSld>
+    <p:spTree>
+      <p:nvGrpSpPr>
+        <p:cNvPr id="1" name=""/>
+        <p:cNvGrpSpPr/>
+        <p:nvPr/>
+      </p:nvGrpSpPr>
+      <p:grpSpPr>
+        <a:xfrm>
+          <a:off x="0" y="0"/>
+          <a:ext cx="0" cy="0"/>
+          <a:chOff x="0" y="0"/>
+          <a:chExt cx="0" cy="0"/>
+        </a:xfrm>
+      </p:grpSpPr>
+      <p:sp>
+        <p:nvSpPr>
+          <p:cNvPr id="2" name="Slide Image Placeholder 1"/>
+          <p:cNvSpPr>
+            <a:spLocks noGrp="1" noRot="1" noChangeAspect="1"/>
+          </p:cNvSpPr>
+          <p:nvPr>
+            <p:ph type="sldImg"/>
+          </p:nvPr>
+        </p:nvSpPr>
+        <p:spPr>
+          <a:xfrm>
+            <a:off x="1371600" y="923925"/>
+            <a:ext cx="4095750" cy="3071813"/>
+          </a:xfrm>
+        </p:spPr>
+      </p:sp>
+      <p:sp>
+        <p:nvSpPr>
+          <p:cNvPr id="3" name="Notes Placeholder 2"/>
+          <p:cNvSpPr>
+            <a:spLocks noGrp="1"/>
+          </p:cNvSpPr>
+          <p:nvPr>
+            <p:ph type="body" idx="1"/>
+          </p:nvPr>
+        </p:nvSpPr>
+        <p:spPr/>
+        <p:txBody>
+          <a:bodyPr/>
+          <a:lstStyle/>
+          <a:p>
+            <a:endParaRPr lang="de-DE" dirty="0"/>
+          </a:p>
+        </p:txBody>
+      </p:sp>
+      <p:sp>
+        <p:nvSpPr>
+          <p:cNvPr id="4" name="Date Placeholder 3"/>
+          <p:cNvSpPr>
+            <a:spLocks noGrp="1"/>
+          </p:cNvSpPr>
+          <p:nvPr>
+            <p:ph type="dt" idx="1"/>
+          </p:nvPr>
+        </p:nvSpPr>
+        <p:spPr/>
+        <p:txBody>
+          <a:bodyPr/>
+          <a:lstStyle/>
+          <a:p>
+            <a:fld id="{065B079B-E513-489A-8A1B-D7C78493EA86}" type="datetime4">
+              <a:rPr lang="de-DE" smtClean="0"/>
+              <a:pPr/>
+              <a:t>4. November 2019</a:t>
+            </a:fld>
+            <a:endParaRPr lang="de-DE"/>
+          </a:p>
+        </p:txBody>
+      </p:sp>
+      <p:sp>
+        <p:nvSpPr>
+          <p:cNvPr id="5" name="Footer Placeholder 4"/>
+          <p:cNvSpPr>
+            <a:spLocks noGrp="1"/>
+          </p:cNvSpPr>
+          <p:nvPr>
+            <p:ph type="ftr" sz="quarter" idx="4"/>
+          </p:nvPr>
+        </p:nvSpPr>
+        <p:spPr/>
+        <p:txBody>
+          <a:bodyPr/>
+          <a:lstStyle/>
+          <a:p>
+            <a:r>
+              <a:rPr lang="de-DE"/>
+              <a:t>|  </a:t>
+            </a:r>
+          </a:p>
+        </p:txBody>
+      </p:sp>
+      <p:sp>
+        <p:nvSpPr>
+          <p:cNvPr id="6" name="Slide Number Placeholder 5"/>
+          <p:cNvSpPr>
+            <a:spLocks noGrp="1"/>
+          </p:cNvSpPr>
+          <p:nvPr>
+            <p:ph type="sldNum" sz="quarter" idx="5"/>
+          </p:nvPr>
+        </p:nvSpPr>
+        <p:spPr/>
+        <p:txBody>
+          <a:bodyPr/>
+          <a:lstStyle/>
+          <a:p>
+            <a:r>
+              <a:rPr lang="de-DE"/>
+              <a:t>|  </a:t>
+            </a:r>
+            <a:fld id="{C36AA9A4-5D0B-4134-89A6-D8B9DAA4F25C}" type="slidenum">
+              <a:rPr lang="de-DE" smtClean="0"/>
+              <a:pPr/>
+              <a:t>11</a:t>
+            </a:fld>
+            <a:endParaRPr lang="de-DE"/>
+          </a:p>
+        </p:txBody>
+      </p:sp>
+    </p:spTree>
+    <p:extLst>
+      <p:ext uri="{BB962C8B-B14F-4D97-AF65-F5344CB8AC3E}">
+        <p14:creationId xmlns:p14="http://schemas.microsoft.com/office/powerpoint/2010/main" val="1391418166"/>
+      </p:ext>
+    </p:extLst>
+  </p:cSld>
+  <p:clrMapOvr>
+    <a:masterClrMapping/>
+  </p:clrMapOvr>
+</p:notes>
+</file>
+
+<file path=ppt/notesSlides/notesSlide7.xml><?xml version="1.0" encoding="utf-8"?>
+<p:notes xmlns:a="http://schemas.openxmlformats.org/drawingml/2006/main" xmlns:r="http://schemas.openxmlformats.org/officeDocument/2006/relationships" xmlns:p="http://schemas.openxmlformats.org/presentationml/2006/main">
+  <p:cSld>
+    <p:spTree>
+      <p:nvGrpSpPr>
+        <p:cNvPr id="1" name=""/>
+        <p:cNvGrpSpPr/>
+        <p:nvPr/>
+      </p:nvGrpSpPr>
+      <p:grpSpPr>
+        <a:xfrm>
+          <a:off x="0" y="0"/>
+          <a:ext cx="0" cy="0"/>
+          <a:chOff x="0" y="0"/>
+          <a:chExt cx="0" cy="0"/>
+        </a:xfrm>
+      </p:grpSpPr>
+      <p:sp>
+        <p:nvSpPr>
+          <p:cNvPr id="2" name="Slide Image Placeholder 1"/>
+          <p:cNvSpPr>
+            <a:spLocks noGrp="1" noRot="1" noChangeAspect="1"/>
+          </p:cNvSpPr>
+          <p:nvPr>
+            <p:ph type="sldImg"/>
+          </p:nvPr>
+        </p:nvSpPr>
+        <p:spPr>
+          <a:xfrm>
+            <a:off x="1371600" y="923925"/>
+            <a:ext cx="4095750" cy="3071813"/>
+          </a:xfrm>
+        </p:spPr>
+      </p:sp>
+      <p:sp>
+        <p:nvSpPr>
+          <p:cNvPr id="3" name="Notes Placeholder 2"/>
+          <p:cNvSpPr>
+            <a:spLocks noGrp="1"/>
+          </p:cNvSpPr>
+          <p:nvPr>
+            <p:ph type="body" idx="1"/>
+          </p:nvPr>
+        </p:nvSpPr>
+        <p:spPr/>
+        <p:txBody>
+          <a:bodyPr/>
+          <a:lstStyle/>
+          <a:p>
+            <a:r>
+              <a:rPr lang="de-DE" dirty="0"/>
+              <a:t>The </a:t>
+            </a:r>
+            <a:r>
+              <a:rPr lang="de-DE" dirty="0" err="1"/>
+              <a:t>most</a:t>
+            </a:r>
+            <a:r>
+              <a:rPr lang="de-DE" dirty="0"/>
+              <a:t> </a:t>
+            </a:r>
+            <a:r>
+              <a:rPr lang="de-DE" dirty="0" err="1"/>
+              <a:t>straightforward</a:t>
+            </a:r>
+            <a:r>
+              <a:rPr lang="de-DE" dirty="0"/>
+              <a:t> </a:t>
+            </a:r>
+            <a:r>
+              <a:rPr lang="de-DE" dirty="0" err="1"/>
+              <a:t>way</a:t>
+            </a:r>
+            <a:r>
+              <a:rPr lang="de-DE" dirty="0"/>
+              <a:t> </a:t>
+            </a:r>
+            <a:r>
+              <a:rPr lang="de-DE" dirty="0" err="1"/>
+              <a:t>to</a:t>
+            </a:r>
+            <a:r>
+              <a:rPr lang="de-DE" dirty="0"/>
+              <a:t> </a:t>
+            </a:r>
+            <a:r>
+              <a:rPr lang="de-DE" dirty="0" err="1"/>
+              <a:t>add</a:t>
+            </a:r>
+            <a:r>
+              <a:rPr lang="de-DE" dirty="0"/>
+              <a:t> </a:t>
+            </a:r>
+            <a:r>
+              <a:rPr lang="de-DE" dirty="0" err="1"/>
+              <a:t>tasks</a:t>
+            </a:r>
+            <a:r>
+              <a:rPr lang="de-DE" dirty="0"/>
+              <a:t> </a:t>
+            </a:r>
+            <a:r>
+              <a:rPr lang="de-DE" dirty="0" err="1"/>
+              <a:t>to</a:t>
+            </a:r>
+            <a:r>
+              <a:rPr lang="de-DE" dirty="0"/>
+              <a:t> </a:t>
+            </a:r>
+            <a:r>
+              <a:rPr lang="de-DE" dirty="0" err="1"/>
+              <a:t>the</a:t>
+            </a:r>
+            <a:r>
+              <a:rPr lang="de-DE" dirty="0"/>
+              <a:t> </a:t>
+            </a:r>
+            <a:r>
+              <a:rPr lang="de-DE" dirty="0" err="1"/>
+              <a:t>task</a:t>
+            </a:r>
+            <a:r>
+              <a:rPr lang="de-DE" dirty="0"/>
+              <a:t> </a:t>
+            </a:r>
+            <a:r>
+              <a:rPr lang="de-DE" dirty="0" err="1"/>
+              <a:t>queue</a:t>
+            </a:r>
+            <a:r>
+              <a:rPr lang="de-DE" dirty="0"/>
+              <a:t> </a:t>
+            </a:r>
+            <a:r>
+              <a:rPr lang="de-DE" dirty="0" err="1"/>
+              <a:t>programmatically</a:t>
+            </a:r>
+            <a:r>
+              <a:rPr lang="de-DE" dirty="0"/>
+              <a:t> via </a:t>
+            </a:r>
+            <a:r>
+              <a:rPr lang="de-DE" dirty="0" err="1"/>
+              <a:t>setInterval</a:t>
+            </a:r>
+            <a:r>
+              <a:rPr lang="de-DE" dirty="0"/>
+              <a:t> </a:t>
+            </a:r>
+            <a:r>
+              <a:rPr lang="de-DE" dirty="0" err="1"/>
+              <a:t>or</a:t>
+            </a:r>
+            <a:r>
+              <a:rPr lang="de-DE" dirty="0"/>
+              <a:t> </a:t>
+            </a:r>
+            <a:r>
+              <a:rPr lang="de-DE" dirty="0" err="1"/>
+              <a:t>setTimeout</a:t>
+            </a:r>
+            <a:r>
+              <a:rPr lang="de-DE" dirty="0"/>
+              <a:t>()</a:t>
+            </a:r>
+          </a:p>
+          <a:p>
+            <a:endParaRPr lang="de-DE" dirty="0"/>
+          </a:p>
+          <a:p>
+            <a:r>
+              <a:rPr lang="de-DE" dirty="0"/>
+              <a:t>This </a:t>
+            </a:r>
+            <a:r>
+              <a:rPr lang="de-DE" dirty="0" err="1"/>
+              <a:t>method</a:t>
+            </a:r>
+            <a:r>
+              <a:rPr lang="de-DE" dirty="0"/>
+              <a:t> </a:t>
+            </a:r>
+            <a:r>
+              <a:rPr lang="de-DE" dirty="0" err="1"/>
+              <a:t>is</a:t>
+            </a:r>
+            <a:r>
+              <a:rPr lang="de-DE" dirty="0"/>
+              <a:t> </a:t>
+            </a:r>
+            <a:r>
+              <a:rPr lang="de-DE" dirty="0" err="1"/>
+              <a:t>throttled</a:t>
+            </a:r>
+            <a:r>
+              <a:rPr lang="de-DE" dirty="0"/>
+              <a:t> </a:t>
+            </a:r>
+            <a:r>
+              <a:rPr lang="de-DE" dirty="0" err="1"/>
+              <a:t>by</a:t>
+            </a:r>
+            <a:r>
+              <a:rPr lang="de-DE" dirty="0"/>
+              <a:t> all </a:t>
+            </a:r>
+            <a:r>
+              <a:rPr lang="de-DE" dirty="0" err="1"/>
+              <a:t>browser</a:t>
+            </a:r>
+            <a:r>
+              <a:rPr lang="de-DE" dirty="0"/>
+              <a:t> </a:t>
+            </a:r>
+            <a:r>
+              <a:rPr lang="de-DE" dirty="0" err="1"/>
+              <a:t>implementations</a:t>
+            </a:r>
+            <a:r>
+              <a:rPr lang="de-DE" dirty="0"/>
+              <a:t> </a:t>
+            </a:r>
+            <a:r>
+              <a:rPr lang="de-DE" dirty="0" err="1"/>
+              <a:t>for</a:t>
+            </a:r>
+            <a:r>
+              <a:rPr lang="de-DE" dirty="0"/>
+              <a:t> </a:t>
+            </a:r>
+            <a:r>
+              <a:rPr lang="de-DE" dirty="0" err="1"/>
+              <a:t>energy</a:t>
+            </a:r>
+            <a:r>
+              <a:rPr lang="de-DE" dirty="0"/>
+              <a:t> </a:t>
+            </a:r>
+            <a:r>
+              <a:rPr lang="de-DE" dirty="0" err="1"/>
+              <a:t>efficiency</a:t>
+            </a:r>
+            <a:r>
+              <a:rPr lang="de-DE" dirty="0"/>
+              <a:t> </a:t>
+            </a:r>
+            <a:r>
+              <a:rPr lang="de-DE" dirty="0" err="1"/>
+              <a:t>reasons</a:t>
+            </a:r>
+            <a:endParaRPr lang="de-DE" dirty="0"/>
+          </a:p>
+          <a:p>
+            <a:endParaRPr lang="de-DE" dirty="0"/>
+          </a:p>
+          <a:p>
+            <a:r>
+              <a:rPr lang="de-DE" dirty="0" err="1"/>
+              <a:t>Specification</a:t>
+            </a:r>
+            <a:r>
+              <a:rPr lang="de-DE" dirty="0"/>
+              <a:t> </a:t>
+            </a:r>
+            <a:r>
+              <a:rPr lang="de-DE" dirty="0" err="1"/>
+              <a:t>defines</a:t>
+            </a:r>
+            <a:r>
+              <a:rPr lang="de-DE" dirty="0"/>
+              <a:t> </a:t>
+            </a:r>
+            <a:r>
+              <a:rPr lang="de-DE" dirty="0" err="1"/>
+              <a:t>that</a:t>
+            </a:r>
+            <a:r>
+              <a:rPr lang="de-DE" dirty="0"/>
+              <a:t> </a:t>
+            </a:r>
+            <a:r>
+              <a:rPr lang="de-DE" dirty="0" err="1"/>
+              <a:t>user</a:t>
+            </a:r>
+            <a:r>
+              <a:rPr lang="de-DE" dirty="0"/>
+              <a:t> </a:t>
+            </a:r>
+            <a:r>
+              <a:rPr lang="de-DE" dirty="0" err="1"/>
+              <a:t>agent</a:t>
+            </a:r>
+            <a:r>
+              <a:rPr lang="de-DE" dirty="0"/>
+              <a:t> </a:t>
+            </a:r>
+            <a:r>
+              <a:rPr lang="de-DE" dirty="0" err="1"/>
+              <a:t>can</a:t>
+            </a:r>
+            <a:r>
+              <a:rPr lang="de-DE" dirty="0"/>
+              <a:t> </a:t>
+            </a:r>
+            <a:r>
+              <a:rPr lang="de-DE" dirty="0" err="1"/>
+              <a:t>wait</a:t>
+            </a:r>
+            <a:r>
+              <a:rPr lang="de-DE" dirty="0"/>
+              <a:t> </a:t>
+            </a:r>
+            <a:r>
+              <a:rPr lang="de-DE" dirty="0" err="1"/>
+              <a:t>for</a:t>
+            </a:r>
+            <a:r>
+              <a:rPr lang="de-DE" dirty="0"/>
+              <a:t> additional time. </a:t>
+            </a:r>
+            <a:r>
+              <a:rPr lang="de-DE" dirty="0" err="1"/>
+              <a:t>Minumum</a:t>
+            </a:r>
+            <a:r>
+              <a:rPr lang="de-DE" dirty="0"/>
+              <a:t> </a:t>
+            </a:r>
+            <a:r>
+              <a:rPr lang="de-DE" dirty="0" err="1"/>
+              <a:t>is</a:t>
+            </a:r>
+            <a:r>
+              <a:rPr lang="de-DE" dirty="0"/>
+              <a:t> 4ms</a:t>
+            </a:r>
+          </a:p>
+          <a:p>
+            <a:endParaRPr lang="de-DE" dirty="0"/>
+          </a:p>
+          <a:p>
+            <a:endParaRPr lang="de-DE" dirty="0"/>
+          </a:p>
+        </p:txBody>
+      </p:sp>
+      <p:sp>
+        <p:nvSpPr>
+          <p:cNvPr id="4" name="Date Placeholder 3"/>
+          <p:cNvSpPr>
+            <a:spLocks noGrp="1"/>
+          </p:cNvSpPr>
+          <p:nvPr>
+            <p:ph type="dt" idx="1"/>
+          </p:nvPr>
+        </p:nvSpPr>
+        <p:spPr/>
+        <p:txBody>
+          <a:bodyPr/>
+          <a:lstStyle/>
+          <a:p>
+            <a:fld id="{065B079B-E513-489A-8A1B-D7C78493EA86}" type="datetime4">
+              <a:rPr lang="de-DE" smtClean="0"/>
+              <a:pPr/>
+              <a:t>4. November 2019</a:t>
+            </a:fld>
+            <a:endParaRPr lang="de-DE"/>
+          </a:p>
+        </p:txBody>
+      </p:sp>
+      <p:sp>
+        <p:nvSpPr>
+          <p:cNvPr id="5" name="Footer Placeholder 4"/>
+          <p:cNvSpPr>
+            <a:spLocks noGrp="1"/>
+          </p:cNvSpPr>
+          <p:nvPr>
+            <p:ph type="ftr" sz="quarter" idx="4"/>
+          </p:nvPr>
+        </p:nvSpPr>
+        <p:spPr/>
+        <p:txBody>
+          <a:bodyPr/>
+          <a:lstStyle/>
+          <a:p>
+            <a:r>
+              <a:rPr lang="de-DE"/>
+              <a:t>|  </a:t>
+            </a:r>
+          </a:p>
+        </p:txBody>
+      </p:sp>
+      <p:sp>
+        <p:nvSpPr>
+          <p:cNvPr id="6" name="Slide Number Placeholder 5"/>
+          <p:cNvSpPr>
+            <a:spLocks noGrp="1"/>
+          </p:cNvSpPr>
+          <p:nvPr>
+            <p:ph type="sldNum" sz="quarter" idx="5"/>
+          </p:nvPr>
+        </p:nvSpPr>
+        <p:spPr/>
+        <p:txBody>
+          <a:bodyPr/>
+          <a:lstStyle/>
+          <a:p>
+            <a:r>
+              <a:rPr lang="de-DE"/>
+              <a:t>|  </a:t>
+            </a:r>
+            <a:fld id="{C36AA9A4-5D0B-4134-89A6-D8B9DAA4F25C}" type="slidenum">
+              <a:rPr lang="de-DE" smtClean="0"/>
+              <a:pPr/>
+              <a:t>12</a:t>
+            </a:fld>
+            <a:endParaRPr lang="de-DE"/>
+          </a:p>
+        </p:txBody>
+      </p:sp>
+    </p:spTree>
+    <p:extLst>
+      <p:ext uri="{BB962C8B-B14F-4D97-AF65-F5344CB8AC3E}">
+        <p14:creationId xmlns:p14="http://schemas.microsoft.com/office/powerpoint/2010/main" val="4215971901"/>
+      </p:ext>
+    </p:extLst>
+  </p:cSld>
+  <p:clrMapOvr>
+    <a:masterClrMapping/>
+  </p:clrMapOvr>
+</p:notes>
+</file>
+
+<file path=ppt/notesSlides/notesSlide8.xml><?xml version="1.0" encoding="utf-8"?>
+<p:notes xmlns:a="http://schemas.openxmlformats.org/drawingml/2006/main" xmlns:r="http://schemas.openxmlformats.org/officeDocument/2006/relationships" xmlns:p="http://schemas.openxmlformats.org/presentationml/2006/main">
+  <p:cSld>
+    <p:spTree>
+      <p:nvGrpSpPr>
+        <p:cNvPr id="1" name=""/>
+        <p:cNvGrpSpPr/>
+        <p:nvPr/>
+      </p:nvGrpSpPr>
+      <p:grpSpPr>
+        <a:xfrm>
+          <a:off x="0" y="0"/>
+          <a:ext cx="0" cy="0"/>
+          <a:chOff x="0" y="0"/>
+          <a:chExt cx="0" cy="0"/>
+        </a:xfrm>
+      </p:grpSpPr>
+      <p:sp>
+        <p:nvSpPr>
+          <p:cNvPr id="2" name="Slide Image Placeholder 1"/>
+          <p:cNvSpPr>
+            <a:spLocks noGrp="1" noRot="1" noChangeAspect="1"/>
+          </p:cNvSpPr>
+          <p:nvPr>
+            <p:ph type="sldImg"/>
+          </p:nvPr>
+        </p:nvSpPr>
+        <p:spPr>
+          <a:xfrm>
+            <a:off x="1371600" y="923925"/>
+            <a:ext cx="4095750" cy="3071813"/>
+          </a:xfrm>
+        </p:spPr>
+      </p:sp>
+      <p:sp>
+        <p:nvSpPr>
+          <p:cNvPr id="3" name="Notes Placeholder 2"/>
+          <p:cNvSpPr>
+            <a:spLocks noGrp="1"/>
+          </p:cNvSpPr>
+          <p:nvPr>
+            <p:ph type="body" idx="1"/>
+          </p:nvPr>
+        </p:nvSpPr>
+        <p:spPr/>
+        <p:txBody>
+          <a:bodyPr/>
+          <a:lstStyle/>
+          <a:p>
+            <a:r>
+              <a:rPr lang="de-DE" dirty="0"/>
+              <a:t>Chrome </a:t>
+            </a:r>
+            <a:r>
+              <a:rPr lang="de-DE" dirty="0" err="1"/>
+              <a:t>begins</a:t>
+            </a:r>
+            <a:r>
+              <a:rPr lang="de-DE" dirty="0"/>
+              <a:t> </a:t>
+            </a:r>
+            <a:r>
+              <a:rPr lang="de-DE" dirty="0" err="1"/>
+              <a:t>throttling</a:t>
+            </a:r>
+            <a:r>
+              <a:rPr lang="de-DE" dirty="0"/>
+              <a:t> after 10 </a:t>
+            </a:r>
+            <a:r>
+              <a:rPr lang="de-DE" dirty="0" err="1"/>
+              <a:t>seconds</a:t>
+            </a:r>
+            <a:r>
+              <a:rPr lang="de-DE" dirty="0"/>
+              <a:t>. After </a:t>
+            </a:r>
+            <a:r>
+              <a:rPr lang="de-DE" dirty="0" err="1"/>
+              <a:t>that</a:t>
+            </a:r>
+            <a:r>
+              <a:rPr lang="de-DE" dirty="0"/>
+              <a:t>, </a:t>
+            </a:r>
+            <a:r>
+              <a:rPr lang="de-DE" dirty="0" err="1"/>
+              <a:t>budget</a:t>
+            </a:r>
+            <a:r>
+              <a:rPr lang="de-DE" dirty="0"/>
+              <a:t> </a:t>
+            </a:r>
+            <a:r>
+              <a:rPr lang="de-DE" dirty="0" err="1"/>
+              <a:t>based</a:t>
+            </a:r>
+            <a:r>
+              <a:rPr lang="de-DE" dirty="0"/>
+              <a:t> </a:t>
+            </a:r>
+            <a:r>
+              <a:rPr lang="de-DE" dirty="0" err="1"/>
+              <a:t>throttling</a:t>
+            </a:r>
+            <a:r>
+              <a:rPr lang="de-DE" dirty="0"/>
+              <a:t> kicks in </a:t>
+            </a:r>
+            <a:r>
+              <a:rPr lang="de-DE" dirty="0" err="1"/>
+              <a:t>limiting</a:t>
+            </a:r>
+            <a:r>
+              <a:rPr lang="de-DE" dirty="0"/>
+              <a:t> </a:t>
+            </a:r>
+            <a:r>
+              <a:rPr lang="de-DE" dirty="0" err="1"/>
+              <a:t>to</a:t>
+            </a:r>
+            <a:r>
+              <a:rPr lang="de-DE" dirty="0"/>
+              <a:t> 1% </a:t>
+            </a:r>
+            <a:r>
+              <a:rPr lang="de-DE" dirty="0" err="1"/>
+              <a:t>of</a:t>
+            </a:r>
+            <a:r>
+              <a:rPr lang="de-DE" dirty="0"/>
+              <a:t> CPU time on </a:t>
+            </a:r>
+            <a:r>
+              <a:rPr lang="de-DE" dirty="0" err="1"/>
+              <a:t>average</a:t>
+            </a:r>
+            <a:endParaRPr lang="de-DE" dirty="0"/>
+          </a:p>
+          <a:p>
+            <a:endParaRPr lang="de-DE" dirty="0"/>
+          </a:p>
+          <a:p>
+            <a:r>
+              <a:rPr lang="de-DE" dirty="0"/>
+              <a:t>Firefox </a:t>
+            </a:r>
+            <a:r>
+              <a:rPr lang="de-DE" dirty="0" err="1"/>
+              <a:t>waits</a:t>
+            </a:r>
+            <a:r>
+              <a:rPr lang="de-DE" dirty="0"/>
+              <a:t> additional </a:t>
+            </a:r>
+            <a:r>
+              <a:rPr lang="de-DE" dirty="0" err="1"/>
+              <a:t>second</a:t>
+            </a:r>
+            <a:r>
+              <a:rPr lang="de-DE" dirty="0"/>
+              <a:t> </a:t>
+            </a:r>
+            <a:r>
+              <a:rPr lang="de-DE" dirty="0" err="1"/>
+              <a:t>before</a:t>
+            </a:r>
+            <a:r>
+              <a:rPr lang="de-DE" dirty="0"/>
+              <a:t> </a:t>
+            </a:r>
+            <a:r>
+              <a:rPr lang="de-DE" dirty="0" err="1"/>
+              <a:t>next</a:t>
+            </a:r>
+            <a:r>
+              <a:rPr lang="de-DE" dirty="0"/>
+              <a:t> </a:t>
+            </a:r>
+            <a:r>
+              <a:rPr lang="de-DE" dirty="0" err="1"/>
+              <a:t>invocation</a:t>
+            </a:r>
+            <a:r>
+              <a:rPr lang="de-DE" dirty="0"/>
+              <a:t> =&gt; 50% </a:t>
+            </a:r>
+            <a:r>
+              <a:rPr lang="de-DE" dirty="0" err="1"/>
+              <a:t>cpu</a:t>
+            </a:r>
+            <a:r>
+              <a:rPr lang="de-DE" dirty="0"/>
+              <a:t> </a:t>
+            </a:r>
+            <a:r>
+              <a:rPr lang="de-DE" dirty="0" err="1"/>
+              <a:t>usage</a:t>
+            </a:r>
+            <a:r>
+              <a:rPr lang="de-DE" dirty="0"/>
+              <a:t>. After 30 </a:t>
+            </a:r>
+            <a:r>
+              <a:rPr lang="de-DE" dirty="0" err="1"/>
+              <a:t>seconds</a:t>
+            </a:r>
+            <a:r>
+              <a:rPr lang="de-DE" dirty="0"/>
+              <a:t>, </a:t>
+            </a:r>
+          </a:p>
+        </p:txBody>
+      </p:sp>
+      <p:sp>
+        <p:nvSpPr>
+          <p:cNvPr id="4" name="Date Placeholder 3"/>
+          <p:cNvSpPr>
+            <a:spLocks noGrp="1"/>
+          </p:cNvSpPr>
+          <p:nvPr>
+            <p:ph type="dt" idx="1"/>
+          </p:nvPr>
+        </p:nvSpPr>
+        <p:spPr/>
+        <p:txBody>
+          <a:bodyPr/>
+          <a:lstStyle/>
+          <a:p>
+            <a:fld id="{065B079B-E513-489A-8A1B-D7C78493EA86}" type="datetime4">
+              <a:rPr lang="de-DE" smtClean="0"/>
+              <a:pPr/>
+              <a:t>4. November 2019</a:t>
+            </a:fld>
+            <a:endParaRPr lang="de-DE"/>
+          </a:p>
+        </p:txBody>
+      </p:sp>
+      <p:sp>
+        <p:nvSpPr>
+          <p:cNvPr id="5" name="Footer Placeholder 4"/>
+          <p:cNvSpPr>
+            <a:spLocks noGrp="1"/>
+          </p:cNvSpPr>
+          <p:nvPr>
+            <p:ph type="ftr" sz="quarter" idx="4"/>
+          </p:nvPr>
+        </p:nvSpPr>
+        <p:spPr/>
+        <p:txBody>
+          <a:bodyPr/>
+          <a:lstStyle/>
+          <a:p>
+            <a:r>
+              <a:rPr lang="de-DE"/>
+              <a:t>|  </a:t>
+            </a:r>
+          </a:p>
+        </p:txBody>
+      </p:sp>
+      <p:sp>
+        <p:nvSpPr>
+          <p:cNvPr id="6" name="Slide Number Placeholder 5"/>
+          <p:cNvSpPr>
+            <a:spLocks noGrp="1"/>
+          </p:cNvSpPr>
+          <p:nvPr>
+            <p:ph type="sldNum" sz="quarter" idx="5"/>
+          </p:nvPr>
+        </p:nvSpPr>
+        <p:spPr/>
+        <p:txBody>
+          <a:bodyPr/>
+          <a:lstStyle/>
+          <a:p>
+            <a:r>
+              <a:rPr lang="de-DE"/>
+              <a:t>|  </a:t>
+            </a:r>
+            <a:fld id="{C36AA9A4-5D0B-4134-89A6-D8B9DAA4F25C}" type="slidenum">
+              <a:rPr lang="de-DE" smtClean="0"/>
+              <a:pPr/>
+              <a:t>13</a:t>
+            </a:fld>
+            <a:endParaRPr lang="de-DE"/>
+          </a:p>
+        </p:txBody>
+      </p:sp>
+    </p:spTree>
+    <p:extLst>
+      <p:ext uri="{BB962C8B-B14F-4D97-AF65-F5344CB8AC3E}">
+        <p14:creationId xmlns:p14="http://schemas.microsoft.com/office/powerpoint/2010/main" val="4218145477"/>
       </p:ext>
     </p:extLst>
   </p:cSld>
@@ -3605,7 +5107,7 @@
                 <a:tabLst/>
                 <a:defRPr/>
               </a:pPr>
-              <a:t>07.10.19</a:t>
+              <a:t>04.11.19</a:t>
             </a:fld>
             <a:r>
               <a:rPr kumimoji="0" lang="de-DE" sz="1000" b="0" i="0" u="none" strike="noStrike" kern="1200" cap="none" spc="0" normalizeH="0" baseline="0" noProof="0" dirty="0">
@@ -5079,7 +6581,7 @@
                 <a:tabLst/>
                 <a:defRPr/>
               </a:pPr>
-              <a:t>07.10.19</a:t>
+              <a:t>04.11.19</a:t>
             </a:fld>
             <a:r>
               <a:rPr kumimoji="0" lang="de-DE" sz="1000" b="0" i="0" u="none" strike="noStrike" kern="1200" cap="none" spc="0" normalizeH="0" baseline="0" noProof="0" dirty="0">
@@ -5767,6 +7269,4087 @@
 </p:sld>
 </file>
 
+<file path=ppt/slides/slide10.xml><?xml version="1.0" encoding="utf-8"?>
+<p:sld xmlns:a="http://schemas.openxmlformats.org/drawingml/2006/main" xmlns:r="http://schemas.openxmlformats.org/officeDocument/2006/relationships" xmlns:p="http://schemas.openxmlformats.org/presentationml/2006/main">
+  <p:cSld>
+    <p:spTree>
+      <p:nvGrpSpPr>
+        <p:cNvPr id="1" name=""/>
+        <p:cNvGrpSpPr/>
+        <p:nvPr/>
+      </p:nvGrpSpPr>
+      <p:grpSpPr>
+        <a:xfrm>
+          <a:off x="0" y="0"/>
+          <a:ext cx="0" cy="0"/>
+          <a:chOff x="0" y="0"/>
+          <a:chExt cx="0" cy="0"/>
+        </a:xfrm>
+      </p:grpSpPr>
+      <p:sp>
+        <p:nvSpPr>
+          <p:cNvPr id="4" name="Title 3">
+            <a:extLst>
+              <a:ext uri="{FF2B5EF4-FFF2-40B4-BE49-F238E27FC236}">
+                <a16:creationId xmlns:a16="http://schemas.microsoft.com/office/drawing/2014/main" id="{B1D84B23-4AC8-F14E-AFDF-21205E09F064}"/>
+              </a:ext>
+            </a:extLst>
+          </p:cNvPr>
+          <p:cNvSpPr>
+            <a:spLocks noGrp="1"/>
+          </p:cNvSpPr>
+          <p:nvPr>
+            <p:ph type="title"/>
+          </p:nvPr>
+        </p:nvSpPr>
+        <p:spPr/>
+        <p:txBody>
+          <a:bodyPr/>
+          <a:lstStyle/>
+          <a:p>
+            <a:r>
+              <a:rPr lang="de-DE" dirty="0" err="1"/>
+              <a:t>Objectives</a:t>
+            </a:r>
+            <a:endParaRPr lang="de-DE" dirty="0"/>
+          </a:p>
+        </p:txBody>
+      </p:sp>
+      <p:sp>
+        <p:nvSpPr>
+          <p:cNvPr id="5" name="Content Placeholder 4">
+            <a:extLst>
+              <a:ext uri="{FF2B5EF4-FFF2-40B4-BE49-F238E27FC236}">
+                <a16:creationId xmlns:a16="http://schemas.microsoft.com/office/drawing/2014/main" id="{E7F48601-F1B0-1A49-B7B0-45D960DE7656}"/>
+              </a:ext>
+            </a:extLst>
+          </p:cNvPr>
+          <p:cNvSpPr>
+            <a:spLocks noGrp="1"/>
+          </p:cNvSpPr>
+          <p:nvPr>
+            <p:ph idx="1"/>
+          </p:nvPr>
+        </p:nvSpPr>
+        <p:spPr>
+          <a:xfrm>
+            <a:off x="360000" y="1620000"/>
+            <a:ext cx="8460472" cy="4479943"/>
+          </a:xfrm>
+        </p:spPr>
+        <p:txBody>
+          <a:bodyPr/>
+          <a:lstStyle/>
+          <a:p>
+            <a:pPr marL="342900" indent="-342900">
+              <a:buFont typeface="Arial" panose="020B0604020202020204" pitchFamily="34" charset="0"/>
+              <a:buChar char="•"/>
+            </a:pPr>
+            <a:r>
+              <a:rPr lang="de-DE" dirty="0" err="1"/>
+              <a:t>Which</a:t>
+            </a:r>
+            <a:r>
+              <a:rPr lang="de-DE" dirty="0"/>
+              <a:t> </a:t>
+            </a:r>
+            <a:r>
+              <a:rPr lang="de-DE" dirty="0" err="1"/>
+              <a:t>methods</a:t>
+            </a:r>
+            <a:r>
+              <a:rPr lang="de-DE" dirty="0"/>
+              <a:t> </a:t>
+            </a:r>
+            <a:r>
+              <a:rPr lang="de-DE" dirty="0" err="1"/>
+              <a:t>exist</a:t>
+            </a:r>
+            <a:r>
+              <a:rPr lang="de-DE" dirty="0"/>
+              <a:t> </a:t>
+            </a:r>
+            <a:r>
+              <a:rPr lang="de-DE" dirty="0" err="1"/>
+              <a:t>to</a:t>
+            </a:r>
+            <a:r>
+              <a:rPr lang="de-DE" dirty="0"/>
+              <a:t> </a:t>
+            </a:r>
+            <a:r>
+              <a:rPr lang="de-DE" dirty="0" err="1"/>
+              <a:t>schedule</a:t>
+            </a:r>
+            <a:r>
+              <a:rPr lang="de-DE" dirty="0"/>
+              <a:t> </a:t>
+            </a:r>
+            <a:r>
+              <a:rPr lang="de-DE" dirty="0" err="1"/>
+              <a:t>tasks</a:t>
+            </a:r>
+            <a:r>
+              <a:rPr lang="de-DE" dirty="0"/>
+              <a:t> </a:t>
+            </a:r>
+            <a:r>
+              <a:rPr lang="de-DE" dirty="0" err="1"/>
+              <a:t>programmatically</a:t>
+            </a:r>
+            <a:endParaRPr lang="de-DE" dirty="0"/>
+          </a:p>
+          <a:p>
+            <a:pPr marL="342900" indent="-342900">
+              <a:buFont typeface="Arial" panose="020B0604020202020204" pitchFamily="34" charset="0"/>
+              <a:buChar char="•"/>
+            </a:pPr>
+            <a:r>
+              <a:rPr lang="de-DE" dirty="0"/>
+              <a:t>Do </a:t>
+            </a:r>
+            <a:r>
+              <a:rPr lang="de-DE" dirty="0" err="1"/>
+              <a:t>browser</a:t>
+            </a:r>
+            <a:r>
+              <a:rPr lang="de-DE" dirty="0"/>
+              <a:t> </a:t>
+            </a:r>
+            <a:r>
+              <a:rPr lang="de-DE" dirty="0" err="1"/>
+              <a:t>implementations</a:t>
+            </a:r>
+            <a:r>
+              <a:rPr lang="de-DE" dirty="0"/>
+              <a:t> </a:t>
+            </a:r>
+            <a:r>
+              <a:rPr lang="de-DE" dirty="0" err="1"/>
+              <a:t>throttle</a:t>
+            </a:r>
+            <a:r>
+              <a:rPr lang="de-DE" dirty="0"/>
+              <a:t> </a:t>
+            </a:r>
+            <a:r>
+              <a:rPr lang="de-DE" dirty="0" err="1"/>
+              <a:t>or</a:t>
+            </a:r>
+            <a:r>
+              <a:rPr lang="de-DE" dirty="0"/>
+              <a:t> </a:t>
+            </a:r>
+            <a:r>
+              <a:rPr lang="de-DE" dirty="0" err="1"/>
+              <a:t>limit</a:t>
+            </a:r>
+            <a:r>
+              <a:rPr lang="de-DE" dirty="0"/>
+              <a:t> </a:t>
+            </a:r>
+            <a:r>
+              <a:rPr lang="de-DE" dirty="0" err="1"/>
+              <a:t>the</a:t>
+            </a:r>
+            <a:r>
+              <a:rPr lang="de-DE" dirty="0"/>
+              <a:t> </a:t>
+            </a:r>
+            <a:r>
+              <a:rPr lang="de-DE" dirty="0" err="1"/>
+              <a:t>methods</a:t>
+            </a:r>
+            <a:r>
+              <a:rPr lang="de-DE" dirty="0"/>
+              <a:t> in </a:t>
+            </a:r>
+            <a:r>
+              <a:rPr lang="de-DE" dirty="0" err="1"/>
+              <a:t>the</a:t>
+            </a:r>
+            <a:r>
+              <a:rPr lang="de-DE" dirty="0"/>
+              <a:t> </a:t>
+            </a:r>
+            <a:r>
+              <a:rPr lang="de-DE" dirty="0" err="1"/>
+              <a:t>background</a:t>
+            </a:r>
+            <a:endParaRPr lang="de-DE" dirty="0"/>
+          </a:p>
+          <a:p>
+            <a:pPr marL="342900" indent="-342900">
+              <a:buFont typeface="Arial" panose="020B0604020202020204" pitchFamily="34" charset="0"/>
+              <a:buChar char="•"/>
+            </a:pPr>
+            <a:r>
+              <a:rPr lang="de-DE" dirty="0" err="1"/>
+              <a:t>How</a:t>
+            </a:r>
+            <a:r>
+              <a:rPr lang="de-DE" dirty="0"/>
+              <a:t> do </a:t>
+            </a:r>
+            <a:r>
+              <a:rPr lang="de-DE" dirty="0" err="1"/>
+              <a:t>browser</a:t>
+            </a:r>
+            <a:r>
+              <a:rPr lang="de-DE" dirty="0"/>
+              <a:t> </a:t>
+            </a:r>
+            <a:r>
+              <a:rPr lang="de-DE" dirty="0" err="1"/>
+              <a:t>implementations</a:t>
+            </a:r>
+            <a:r>
+              <a:rPr lang="de-DE" dirty="0"/>
+              <a:t> </a:t>
+            </a:r>
+            <a:r>
+              <a:rPr lang="de-DE" dirty="0" err="1"/>
+              <a:t>differ</a:t>
+            </a:r>
+            <a:r>
+              <a:rPr lang="de-DE" dirty="0"/>
+              <a:t> </a:t>
+            </a:r>
+            <a:r>
+              <a:rPr lang="de-DE" dirty="0" err="1"/>
+              <a:t>with</a:t>
+            </a:r>
+            <a:r>
+              <a:rPr lang="de-DE" dirty="0"/>
+              <a:t> </a:t>
+            </a:r>
+            <a:r>
+              <a:rPr lang="de-DE" dirty="0" err="1"/>
+              <a:t>respect</a:t>
+            </a:r>
+            <a:r>
+              <a:rPr lang="de-DE" dirty="0"/>
+              <a:t> </a:t>
+            </a:r>
+            <a:r>
+              <a:rPr lang="de-DE" dirty="0" err="1"/>
+              <a:t>to</a:t>
+            </a:r>
+            <a:r>
+              <a:rPr lang="de-DE" dirty="0"/>
+              <a:t> </a:t>
+            </a:r>
+            <a:r>
+              <a:rPr lang="de-DE" dirty="0" err="1"/>
+              <a:t>their</a:t>
+            </a:r>
+            <a:r>
+              <a:rPr lang="de-DE" dirty="0"/>
+              <a:t> </a:t>
+            </a:r>
+            <a:r>
+              <a:rPr lang="de-DE" dirty="0" err="1"/>
+              <a:t>throttling</a:t>
+            </a:r>
+            <a:r>
+              <a:rPr lang="de-DE" dirty="0"/>
+              <a:t> </a:t>
+            </a:r>
+            <a:r>
+              <a:rPr lang="de-DE" dirty="0" err="1"/>
+              <a:t>behaviour</a:t>
+            </a:r>
+            <a:endParaRPr lang="de-DE" dirty="0"/>
+          </a:p>
+          <a:p>
+            <a:pPr marL="342900" indent="-342900">
+              <a:buFont typeface="Arial" panose="020B0604020202020204" pitchFamily="34" charset="0"/>
+              <a:buChar char="•"/>
+            </a:pPr>
+            <a:r>
+              <a:rPr lang="de-DE" dirty="0" err="1"/>
+              <a:t>We</a:t>
+            </a:r>
+            <a:r>
+              <a:rPr lang="de-DE" dirty="0"/>
+              <a:t> </a:t>
+            </a:r>
+            <a:r>
+              <a:rPr lang="de-DE" dirty="0" err="1"/>
+              <a:t>consider</a:t>
+            </a:r>
+            <a:r>
+              <a:rPr lang="de-DE" dirty="0"/>
+              <a:t> Chrome, Firefox </a:t>
+            </a:r>
+            <a:r>
+              <a:rPr lang="de-DE" dirty="0" err="1"/>
+              <a:t>and</a:t>
+            </a:r>
+            <a:r>
+              <a:rPr lang="de-DE" dirty="0"/>
+              <a:t> Safari </a:t>
+            </a:r>
+            <a:r>
+              <a:rPr lang="de-DE" dirty="0" err="1"/>
+              <a:t>for</a:t>
+            </a:r>
+            <a:r>
+              <a:rPr lang="de-DE" dirty="0"/>
+              <a:t> </a:t>
+            </a:r>
+            <a:r>
+              <a:rPr lang="de-DE" dirty="0" err="1"/>
+              <a:t>desktop</a:t>
+            </a:r>
+            <a:r>
+              <a:rPr lang="de-DE" dirty="0"/>
+              <a:t> </a:t>
+            </a:r>
+            <a:r>
+              <a:rPr lang="de-DE" dirty="0" err="1"/>
+              <a:t>and</a:t>
+            </a:r>
+            <a:r>
+              <a:rPr lang="de-DE" dirty="0"/>
+              <a:t> Chrome </a:t>
+            </a:r>
+            <a:r>
+              <a:rPr lang="de-DE" dirty="0" err="1"/>
+              <a:t>for</a:t>
+            </a:r>
+            <a:r>
+              <a:rPr lang="de-DE" dirty="0"/>
+              <a:t> Android, Firefox </a:t>
+            </a:r>
+            <a:r>
+              <a:rPr lang="de-DE" dirty="0" err="1"/>
+              <a:t>for</a:t>
+            </a:r>
+            <a:r>
+              <a:rPr lang="de-DE" dirty="0"/>
+              <a:t> Android </a:t>
+            </a:r>
+            <a:r>
+              <a:rPr lang="de-DE" dirty="0" err="1"/>
+              <a:t>and</a:t>
+            </a:r>
+            <a:r>
+              <a:rPr lang="de-DE" dirty="0"/>
+              <a:t> Mobile Safari </a:t>
+            </a:r>
+            <a:r>
+              <a:rPr lang="de-DE" dirty="0" err="1"/>
+              <a:t>for</a:t>
+            </a:r>
+            <a:r>
+              <a:rPr lang="de-DE" dirty="0"/>
+              <a:t> mobile</a:t>
+            </a:r>
+          </a:p>
+          <a:p>
+            <a:pPr marL="342900" indent="-342900">
+              <a:buFont typeface="Arial" panose="020B0604020202020204" pitchFamily="34" charset="0"/>
+              <a:buChar char="•"/>
+            </a:pPr>
+            <a:endParaRPr lang="de-DE" dirty="0"/>
+          </a:p>
+        </p:txBody>
+      </p:sp>
+    </p:spTree>
+    <p:extLst>
+      <p:ext uri="{BB962C8B-B14F-4D97-AF65-F5344CB8AC3E}">
+        <p14:creationId xmlns:p14="http://schemas.microsoft.com/office/powerpoint/2010/main" val="803545438"/>
+      </p:ext>
+    </p:extLst>
+  </p:cSld>
+  <p:clrMapOvr>
+    <a:masterClrMapping/>
+  </p:clrMapOvr>
+  <p:timing>
+    <p:tnLst>
+      <p:par>
+        <p:cTn id="1" dur="indefinite" restart="never" nodeType="tmRoot">
+          <p:childTnLst>
+            <p:seq concurrent="1" nextAc="seek">
+              <p:cTn id="2" dur="indefinite" nodeType="mainSeq">
+                <p:childTnLst>
+                  <p:par>
+                    <p:cTn id="3" fill="hold">
+                      <p:stCondLst>
+                        <p:cond delay="indefinite"/>
+                      </p:stCondLst>
+                      <p:childTnLst>
+                        <p:par>
+                          <p:cTn id="4" fill="hold">
+                            <p:stCondLst>
+                              <p:cond delay="0"/>
+                            </p:stCondLst>
+                            <p:childTnLst>
+                              <p:par>
+                                <p:cTn id="5" presetID="1" presetClass="entr" presetSubtype="0" fill="hold" grpId="0" nodeType="clickEffect">
+                                  <p:stCondLst>
+                                    <p:cond delay="0"/>
+                                  </p:stCondLst>
+                                  <p:childTnLst>
+                                    <p:set>
+                                      <p:cBhvr>
+                                        <p:cTn id="6" dur="1" fill="hold">
+                                          <p:stCondLst>
+                                            <p:cond delay="0"/>
+                                          </p:stCondLst>
+                                        </p:cTn>
+                                        <p:tgtEl>
+                                          <p:spTgt spid="5">
+                                            <p:txEl>
+                                              <p:pRg st="0" end="0"/>
+                                            </p:txEl>
+                                          </p:spTgt>
+                                        </p:tgtEl>
+                                        <p:attrNameLst>
+                                          <p:attrName>style.visibility</p:attrName>
+                                        </p:attrNameLst>
+                                      </p:cBhvr>
+                                      <p:to>
+                                        <p:strVal val="visible"/>
+                                      </p:to>
+                                    </p:set>
+                                  </p:childTnLst>
+                                </p:cTn>
+                              </p:par>
+                            </p:childTnLst>
+                          </p:cTn>
+                        </p:par>
+                      </p:childTnLst>
+                    </p:cTn>
+                  </p:par>
+                  <p:par>
+                    <p:cTn id="7" fill="hold">
+                      <p:stCondLst>
+                        <p:cond delay="indefinite"/>
+                      </p:stCondLst>
+                      <p:childTnLst>
+                        <p:par>
+                          <p:cTn id="8" fill="hold">
+                            <p:stCondLst>
+                              <p:cond delay="0"/>
+                            </p:stCondLst>
+                            <p:childTnLst>
+                              <p:par>
+                                <p:cTn id="9" presetID="1" presetClass="entr" presetSubtype="0" fill="hold" grpId="0" nodeType="clickEffect">
+                                  <p:stCondLst>
+                                    <p:cond delay="0"/>
+                                  </p:stCondLst>
+                                  <p:childTnLst>
+                                    <p:set>
+                                      <p:cBhvr>
+                                        <p:cTn id="10" dur="1" fill="hold">
+                                          <p:stCondLst>
+                                            <p:cond delay="0"/>
+                                          </p:stCondLst>
+                                        </p:cTn>
+                                        <p:tgtEl>
+                                          <p:spTgt spid="5">
+                                            <p:txEl>
+                                              <p:pRg st="1" end="1"/>
+                                            </p:txEl>
+                                          </p:spTgt>
+                                        </p:tgtEl>
+                                        <p:attrNameLst>
+                                          <p:attrName>style.visibility</p:attrName>
+                                        </p:attrNameLst>
+                                      </p:cBhvr>
+                                      <p:to>
+                                        <p:strVal val="visible"/>
+                                      </p:to>
+                                    </p:set>
+                                  </p:childTnLst>
+                                </p:cTn>
+                              </p:par>
+                            </p:childTnLst>
+                          </p:cTn>
+                        </p:par>
+                      </p:childTnLst>
+                    </p:cTn>
+                  </p:par>
+                  <p:par>
+                    <p:cTn id="11" fill="hold">
+                      <p:stCondLst>
+                        <p:cond delay="indefinite"/>
+                      </p:stCondLst>
+                      <p:childTnLst>
+                        <p:par>
+                          <p:cTn id="12" fill="hold">
+                            <p:stCondLst>
+                              <p:cond delay="0"/>
+                            </p:stCondLst>
+                            <p:childTnLst>
+                              <p:par>
+                                <p:cTn id="13" presetID="1" presetClass="entr" presetSubtype="0" fill="hold" grpId="0" nodeType="clickEffect">
+                                  <p:stCondLst>
+                                    <p:cond delay="0"/>
+                                  </p:stCondLst>
+                                  <p:childTnLst>
+                                    <p:set>
+                                      <p:cBhvr>
+                                        <p:cTn id="14" dur="1" fill="hold">
+                                          <p:stCondLst>
+                                            <p:cond delay="0"/>
+                                          </p:stCondLst>
+                                        </p:cTn>
+                                        <p:tgtEl>
+                                          <p:spTgt spid="5">
+                                            <p:txEl>
+                                              <p:pRg st="2" end="2"/>
+                                            </p:txEl>
+                                          </p:spTgt>
+                                        </p:tgtEl>
+                                        <p:attrNameLst>
+                                          <p:attrName>style.visibility</p:attrName>
+                                        </p:attrNameLst>
+                                      </p:cBhvr>
+                                      <p:to>
+                                        <p:strVal val="visible"/>
+                                      </p:to>
+                                    </p:set>
+                                  </p:childTnLst>
+                                </p:cTn>
+                              </p:par>
+                            </p:childTnLst>
+                          </p:cTn>
+                        </p:par>
+                      </p:childTnLst>
+                    </p:cTn>
+                  </p:par>
+                  <p:par>
+                    <p:cTn id="15" fill="hold">
+                      <p:stCondLst>
+                        <p:cond delay="indefinite"/>
+                      </p:stCondLst>
+                      <p:childTnLst>
+                        <p:par>
+                          <p:cTn id="16" fill="hold">
+                            <p:stCondLst>
+                              <p:cond delay="0"/>
+                            </p:stCondLst>
+                            <p:childTnLst>
+                              <p:par>
+                                <p:cTn id="17" presetID="1" presetClass="entr" presetSubtype="0" fill="hold" grpId="0" nodeType="clickEffect">
+                                  <p:stCondLst>
+                                    <p:cond delay="0"/>
+                                  </p:stCondLst>
+                                  <p:childTnLst>
+                                    <p:set>
+                                      <p:cBhvr>
+                                        <p:cTn id="18" dur="1" fill="hold">
+                                          <p:stCondLst>
+                                            <p:cond delay="0"/>
+                                          </p:stCondLst>
+                                        </p:cTn>
+                                        <p:tgtEl>
+                                          <p:spTgt spid="5">
+                                            <p:txEl>
+                                              <p:pRg st="3" end="3"/>
+                                            </p:txEl>
+                                          </p:spTgt>
+                                        </p:tgtEl>
+                                        <p:attrNameLst>
+                                          <p:attrName>style.visibility</p:attrName>
+                                        </p:attrNameLst>
+                                      </p:cBhvr>
+                                      <p:to>
+                                        <p:strVal val="visible"/>
+                                      </p:to>
+                                    </p:set>
+                                  </p:childTnLst>
+                                </p:cTn>
+                              </p:par>
+                            </p:childTnLst>
+                          </p:cTn>
+                        </p:par>
+                      </p:childTnLst>
+                    </p:cTn>
+                  </p:par>
+                </p:childTnLst>
+              </p:cTn>
+              <p:prevCondLst>
+                <p:cond evt="onPrev" delay="0">
+                  <p:tgtEl>
+                    <p:sldTgt/>
+                  </p:tgtEl>
+                </p:cond>
+              </p:prevCondLst>
+              <p:nextCondLst>
+                <p:cond evt="onNext" delay="0">
+                  <p:tgtEl>
+                    <p:sldTgt/>
+                  </p:tgtEl>
+                </p:cond>
+              </p:nextCondLst>
+            </p:seq>
+          </p:childTnLst>
+        </p:cTn>
+      </p:par>
+    </p:tnLst>
+    <p:bldLst>
+      <p:bldP spid="5" grpId="0" build="p"/>
+    </p:bldLst>
+  </p:timing>
+</p:sld>
+</file>
+
+<file path=ppt/slides/slide11.xml><?xml version="1.0" encoding="utf-8"?>
+<p:sld xmlns:a="http://schemas.openxmlformats.org/drawingml/2006/main" xmlns:r="http://schemas.openxmlformats.org/officeDocument/2006/relationships" xmlns:p="http://schemas.openxmlformats.org/presentationml/2006/main">
+  <p:cSld>
+    <p:spTree>
+      <p:nvGrpSpPr>
+        <p:cNvPr id="1" name=""/>
+        <p:cNvGrpSpPr/>
+        <p:nvPr/>
+      </p:nvGrpSpPr>
+      <p:grpSpPr>
+        <a:xfrm>
+          <a:off x="0" y="0"/>
+          <a:ext cx="0" cy="0"/>
+          <a:chOff x="0" y="0"/>
+          <a:chExt cx="0" cy="0"/>
+        </a:xfrm>
+      </p:grpSpPr>
+      <p:sp>
+        <p:nvSpPr>
+          <p:cNvPr id="2" name="Title 1">
+            <a:extLst>
+              <a:ext uri="{FF2B5EF4-FFF2-40B4-BE49-F238E27FC236}">
+                <a16:creationId xmlns:a16="http://schemas.microsoft.com/office/drawing/2014/main" id="{09A832F5-31A8-C94D-A88B-37FE2D42ADD7}"/>
+              </a:ext>
+            </a:extLst>
+          </p:cNvPr>
+          <p:cNvSpPr>
+            <a:spLocks noGrp="1"/>
+          </p:cNvSpPr>
+          <p:nvPr>
+            <p:ph type="title"/>
+          </p:nvPr>
+        </p:nvSpPr>
+        <p:spPr/>
+        <p:txBody>
+          <a:bodyPr/>
+          <a:lstStyle/>
+          <a:p>
+            <a:r>
+              <a:rPr lang="de-DE" dirty="0"/>
+              <a:t>Measurement </a:t>
+            </a:r>
+            <a:r>
+              <a:rPr lang="de-DE" dirty="0" err="1"/>
+              <a:t>framework</a:t>
+            </a:r>
+            <a:endParaRPr lang="de-DE" dirty="0"/>
+          </a:p>
+        </p:txBody>
+      </p:sp>
+      <p:pic>
+        <p:nvPicPr>
+          <p:cNvPr id="10" name="Content Placeholder 9">
+            <a:extLst>
+              <a:ext uri="{FF2B5EF4-FFF2-40B4-BE49-F238E27FC236}">
+                <a16:creationId xmlns:a16="http://schemas.microsoft.com/office/drawing/2014/main" id="{DC334BB8-765D-4D41-B9E7-29C2E038C8AD}"/>
+              </a:ext>
+            </a:extLst>
+          </p:cNvPr>
+          <p:cNvPicPr>
+            <a:picLocks noGrp="1" noChangeAspect="1"/>
+          </p:cNvPicPr>
+          <p:nvPr>
+            <p:ph sz="half" idx="2"/>
+          </p:nvPr>
+        </p:nvPicPr>
+        <p:blipFill>
+          <a:blip r:embed="rId3">
+            <a:extLst>
+              <a:ext uri="{28A0092B-C50C-407E-A947-70E740481C1C}">
+                <a14:useLocalDpi xmlns:a14="http://schemas.microsoft.com/office/drawing/2010/main" val="0"/>
+              </a:ext>
+            </a:extLst>
+          </a:blip>
+          <a:stretch>
+            <a:fillRect/>
+          </a:stretch>
+        </p:blipFill>
+        <p:spPr>
+          <a:xfrm>
+            <a:off x="2843808" y="1536104"/>
+            <a:ext cx="6261772" cy="4773216"/>
+          </a:xfrm>
+        </p:spPr>
+      </p:pic>
+      <p:sp>
+        <p:nvSpPr>
+          <p:cNvPr id="3" name="Content Placeholder 2">
+            <a:extLst>
+              <a:ext uri="{FF2B5EF4-FFF2-40B4-BE49-F238E27FC236}">
+                <a16:creationId xmlns:a16="http://schemas.microsoft.com/office/drawing/2014/main" id="{D23C240E-40A8-D44A-9F2E-652626B1953A}"/>
+              </a:ext>
+            </a:extLst>
+          </p:cNvPr>
+          <p:cNvSpPr>
+            <a:spLocks noGrp="1"/>
+          </p:cNvSpPr>
+          <p:nvPr>
+            <p:ph sz="half" idx="1"/>
+          </p:nvPr>
+        </p:nvSpPr>
+        <p:spPr>
+          <a:xfrm>
+            <a:off x="251519" y="1592263"/>
+            <a:ext cx="2664297" cy="4551381"/>
+          </a:xfrm>
+        </p:spPr>
+        <p:txBody>
+          <a:bodyPr/>
+          <a:lstStyle/>
+          <a:p>
+            <a:pPr marL="342900" indent="-342900">
+              <a:buFont typeface="Arial" panose="020B0604020202020204" pitchFamily="34" charset="0"/>
+              <a:buChar char="•"/>
+            </a:pPr>
+            <a:r>
+              <a:rPr lang="de-DE" sz="1600" dirty="0"/>
+              <a:t>Framework </a:t>
+            </a:r>
+            <a:r>
+              <a:rPr lang="de-DE" sz="1600" dirty="0" err="1"/>
+              <a:t>for</a:t>
+            </a:r>
+            <a:r>
+              <a:rPr lang="de-DE" sz="1600" dirty="0"/>
+              <a:t> </a:t>
+            </a:r>
+            <a:r>
+              <a:rPr lang="de-DE" sz="1600" dirty="0" err="1"/>
+              <a:t>measuring</a:t>
+            </a:r>
+            <a:r>
+              <a:rPr lang="de-DE" sz="1600" dirty="0"/>
+              <a:t> </a:t>
+            </a:r>
+            <a:r>
+              <a:rPr lang="de-DE" sz="1600" dirty="0" err="1"/>
+              <a:t>and</a:t>
+            </a:r>
+            <a:r>
+              <a:rPr lang="de-DE" sz="1600" dirty="0"/>
+              <a:t> </a:t>
+            </a:r>
+            <a:r>
+              <a:rPr lang="de-DE" sz="1600" dirty="0" err="1"/>
+              <a:t>comparison</a:t>
+            </a:r>
+            <a:r>
+              <a:rPr lang="de-DE" sz="1600" dirty="0"/>
+              <a:t> </a:t>
+            </a:r>
+            <a:r>
+              <a:rPr lang="de-DE" sz="1600" dirty="0" err="1"/>
+              <a:t>of</a:t>
+            </a:r>
+            <a:r>
+              <a:rPr lang="de-DE" sz="1600" dirty="0"/>
+              <a:t> </a:t>
+            </a:r>
+            <a:r>
+              <a:rPr lang="de-DE" sz="1600" dirty="0" err="1"/>
+              <a:t>scheduling</a:t>
+            </a:r>
+            <a:r>
+              <a:rPr lang="de-DE" sz="1600" dirty="0"/>
+              <a:t> </a:t>
+            </a:r>
+            <a:r>
+              <a:rPr lang="de-DE" sz="1600" dirty="0" err="1"/>
+              <a:t>methods</a:t>
+            </a:r>
+            <a:endParaRPr lang="de-DE" sz="1600" dirty="0"/>
+          </a:p>
+          <a:p>
+            <a:pPr marL="342900" indent="-342900">
+              <a:buFont typeface="Arial" panose="020B0604020202020204" pitchFamily="34" charset="0"/>
+              <a:buChar char="•"/>
+            </a:pPr>
+            <a:r>
+              <a:rPr lang="de-DE" sz="1600" dirty="0" err="1"/>
+              <a:t>Simulates</a:t>
+            </a:r>
+            <a:r>
+              <a:rPr lang="de-DE" sz="1600" dirty="0"/>
+              <a:t> </a:t>
+            </a:r>
+            <a:r>
+              <a:rPr lang="de-DE" sz="1600" dirty="0" err="1"/>
+              <a:t>work</a:t>
+            </a:r>
+            <a:r>
+              <a:rPr lang="de-DE" sz="1600" dirty="0"/>
+              <a:t> </a:t>
+            </a:r>
+            <a:r>
+              <a:rPr lang="de-DE" sz="1600" dirty="0" err="1"/>
+              <a:t>load</a:t>
+            </a:r>
+            <a:endParaRPr lang="de-DE" sz="1600" dirty="0"/>
+          </a:p>
+          <a:p>
+            <a:pPr marL="342900" indent="-342900">
+              <a:buFont typeface="Arial" panose="020B0604020202020204" pitchFamily="34" charset="0"/>
+              <a:buChar char="•"/>
+            </a:pPr>
+            <a:r>
+              <a:rPr lang="de-DE" sz="1600" dirty="0" err="1"/>
+              <a:t>Collects</a:t>
+            </a:r>
+            <a:r>
+              <a:rPr lang="de-DE" sz="1600" dirty="0"/>
+              <a:t> time </a:t>
+            </a:r>
+            <a:r>
+              <a:rPr lang="de-DE" sz="1600" dirty="0" err="1"/>
+              <a:t>between</a:t>
+            </a:r>
+            <a:r>
+              <a:rPr lang="de-DE" sz="1600" dirty="0"/>
+              <a:t> </a:t>
+            </a:r>
+            <a:r>
+              <a:rPr lang="de-DE" sz="1600" dirty="0" err="1"/>
+              <a:t>invocations</a:t>
+            </a:r>
+            <a:endParaRPr lang="de-DE" sz="1600" dirty="0"/>
+          </a:p>
+          <a:p>
+            <a:pPr marL="342900" indent="-342900">
+              <a:buFont typeface="Arial" panose="020B0604020202020204" pitchFamily="34" charset="0"/>
+              <a:buChar char="•"/>
+            </a:pPr>
+            <a:r>
+              <a:rPr lang="de-DE" sz="1600" dirty="0" err="1"/>
+              <a:t>Calculates</a:t>
+            </a:r>
+            <a:r>
+              <a:rPr lang="de-DE" sz="1600" dirty="0"/>
+              <a:t> </a:t>
+            </a:r>
+            <a:r>
+              <a:rPr lang="de-DE" sz="1600" dirty="0" err="1"/>
+              <a:t>average</a:t>
+            </a:r>
+            <a:r>
+              <a:rPr lang="de-DE" sz="1600" dirty="0"/>
+              <a:t> CPU </a:t>
+            </a:r>
+            <a:r>
+              <a:rPr lang="de-DE" sz="1600" dirty="0" err="1"/>
+              <a:t>usage</a:t>
+            </a:r>
+            <a:endParaRPr lang="de-DE" sz="1600" dirty="0"/>
+          </a:p>
+          <a:p>
+            <a:pPr marL="342900" indent="-342900">
+              <a:buFont typeface="Arial" panose="020B0604020202020204" pitchFamily="34" charset="0"/>
+              <a:buChar char="•"/>
+            </a:pPr>
+            <a:r>
+              <a:rPr lang="de-DE" sz="1600" dirty="0" err="1"/>
+              <a:t>Creates</a:t>
+            </a:r>
+            <a:r>
+              <a:rPr lang="de-DE" sz="1600" dirty="0"/>
+              <a:t> </a:t>
+            </a:r>
+            <a:r>
+              <a:rPr lang="de-DE" sz="1600" dirty="0" err="1"/>
+              <a:t>visualization</a:t>
+            </a:r>
+            <a:r>
+              <a:rPr lang="de-DE" sz="1600" dirty="0"/>
+              <a:t> </a:t>
+            </a:r>
+            <a:r>
+              <a:rPr lang="de-DE" sz="1600" dirty="0" err="1"/>
+              <a:t>and</a:t>
+            </a:r>
+            <a:r>
+              <a:rPr lang="de-DE" sz="1600" dirty="0"/>
+              <a:t> CSV </a:t>
+            </a:r>
+            <a:r>
+              <a:rPr lang="de-DE" sz="1600" dirty="0" err="1"/>
+              <a:t>export</a:t>
+            </a:r>
+            <a:r>
+              <a:rPr lang="de-DE" sz="1600" dirty="0"/>
+              <a:t> </a:t>
+            </a:r>
+            <a:r>
+              <a:rPr lang="de-DE" sz="1600" dirty="0" err="1"/>
+              <a:t>for</a:t>
+            </a:r>
+            <a:r>
+              <a:rPr lang="de-DE" sz="1600" dirty="0"/>
+              <a:t> </a:t>
+            </a:r>
+            <a:r>
+              <a:rPr lang="de-DE" sz="1600" dirty="0" err="1"/>
+              <a:t>processing</a:t>
+            </a:r>
+            <a:endParaRPr lang="de-DE" sz="1600" dirty="0"/>
+          </a:p>
+        </p:txBody>
+      </p:sp>
+    </p:spTree>
+    <p:extLst>
+      <p:ext uri="{BB962C8B-B14F-4D97-AF65-F5344CB8AC3E}">
+        <p14:creationId xmlns:p14="http://schemas.microsoft.com/office/powerpoint/2010/main" val="2802726812"/>
+      </p:ext>
+    </p:extLst>
+  </p:cSld>
+  <p:clrMapOvr>
+    <a:masterClrMapping/>
+  </p:clrMapOvr>
+  <p:timing>
+    <p:tnLst>
+      <p:par>
+        <p:cTn id="1" dur="indefinite" restart="never" nodeType="tmRoot">
+          <p:childTnLst>
+            <p:seq concurrent="1" nextAc="seek">
+              <p:cTn id="2" dur="indefinite" nodeType="mainSeq">
+                <p:childTnLst>
+                  <p:par>
+                    <p:cTn id="3" fill="hold">
+                      <p:stCondLst>
+                        <p:cond delay="indefinite"/>
+                      </p:stCondLst>
+                      <p:childTnLst>
+                        <p:par>
+                          <p:cTn id="4" fill="hold">
+                            <p:stCondLst>
+                              <p:cond delay="0"/>
+                            </p:stCondLst>
+                            <p:childTnLst>
+                              <p:par>
+                                <p:cTn id="5" presetID="1" presetClass="entr" presetSubtype="0" fill="hold" grpId="0" nodeType="clickEffect">
+                                  <p:stCondLst>
+                                    <p:cond delay="0"/>
+                                  </p:stCondLst>
+                                  <p:childTnLst>
+                                    <p:set>
+                                      <p:cBhvr>
+                                        <p:cTn id="6" dur="1" fill="hold">
+                                          <p:stCondLst>
+                                            <p:cond delay="0"/>
+                                          </p:stCondLst>
+                                        </p:cTn>
+                                        <p:tgtEl>
+                                          <p:spTgt spid="3">
+                                            <p:txEl>
+                                              <p:pRg st="0" end="0"/>
+                                            </p:txEl>
+                                          </p:spTgt>
+                                        </p:tgtEl>
+                                        <p:attrNameLst>
+                                          <p:attrName>style.visibility</p:attrName>
+                                        </p:attrNameLst>
+                                      </p:cBhvr>
+                                      <p:to>
+                                        <p:strVal val="visible"/>
+                                      </p:to>
+                                    </p:set>
+                                  </p:childTnLst>
+                                </p:cTn>
+                              </p:par>
+                            </p:childTnLst>
+                          </p:cTn>
+                        </p:par>
+                      </p:childTnLst>
+                    </p:cTn>
+                  </p:par>
+                  <p:par>
+                    <p:cTn id="7" fill="hold">
+                      <p:stCondLst>
+                        <p:cond delay="indefinite"/>
+                      </p:stCondLst>
+                      <p:childTnLst>
+                        <p:par>
+                          <p:cTn id="8" fill="hold">
+                            <p:stCondLst>
+                              <p:cond delay="0"/>
+                            </p:stCondLst>
+                            <p:childTnLst>
+                              <p:par>
+                                <p:cTn id="9" presetID="1" presetClass="entr" presetSubtype="0" fill="hold" grpId="0" nodeType="clickEffect">
+                                  <p:stCondLst>
+                                    <p:cond delay="0"/>
+                                  </p:stCondLst>
+                                  <p:childTnLst>
+                                    <p:set>
+                                      <p:cBhvr>
+                                        <p:cTn id="10" dur="1" fill="hold">
+                                          <p:stCondLst>
+                                            <p:cond delay="0"/>
+                                          </p:stCondLst>
+                                        </p:cTn>
+                                        <p:tgtEl>
+                                          <p:spTgt spid="3">
+                                            <p:txEl>
+                                              <p:pRg st="1" end="1"/>
+                                            </p:txEl>
+                                          </p:spTgt>
+                                        </p:tgtEl>
+                                        <p:attrNameLst>
+                                          <p:attrName>style.visibility</p:attrName>
+                                        </p:attrNameLst>
+                                      </p:cBhvr>
+                                      <p:to>
+                                        <p:strVal val="visible"/>
+                                      </p:to>
+                                    </p:set>
+                                  </p:childTnLst>
+                                </p:cTn>
+                              </p:par>
+                            </p:childTnLst>
+                          </p:cTn>
+                        </p:par>
+                      </p:childTnLst>
+                    </p:cTn>
+                  </p:par>
+                  <p:par>
+                    <p:cTn id="11" fill="hold">
+                      <p:stCondLst>
+                        <p:cond delay="indefinite"/>
+                      </p:stCondLst>
+                      <p:childTnLst>
+                        <p:par>
+                          <p:cTn id="12" fill="hold">
+                            <p:stCondLst>
+                              <p:cond delay="0"/>
+                            </p:stCondLst>
+                            <p:childTnLst>
+                              <p:par>
+                                <p:cTn id="13" presetID="1" presetClass="entr" presetSubtype="0" fill="hold" grpId="0" nodeType="clickEffect">
+                                  <p:stCondLst>
+                                    <p:cond delay="0"/>
+                                  </p:stCondLst>
+                                  <p:childTnLst>
+                                    <p:set>
+                                      <p:cBhvr>
+                                        <p:cTn id="14" dur="1" fill="hold">
+                                          <p:stCondLst>
+                                            <p:cond delay="0"/>
+                                          </p:stCondLst>
+                                        </p:cTn>
+                                        <p:tgtEl>
+                                          <p:spTgt spid="3">
+                                            <p:txEl>
+                                              <p:pRg st="2" end="2"/>
+                                            </p:txEl>
+                                          </p:spTgt>
+                                        </p:tgtEl>
+                                        <p:attrNameLst>
+                                          <p:attrName>style.visibility</p:attrName>
+                                        </p:attrNameLst>
+                                      </p:cBhvr>
+                                      <p:to>
+                                        <p:strVal val="visible"/>
+                                      </p:to>
+                                    </p:set>
+                                  </p:childTnLst>
+                                </p:cTn>
+                              </p:par>
+                            </p:childTnLst>
+                          </p:cTn>
+                        </p:par>
+                      </p:childTnLst>
+                    </p:cTn>
+                  </p:par>
+                  <p:par>
+                    <p:cTn id="15" fill="hold">
+                      <p:stCondLst>
+                        <p:cond delay="indefinite"/>
+                      </p:stCondLst>
+                      <p:childTnLst>
+                        <p:par>
+                          <p:cTn id="16" fill="hold">
+                            <p:stCondLst>
+                              <p:cond delay="0"/>
+                            </p:stCondLst>
+                            <p:childTnLst>
+                              <p:par>
+                                <p:cTn id="17" presetID="1" presetClass="entr" presetSubtype="0" fill="hold" grpId="0" nodeType="clickEffect">
+                                  <p:stCondLst>
+                                    <p:cond delay="0"/>
+                                  </p:stCondLst>
+                                  <p:childTnLst>
+                                    <p:set>
+                                      <p:cBhvr>
+                                        <p:cTn id="18" dur="1" fill="hold">
+                                          <p:stCondLst>
+                                            <p:cond delay="0"/>
+                                          </p:stCondLst>
+                                        </p:cTn>
+                                        <p:tgtEl>
+                                          <p:spTgt spid="3">
+                                            <p:txEl>
+                                              <p:pRg st="3" end="3"/>
+                                            </p:txEl>
+                                          </p:spTgt>
+                                        </p:tgtEl>
+                                        <p:attrNameLst>
+                                          <p:attrName>style.visibility</p:attrName>
+                                        </p:attrNameLst>
+                                      </p:cBhvr>
+                                      <p:to>
+                                        <p:strVal val="visible"/>
+                                      </p:to>
+                                    </p:set>
+                                  </p:childTnLst>
+                                </p:cTn>
+                              </p:par>
+                            </p:childTnLst>
+                          </p:cTn>
+                        </p:par>
+                      </p:childTnLst>
+                    </p:cTn>
+                  </p:par>
+                  <p:par>
+                    <p:cTn id="19" fill="hold">
+                      <p:stCondLst>
+                        <p:cond delay="indefinite"/>
+                      </p:stCondLst>
+                      <p:childTnLst>
+                        <p:par>
+                          <p:cTn id="20" fill="hold">
+                            <p:stCondLst>
+                              <p:cond delay="0"/>
+                            </p:stCondLst>
+                            <p:childTnLst>
+                              <p:par>
+                                <p:cTn id="21" presetID="1" presetClass="entr" presetSubtype="0" fill="hold" grpId="0" nodeType="clickEffect">
+                                  <p:stCondLst>
+                                    <p:cond delay="0"/>
+                                  </p:stCondLst>
+                                  <p:childTnLst>
+                                    <p:set>
+                                      <p:cBhvr>
+                                        <p:cTn id="22" dur="1" fill="hold">
+                                          <p:stCondLst>
+                                            <p:cond delay="0"/>
+                                          </p:stCondLst>
+                                        </p:cTn>
+                                        <p:tgtEl>
+                                          <p:spTgt spid="3">
+                                            <p:txEl>
+                                              <p:pRg st="4" end="4"/>
+                                            </p:txEl>
+                                          </p:spTgt>
+                                        </p:tgtEl>
+                                        <p:attrNameLst>
+                                          <p:attrName>style.visibility</p:attrName>
+                                        </p:attrNameLst>
+                                      </p:cBhvr>
+                                      <p:to>
+                                        <p:strVal val="visible"/>
+                                      </p:to>
+                                    </p:set>
+                                  </p:childTnLst>
+                                </p:cTn>
+                              </p:par>
+                            </p:childTnLst>
+                          </p:cTn>
+                        </p:par>
+                      </p:childTnLst>
+                    </p:cTn>
+                  </p:par>
+                  <p:par>
+                    <p:cTn id="23" fill="hold">
+                      <p:stCondLst>
+                        <p:cond delay="indefinite"/>
+                      </p:stCondLst>
+                      <p:childTnLst>
+                        <p:par>
+                          <p:cTn id="24" fill="hold">
+                            <p:stCondLst>
+                              <p:cond delay="0"/>
+                            </p:stCondLst>
+                            <p:childTnLst>
+                              <p:par>
+                                <p:cTn id="25" presetID="1" presetClass="entr" presetSubtype="0" fill="hold" nodeType="clickEffect">
+                                  <p:stCondLst>
+                                    <p:cond delay="0"/>
+                                  </p:stCondLst>
+                                  <p:childTnLst>
+                                    <p:set>
+                                      <p:cBhvr>
+                                        <p:cTn id="26" dur="1" fill="hold">
+                                          <p:stCondLst>
+                                            <p:cond delay="0"/>
+                                          </p:stCondLst>
+                                        </p:cTn>
+                                        <p:tgtEl>
+                                          <p:spTgt spid="10"/>
+                                        </p:tgtEl>
+                                        <p:attrNameLst>
+                                          <p:attrName>style.visibility</p:attrName>
+                                        </p:attrNameLst>
+                                      </p:cBhvr>
+                                      <p:to>
+                                        <p:strVal val="visible"/>
+                                      </p:to>
+                                    </p:set>
+                                  </p:childTnLst>
+                                </p:cTn>
+                              </p:par>
+                            </p:childTnLst>
+                          </p:cTn>
+                        </p:par>
+                      </p:childTnLst>
+                    </p:cTn>
+                  </p:par>
+                </p:childTnLst>
+              </p:cTn>
+              <p:prevCondLst>
+                <p:cond evt="onPrev" delay="0">
+                  <p:tgtEl>
+                    <p:sldTgt/>
+                  </p:tgtEl>
+                </p:cond>
+              </p:prevCondLst>
+              <p:nextCondLst>
+                <p:cond evt="onNext" delay="0">
+                  <p:tgtEl>
+                    <p:sldTgt/>
+                  </p:tgtEl>
+                </p:cond>
+              </p:nextCondLst>
+            </p:seq>
+          </p:childTnLst>
+        </p:cTn>
+      </p:par>
+    </p:tnLst>
+    <p:bldLst>
+      <p:bldP spid="3" grpId="0" build="p"/>
+    </p:bldLst>
+  </p:timing>
+</p:sld>
+</file>
+
+<file path=ppt/slides/slide12.xml><?xml version="1.0" encoding="utf-8"?>
+<p:sld xmlns:a="http://schemas.openxmlformats.org/drawingml/2006/main" xmlns:r="http://schemas.openxmlformats.org/officeDocument/2006/relationships" xmlns:p="http://schemas.openxmlformats.org/presentationml/2006/main">
+  <p:cSld>
+    <p:spTree>
+      <p:nvGrpSpPr>
+        <p:cNvPr id="1" name=""/>
+        <p:cNvGrpSpPr/>
+        <p:nvPr/>
+      </p:nvGrpSpPr>
+      <p:grpSpPr>
+        <a:xfrm>
+          <a:off x="0" y="0"/>
+          <a:ext cx="0" cy="0"/>
+          <a:chOff x="0" y="0"/>
+          <a:chExt cx="0" cy="0"/>
+        </a:xfrm>
+      </p:grpSpPr>
+      <p:sp>
+        <p:nvSpPr>
+          <p:cNvPr id="2" name="Title 1">
+            <a:extLst>
+              <a:ext uri="{FF2B5EF4-FFF2-40B4-BE49-F238E27FC236}">
+                <a16:creationId xmlns:a16="http://schemas.microsoft.com/office/drawing/2014/main" id="{7E8686B3-58F0-2E49-A60E-87CD4041DE3C}"/>
+              </a:ext>
+            </a:extLst>
+          </p:cNvPr>
+          <p:cNvSpPr>
+            <a:spLocks noGrp="1"/>
+          </p:cNvSpPr>
+          <p:nvPr>
+            <p:ph type="title"/>
+          </p:nvPr>
+        </p:nvSpPr>
+        <p:spPr/>
+        <p:txBody>
+          <a:bodyPr/>
+          <a:lstStyle/>
+          <a:p>
+            <a:r>
+              <a:rPr lang="de-DE" dirty="0" err="1"/>
+              <a:t>Timer</a:t>
+            </a:r>
+            <a:r>
+              <a:rPr lang="de-DE" dirty="0"/>
+              <a:t> </a:t>
+            </a:r>
+            <a:r>
+              <a:rPr lang="de-DE" dirty="0" err="1"/>
+              <a:t>tasks</a:t>
+            </a:r>
+            <a:endParaRPr lang="de-DE" dirty="0"/>
+          </a:p>
+        </p:txBody>
+      </p:sp>
+      <p:sp>
+        <p:nvSpPr>
+          <p:cNvPr id="3" name="Content Placeholder 2">
+            <a:extLst>
+              <a:ext uri="{FF2B5EF4-FFF2-40B4-BE49-F238E27FC236}">
+                <a16:creationId xmlns:a16="http://schemas.microsoft.com/office/drawing/2014/main" id="{90F95396-2EA7-EE46-9D4E-5EE9E3D87E06}"/>
+              </a:ext>
+            </a:extLst>
+          </p:cNvPr>
+          <p:cNvSpPr>
+            <a:spLocks noGrp="1"/>
+          </p:cNvSpPr>
+          <p:nvPr>
+            <p:ph sz="half" idx="1"/>
+          </p:nvPr>
+        </p:nvSpPr>
+        <p:spPr>
+          <a:xfrm>
+            <a:off x="350245" y="1772816"/>
+            <a:ext cx="8410516" cy="540060"/>
+          </a:xfrm>
+        </p:spPr>
+        <p:txBody>
+          <a:bodyPr/>
+          <a:lstStyle/>
+          <a:p>
+            <a:pPr algn="ctr"/>
+            <a:r>
+              <a:rPr lang="de-DE" sz="2600" dirty="0" err="1">
+                <a:latin typeface="Consolas" panose="020B0609020204030204" pitchFamily="49" charset="0"/>
+                <a:cs typeface="Consolas" panose="020B0609020204030204" pitchFamily="49" charset="0"/>
+              </a:rPr>
+              <a:t>window.setInterval</a:t>
+            </a:r>
+            <a:r>
+              <a:rPr lang="de-DE" sz="2600" dirty="0">
+                <a:latin typeface="Consolas" panose="020B0609020204030204" pitchFamily="49" charset="0"/>
+                <a:cs typeface="Consolas" panose="020B0609020204030204" pitchFamily="49" charset="0"/>
+              </a:rPr>
+              <a:t>()</a:t>
+            </a:r>
+            <a:r>
+              <a:rPr lang="de-DE" sz="2600" dirty="0">
+                <a:cs typeface="Consolas" panose="020B0609020204030204" pitchFamily="49" charset="0"/>
+              </a:rPr>
+              <a:t> </a:t>
+            </a:r>
+            <a:r>
+              <a:rPr lang="de-DE" sz="2600" dirty="0" err="1">
+                <a:cs typeface="Consolas" panose="020B0609020204030204" pitchFamily="49" charset="0"/>
+              </a:rPr>
+              <a:t>and</a:t>
+            </a:r>
+            <a:r>
+              <a:rPr lang="de-DE" sz="2600" dirty="0">
+                <a:cs typeface="Consolas" panose="020B0609020204030204" pitchFamily="49" charset="0"/>
+              </a:rPr>
+              <a:t> </a:t>
+            </a:r>
+            <a:r>
+              <a:rPr lang="de-DE" sz="2600" dirty="0" err="1">
+                <a:latin typeface="Consolas" panose="020B0609020204030204" pitchFamily="49" charset="0"/>
+                <a:cs typeface="Consolas" panose="020B0609020204030204" pitchFamily="49" charset="0"/>
+              </a:rPr>
+              <a:t>window.setTimeout</a:t>
+            </a:r>
+            <a:r>
+              <a:rPr lang="de-DE" sz="2600" dirty="0">
+                <a:latin typeface="Consolas" panose="020B0609020204030204" pitchFamily="49" charset="0"/>
+                <a:cs typeface="Consolas" panose="020B0609020204030204" pitchFamily="49" charset="0"/>
+              </a:rPr>
+              <a:t>()</a:t>
+            </a:r>
+          </a:p>
+        </p:txBody>
+      </p:sp>
+      <p:pic>
+        <p:nvPicPr>
+          <p:cNvPr id="8" name="Picture 7">
+            <a:extLst>
+              <a:ext uri="{FF2B5EF4-FFF2-40B4-BE49-F238E27FC236}">
+                <a16:creationId xmlns:a16="http://schemas.microsoft.com/office/drawing/2014/main" id="{CF734A79-A75E-5945-BBC3-F6DEC04F3EE1}"/>
+              </a:ext>
+            </a:extLst>
+          </p:cNvPr>
+          <p:cNvPicPr>
+            <a:picLocks noChangeAspect="1"/>
+          </p:cNvPicPr>
+          <p:nvPr/>
+        </p:nvPicPr>
+        <p:blipFill>
+          <a:blip r:embed="rId3">
+            <a:extLst>
+              <a:ext uri="{28A0092B-C50C-407E-A947-70E740481C1C}">
+                <a14:useLocalDpi xmlns:a14="http://schemas.microsoft.com/office/drawing/2010/main" val="0"/>
+              </a:ext>
+            </a:extLst>
+          </a:blip>
+          <a:stretch>
+            <a:fillRect/>
+          </a:stretch>
+        </p:blipFill>
+        <p:spPr>
+          <a:xfrm>
+            <a:off x="688353" y="2636912"/>
+            <a:ext cx="7734300" cy="3073400"/>
+          </a:xfrm>
+          <a:prstGeom prst="rect">
+            <a:avLst/>
+          </a:prstGeom>
+        </p:spPr>
+      </p:pic>
+      <p:sp>
+        <p:nvSpPr>
+          <p:cNvPr id="9" name="TextBox 8">
+            <a:extLst>
+              <a:ext uri="{FF2B5EF4-FFF2-40B4-BE49-F238E27FC236}">
+                <a16:creationId xmlns:a16="http://schemas.microsoft.com/office/drawing/2014/main" id="{99AE2B03-B3CD-A841-8D6F-81A297816261}"/>
+              </a:ext>
+            </a:extLst>
+          </p:cNvPr>
+          <p:cNvSpPr txBox="1"/>
+          <p:nvPr/>
+        </p:nvSpPr>
+        <p:spPr>
+          <a:xfrm>
+            <a:off x="2988407" y="5710312"/>
+            <a:ext cx="3134191" cy="369332"/>
+          </a:xfrm>
+          <a:prstGeom prst="rect">
+            <a:avLst/>
+          </a:prstGeom>
+          <a:noFill/>
+        </p:spPr>
+        <p:txBody>
+          <a:bodyPr wrap="none" rtlCol="0">
+            <a:spAutoFit/>
+          </a:bodyPr>
+          <a:lstStyle/>
+          <a:p>
+            <a:r>
+              <a:rPr lang="de-DE" dirty="0">
+                <a:hlinkClick r:id="rId4"/>
+              </a:rPr>
+              <a:t>HTML5 </a:t>
+            </a:r>
+            <a:r>
+              <a:rPr lang="de-DE" dirty="0" err="1">
+                <a:hlinkClick r:id="rId4"/>
+              </a:rPr>
+              <a:t>Specification</a:t>
+            </a:r>
+            <a:r>
+              <a:rPr lang="de-DE" dirty="0">
+                <a:hlinkClick r:id="rId4"/>
+              </a:rPr>
+              <a:t>: </a:t>
+            </a:r>
+            <a:r>
+              <a:rPr lang="de-DE" dirty="0" err="1">
+                <a:hlinkClick r:id="rId4"/>
+              </a:rPr>
+              <a:t>Timers</a:t>
+            </a:r>
+            <a:endParaRPr lang="de-DE" dirty="0"/>
+          </a:p>
+        </p:txBody>
+      </p:sp>
+    </p:spTree>
+    <p:extLst>
+      <p:ext uri="{BB962C8B-B14F-4D97-AF65-F5344CB8AC3E}">
+        <p14:creationId xmlns:p14="http://schemas.microsoft.com/office/powerpoint/2010/main" val="2689575296"/>
+      </p:ext>
+    </p:extLst>
+  </p:cSld>
+  <p:clrMapOvr>
+    <a:masterClrMapping/>
+  </p:clrMapOvr>
+  <p:timing>
+    <p:tnLst>
+      <p:par>
+        <p:cTn id="1" dur="indefinite" restart="never" nodeType="tmRoot">
+          <p:childTnLst>
+            <p:seq concurrent="1" nextAc="seek">
+              <p:cTn id="2" dur="indefinite" nodeType="mainSeq">
+                <p:childTnLst>
+                  <p:par>
+                    <p:cTn id="3" fill="hold">
+                      <p:stCondLst>
+                        <p:cond delay="indefinite"/>
+                      </p:stCondLst>
+                      <p:childTnLst>
+                        <p:par>
+                          <p:cTn id="4" fill="hold">
+                            <p:stCondLst>
+                              <p:cond delay="0"/>
+                            </p:stCondLst>
+                            <p:childTnLst>
+                              <p:par>
+                                <p:cTn id="5" presetID="1" presetClass="entr" presetSubtype="0" fill="hold" nodeType="clickEffect">
+                                  <p:stCondLst>
+                                    <p:cond delay="0"/>
+                                  </p:stCondLst>
+                                  <p:childTnLst>
+                                    <p:set>
+                                      <p:cBhvr>
+                                        <p:cTn id="6" dur="1" fill="hold">
+                                          <p:stCondLst>
+                                            <p:cond delay="0"/>
+                                          </p:stCondLst>
+                                        </p:cTn>
+                                        <p:tgtEl>
+                                          <p:spTgt spid="8"/>
+                                        </p:tgtEl>
+                                        <p:attrNameLst>
+                                          <p:attrName>style.visibility</p:attrName>
+                                        </p:attrNameLst>
+                                      </p:cBhvr>
+                                      <p:to>
+                                        <p:strVal val="visible"/>
+                                      </p:to>
+                                    </p:set>
+                                  </p:childTnLst>
+                                </p:cTn>
+                              </p:par>
+                              <p:par>
+                                <p:cTn id="7" presetID="1" presetClass="entr" presetSubtype="0" fill="hold" grpId="0" nodeType="withEffect">
+                                  <p:stCondLst>
+                                    <p:cond delay="0"/>
+                                  </p:stCondLst>
+                                  <p:childTnLst>
+                                    <p:set>
+                                      <p:cBhvr>
+                                        <p:cTn id="8" dur="1" fill="hold">
+                                          <p:stCondLst>
+                                            <p:cond delay="0"/>
+                                          </p:stCondLst>
+                                        </p:cTn>
+                                        <p:tgtEl>
+                                          <p:spTgt spid="9"/>
+                                        </p:tgtEl>
+                                        <p:attrNameLst>
+                                          <p:attrName>style.visibility</p:attrName>
+                                        </p:attrNameLst>
+                                      </p:cBhvr>
+                                      <p:to>
+                                        <p:strVal val="visible"/>
+                                      </p:to>
+                                    </p:set>
+                                  </p:childTnLst>
+                                </p:cTn>
+                              </p:par>
+                            </p:childTnLst>
+                          </p:cTn>
+                        </p:par>
+                      </p:childTnLst>
+                    </p:cTn>
+                  </p:par>
+                </p:childTnLst>
+              </p:cTn>
+              <p:prevCondLst>
+                <p:cond evt="onPrev" delay="0">
+                  <p:tgtEl>
+                    <p:sldTgt/>
+                  </p:tgtEl>
+                </p:cond>
+              </p:prevCondLst>
+              <p:nextCondLst>
+                <p:cond evt="onNext" delay="0">
+                  <p:tgtEl>
+                    <p:sldTgt/>
+                  </p:tgtEl>
+                </p:cond>
+              </p:nextCondLst>
+            </p:seq>
+          </p:childTnLst>
+        </p:cTn>
+      </p:par>
+    </p:tnLst>
+    <p:bldLst>
+      <p:bldP spid="9" grpId="0"/>
+    </p:bldLst>
+  </p:timing>
+</p:sld>
+</file>
+
+<file path=ppt/slides/slide13.xml><?xml version="1.0" encoding="utf-8"?>
+<p:sld xmlns:a="http://schemas.openxmlformats.org/drawingml/2006/main" xmlns:r="http://schemas.openxmlformats.org/officeDocument/2006/relationships" xmlns:p="http://schemas.openxmlformats.org/presentationml/2006/main">
+  <p:cSld>
+    <p:spTree>
+      <p:nvGrpSpPr>
+        <p:cNvPr id="1" name=""/>
+        <p:cNvGrpSpPr/>
+        <p:nvPr/>
+      </p:nvGrpSpPr>
+      <p:grpSpPr>
+        <a:xfrm>
+          <a:off x="0" y="0"/>
+          <a:ext cx="0" cy="0"/>
+          <a:chOff x="0" y="0"/>
+          <a:chExt cx="0" cy="0"/>
+        </a:xfrm>
+      </p:grpSpPr>
+      <p:sp>
+        <p:nvSpPr>
+          <p:cNvPr id="5" name="Title 4">
+            <a:extLst>
+              <a:ext uri="{FF2B5EF4-FFF2-40B4-BE49-F238E27FC236}">
+                <a16:creationId xmlns:a16="http://schemas.microsoft.com/office/drawing/2014/main" id="{53AC747C-6B3A-7949-9630-B4B97AA3E059}"/>
+              </a:ext>
+            </a:extLst>
+          </p:cNvPr>
+          <p:cNvSpPr>
+            <a:spLocks noGrp="1"/>
+          </p:cNvSpPr>
+          <p:nvPr>
+            <p:ph type="title"/>
+          </p:nvPr>
+        </p:nvSpPr>
+        <p:spPr/>
+        <p:txBody>
+          <a:bodyPr/>
+          <a:lstStyle/>
+          <a:p>
+            <a:r>
+              <a:rPr lang="de-DE" dirty="0" err="1"/>
+              <a:t>Timer</a:t>
+            </a:r>
+            <a:r>
+              <a:rPr lang="de-DE" dirty="0"/>
+              <a:t> </a:t>
+            </a:r>
+            <a:r>
+              <a:rPr lang="de-DE" dirty="0" err="1"/>
+              <a:t>tasks</a:t>
+            </a:r>
+            <a:endParaRPr lang="de-DE" dirty="0"/>
+          </a:p>
+        </p:txBody>
+      </p:sp>
+      <p:pic>
+        <p:nvPicPr>
+          <p:cNvPr id="9" name="Content Placeholder 8">
+            <a:extLst>
+              <a:ext uri="{FF2B5EF4-FFF2-40B4-BE49-F238E27FC236}">
+                <a16:creationId xmlns:a16="http://schemas.microsoft.com/office/drawing/2014/main" id="{8931B8C6-1A29-D942-9848-1C088FC60C39}"/>
+              </a:ext>
+            </a:extLst>
+          </p:cNvPr>
+          <p:cNvPicPr>
+            <a:picLocks noGrp="1" noChangeAspect="1"/>
+          </p:cNvPicPr>
+          <p:nvPr>
+            <p:ph sz="half" idx="1"/>
+          </p:nvPr>
+        </p:nvPicPr>
+        <p:blipFill>
+          <a:blip r:embed="rId3">
+            <a:extLst>
+              <a:ext uri="{28A0092B-C50C-407E-A947-70E740481C1C}">
+                <a14:useLocalDpi xmlns:a14="http://schemas.microsoft.com/office/drawing/2010/main" val="0"/>
+              </a:ext>
+            </a:extLst>
+          </a:blip>
+          <a:stretch>
+            <a:fillRect/>
+          </a:stretch>
+        </p:blipFill>
+        <p:spPr>
+          <a:xfrm>
+            <a:off x="118019" y="1628800"/>
+            <a:ext cx="4593795" cy="2736304"/>
+          </a:xfrm>
+        </p:spPr>
+      </p:pic>
+      <p:pic>
+        <p:nvPicPr>
+          <p:cNvPr id="11" name="Content Placeholder 10">
+            <a:extLst>
+              <a:ext uri="{FF2B5EF4-FFF2-40B4-BE49-F238E27FC236}">
+                <a16:creationId xmlns:a16="http://schemas.microsoft.com/office/drawing/2014/main" id="{03116D50-254D-404B-9F07-9F2D39951C65}"/>
+              </a:ext>
+            </a:extLst>
+          </p:cNvPr>
+          <p:cNvPicPr>
+            <a:picLocks noGrp="1" noChangeAspect="1"/>
+          </p:cNvPicPr>
+          <p:nvPr>
+            <p:ph sz="half" idx="2"/>
+          </p:nvPr>
+        </p:nvPicPr>
+        <p:blipFill>
+          <a:blip r:embed="rId4">
+            <a:extLst>
+              <a:ext uri="{28A0092B-C50C-407E-A947-70E740481C1C}">
+                <a14:useLocalDpi xmlns:a14="http://schemas.microsoft.com/office/drawing/2010/main" val="0"/>
+              </a:ext>
+            </a:extLst>
+          </a:blip>
+          <a:stretch>
+            <a:fillRect/>
+          </a:stretch>
+        </p:blipFill>
+        <p:spPr>
+          <a:xfrm>
+            <a:off x="4644008" y="1634978"/>
+            <a:ext cx="4374091" cy="2736304"/>
+          </a:xfrm>
+        </p:spPr>
+      </p:pic>
+      <p:sp>
+        <p:nvSpPr>
+          <p:cNvPr id="12" name="TextBox 11">
+            <a:extLst>
+              <a:ext uri="{FF2B5EF4-FFF2-40B4-BE49-F238E27FC236}">
+                <a16:creationId xmlns:a16="http://schemas.microsoft.com/office/drawing/2014/main" id="{16D55C41-1F90-054C-A501-F7871C43AC2F}"/>
+              </a:ext>
+            </a:extLst>
+          </p:cNvPr>
+          <p:cNvSpPr txBox="1"/>
+          <p:nvPr/>
+        </p:nvSpPr>
+        <p:spPr>
+          <a:xfrm>
+            <a:off x="1650925" y="4365104"/>
+            <a:ext cx="1527982" cy="307777"/>
+          </a:xfrm>
+          <a:prstGeom prst="rect">
+            <a:avLst/>
+          </a:prstGeom>
+          <a:noFill/>
+        </p:spPr>
+        <p:txBody>
+          <a:bodyPr wrap="none" rtlCol="0">
+            <a:spAutoFit/>
+          </a:bodyPr>
+          <a:lstStyle/>
+          <a:p>
+            <a:r>
+              <a:rPr lang="de-DE" sz="1400" b="1" dirty="0"/>
+              <a:t>50 </a:t>
+            </a:r>
+            <a:r>
+              <a:rPr lang="de-DE" sz="1400" b="1" dirty="0" err="1"/>
+              <a:t>ms</a:t>
+            </a:r>
+            <a:r>
+              <a:rPr lang="de-DE" sz="1400" b="1" dirty="0"/>
+              <a:t> </a:t>
+            </a:r>
+            <a:r>
+              <a:rPr lang="de-DE" sz="1400" b="1" dirty="0" err="1"/>
+              <a:t>workload</a:t>
+            </a:r>
+            <a:endParaRPr lang="de-DE" sz="1400" b="1" dirty="0"/>
+          </a:p>
+        </p:txBody>
+      </p:sp>
+      <p:sp>
+        <p:nvSpPr>
+          <p:cNvPr id="13" name="TextBox 12">
+            <a:extLst>
+              <a:ext uri="{FF2B5EF4-FFF2-40B4-BE49-F238E27FC236}">
+                <a16:creationId xmlns:a16="http://schemas.microsoft.com/office/drawing/2014/main" id="{604CD364-7E2E-DD48-9456-D3EF33B82A43}"/>
+              </a:ext>
+            </a:extLst>
+          </p:cNvPr>
+          <p:cNvSpPr txBox="1"/>
+          <p:nvPr/>
+        </p:nvSpPr>
+        <p:spPr>
+          <a:xfrm>
+            <a:off x="5952929" y="4365103"/>
+            <a:ext cx="1726755" cy="307777"/>
+          </a:xfrm>
+          <a:prstGeom prst="rect">
+            <a:avLst/>
+          </a:prstGeom>
+          <a:noFill/>
+        </p:spPr>
+        <p:txBody>
+          <a:bodyPr wrap="none" rtlCol="0">
+            <a:spAutoFit/>
+          </a:bodyPr>
+          <a:lstStyle/>
+          <a:p>
+            <a:r>
+              <a:rPr lang="de-DE" sz="1400" b="1" dirty="0"/>
+              <a:t>1000 </a:t>
+            </a:r>
+            <a:r>
+              <a:rPr lang="de-DE" sz="1400" b="1" dirty="0" err="1"/>
+              <a:t>ms</a:t>
+            </a:r>
+            <a:r>
+              <a:rPr lang="de-DE" sz="1400" b="1" dirty="0"/>
+              <a:t> </a:t>
+            </a:r>
+            <a:r>
+              <a:rPr lang="de-DE" sz="1400" b="1" dirty="0" err="1"/>
+              <a:t>workload</a:t>
+            </a:r>
+            <a:endParaRPr lang="de-DE" sz="1400" b="1" dirty="0"/>
+          </a:p>
+        </p:txBody>
+      </p:sp>
+      <p:sp>
+        <p:nvSpPr>
+          <p:cNvPr id="15" name="Content Placeholder 2">
+            <a:extLst>
+              <a:ext uri="{FF2B5EF4-FFF2-40B4-BE49-F238E27FC236}">
+                <a16:creationId xmlns:a16="http://schemas.microsoft.com/office/drawing/2014/main" id="{9638959A-6BF1-184F-A922-65DAB26CECDA}"/>
+              </a:ext>
+            </a:extLst>
+          </p:cNvPr>
+          <p:cNvSpPr txBox="1">
+            <a:spLocks/>
+          </p:cNvSpPr>
+          <p:nvPr/>
+        </p:nvSpPr>
+        <p:spPr bwMode="auto">
+          <a:xfrm>
+            <a:off x="358775" y="4941168"/>
+            <a:ext cx="8482524" cy="1411870"/>
+          </a:xfrm>
+          <a:prstGeom prst="rect">
+            <a:avLst/>
+          </a:prstGeom>
+          <a:noFill/>
+          <a:ln w="9525">
+            <a:noFill/>
+            <a:miter lim="800000"/>
+            <a:headEnd/>
+            <a:tailEnd/>
+          </a:ln>
+          <a:effectLst/>
+        </p:spPr>
+        <p:txBody>
+          <a:bodyPr vert="horz" wrap="square" lIns="0" tIns="45720" rIns="0" bIns="45720" numCol="1" anchor="t" anchorCtr="0" compatLnSpc="1">
+            <a:prstTxWarp prst="textNoShape">
+              <a:avLst/>
+            </a:prstTxWarp>
+          </a:bodyPr>
+          <a:lstStyle>
+            <a:lvl1pPr marL="0" indent="0" algn="l" rtl="0" eaLnBrk="1" fontAlgn="base" hangingPunct="1">
+              <a:lnSpc>
+                <a:spcPct val="130000"/>
+              </a:lnSpc>
+              <a:spcBef>
+                <a:spcPts val="200"/>
+              </a:spcBef>
+              <a:spcAft>
+                <a:spcPts val="230"/>
+              </a:spcAft>
+              <a:buFont typeface="Wingdings" pitchFamily="2" charset="2"/>
+              <a:buNone/>
+              <a:defRPr sz="2000">
+                <a:solidFill>
+                  <a:schemeClr val="tx1"/>
+                </a:solidFill>
+                <a:latin typeface="+mn-lt"/>
+                <a:ea typeface="+mn-ea"/>
+                <a:cs typeface="Tahoma" pitchFamily="34" charset="0"/>
+              </a:defRPr>
+            </a:lvl1pPr>
+            <a:lvl2pPr marL="179388" indent="-177800" algn="l" rtl="0" eaLnBrk="1" fontAlgn="base" hangingPunct="1">
+              <a:lnSpc>
+                <a:spcPct val="130000"/>
+              </a:lnSpc>
+              <a:spcBef>
+                <a:spcPts val="200"/>
+              </a:spcBef>
+              <a:spcAft>
+                <a:spcPts val="230"/>
+              </a:spcAft>
+              <a:buFont typeface="Wingdings" pitchFamily="2" charset="2"/>
+              <a:buChar char="§"/>
+              <a:defRPr sz="2000">
+                <a:solidFill>
+                  <a:schemeClr val="tx1"/>
+                </a:solidFill>
+                <a:latin typeface="+mn-lt"/>
+                <a:cs typeface="Tahoma" pitchFamily="34" charset="0"/>
+              </a:defRPr>
+            </a:lvl2pPr>
+            <a:lvl3pPr marL="538163" indent="-187325" algn="l" rtl="0" eaLnBrk="1" fontAlgn="base" hangingPunct="1">
+              <a:lnSpc>
+                <a:spcPct val="130000"/>
+              </a:lnSpc>
+              <a:spcBef>
+                <a:spcPts val="200"/>
+              </a:spcBef>
+              <a:spcAft>
+                <a:spcPts val="230"/>
+              </a:spcAft>
+              <a:buFont typeface="Wingdings" pitchFamily="2" charset="2"/>
+              <a:buChar char="§"/>
+              <a:defRPr sz="2000">
+                <a:solidFill>
+                  <a:schemeClr val="tx1"/>
+                </a:solidFill>
+                <a:latin typeface="+mn-lt"/>
+                <a:cs typeface="Tahoma" pitchFamily="34" charset="0"/>
+              </a:defRPr>
+            </a:lvl3pPr>
+            <a:lvl4pPr marL="717550" indent="-173038" algn="l" rtl="0" eaLnBrk="1" fontAlgn="base" hangingPunct="1">
+              <a:lnSpc>
+                <a:spcPct val="130000"/>
+              </a:lnSpc>
+              <a:spcBef>
+                <a:spcPts val="200"/>
+              </a:spcBef>
+              <a:spcAft>
+                <a:spcPts val="230"/>
+              </a:spcAft>
+              <a:buFont typeface="Wingdings" pitchFamily="2" charset="2"/>
+              <a:buChar char="§"/>
+              <a:defRPr sz="1800">
+                <a:solidFill>
+                  <a:schemeClr val="tx1"/>
+                </a:solidFill>
+                <a:latin typeface="+mn-lt"/>
+                <a:cs typeface="Tahoma" pitchFamily="34" charset="0"/>
+              </a:defRPr>
+            </a:lvl4pPr>
+            <a:lvl5pPr marL="908050" indent="-188913" algn="l" rtl="0" eaLnBrk="1" fontAlgn="base" hangingPunct="1">
+              <a:lnSpc>
+                <a:spcPct val="130000"/>
+              </a:lnSpc>
+              <a:spcBef>
+                <a:spcPts val="200"/>
+              </a:spcBef>
+              <a:spcAft>
+                <a:spcPts val="230"/>
+              </a:spcAft>
+              <a:buFont typeface="Wingdings" pitchFamily="2" charset="2"/>
+              <a:buChar char="§"/>
+              <a:defRPr sz="1800">
+                <a:solidFill>
+                  <a:schemeClr val="tx1"/>
+                </a:solidFill>
+                <a:latin typeface="+mn-lt"/>
+                <a:cs typeface="Tahoma" pitchFamily="34" charset="0"/>
+              </a:defRPr>
+            </a:lvl5pPr>
+            <a:lvl6pPr marL="1365250" indent="-188913" algn="l" rtl="0" eaLnBrk="1" fontAlgn="base" hangingPunct="1">
+              <a:spcBef>
+                <a:spcPct val="20000"/>
+              </a:spcBef>
+              <a:spcAft>
+                <a:spcPct val="0"/>
+              </a:spcAft>
+              <a:buFont typeface="Wingdings" pitchFamily="2" charset="2"/>
+              <a:buChar char="§"/>
+              <a:defRPr sz="1800">
+                <a:solidFill>
+                  <a:schemeClr val="tx1"/>
+                </a:solidFill>
+                <a:latin typeface="+mn-lt"/>
+              </a:defRPr>
+            </a:lvl6pPr>
+            <a:lvl7pPr marL="1822450" indent="-188913" algn="l" rtl="0" eaLnBrk="1" fontAlgn="base" hangingPunct="1">
+              <a:spcBef>
+                <a:spcPct val="20000"/>
+              </a:spcBef>
+              <a:spcAft>
+                <a:spcPct val="0"/>
+              </a:spcAft>
+              <a:buFont typeface="Wingdings" pitchFamily="2" charset="2"/>
+              <a:buChar char="§"/>
+              <a:defRPr sz="1800">
+                <a:solidFill>
+                  <a:schemeClr val="tx1"/>
+                </a:solidFill>
+                <a:latin typeface="+mn-lt"/>
+              </a:defRPr>
+            </a:lvl7pPr>
+            <a:lvl8pPr marL="2279650" indent="-188913" algn="l" rtl="0" eaLnBrk="1" fontAlgn="base" hangingPunct="1">
+              <a:spcBef>
+                <a:spcPct val="20000"/>
+              </a:spcBef>
+              <a:spcAft>
+                <a:spcPct val="0"/>
+              </a:spcAft>
+              <a:buFont typeface="Wingdings" pitchFamily="2" charset="2"/>
+              <a:buChar char="§"/>
+              <a:defRPr sz="1800">
+                <a:solidFill>
+                  <a:schemeClr val="tx1"/>
+                </a:solidFill>
+                <a:latin typeface="+mn-lt"/>
+              </a:defRPr>
+            </a:lvl8pPr>
+            <a:lvl9pPr marL="2736850" indent="-188913" algn="l" rtl="0" eaLnBrk="1" fontAlgn="base" hangingPunct="1">
+              <a:spcBef>
+                <a:spcPct val="20000"/>
+              </a:spcBef>
+              <a:spcAft>
+                <a:spcPct val="0"/>
+              </a:spcAft>
+              <a:buFont typeface="Wingdings" pitchFamily="2" charset="2"/>
+              <a:buChar char="§"/>
+              <a:defRPr sz="1800">
+                <a:solidFill>
+                  <a:schemeClr val="tx1"/>
+                </a:solidFill>
+                <a:latin typeface="+mn-lt"/>
+              </a:defRPr>
+            </a:lvl9pPr>
+          </a:lstStyle>
+          <a:p>
+            <a:pPr marL="342900" indent="-342900">
+              <a:buFont typeface="Arial" panose="020B0604020202020204" pitchFamily="34" charset="0"/>
+              <a:buChar char="•"/>
+            </a:pPr>
+            <a:r>
+              <a:rPr lang="de-DE" kern="0" dirty="0">
+                <a:cs typeface="Consolas" panose="020B0609020204030204" pitchFamily="49" charset="0"/>
+              </a:rPr>
+              <a:t>Chrome </a:t>
+            </a:r>
+            <a:r>
+              <a:rPr lang="de-DE" kern="0" dirty="0" err="1">
+                <a:cs typeface="Consolas" panose="020B0609020204030204" pitchFamily="49" charset="0"/>
+              </a:rPr>
+              <a:t>and</a:t>
+            </a:r>
+            <a:r>
+              <a:rPr lang="de-DE" kern="0" dirty="0">
+                <a:cs typeface="Consolas" panose="020B0609020204030204" pitchFamily="49" charset="0"/>
+              </a:rPr>
+              <a:t> Firefox </a:t>
+            </a:r>
+            <a:r>
+              <a:rPr lang="de-DE" kern="0" dirty="0" err="1">
+                <a:cs typeface="Consolas" panose="020B0609020204030204" pitchFamily="49" charset="0"/>
+              </a:rPr>
+              <a:t>use</a:t>
+            </a:r>
+            <a:r>
+              <a:rPr lang="de-DE" kern="0" dirty="0">
+                <a:cs typeface="Consolas" panose="020B0609020204030204" pitchFamily="49" charset="0"/>
+              </a:rPr>
+              <a:t> budget-</a:t>
+            </a:r>
+            <a:r>
+              <a:rPr lang="de-DE" kern="0" dirty="0" err="1">
+                <a:cs typeface="Consolas" panose="020B0609020204030204" pitchFamily="49" charset="0"/>
+              </a:rPr>
+              <a:t>based</a:t>
+            </a:r>
+            <a:r>
+              <a:rPr lang="de-DE" kern="0" dirty="0">
+                <a:cs typeface="Consolas" panose="020B0609020204030204" pitchFamily="49" charset="0"/>
+              </a:rPr>
+              <a:t> </a:t>
+            </a:r>
+            <a:r>
+              <a:rPr lang="de-DE" kern="0" dirty="0" err="1">
+                <a:cs typeface="Consolas" panose="020B0609020204030204" pitchFamily="49" charset="0"/>
+              </a:rPr>
+              <a:t>throttling</a:t>
+            </a:r>
+            <a:endParaRPr lang="de-DE" kern="0" dirty="0">
+              <a:cs typeface="Consolas" panose="020B0609020204030204" pitchFamily="49" charset="0"/>
+            </a:endParaRPr>
+          </a:p>
+          <a:p>
+            <a:pPr marL="342900" indent="-342900">
+              <a:buFont typeface="Arial" panose="020B0604020202020204" pitchFamily="34" charset="0"/>
+              <a:buChar char="•"/>
+            </a:pPr>
+            <a:r>
+              <a:rPr lang="de-DE" kern="0" dirty="0">
+                <a:cs typeface="Consolas" panose="020B0609020204030204" pitchFamily="49" charset="0"/>
+              </a:rPr>
+              <a:t>Safari </a:t>
+            </a:r>
+            <a:r>
+              <a:rPr lang="de-DE" kern="0" dirty="0" err="1">
+                <a:cs typeface="Consolas" panose="020B0609020204030204" pitchFamily="49" charset="0"/>
+              </a:rPr>
+              <a:t>timers</a:t>
+            </a:r>
+            <a:r>
+              <a:rPr lang="de-DE" kern="0" dirty="0">
+                <a:cs typeface="Consolas" panose="020B0609020204030204" pitchFamily="49" charset="0"/>
+              </a:rPr>
+              <a:t> </a:t>
+            </a:r>
+            <a:r>
+              <a:rPr lang="de-DE" kern="0" dirty="0" err="1">
+                <a:cs typeface="Consolas" panose="020B0609020204030204" pitchFamily="49" charset="0"/>
+              </a:rPr>
+              <a:t>waiting</a:t>
+            </a:r>
+            <a:r>
+              <a:rPr lang="de-DE" kern="0" dirty="0">
+                <a:cs typeface="Consolas" panose="020B0609020204030204" pitchFamily="49" charset="0"/>
+              </a:rPr>
+              <a:t> time </a:t>
+            </a:r>
+            <a:r>
+              <a:rPr lang="de-DE" kern="0" dirty="0" err="1">
+                <a:cs typeface="Consolas" panose="020B0609020204030204" pitchFamily="49" charset="0"/>
+              </a:rPr>
+              <a:t>increases</a:t>
+            </a:r>
+            <a:r>
+              <a:rPr lang="de-DE" kern="0" dirty="0">
+                <a:cs typeface="Consolas" panose="020B0609020204030204" pitchFamily="49" charset="0"/>
+              </a:rPr>
+              <a:t> </a:t>
+            </a:r>
+            <a:r>
+              <a:rPr lang="de-DE" kern="0" dirty="0" err="1">
+                <a:cs typeface="Consolas" panose="020B0609020204030204" pitchFamily="49" charset="0"/>
+              </a:rPr>
+              <a:t>exponentially</a:t>
+            </a:r>
+            <a:endParaRPr lang="de-DE" kern="0" dirty="0">
+              <a:cs typeface="Consolas" panose="020B0609020204030204" pitchFamily="49" charset="0"/>
+            </a:endParaRPr>
+          </a:p>
+        </p:txBody>
+      </p:sp>
+    </p:spTree>
+    <p:extLst>
+      <p:ext uri="{BB962C8B-B14F-4D97-AF65-F5344CB8AC3E}">
+        <p14:creationId xmlns:p14="http://schemas.microsoft.com/office/powerpoint/2010/main" val="2596724957"/>
+      </p:ext>
+    </p:extLst>
+  </p:cSld>
+  <p:clrMapOvr>
+    <a:masterClrMapping/>
+  </p:clrMapOvr>
+  <p:timing>
+    <p:tnLst>
+      <p:par>
+        <p:cTn id="1" dur="indefinite" restart="never" nodeType="tmRoot">
+          <p:childTnLst>
+            <p:seq concurrent="1" nextAc="seek">
+              <p:cTn id="2" dur="indefinite" nodeType="mainSeq">
+                <p:childTnLst>
+                  <p:par>
+                    <p:cTn id="3" fill="hold">
+                      <p:stCondLst>
+                        <p:cond delay="indefinite"/>
+                      </p:stCondLst>
+                      <p:childTnLst>
+                        <p:par>
+                          <p:cTn id="4" fill="hold">
+                            <p:stCondLst>
+                              <p:cond delay="0"/>
+                            </p:stCondLst>
+                            <p:childTnLst>
+                              <p:par>
+                                <p:cTn id="5" presetID="1" presetClass="entr" presetSubtype="0" fill="hold" nodeType="clickEffect">
+                                  <p:stCondLst>
+                                    <p:cond delay="0"/>
+                                  </p:stCondLst>
+                                  <p:childTnLst>
+                                    <p:set>
+                                      <p:cBhvr>
+                                        <p:cTn id="6" dur="1" fill="hold">
+                                          <p:stCondLst>
+                                            <p:cond delay="0"/>
+                                          </p:stCondLst>
+                                        </p:cTn>
+                                        <p:tgtEl>
+                                          <p:spTgt spid="9"/>
+                                        </p:tgtEl>
+                                        <p:attrNameLst>
+                                          <p:attrName>style.visibility</p:attrName>
+                                        </p:attrNameLst>
+                                      </p:cBhvr>
+                                      <p:to>
+                                        <p:strVal val="visible"/>
+                                      </p:to>
+                                    </p:set>
+                                  </p:childTnLst>
+                                </p:cTn>
+                              </p:par>
+                              <p:par>
+                                <p:cTn id="7" presetID="1" presetClass="entr" presetSubtype="0" fill="hold" nodeType="withEffect">
+                                  <p:stCondLst>
+                                    <p:cond delay="0"/>
+                                  </p:stCondLst>
+                                  <p:childTnLst>
+                                    <p:set>
+                                      <p:cBhvr>
+                                        <p:cTn id="8" dur="1" fill="hold">
+                                          <p:stCondLst>
+                                            <p:cond delay="0"/>
+                                          </p:stCondLst>
+                                        </p:cTn>
+                                        <p:tgtEl>
+                                          <p:spTgt spid="11"/>
+                                        </p:tgtEl>
+                                        <p:attrNameLst>
+                                          <p:attrName>style.visibility</p:attrName>
+                                        </p:attrNameLst>
+                                      </p:cBhvr>
+                                      <p:to>
+                                        <p:strVal val="visible"/>
+                                      </p:to>
+                                    </p:set>
+                                  </p:childTnLst>
+                                </p:cTn>
+                              </p:par>
+                              <p:par>
+                                <p:cTn id="9" presetID="1" presetClass="entr" presetSubtype="0" fill="hold" grpId="0" nodeType="withEffect">
+                                  <p:stCondLst>
+                                    <p:cond delay="0"/>
+                                  </p:stCondLst>
+                                  <p:childTnLst>
+                                    <p:set>
+                                      <p:cBhvr>
+                                        <p:cTn id="10" dur="1" fill="hold">
+                                          <p:stCondLst>
+                                            <p:cond delay="0"/>
+                                          </p:stCondLst>
+                                        </p:cTn>
+                                        <p:tgtEl>
+                                          <p:spTgt spid="12"/>
+                                        </p:tgtEl>
+                                        <p:attrNameLst>
+                                          <p:attrName>style.visibility</p:attrName>
+                                        </p:attrNameLst>
+                                      </p:cBhvr>
+                                      <p:to>
+                                        <p:strVal val="visible"/>
+                                      </p:to>
+                                    </p:set>
+                                  </p:childTnLst>
+                                </p:cTn>
+                              </p:par>
+                              <p:par>
+                                <p:cTn id="11" presetID="1" presetClass="entr" presetSubtype="0" fill="hold" grpId="0" nodeType="withEffect">
+                                  <p:stCondLst>
+                                    <p:cond delay="0"/>
+                                  </p:stCondLst>
+                                  <p:childTnLst>
+                                    <p:set>
+                                      <p:cBhvr>
+                                        <p:cTn id="12" dur="1" fill="hold">
+                                          <p:stCondLst>
+                                            <p:cond delay="0"/>
+                                          </p:stCondLst>
+                                        </p:cTn>
+                                        <p:tgtEl>
+                                          <p:spTgt spid="13"/>
+                                        </p:tgtEl>
+                                        <p:attrNameLst>
+                                          <p:attrName>style.visibility</p:attrName>
+                                        </p:attrNameLst>
+                                      </p:cBhvr>
+                                      <p:to>
+                                        <p:strVal val="visible"/>
+                                      </p:to>
+                                    </p:set>
+                                  </p:childTnLst>
+                                </p:cTn>
+                              </p:par>
+                            </p:childTnLst>
+                          </p:cTn>
+                        </p:par>
+                      </p:childTnLst>
+                    </p:cTn>
+                  </p:par>
+                  <p:par>
+                    <p:cTn id="13" fill="hold">
+                      <p:stCondLst>
+                        <p:cond delay="indefinite"/>
+                      </p:stCondLst>
+                      <p:childTnLst>
+                        <p:par>
+                          <p:cTn id="14" fill="hold">
+                            <p:stCondLst>
+                              <p:cond delay="0"/>
+                            </p:stCondLst>
+                            <p:childTnLst>
+                              <p:par>
+                                <p:cTn id="15" presetID="1" presetClass="entr" presetSubtype="0" fill="hold" nodeType="clickEffect">
+                                  <p:stCondLst>
+                                    <p:cond delay="0"/>
+                                  </p:stCondLst>
+                                  <p:childTnLst>
+                                    <p:set>
+                                      <p:cBhvr>
+                                        <p:cTn id="16" dur="1" fill="hold">
+                                          <p:stCondLst>
+                                            <p:cond delay="0"/>
+                                          </p:stCondLst>
+                                        </p:cTn>
+                                        <p:tgtEl>
+                                          <p:spTgt spid="15">
+                                            <p:txEl>
+                                              <p:pRg st="0" end="0"/>
+                                            </p:txEl>
+                                          </p:spTgt>
+                                        </p:tgtEl>
+                                        <p:attrNameLst>
+                                          <p:attrName>style.visibility</p:attrName>
+                                        </p:attrNameLst>
+                                      </p:cBhvr>
+                                      <p:to>
+                                        <p:strVal val="visible"/>
+                                      </p:to>
+                                    </p:set>
+                                  </p:childTnLst>
+                                </p:cTn>
+                              </p:par>
+                            </p:childTnLst>
+                          </p:cTn>
+                        </p:par>
+                      </p:childTnLst>
+                    </p:cTn>
+                  </p:par>
+                  <p:par>
+                    <p:cTn id="17" fill="hold">
+                      <p:stCondLst>
+                        <p:cond delay="indefinite"/>
+                      </p:stCondLst>
+                      <p:childTnLst>
+                        <p:par>
+                          <p:cTn id="18" fill="hold">
+                            <p:stCondLst>
+                              <p:cond delay="0"/>
+                            </p:stCondLst>
+                            <p:childTnLst>
+                              <p:par>
+                                <p:cTn id="19" presetID="1" presetClass="entr" presetSubtype="0" fill="hold" nodeType="clickEffect">
+                                  <p:stCondLst>
+                                    <p:cond delay="0"/>
+                                  </p:stCondLst>
+                                  <p:childTnLst>
+                                    <p:set>
+                                      <p:cBhvr>
+                                        <p:cTn id="20" dur="1" fill="hold">
+                                          <p:stCondLst>
+                                            <p:cond delay="0"/>
+                                          </p:stCondLst>
+                                        </p:cTn>
+                                        <p:tgtEl>
+                                          <p:spTgt spid="15">
+                                            <p:txEl>
+                                              <p:pRg st="1" end="1"/>
+                                            </p:txEl>
+                                          </p:spTgt>
+                                        </p:tgtEl>
+                                        <p:attrNameLst>
+                                          <p:attrName>style.visibility</p:attrName>
+                                        </p:attrNameLst>
+                                      </p:cBhvr>
+                                      <p:to>
+                                        <p:strVal val="visible"/>
+                                      </p:to>
+                                    </p:set>
+                                  </p:childTnLst>
+                                </p:cTn>
+                              </p:par>
+                            </p:childTnLst>
+                          </p:cTn>
+                        </p:par>
+                      </p:childTnLst>
+                    </p:cTn>
+                  </p:par>
+                </p:childTnLst>
+              </p:cTn>
+              <p:prevCondLst>
+                <p:cond evt="onPrev" delay="0">
+                  <p:tgtEl>
+                    <p:sldTgt/>
+                  </p:tgtEl>
+                </p:cond>
+              </p:prevCondLst>
+              <p:nextCondLst>
+                <p:cond evt="onNext" delay="0">
+                  <p:tgtEl>
+                    <p:sldTgt/>
+                  </p:tgtEl>
+                </p:cond>
+              </p:nextCondLst>
+            </p:seq>
+          </p:childTnLst>
+        </p:cTn>
+      </p:par>
+    </p:tnLst>
+    <p:bldLst>
+      <p:bldP spid="12" grpId="0"/>
+      <p:bldP spid="13" grpId="0"/>
+    </p:bldLst>
+  </p:timing>
+</p:sld>
+</file>
+
+<file path=ppt/slides/slide14.xml><?xml version="1.0" encoding="utf-8"?>
+<p:sld xmlns:a="http://schemas.openxmlformats.org/drawingml/2006/main" xmlns:r="http://schemas.openxmlformats.org/officeDocument/2006/relationships" xmlns:p="http://schemas.openxmlformats.org/presentationml/2006/main">
+  <p:cSld>
+    <p:spTree>
+      <p:nvGrpSpPr>
+        <p:cNvPr id="1" name=""/>
+        <p:cNvGrpSpPr/>
+        <p:nvPr/>
+      </p:nvGrpSpPr>
+      <p:grpSpPr>
+        <a:xfrm>
+          <a:off x="0" y="0"/>
+          <a:ext cx="0" cy="0"/>
+          <a:chOff x="0" y="0"/>
+          <a:chExt cx="0" cy="0"/>
+        </a:xfrm>
+      </p:grpSpPr>
+      <p:sp>
+        <p:nvSpPr>
+          <p:cNvPr id="2" name="Title 1">
+            <a:extLst>
+              <a:ext uri="{FF2B5EF4-FFF2-40B4-BE49-F238E27FC236}">
+                <a16:creationId xmlns:a16="http://schemas.microsoft.com/office/drawing/2014/main" id="{1BDD1B6A-0DE4-4A4D-BC3A-E9FBA4B2D30D}"/>
+              </a:ext>
+            </a:extLst>
+          </p:cNvPr>
+          <p:cNvSpPr>
+            <a:spLocks noGrp="1"/>
+          </p:cNvSpPr>
+          <p:nvPr>
+            <p:ph type="title"/>
+          </p:nvPr>
+        </p:nvSpPr>
+        <p:spPr/>
+        <p:txBody>
+          <a:bodyPr/>
+          <a:lstStyle/>
+          <a:p>
+            <a:r>
+              <a:rPr lang="de-DE" dirty="0" err="1"/>
+              <a:t>Timer</a:t>
+            </a:r>
+            <a:r>
+              <a:rPr lang="de-DE" dirty="0"/>
+              <a:t> </a:t>
+            </a:r>
+            <a:r>
+              <a:rPr lang="de-DE" dirty="0" err="1"/>
+              <a:t>tasks</a:t>
+            </a:r>
+            <a:r>
+              <a:rPr lang="de-DE" dirty="0"/>
+              <a:t> </a:t>
+            </a:r>
+            <a:r>
+              <a:rPr lang="de-DE" dirty="0" err="1"/>
+              <a:t>with</a:t>
+            </a:r>
+            <a:r>
+              <a:rPr lang="de-DE" dirty="0"/>
+              <a:t> </a:t>
+            </a:r>
+            <a:r>
+              <a:rPr lang="de-DE" dirty="0" err="1"/>
+              <a:t>WebSocket</a:t>
+            </a:r>
+            <a:r>
+              <a:rPr lang="de-DE" dirty="0"/>
+              <a:t> </a:t>
+            </a:r>
+            <a:r>
+              <a:rPr lang="de-DE" dirty="0" err="1"/>
+              <a:t>or</a:t>
+            </a:r>
+            <a:r>
+              <a:rPr lang="de-DE" dirty="0"/>
+              <a:t> </a:t>
+            </a:r>
+            <a:r>
+              <a:rPr lang="de-DE" dirty="0" err="1"/>
+              <a:t>AudioContext</a:t>
+            </a:r>
+            <a:endParaRPr lang="de-DE" dirty="0"/>
+          </a:p>
+        </p:txBody>
+      </p:sp>
+      <p:sp>
+        <p:nvSpPr>
+          <p:cNvPr id="3" name="Content Placeholder 2">
+            <a:extLst>
+              <a:ext uri="{FF2B5EF4-FFF2-40B4-BE49-F238E27FC236}">
+                <a16:creationId xmlns:a16="http://schemas.microsoft.com/office/drawing/2014/main" id="{9304FAC8-5659-504C-9B53-14788E756158}"/>
+              </a:ext>
+            </a:extLst>
+          </p:cNvPr>
+          <p:cNvSpPr>
+            <a:spLocks noGrp="1"/>
+          </p:cNvSpPr>
+          <p:nvPr>
+            <p:ph idx="1"/>
+          </p:nvPr>
+        </p:nvSpPr>
+        <p:spPr>
+          <a:xfrm>
+            <a:off x="360000" y="1620000"/>
+            <a:ext cx="8532480" cy="4479943"/>
+          </a:xfrm>
+        </p:spPr>
+        <p:txBody>
+          <a:bodyPr/>
+          <a:lstStyle/>
+          <a:p>
+            <a:pPr marL="342900" indent="-342900">
+              <a:buFont typeface="Arial" panose="020B0604020202020204" pitchFamily="34" charset="0"/>
+              <a:buChar char="•"/>
+            </a:pPr>
+            <a:r>
+              <a:rPr lang="de-DE" dirty="0"/>
+              <a:t>Browsers </a:t>
+            </a:r>
+            <a:r>
+              <a:rPr lang="de-DE" dirty="0" err="1"/>
+              <a:t>try</a:t>
+            </a:r>
+            <a:r>
+              <a:rPr lang="de-DE" dirty="0"/>
+              <a:t> </a:t>
+            </a:r>
+            <a:r>
+              <a:rPr lang="de-DE" dirty="0" err="1"/>
+              <a:t>to</a:t>
+            </a:r>
+            <a:r>
+              <a:rPr lang="de-DE" dirty="0"/>
+              <a:t> </a:t>
+            </a:r>
+            <a:r>
+              <a:rPr lang="de-DE" dirty="0" err="1"/>
+              <a:t>keep</a:t>
+            </a:r>
+            <a:r>
+              <a:rPr lang="de-DE" dirty="0"/>
+              <a:t> </a:t>
+            </a:r>
+            <a:r>
+              <a:rPr lang="de-DE" dirty="0" err="1"/>
+              <a:t>backward-compatibility</a:t>
+            </a:r>
+            <a:endParaRPr lang="de-DE" dirty="0"/>
+          </a:p>
+          <a:p>
+            <a:pPr marL="342900" indent="-342900">
+              <a:buFont typeface="Arial" panose="020B0604020202020204" pitchFamily="34" charset="0"/>
+              <a:buChar char="•"/>
+            </a:pPr>
+            <a:r>
+              <a:rPr lang="de-DE" dirty="0" err="1"/>
+              <a:t>Heuristics</a:t>
+            </a:r>
+            <a:r>
+              <a:rPr lang="de-DE" dirty="0"/>
+              <a:t> </a:t>
+            </a:r>
+            <a:r>
+              <a:rPr lang="de-DE" dirty="0" err="1"/>
+              <a:t>to</a:t>
+            </a:r>
+            <a:r>
+              <a:rPr lang="de-DE" dirty="0"/>
+              <a:t> </a:t>
+            </a:r>
+            <a:r>
+              <a:rPr lang="de-DE" dirty="0" err="1"/>
+              <a:t>determine</a:t>
+            </a:r>
+            <a:r>
+              <a:rPr lang="de-DE" dirty="0"/>
+              <a:t> </a:t>
+            </a:r>
+            <a:r>
+              <a:rPr lang="de-DE" dirty="0" err="1"/>
+              <a:t>if</a:t>
+            </a:r>
+            <a:r>
+              <a:rPr lang="de-DE" dirty="0"/>
+              <a:t> web </a:t>
+            </a:r>
+            <a:r>
+              <a:rPr lang="de-DE" dirty="0" err="1"/>
+              <a:t>page</a:t>
+            </a:r>
+            <a:r>
+              <a:rPr lang="de-DE" dirty="0"/>
+              <a:t> </a:t>
+            </a:r>
+            <a:r>
+              <a:rPr lang="de-DE" dirty="0" err="1"/>
+              <a:t>needs</a:t>
+            </a:r>
+            <a:r>
+              <a:rPr lang="de-DE" dirty="0"/>
+              <a:t> additional </a:t>
+            </a:r>
+            <a:r>
+              <a:rPr lang="de-DE" dirty="0" err="1"/>
+              <a:t>execution</a:t>
+            </a:r>
+            <a:r>
+              <a:rPr lang="de-DE" dirty="0"/>
+              <a:t> time</a:t>
+            </a:r>
+          </a:p>
+          <a:p>
+            <a:pPr marL="701675" lvl="2" indent="-342900">
+              <a:buFont typeface="Arial" panose="020B0604020202020204" pitchFamily="34" charset="0"/>
+              <a:buChar char="•"/>
+            </a:pPr>
+            <a:r>
+              <a:rPr lang="de-DE" sz="2000" dirty="0" err="1"/>
+              <a:t>WebSocket</a:t>
+            </a:r>
+            <a:r>
+              <a:rPr lang="de-DE" sz="2000" dirty="0"/>
+              <a:t> </a:t>
+            </a:r>
+            <a:r>
+              <a:rPr lang="de-DE" sz="2000" dirty="0" err="1"/>
+              <a:t>connection</a:t>
+            </a:r>
+            <a:r>
+              <a:rPr lang="de-DE" sz="2000" dirty="0"/>
+              <a:t> </a:t>
+            </a:r>
+            <a:r>
+              <a:rPr lang="de-DE" sz="2000" dirty="0" err="1"/>
+              <a:t>is</a:t>
+            </a:r>
+            <a:r>
+              <a:rPr lang="de-DE" sz="2000" dirty="0"/>
+              <a:t> </a:t>
+            </a:r>
+            <a:r>
+              <a:rPr lang="de-DE" sz="2000" dirty="0" err="1"/>
+              <a:t>active</a:t>
+            </a:r>
+            <a:endParaRPr lang="de-DE" sz="2000" dirty="0"/>
+          </a:p>
+          <a:p>
+            <a:pPr marL="881062" lvl="3" indent="-342900">
+              <a:buFont typeface="Arial" panose="020B0604020202020204" pitchFamily="34" charset="0"/>
+              <a:buChar char="•"/>
+            </a:pPr>
+            <a:r>
+              <a:rPr lang="de-DE" sz="2000" dirty="0" err="1"/>
+              <a:t>Used</a:t>
+            </a:r>
+            <a:r>
+              <a:rPr lang="de-DE" sz="2000" dirty="0"/>
+              <a:t> </a:t>
+            </a:r>
+            <a:r>
+              <a:rPr lang="de-DE" sz="2000" dirty="0" err="1"/>
+              <a:t>for</a:t>
+            </a:r>
+            <a:r>
+              <a:rPr lang="de-DE" sz="2000" dirty="0"/>
+              <a:t> </a:t>
+            </a:r>
+            <a:r>
+              <a:rPr lang="de-DE" sz="2000" dirty="0" err="1"/>
+              <a:t>realtime</a:t>
+            </a:r>
+            <a:r>
+              <a:rPr lang="de-DE" sz="2000" dirty="0"/>
+              <a:t> </a:t>
+            </a:r>
+            <a:r>
+              <a:rPr lang="de-DE" sz="2000" dirty="0" err="1"/>
+              <a:t>notifications</a:t>
+            </a:r>
+            <a:r>
+              <a:rPr lang="de-DE" sz="2000" dirty="0"/>
+              <a:t> </a:t>
+            </a:r>
+            <a:r>
+              <a:rPr lang="de-DE" sz="2000" dirty="0" err="1"/>
+              <a:t>or</a:t>
+            </a:r>
+            <a:r>
+              <a:rPr lang="de-DE" sz="2000" dirty="0"/>
+              <a:t> </a:t>
+            </a:r>
+            <a:r>
+              <a:rPr lang="de-DE" sz="2000" dirty="0" err="1"/>
+              <a:t>communication</a:t>
+            </a:r>
+            <a:endParaRPr lang="de-DE" sz="2000" dirty="0"/>
+          </a:p>
+          <a:p>
+            <a:pPr marL="701675" lvl="2" indent="-342900">
+              <a:buFont typeface="Arial" panose="020B0604020202020204" pitchFamily="34" charset="0"/>
+              <a:buChar char="•"/>
+            </a:pPr>
+            <a:r>
+              <a:rPr lang="de-DE" sz="2000" dirty="0" err="1"/>
+              <a:t>AudioContext</a:t>
+            </a:r>
+            <a:r>
+              <a:rPr lang="de-DE" sz="2000" dirty="0"/>
+              <a:t> was </a:t>
+            </a:r>
+            <a:r>
+              <a:rPr lang="de-DE" sz="2000" dirty="0" err="1"/>
+              <a:t>created</a:t>
+            </a:r>
+            <a:r>
+              <a:rPr lang="de-DE" sz="2000" dirty="0"/>
+              <a:t> </a:t>
+            </a:r>
+            <a:r>
+              <a:rPr lang="de-DE" sz="2000" dirty="0" err="1"/>
+              <a:t>and</a:t>
+            </a:r>
+            <a:r>
+              <a:rPr lang="de-DE" sz="2000" dirty="0"/>
+              <a:t> </a:t>
+            </a:r>
+            <a:r>
+              <a:rPr lang="de-DE" sz="2000" dirty="0" err="1"/>
+              <a:t>is</a:t>
+            </a:r>
+            <a:r>
+              <a:rPr lang="de-DE" sz="2000" dirty="0"/>
+              <a:t> </a:t>
+            </a:r>
+            <a:r>
+              <a:rPr lang="de-DE" sz="2000" dirty="0" err="1"/>
+              <a:t>active</a:t>
+            </a:r>
+            <a:endParaRPr lang="de-DE" sz="2000" dirty="0"/>
+          </a:p>
+          <a:p>
+            <a:pPr marL="881062" lvl="3" indent="-342900">
+              <a:buFont typeface="Arial" panose="020B0604020202020204" pitchFamily="34" charset="0"/>
+              <a:buChar char="•"/>
+            </a:pPr>
+            <a:r>
+              <a:rPr lang="de-DE" sz="2000" dirty="0"/>
+              <a:t>Audio </a:t>
+            </a:r>
+            <a:r>
+              <a:rPr lang="de-DE" sz="2000" dirty="0" err="1"/>
+              <a:t>routing</a:t>
+            </a:r>
+            <a:r>
+              <a:rPr lang="de-DE" sz="2000" dirty="0"/>
+              <a:t> </a:t>
+            </a:r>
+            <a:r>
+              <a:rPr lang="de-DE" sz="2000" dirty="0" err="1"/>
+              <a:t>graph</a:t>
+            </a:r>
+            <a:r>
+              <a:rPr lang="de-DE" sz="2000" dirty="0"/>
+              <a:t> </a:t>
+            </a:r>
+            <a:r>
+              <a:rPr lang="de-DE" sz="2000" dirty="0" err="1"/>
+              <a:t>for</a:t>
+            </a:r>
+            <a:r>
+              <a:rPr lang="de-DE" sz="2000" dirty="0"/>
+              <a:t> </a:t>
+            </a:r>
+            <a:r>
+              <a:rPr lang="de-DE" sz="2000" dirty="0" err="1"/>
+              <a:t>usage</a:t>
+            </a:r>
+            <a:r>
+              <a:rPr lang="de-DE" sz="2000" dirty="0"/>
+              <a:t> </a:t>
+            </a:r>
+            <a:r>
+              <a:rPr lang="de-DE" sz="2000" dirty="0" err="1"/>
+              <a:t>with</a:t>
+            </a:r>
+            <a:r>
+              <a:rPr lang="de-DE" sz="2000" dirty="0"/>
+              <a:t> </a:t>
+            </a:r>
+            <a:r>
+              <a:rPr lang="de-DE" sz="2000" dirty="0" err="1"/>
+              <a:t>Canvas</a:t>
+            </a:r>
+            <a:r>
+              <a:rPr lang="de-DE" sz="2000" dirty="0"/>
+              <a:t> </a:t>
+            </a:r>
+            <a:r>
+              <a:rPr lang="de-DE" sz="2000" dirty="0" err="1"/>
+              <a:t>or</a:t>
+            </a:r>
+            <a:r>
+              <a:rPr lang="de-DE" sz="2000" dirty="0"/>
+              <a:t> </a:t>
+            </a:r>
+            <a:r>
+              <a:rPr lang="de-DE" sz="2000" dirty="0" err="1"/>
+              <a:t>WebGL</a:t>
+            </a:r>
+            <a:endParaRPr lang="de-DE" sz="2000" dirty="0"/>
+          </a:p>
+          <a:p>
+            <a:pPr marL="881062" lvl="3" indent="-342900">
+              <a:buFont typeface="Arial" panose="020B0604020202020204" pitchFamily="34" charset="0"/>
+              <a:buChar char="•"/>
+            </a:pPr>
+            <a:r>
+              <a:rPr lang="de-DE" sz="2000" dirty="0"/>
+              <a:t>Play </a:t>
+            </a:r>
+            <a:r>
+              <a:rPr lang="de-DE" sz="2000" dirty="0" err="1"/>
+              <a:t>sound</a:t>
+            </a:r>
+            <a:r>
+              <a:rPr lang="de-DE" sz="2000" dirty="0"/>
+              <a:t> in </a:t>
+            </a:r>
+            <a:r>
+              <a:rPr lang="de-DE" sz="2000" dirty="0" err="1"/>
+              <a:t>response</a:t>
+            </a:r>
+            <a:r>
+              <a:rPr lang="de-DE" sz="2000" dirty="0"/>
+              <a:t> </a:t>
+            </a:r>
+            <a:r>
+              <a:rPr lang="de-DE" sz="2000" dirty="0" err="1"/>
+              <a:t>to</a:t>
+            </a:r>
+            <a:r>
+              <a:rPr lang="de-DE" sz="2000" dirty="0"/>
+              <a:t> </a:t>
+            </a:r>
+            <a:r>
+              <a:rPr lang="de-DE" sz="2000" dirty="0" err="1"/>
+              <a:t>events</a:t>
+            </a:r>
+            <a:endParaRPr lang="de-DE" sz="2000" dirty="0"/>
+          </a:p>
+          <a:p>
+            <a:pPr marL="342900" lvl="1" indent="-342900">
+              <a:buFont typeface="Arial" panose="020B0604020202020204" pitchFamily="34" charset="0"/>
+              <a:buChar char="•"/>
+            </a:pPr>
+            <a:r>
+              <a:rPr lang="de-DE" dirty="0" err="1"/>
+              <a:t>Both</a:t>
+            </a:r>
+            <a:r>
+              <a:rPr lang="de-DE" dirty="0"/>
+              <a:t> APIs </a:t>
+            </a:r>
+            <a:r>
+              <a:rPr lang="de-DE" dirty="0" err="1"/>
+              <a:t>are</a:t>
+            </a:r>
+            <a:r>
+              <a:rPr lang="de-DE" dirty="0"/>
+              <a:t> invisible </a:t>
+            </a:r>
+            <a:r>
+              <a:rPr lang="de-DE" dirty="0" err="1"/>
+              <a:t>to</a:t>
+            </a:r>
+            <a:r>
+              <a:rPr lang="de-DE" dirty="0"/>
+              <a:t> </a:t>
+            </a:r>
+            <a:r>
+              <a:rPr lang="de-DE" dirty="0" err="1"/>
+              <a:t>the</a:t>
+            </a:r>
+            <a:r>
+              <a:rPr lang="de-DE" dirty="0"/>
+              <a:t> web </a:t>
+            </a:r>
+            <a:r>
+              <a:rPr lang="de-DE" dirty="0" err="1"/>
+              <a:t>site</a:t>
+            </a:r>
+            <a:r>
+              <a:rPr lang="de-DE" dirty="0"/>
+              <a:t> </a:t>
+            </a:r>
+            <a:r>
+              <a:rPr lang="de-DE" dirty="0" err="1"/>
+              <a:t>visitor</a:t>
+            </a:r>
+            <a:endParaRPr lang="de-DE" dirty="0"/>
+          </a:p>
+          <a:p>
+            <a:pPr marL="342900" lvl="1" indent="-342900">
+              <a:buFont typeface="Arial" panose="020B0604020202020204" pitchFamily="34" charset="0"/>
+              <a:buChar char="•"/>
+            </a:pPr>
+            <a:r>
+              <a:rPr lang="de-DE" b="1" dirty="0" err="1"/>
+              <a:t>How</a:t>
+            </a:r>
+            <a:r>
+              <a:rPr lang="de-DE" b="1" dirty="0"/>
+              <a:t> </a:t>
+            </a:r>
+            <a:r>
+              <a:rPr lang="de-DE" b="1" dirty="0" err="1"/>
+              <a:t>does</a:t>
+            </a:r>
+            <a:r>
+              <a:rPr lang="de-DE" b="1" dirty="0"/>
+              <a:t> </a:t>
+            </a:r>
+            <a:r>
+              <a:rPr lang="de-DE" b="1" dirty="0" err="1"/>
+              <a:t>throttling</a:t>
+            </a:r>
+            <a:r>
+              <a:rPr lang="de-DE" b="1" dirty="0"/>
+              <a:t> </a:t>
+            </a:r>
+            <a:r>
+              <a:rPr lang="de-DE" b="1" dirty="0" err="1"/>
+              <a:t>change</a:t>
+            </a:r>
+            <a:r>
+              <a:rPr lang="de-DE" b="1" dirty="0"/>
+              <a:t> </a:t>
+            </a:r>
+            <a:r>
+              <a:rPr lang="de-DE" b="1" dirty="0" err="1"/>
+              <a:t>when</a:t>
+            </a:r>
+            <a:r>
+              <a:rPr lang="de-DE" b="1" dirty="0"/>
+              <a:t> </a:t>
+            </a:r>
+            <a:r>
+              <a:rPr lang="de-DE" b="1" dirty="0" err="1"/>
+              <a:t>using</a:t>
+            </a:r>
+            <a:r>
+              <a:rPr lang="de-DE" b="1" dirty="0"/>
+              <a:t> a </a:t>
+            </a:r>
+            <a:r>
+              <a:rPr lang="de-DE" b="1" dirty="0" err="1"/>
+              <a:t>WebSocket</a:t>
+            </a:r>
+            <a:r>
+              <a:rPr lang="de-DE" b="1" dirty="0"/>
+              <a:t> </a:t>
+            </a:r>
+            <a:r>
+              <a:rPr lang="de-DE" b="1" dirty="0" err="1"/>
+              <a:t>or</a:t>
+            </a:r>
+            <a:r>
+              <a:rPr lang="de-DE" b="1" dirty="0"/>
+              <a:t> </a:t>
+            </a:r>
+            <a:r>
+              <a:rPr lang="de-DE" b="1" dirty="0" err="1"/>
+              <a:t>AudioContext</a:t>
+            </a:r>
+            <a:r>
+              <a:rPr lang="de-DE" b="1" dirty="0"/>
+              <a:t>?</a:t>
+            </a:r>
+          </a:p>
+        </p:txBody>
+      </p:sp>
+    </p:spTree>
+    <p:extLst>
+      <p:ext uri="{BB962C8B-B14F-4D97-AF65-F5344CB8AC3E}">
+        <p14:creationId xmlns:p14="http://schemas.microsoft.com/office/powerpoint/2010/main" val="767367845"/>
+      </p:ext>
+    </p:extLst>
+  </p:cSld>
+  <p:clrMapOvr>
+    <a:masterClrMapping/>
+  </p:clrMapOvr>
+  <p:timing>
+    <p:tnLst>
+      <p:par>
+        <p:cTn id="1" dur="indefinite" restart="never" nodeType="tmRoot">
+          <p:childTnLst>
+            <p:seq concurrent="1" nextAc="seek">
+              <p:cTn id="2" dur="indefinite" nodeType="mainSeq">
+                <p:childTnLst>
+                  <p:par>
+                    <p:cTn id="3" fill="hold">
+                      <p:stCondLst>
+                        <p:cond delay="indefinite"/>
+                      </p:stCondLst>
+                      <p:childTnLst>
+                        <p:par>
+                          <p:cTn id="4" fill="hold">
+                            <p:stCondLst>
+                              <p:cond delay="0"/>
+                            </p:stCondLst>
+                            <p:childTnLst>
+                              <p:par>
+                                <p:cTn id="5" presetID="1" presetClass="entr" presetSubtype="0" fill="hold" grpId="0" nodeType="clickEffect">
+                                  <p:stCondLst>
+                                    <p:cond delay="0"/>
+                                  </p:stCondLst>
+                                  <p:childTnLst>
+                                    <p:set>
+                                      <p:cBhvr>
+                                        <p:cTn id="6" dur="1" fill="hold">
+                                          <p:stCondLst>
+                                            <p:cond delay="0"/>
+                                          </p:stCondLst>
+                                        </p:cTn>
+                                        <p:tgtEl>
+                                          <p:spTgt spid="3">
+                                            <p:txEl>
+                                              <p:pRg st="0" end="0"/>
+                                            </p:txEl>
+                                          </p:spTgt>
+                                        </p:tgtEl>
+                                        <p:attrNameLst>
+                                          <p:attrName>style.visibility</p:attrName>
+                                        </p:attrNameLst>
+                                      </p:cBhvr>
+                                      <p:to>
+                                        <p:strVal val="visible"/>
+                                      </p:to>
+                                    </p:set>
+                                  </p:childTnLst>
+                                </p:cTn>
+                              </p:par>
+                            </p:childTnLst>
+                          </p:cTn>
+                        </p:par>
+                      </p:childTnLst>
+                    </p:cTn>
+                  </p:par>
+                  <p:par>
+                    <p:cTn id="7" fill="hold">
+                      <p:stCondLst>
+                        <p:cond delay="indefinite"/>
+                      </p:stCondLst>
+                      <p:childTnLst>
+                        <p:par>
+                          <p:cTn id="8" fill="hold">
+                            <p:stCondLst>
+                              <p:cond delay="0"/>
+                            </p:stCondLst>
+                            <p:childTnLst>
+                              <p:par>
+                                <p:cTn id="9" presetID="1" presetClass="entr" presetSubtype="0" fill="hold" grpId="0" nodeType="clickEffect">
+                                  <p:stCondLst>
+                                    <p:cond delay="0"/>
+                                  </p:stCondLst>
+                                  <p:childTnLst>
+                                    <p:set>
+                                      <p:cBhvr>
+                                        <p:cTn id="10" dur="1" fill="hold">
+                                          <p:stCondLst>
+                                            <p:cond delay="0"/>
+                                          </p:stCondLst>
+                                        </p:cTn>
+                                        <p:tgtEl>
+                                          <p:spTgt spid="3">
+                                            <p:txEl>
+                                              <p:pRg st="1" end="1"/>
+                                            </p:txEl>
+                                          </p:spTgt>
+                                        </p:tgtEl>
+                                        <p:attrNameLst>
+                                          <p:attrName>style.visibility</p:attrName>
+                                        </p:attrNameLst>
+                                      </p:cBhvr>
+                                      <p:to>
+                                        <p:strVal val="visible"/>
+                                      </p:to>
+                                    </p:set>
+                                  </p:childTnLst>
+                                </p:cTn>
+                              </p:par>
+                            </p:childTnLst>
+                          </p:cTn>
+                        </p:par>
+                      </p:childTnLst>
+                    </p:cTn>
+                  </p:par>
+                  <p:par>
+                    <p:cTn id="11" fill="hold">
+                      <p:stCondLst>
+                        <p:cond delay="indefinite"/>
+                      </p:stCondLst>
+                      <p:childTnLst>
+                        <p:par>
+                          <p:cTn id="12" fill="hold">
+                            <p:stCondLst>
+                              <p:cond delay="0"/>
+                            </p:stCondLst>
+                            <p:childTnLst>
+                              <p:par>
+                                <p:cTn id="13" presetID="1" presetClass="entr" presetSubtype="0" fill="hold" grpId="0" nodeType="clickEffect">
+                                  <p:stCondLst>
+                                    <p:cond delay="0"/>
+                                  </p:stCondLst>
+                                  <p:childTnLst>
+                                    <p:set>
+                                      <p:cBhvr>
+                                        <p:cTn id="14" dur="1" fill="hold">
+                                          <p:stCondLst>
+                                            <p:cond delay="0"/>
+                                          </p:stCondLst>
+                                        </p:cTn>
+                                        <p:tgtEl>
+                                          <p:spTgt spid="3">
+                                            <p:txEl>
+                                              <p:pRg st="2" end="2"/>
+                                            </p:txEl>
+                                          </p:spTgt>
+                                        </p:tgtEl>
+                                        <p:attrNameLst>
+                                          <p:attrName>style.visibility</p:attrName>
+                                        </p:attrNameLst>
+                                      </p:cBhvr>
+                                      <p:to>
+                                        <p:strVal val="visible"/>
+                                      </p:to>
+                                    </p:set>
+                                  </p:childTnLst>
+                                </p:cTn>
+                              </p:par>
+                              <p:par>
+                                <p:cTn id="15" presetID="1" presetClass="entr" presetSubtype="0" fill="hold" grpId="0" nodeType="withEffect">
+                                  <p:stCondLst>
+                                    <p:cond delay="0"/>
+                                  </p:stCondLst>
+                                  <p:childTnLst>
+                                    <p:set>
+                                      <p:cBhvr>
+                                        <p:cTn id="16" dur="1" fill="hold">
+                                          <p:stCondLst>
+                                            <p:cond delay="0"/>
+                                          </p:stCondLst>
+                                        </p:cTn>
+                                        <p:tgtEl>
+                                          <p:spTgt spid="3">
+                                            <p:txEl>
+                                              <p:pRg st="3" end="3"/>
+                                            </p:txEl>
+                                          </p:spTgt>
+                                        </p:tgtEl>
+                                        <p:attrNameLst>
+                                          <p:attrName>style.visibility</p:attrName>
+                                        </p:attrNameLst>
+                                      </p:cBhvr>
+                                      <p:to>
+                                        <p:strVal val="visible"/>
+                                      </p:to>
+                                    </p:set>
+                                  </p:childTnLst>
+                                </p:cTn>
+                              </p:par>
+                            </p:childTnLst>
+                          </p:cTn>
+                        </p:par>
+                      </p:childTnLst>
+                    </p:cTn>
+                  </p:par>
+                  <p:par>
+                    <p:cTn id="17" fill="hold">
+                      <p:stCondLst>
+                        <p:cond delay="indefinite"/>
+                      </p:stCondLst>
+                      <p:childTnLst>
+                        <p:par>
+                          <p:cTn id="18" fill="hold">
+                            <p:stCondLst>
+                              <p:cond delay="0"/>
+                            </p:stCondLst>
+                            <p:childTnLst>
+                              <p:par>
+                                <p:cTn id="19" presetID="1" presetClass="entr" presetSubtype="0" fill="hold" grpId="0" nodeType="clickEffect">
+                                  <p:stCondLst>
+                                    <p:cond delay="0"/>
+                                  </p:stCondLst>
+                                  <p:childTnLst>
+                                    <p:set>
+                                      <p:cBhvr>
+                                        <p:cTn id="20" dur="1" fill="hold">
+                                          <p:stCondLst>
+                                            <p:cond delay="0"/>
+                                          </p:stCondLst>
+                                        </p:cTn>
+                                        <p:tgtEl>
+                                          <p:spTgt spid="3">
+                                            <p:txEl>
+                                              <p:pRg st="4" end="4"/>
+                                            </p:txEl>
+                                          </p:spTgt>
+                                        </p:tgtEl>
+                                        <p:attrNameLst>
+                                          <p:attrName>style.visibility</p:attrName>
+                                        </p:attrNameLst>
+                                      </p:cBhvr>
+                                      <p:to>
+                                        <p:strVal val="visible"/>
+                                      </p:to>
+                                    </p:set>
+                                  </p:childTnLst>
+                                </p:cTn>
+                              </p:par>
+                              <p:par>
+                                <p:cTn id="21" presetID="1" presetClass="entr" presetSubtype="0" fill="hold" grpId="0" nodeType="withEffect">
+                                  <p:stCondLst>
+                                    <p:cond delay="0"/>
+                                  </p:stCondLst>
+                                  <p:childTnLst>
+                                    <p:set>
+                                      <p:cBhvr>
+                                        <p:cTn id="22" dur="1" fill="hold">
+                                          <p:stCondLst>
+                                            <p:cond delay="0"/>
+                                          </p:stCondLst>
+                                        </p:cTn>
+                                        <p:tgtEl>
+                                          <p:spTgt spid="3">
+                                            <p:txEl>
+                                              <p:pRg st="5" end="5"/>
+                                            </p:txEl>
+                                          </p:spTgt>
+                                        </p:tgtEl>
+                                        <p:attrNameLst>
+                                          <p:attrName>style.visibility</p:attrName>
+                                        </p:attrNameLst>
+                                      </p:cBhvr>
+                                      <p:to>
+                                        <p:strVal val="visible"/>
+                                      </p:to>
+                                    </p:set>
+                                  </p:childTnLst>
+                                </p:cTn>
+                              </p:par>
+                              <p:par>
+                                <p:cTn id="23" presetID="1" presetClass="entr" presetSubtype="0" fill="hold" grpId="0" nodeType="withEffect">
+                                  <p:stCondLst>
+                                    <p:cond delay="0"/>
+                                  </p:stCondLst>
+                                  <p:childTnLst>
+                                    <p:set>
+                                      <p:cBhvr>
+                                        <p:cTn id="24" dur="1" fill="hold">
+                                          <p:stCondLst>
+                                            <p:cond delay="0"/>
+                                          </p:stCondLst>
+                                        </p:cTn>
+                                        <p:tgtEl>
+                                          <p:spTgt spid="3">
+                                            <p:txEl>
+                                              <p:pRg st="6" end="6"/>
+                                            </p:txEl>
+                                          </p:spTgt>
+                                        </p:tgtEl>
+                                        <p:attrNameLst>
+                                          <p:attrName>style.visibility</p:attrName>
+                                        </p:attrNameLst>
+                                      </p:cBhvr>
+                                      <p:to>
+                                        <p:strVal val="visible"/>
+                                      </p:to>
+                                    </p:set>
+                                  </p:childTnLst>
+                                </p:cTn>
+                              </p:par>
+                            </p:childTnLst>
+                          </p:cTn>
+                        </p:par>
+                      </p:childTnLst>
+                    </p:cTn>
+                  </p:par>
+                  <p:par>
+                    <p:cTn id="25" fill="hold">
+                      <p:stCondLst>
+                        <p:cond delay="indefinite"/>
+                      </p:stCondLst>
+                      <p:childTnLst>
+                        <p:par>
+                          <p:cTn id="26" fill="hold">
+                            <p:stCondLst>
+                              <p:cond delay="0"/>
+                            </p:stCondLst>
+                            <p:childTnLst>
+                              <p:par>
+                                <p:cTn id="27" presetID="1" presetClass="entr" presetSubtype="0" fill="hold" grpId="0" nodeType="clickEffect">
+                                  <p:stCondLst>
+                                    <p:cond delay="0"/>
+                                  </p:stCondLst>
+                                  <p:childTnLst>
+                                    <p:set>
+                                      <p:cBhvr>
+                                        <p:cTn id="28" dur="1" fill="hold">
+                                          <p:stCondLst>
+                                            <p:cond delay="0"/>
+                                          </p:stCondLst>
+                                        </p:cTn>
+                                        <p:tgtEl>
+                                          <p:spTgt spid="3">
+                                            <p:txEl>
+                                              <p:pRg st="7" end="7"/>
+                                            </p:txEl>
+                                          </p:spTgt>
+                                        </p:tgtEl>
+                                        <p:attrNameLst>
+                                          <p:attrName>style.visibility</p:attrName>
+                                        </p:attrNameLst>
+                                      </p:cBhvr>
+                                      <p:to>
+                                        <p:strVal val="visible"/>
+                                      </p:to>
+                                    </p:set>
+                                  </p:childTnLst>
+                                </p:cTn>
+                              </p:par>
+                            </p:childTnLst>
+                          </p:cTn>
+                        </p:par>
+                      </p:childTnLst>
+                    </p:cTn>
+                  </p:par>
+                  <p:par>
+                    <p:cTn id="29" fill="hold">
+                      <p:stCondLst>
+                        <p:cond delay="indefinite"/>
+                      </p:stCondLst>
+                      <p:childTnLst>
+                        <p:par>
+                          <p:cTn id="30" fill="hold">
+                            <p:stCondLst>
+                              <p:cond delay="0"/>
+                            </p:stCondLst>
+                            <p:childTnLst>
+                              <p:par>
+                                <p:cTn id="31" presetID="1" presetClass="entr" presetSubtype="0" fill="hold" grpId="0" nodeType="clickEffect">
+                                  <p:stCondLst>
+                                    <p:cond delay="0"/>
+                                  </p:stCondLst>
+                                  <p:childTnLst>
+                                    <p:set>
+                                      <p:cBhvr>
+                                        <p:cTn id="32" dur="1" fill="hold">
+                                          <p:stCondLst>
+                                            <p:cond delay="0"/>
+                                          </p:stCondLst>
+                                        </p:cTn>
+                                        <p:tgtEl>
+                                          <p:spTgt spid="3">
+                                            <p:txEl>
+                                              <p:pRg st="8" end="8"/>
+                                            </p:txEl>
+                                          </p:spTgt>
+                                        </p:tgtEl>
+                                        <p:attrNameLst>
+                                          <p:attrName>style.visibility</p:attrName>
+                                        </p:attrNameLst>
+                                      </p:cBhvr>
+                                      <p:to>
+                                        <p:strVal val="visible"/>
+                                      </p:to>
+                                    </p:set>
+                                  </p:childTnLst>
+                                </p:cTn>
+                              </p:par>
+                            </p:childTnLst>
+                          </p:cTn>
+                        </p:par>
+                      </p:childTnLst>
+                    </p:cTn>
+                  </p:par>
+                </p:childTnLst>
+              </p:cTn>
+              <p:prevCondLst>
+                <p:cond evt="onPrev" delay="0">
+                  <p:tgtEl>
+                    <p:sldTgt/>
+                  </p:tgtEl>
+                </p:cond>
+              </p:prevCondLst>
+              <p:nextCondLst>
+                <p:cond evt="onNext" delay="0">
+                  <p:tgtEl>
+                    <p:sldTgt/>
+                  </p:tgtEl>
+                </p:cond>
+              </p:nextCondLst>
+            </p:seq>
+          </p:childTnLst>
+        </p:cTn>
+      </p:par>
+    </p:tnLst>
+    <p:bldLst>
+      <p:bldP spid="3" grpId="0" uiExpand="1" build="p"/>
+    </p:bldLst>
+  </p:timing>
+</p:sld>
+</file>
+
+<file path=ppt/slides/slide15.xml><?xml version="1.0" encoding="utf-8"?>
+<p:sld xmlns:a="http://schemas.openxmlformats.org/drawingml/2006/main" xmlns:r="http://schemas.openxmlformats.org/officeDocument/2006/relationships" xmlns:p="http://schemas.openxmlformats.org/presentationml/2006/main">
+  <p:cSld>
+    <p:spTree>
+      <p:nvGrpSpPr>
+        <p:cNvPr id="1" name=""/>
+        <p:cNvGrpSpPr/>
+        <p:nvPr/>
+      </p:nvGrpSpPr>
+      <p:grpSpPr>
+        <a:xfrm>
+          <a:off x="0" y="0"/>
+          <a:ext cx="0" cy="0"/>
+          <a:chOff x="0" y="0"/>
+          <a:chExt cx="0" cy="0"/>
+        </a:xfrm>
+      </p:grpSpPr>
+      <p:sp>
+        <p:nvSpPr>
+          <p:cNvPr id="4" name="Title 3">
+            <a:extLst>
+              <a:ext uri="{FF2B5EF4-FFF2-40B4-BE49-F238E27FC236}">
+                <a16:creationId xmlns:a16="http://schemas.microsoft.com/office/drawing/2014/main" id="{5346C389-2495-7049-8F04-341020E3B53E}"/>
+              </a:ext>
+            </a:extLst>
+          </p:cNvPr>
+          <p:cNvSpPr>
+            <a:spLocks noGrp="1"/>
+          </p:cNvSpPr>
+          <p:nvPr>
+            <p:ph type="title"/>
+          </p:nvPr>
+        </p:nvSpPr>
+        <p:spPr/>
+        <p:txBody>
+          <a:bodyPr/>
+          <a:lstStyle/>
+          <a:p>
+            <a:r>
+              <a:rPr lang="de-DE" dirty="0" err="1"/>
+              <a:t>Timer</a:t>
+            </a:r>
+            <a:r>
+              <a:rPr lang="de-DE" dirty="0"/>
+              <a:t> </a:t>
+            </a:r>
+            <a:r>
+              <a:rPr lang="de-DE" dirty="0" err="1"/>
+              <a:t>tasks</a:t>
+            </a:r>
+            <a:r>
+              <a:rPr lang="de-DE" dirty="0"/>
+              <a:t> </a:t>
+            </a:r>
+            <a:r>
+              <a:rPr lang="de-DE" dirty="0" err="1"/>
+              <a:t>with</a:t>
+            </a:r>
+            <a:r>
+              <a:rPr lang="de-DE" dirty="0"/>
+              <a:t> </a:t>
+            </a:r>
+            <a:r>
+              <a:rPr lang="de-DE" dirty="0" err="1"/>
+              <a:t>WebSocket</a:t>
+            </a:r>
+            <a:endParaRPr lang="de-DE" dirty="0"/>
+          </a:p>
+        </p:txBody>
+      </p:sp>
+      <p:pic>
+        <p:nvPicPr>
+          <p:cNvPr id="8" name="Content Placeholder 7">
+            <a:extLst>
+              <a:ext uri="{FF2B5EF4-FFF2-40B4-BE49-F238E27FC236}">
+                <a16:creationId xmlns:a16="http://schemas.microsoft.com/office/drawing/2014/main" id="{6F361E51-3C28-3140-A127-9330E75CBDF7}"/>
+              </a:ext>
+            </a:extLst>
+          </p:cNvPr>
+          <p:cNvPicPr>
+            <a:picLocks noGrp="1" noChangeAspect="1"/>
+          </p:cNvPicPr>
+          <p:nvPr>
+            <p:ph sz="half" idx="1"/>
+          </p:nvPr>
+        </p:nvPicPr>
+        <p:blipFill>
+          <a:blip r:embed="rId2">
+            <a:extLst>
+              <a:ext uri="{28A0092B-C50C-407E-A947-70E740481C1C}">
+                <a14:useLocalDpi xmlns:a14="http://schemas.microsoft.com/office/drawing/2010/main" val="0"/>
+              </a:ext>
+            </a:extLst>
+          </a:blip>
+          <a:stretch>
+            <a:fillRect/>
+          </a:stretch>
+        </p:blipFill>
+        <p:spPr>
+          <a:xfrm>
+            <a:off x="102902" y="1659471"/>
+            <a:ext cx="4542305" cy="2705634"/>
+          </a:xfrm>
+        </p:spPr>
+      </p:pic>
+      <p:pic>
+        <p:nvPicPr>
+          <p:cNvPr id="10" name="Content Placeholder 9">
+            <a:extLst>
+              <a:ext uri="{FF2B5EF4-FFF2-40B4-BE49-F238E27FC236}">
+                <a16:creationId xmlns:a16="http://schemas.microsoft.com/office/drawing/2014/main" id="{2A420E07-6AC0-9D46-A648-ECD3FBF2C0B5}"/>
+              </a:ext>
+            </a:extLst>
+          </p:cNvPr>
+          <p:cNvPicPr>
+            <a:picLocks noGrp="1" noChangeAspect="1"/>
+          </p:cNvPicPr>
+          <p:nvPr>
+            <p:ph sz="half" idx="2"/>
+          </p:nvPr>
+        </p:nvPicPr>
+        <p:blipFill>
+          <a:blip r:embed="rId3">
+            <a:extLst>
+              <a:ext uri="{28A0092B-C50C-407E-A947-70E740481C1C}">
+                <a14:useLocalDpi xmlns:a14="http://schemas.microsoft.com/office/drawing/2010/main" val="0"/>
+              </a:ext>
+            </a:extLst>
+          </a:blip>
+          <a:stretch>
+            <a:fillRect/>
+          </a:stretch>
+        </p:blipFill>
+        <p:spPr>
+          <a:xfrm>
+            <a:off x="4645207" y="1659471"/>
+            <a:ext cx="4325065" cy="2705634"/>
+          </a:xfrm>
+        </p:spPr>
+      </p:pic>
+    </p:spTree>
+    <p:extLst>
+      <p:ext uri="{BB962C8B-B14F-4D97-AF65-F5344CB8AC3E}">
+        <p14:creationId xmlns:p14="http://schemas.microsoft.com/office/powerpoint/2010/main" val="178813117"/>
+      </p:ext>
+    </p:extLst>
+  </p:cSld>
+  <p:clrMapOvr>
+    <a:masterClrMapping/>
+  </p:clrMapOvr>
+</p:sld>
+</file>
+
+<file path=ppt/slides/slide16.xml><?xml version="1.0" encoding="utf-8"?>
+<p:sld xmlns:a="http://schemas.openxmlformats.org/drawingml/2006/main" xmlns:r="http://schemas.openxmlformats.org/officeDocument/2006/relationships" xmlns:p="http://schemas.openxmlformats.org/presentationml/2006/main">
+  <p:cSld>
+    <p:spTree>
+      <p:nvGrpSpPr>
+        <p:cNvPr id="1" name=""/>
+        <p:cNvGrpSpPr/>
+        <p:nvPr/>
+      </p:nvGrpSpPr>
+      <p:grpSpPr>
+        <a:xfrm>
+          <a:off x="0" y="0"/>
+          <a:ext cx="0" cy="0"/>
+          <a:chOff x="0" y="0"/>
+          <a:chExt cx="0" cy="0"/>
+        </a:xfrm>
+      </p:grpSpPr>
+      <p:sp>
+        <p:nvSpPr>
+          <p:cNvPr id="2" name="Title 1">
+            <a:extLst>
+              <a:ext uri="{FF2B5EF4-FFF2-40B4-BE49-F238E27FC236}">
+                <a16:creationId xmlns:a16="http://schemas.microsoft.com/office/drawing/2014/main" id="{1BDD1B6A-0DE4-4A4D-BC3A-E9FBA4B2D30D}"/>
+              </a:ext>
+            </a:extLst>
+          </p:cNvPr>
+          <p:cNvSpPr>
+            <a:spLocks noGrp="1"/>
+          </p:cNvSpPr>
+          <p:nvPr>
+            <p:ph type="title"/>
+          </p:nvPr>
+        </p:nvSpPr>
+        <p:spPr/>
+        <p:txBody>
+          <a:bodyPr/>
+          <a:lstStyle/>
+          <a:p>
+            <a:r>
+              <a:rPr lang="de-DE" dirty="0" err="1">
+                <a:latin typeface="Consolas" panose="020B0609020204030204" pitchFamily="49" charset="0"/>
+                <a:cs typeface="Consolas" panose="020B0609020204030204" pitchFamily="49" charset="0"/>
+              </a:rPr>
+              <a:t>postMessage</a:t>
+            </a:r>
+            <a:r>
+              <a:rPr lang="de-DE" dirty="0">
+                <a:latin typeface="Consolas" panose="020B0609020204030204" pitchFamily="49" charset="0"/>
+                <a:cs typeface="Consolas" panose="020B0609020204030204" pitchFamily="49" charset="0"/>
+              </a:rPr>
+              <a:t>()</a:t>
+            </a:r>
+            <a:r>
+              <a:rPr lang="de-DE" dirty="0"/>
+              <a:t> </a:t>
+            </a:r>
+            <a:r>
+              <a:rPr lang="de-DE" dirty="0" err="1"/>
+              <a:t>tasks</a:t>
+            </a:r>
+            <a:endParaRPr lang="de-DE" dirty="0"/>
+          </a:p>
+        </p:txBody>
+      </p:sp>
+      <p:sp>
+        <p:nvSpPr>
+          <p:cNvPr id="3" name="Content Placeholder 2">
+            <a:extLst>
+              <a:ext uri="{FF2B5EF4-FFF2-40B4-BE49-F238E27FC236}">
+                <a16:creationId xmlns:a16="http://schemas.microsoft.com/office/drawing/2014/main" id="{9304FAC8-5659-504C-9B53-14788E756158}"/>
+              </a:ext>
+            </a:extLst>
+          </p:cNvPr>
+          <p:cNvSpPr>
+            <a:spLocks noGrp="1"/>
+          </p:cNvSpPr>
+          <p:nvPr>
+            <p:ph idx="1"/>
+          </p:nvPr>
+        </p:nvSpPr>
+        <p:spPr/>
+        <p:txBody>
+          <a:bodyPr/>
+          <a:lstStyle/>
+          <a:p>
+            <a:endParaRPr lang="de-DE" dirty="0"/>
+          </a:p>
+        </p:txBody>
+      </p:sp>
+    </p:spTree>
+    <p:extLst>
+      <p:ext uri="{BB962C8B-B14F-4D97-AF65-F5344CB8AC3E}">
+        <p14:creationId xmlns:p14="http://schemas.microsoft.com/office/powerpoint/2010/main" val="2104755742"/>
+      </p:ext>
+    </p:extLst>
+  </p:cSld>
+  <p:clrMapOvr>
+    <a:masterClrMapping/>
+  </p:clrMapOvr>
+</p:sld>
+</file>
+
+<file path=ppt/slides/slide17.xml><?xml version="1.0" encoding="utf-8"?>
+<p:sld xmlns:a="http://schemas.openxmlformats.org/drawingml/2006/main" xmlns:r="http://schemas.openxmlformats.org/officeDocument/2006/relationships" xmlns:p="http://schemas.openxmlformats.org/presentationml/2006/main">
+  <p:cSld>
+    <p:spTree>
+      <p:nvGrpSpPr>
+        <p:cNvPr id="1" name=""/>
+        <p:cNvGrpSpPr/>
+        <p:nvPr/>
+      </p:nvGrpSpPr>
+      <p:grpSpPr>
+        <a:xfrm>
+          <a:off x="0" y="0"/>
+          <a:ext cx="0" cy="0"/>
+          <a:chOff x="0" y="0"/>
+          <a:chExt cx="0" cy="0"/>
+        </a:xfrm>
+      </p:grpSpPr>
+      <p:sp>
+        <p:nvSpPr>
+          <p:cNvPr id="2" name="Title 1">
+            <a:extLst>
+              <a:ext uri="{FF2B5EF4-FFF2-40B4-BE49-F238E27FC236}">
+                <a16:creationId xmlns:a16="http://schemas.microsoft.com/office/drawing/2014/main" id="{1BDD1B6A-0DE4-4A4D-BC3A-E9FBA4B2D30D}"/>
+              </a:ext>
+            </a:extLst>
+          </p:cNvPr>
+          <p:cNvSpPr>
+            <a:spLocks noGrp="1"/>
+          </p:cNvSpPr>
+          <p:nvPr>
+            <p:ph type="title"/>
+          </p:nvPr>
+        </p:nvSpPr>
+        <p:spPr/>
+        <p:txBody>
+          <a:bodyPr/>
+          <a:lstStyle/>
+          <a:p>
+            <a:r>
+              <a:rPr lang="de-DE" dirty="0"/>
+              <a:t>Web </a:t>
+            </a:r>
+            <a:r>
+              <a:rPr lang="de-DE" dirty="0" err="1"/>
+              <a:t>worker</a:t>
+            </a:r>
+            <a:r>
+              <a:rPr lang="de-DE" dirty="0"/>
+              <a:t> </a:t>
+            </a:r>
+            <a:r>
+              <a:rPr lang="de-DE" dirty="0" err="1"/>
+              <a:t>timer</a:t>
+            </a:r>
+            <a:r>
+              <a:rPr lang="de-DE" dirty="0"/>
+              <a:t> </a:t>
+            </a:r>
+            <a:r>
+              <a:rPr lang="de-DE" dirty="0" err="1"/>
+              <a:t>tasks</a:t>
+            </a:r>
+            <a:endParaRPr lang="de-DE" dirty="0"/>
+          </a:p>
+        </p:txBody>
+      </p:sp>
+      <p:sp>
+        <p:nvSpPr>
+          <p:cNvPr id="3" name="Content Placeholder 2">
+            <a:extLst>
+              <a:ext uri="{FF2B5EF4-FFF2-40B4-BE49-F238E27FC236}">
+                <a16:creationId xmlns:a16="http://schemas.microsoft.com/office/drawing/2014/main" id="{9304FAC8-5659-504C-9B53-14788E756158}"/>
+              </a:ext>
+            </a:extLst>
+          </p:cNvPr>
+          <p:cNvSpPr>
+            <a:spLocks noGrp="1"/>
+          </p:cNvSpPr>
+          <p:nvPr>
+            <p:ph idx="1"/>
+          </p:nvPr>
+        </p:nvSpPr>
+        <p:spPr/>
+        <p:txBody>
+          <a:bodyPr/>
+          <a:lstStyle/>
+          <a:p>
+            <a:endParaRPr lang="de-DE" dirty="0"/>
+          </a:p>
+        </p:txBody>
+      </p:sp>
+    </p:spTree>
+    <p:extLst>
+      <p:ext uri="{BB962C8B-B14F-4D97-AF65-F5344CB8AC3E}">
+        <p14:creationId xmlns:p14="http://schemas.microsoft.com/office/powerpoint/2010/main" val="1644818634"/>
+      </p:ext>
+    </p:extLst>
+  </p:cSld>
+  <p:clrMapOvr>
+    <a:masterClrMapping/>
+  </p:clrMapOvr>
+</p:sld>
+</file>
+
+<file path=ppt/slides/slide18.xml><?xml version="1.0" encoding="utf-8"?>
+<p:sld xmlns:a="http://schemas.openxmlformats.org/drawingml/2006/main" xmlns:r="http://schemas.openxmlformats.org/officeDocument/2006/relationships" xmlns:p="http://schemas.openxmlformats.org/presentationml/2006/main">
+  <p:cSld>
+    <p:spTree>
+      <p:nvGrpSpPr>
+        <p:cNvPr id="1" name=""/>
+        <p:cNvGrpSpPr/>
+        <p:nvPr/>
+      </p:nvGrpSpPr>
+      <p:grpSpPr>
+        <a:xfrm>
+          <a:off x="0" y="0"/>
+          <a:ext cx="0" cy="0"/>
+          <a:chOff x="0" y="0"/>
+          <a:chExt cx="0" cy="0"/>
+        </a:xfrm>
+      </p:grpSpPr>
+      <p:sp>
+        <p:nvSpPr>
+          <p:cNvPr id="2" name="Title 1">
+            <a:extLst>
+              <a:ext uri="{FF2B5EF4-FFF2-40B4-BE49-F238E27FC236}">
+                <a16:creationId xmlns:a16="http://schemas.microsoft.com/office/drawing/2014/main" id="{1BDD1B6A-0DE4-4A4D-BC3A-E9FBA4B2D30D}"/>
+              </a:ext>
+            </a:extLst>
+          </p:cNvPr>
+          <p:cNvSpPr>
+            <a:spLocks noGrp="1"/>
+          </p:cNvSpPr>
+          <p:nvPr>
+            <p:ph type="title"/>
+          </p:nvPr>
+        </p:nvSpPr>
+        <p:spPr/>
+        <p:txBody>
+          <a:bodyPr/>
+          <a:lstStyle/>
+          <a:p>
+            <a:r>
+              <a:rPr lang="de-DE" dirty="0"/>
+              <a:t>Summary</a:t>
+            </a:r>
+          </a:p>
+        </p:txBody>
+      </p:sp>
+      <p:sp>
+        <p:nvSpPr>
+          <p:cNvPr id="3" name="Content Placeholder 2">
+            <a:extLst>
+              <a:ext uri="{FF2B5EF4-FFF2-40B4-BE49-F238E27FC236}">
+                <a16:creationId xmlns:a16="http://schemas.microsoft.com/office/drawing/2014/main" id="{9304FAC8-5659-504C-9B53-14788E756158}"/>
+              </a:ext>
+            </a:extLst>
+          </p:cNvPr>
+          <p:cNvSpPr>
+            <a:spLocks noGrp="1"/>
+          </p:cNvSpPr>
+          <p:nvPr>
+            <p:ph idx="1"/>
+          </p:nvPr>
+        </p:nvSpPr>
+        <p:spPr/>
+        <p:txBody>
+          <a:bodyPr/>
+          <a:lstStyle/>
+          <a:p>
+            <a:r>
+              <a:rPr lang="de-DE" dirty="0"/>
+              <a:t>Browser </a:t>
+            </a:r>
+            <a:r>
+              <a:rPr lang="de-DE" dirty="0" err="1"/>
+              <a:t>throttling</a:t>
+            </a:r>
+            <a:r>
+              <a:rPr lang="de-DE" dirty="0"/>
+              <a:t> </a:t>
+            </a:r>
+            <a:r>
+              <a:rPr lang="de-DE" dirty="0" err="1"/>
+              <a:t>can</a:t>
+            </a:r>
+            <a:r>
+              <a:rPr lang="de-DE" dirty="0"/>
+              <a:t> </a:t>
+            </a:r>
+            <a:r>
+              <a:rPr lang="de-DE" dirty="0" err="1"/>
+              <a:t>be</a:t>
+            </a:r>
+            <a:r>
+              <a:rPr lang="de-DE" dirty="0"/>
+              <a:t> </a:t>
+            </a:r>
+            <a:r>
+              <a:rPr lang="de-DE" dirty="0" err="1"/>
+              <a:t>circumvented</a:t>
+            </a:r>
+            <a:endParaRPr lang="de-DE" dirty="0"/>
+          </a:p>
+          <a:p>
+            <a:r>
+              <a:rPr lang="de-DE" dirty="0"/>
+              <a:t>Chrome </a:t>
+            </a:r>
+            <a:r>
+              <a:rPr lang="de-DE" dirty="0" err="1"/>
+              <a:t>and</a:t>
+            </a:r>
+            <a:r>
+              <a:rPr lang="de-DE" dirty="0"/>
+              <a:t> Firefox </a:t>
+            </a:r>
+          </a:p>
+          <a:p>
+            <a:r>
+              <a:rPr lang="de-DE" dirty="0"/>
+              <a:t>Safari </a:t>
+            </a:r>
+            <a:r>
+              <a:rPr lang="de-DE" dirty="0" err="1"/>
+              <a:t>stops</a:t>
+            </a:r>
+            <a:r>
+              <a:rPr lang="de-DE" dirty="0"/>
+              <a:t> after ~ 8 </a:t>
+            </a:r>
+            <a:r>
+              <a:rPr lang="de-DE" dirty="0" err="1"/>
+              <a:t>minutes</a:t>
+            </a:r>
+            <a:r>
+              <a:rPr lang="de-DE" dirty="0"/>
+              <a:t> </a:t>
+            </a:r>
+            <a:r>
+              <a:rPr lang="de-DE" dirty="0" err="1"/>
+              <a:t>of</a:t>
+            </a:r>
+            <a:r>
+              <a:rPr lang="de-DE" dirty="0"/>
+              <a:t> high </a:t>
+            </a:r>
+            <a:r>
+              <a:rPr lang="de-DE" dirty="0" err="1"/>
+              <a:t>energy</a:t>
+            </a:r>
+            <a:r>
+              <a:rPr lang="de-DE" dirty="0"/>
+              <a:t> </a:t>
+            </a:r>
+            <a:r>
+              <a:rPr lang="de-DE" dirty="0" err="1"/>
+              <a:t>usage</a:t>
+            </a:r>
+            <a:endParaRPr lang="de-DE" dirty="0"/>
+          </a:p>
+        </p:txBody>
+      </p:sp>
+    </p:spTree>
+    <p:extLst>
+      <p:ext uri="{BB962C8B-B14F-4D97-AF65-F5344CB8AC3E}">
+        <p14:creationId xmlns:p14="http://schemas.microsoft.com/office/powerpoint/2010/main" val="3074482870"/>
+      </p:ext>
+    </p:extLst>
+  </p:cSld>
+  <p:clrMapOvr>
+    <a:masterClrMapping/>
+  </p:clrMapOvr>
+</p:sld>
+</file>
+
+<file path=ppt/slides/slide19.xml><?xml version="1.0" encoding="utf-8"?>
+<p:sld xmlns:a="http://schemas.openxmlformats.org/drawingml/2006/main" xmlns:r="http://schemas.openxmlformats.org/officeDocument/2006/relationships" xmlns:p="http://schemas.openxmlformats.org/presentationml/2006/main">
+  <p:cSld>
+    <p:spTree>
+      <p:nvGrpSpPr>
+        <p:cNvPr id="1" name=""/>
+        <p:cNvGrpSpPr/>
+        <p:nvPr/>
+      </p:nvGrpSpPr>
+      <p:grpSpPr>
+        <a:xfrm>
+          <a:off x="0" y="0"/>
+          <a:ext cx="0" cy="0"/>
+          <a:chOff x="0" y="0"/>
+          <a:chExt cx="0" cy="0"/>
+        </a:xfrm>
+      </p:grpSpPr>
+      <p:sp>
+        <p:nvSpPr>
+          <p:cNvPr id="2" name="Title 1">
+            <a:extLst>
+              <a:ext uri="{FF2B5EF4-FFF2-40B4-BE49-F238E27FC236}">
+                <a16:creationId xmlns:a16="http://schemas.microsoft.com/office/drawing/2014/main" id="{3902D59F-1220-E242-A0F1-5A9C19071C59}"/>
+              </a:ext>
+            </a:extLst>
+          </p:cNvPr>
+          <p:cNvSpPr>
+            <a:spLocks noGrp="1"/>
+          </p:cNvSpPr>
+          <p:nvPr>
+            <p:ph type="title"/>
+          </p:nvPr>
+        </p:nvSpPr>
+        <p:spPr/>
+        <p:txBody>
+          <a:bodyPr/>
+          <a:lstStyle/>
+          <a:p>
+            <a:r>
+              <a:rPr lang="de-DE" dirty="0"/>
+              <a:t>Dynamic </a:t>
+            </a:r>
+            <a:r>
+              <a:rPr lang="de-DE" dirty="0" err="1"/>
+              <a:t>analysis</a:t>
+            </a:r>
+            <a:r>
+              <a:rPr lang="de-DE" dirty="0"/>
+              <a:t> </a:t>
+            </a:r>
+            <a:r>
+              <a:rPr lang="de-DE" dirty="0" err="1"/>
+              <a:t>of</a:t>
+            </a:r>
+            <a:r>
+              <a:rPr lang="de-DE" dirty="0"/>
+              <a:t> </a:t>
+            </a:r>
+            <a:r>
+              <a:rPr lang="de-DE" dirty="0" err="1"/>
+              <a:t>popular</a:t>
+            </a:r>
+            <a:r>
+              <a:rPr lang="de-DE" dirty="0"/>
+              <a:t> </a:t>
+            </a:r>
+            <a:r>
+              <a:rPr lang="de-DE" dirty="0" err="1"/>
+              <a:t>websites</a:t>
+            </a:r>
+            <a:endParaRPr lang="de-DE" dirty="0"/>
+          </a:p>
+        </p:txBody>
+      </p:sp>
+      <p:sp>
+        <p:nvSpPr>
+          <p:cNvPr id="3" name="Text Placeholder 2">
+            <a:extLst>
+              <a:ext uri="{FF2B5EF4-FFF2-40B4-BE49-F238E27FC236}">
+                <a16:creationId xmlns:a16="http://schemas.microsoft.com/office/drawing/2014/main" id="{2F85007D-583C-A74B-8C18-278C9C985315}"/>
+              </a:ext>
+            </a:extLst>
+          </p:cNvPr>
+          <p:cNvSpPr>
+            <a:spLocks noGrp="1"/>
+          </p:cNvSpPr>
+          <p:nvPr>
+            <p:ph type="body" idx="1"/>
+          </p:nvPr>
+        </p:nvSpPr>
+        <p:spPr/>
+        <p:txBody>
+          <a:bodyPr/>
+          <a:lstStyle/>
+          <a:p>
+            <a:endParaRPr lang="de-DE" dirty="0"/>
+          </a:p>
+        </p:txBody>
+      </p:sp>
+    </p:spTree>
+    <p:extLst>
+      <p:ext uri="{BB962C8B-B14F-4D97-AF65-F5344CB8AC3E}">
+        <p14:creationId xmlns:p14="http://schemas.microsoft.com/office/powerpoint/2010/main" val="3154969002"/>
+      </p:ext>
+    </p:extLst>
+  </p:cSld>
+  <p:clrMapOvr>
+    <a:masterClrMapping/>
+  </p:clrMapOvr>
+</p:sld>
+</file>
+
 <file path=ppt/slides/slide2.xml><?xml version="1.0" encoding="utf-8"?>
 <p:sld xmlns:a="http://schemas.openxmlformats.org/drawingml/2006/main" xmlns:r="http://schemas.openxmlformats.org/officeDocument/2006/relationships" xmlns:p="http://schemas.openxmlformats.org/presentationml/2006/main">
   <p:cSld>
@@ -5979,6 +11562,270 @@
     <p:extLst>
       <p:ext uri="{BB962C8B-B14F-4D97-AF65-F5344CB8AC3E}">
         <p14:creationId xmlns:p14="http://schemas.microsoft.com/office/powerpoint/2010/main" val="2315615842"/>
+      </p:ext>
+    </p:extLst>
+  </p:cSld>
+  <p:clrMapOvr>
+    <a:masterClrMapping/>
+  </p:clrMapOvr>
+</p:sld>
+</file>
+
+<file path=ppt/slides/slide20.xml><?xml version="1.0" encoding="utf-8"?>
+<p:sld xmlns:a="http://schemas.openxmlformats.org/drawingml/2006/main" xmlns:r="http://schemas.openxmlformats.org/officeDocument/2006/relationships" xmlns:p="http://schemas.openxmlformats.org/presentationml/2006/main">
+  <p:cSld>
+    <p:spTree>
+      <p:nvGrpSpPr>
+        <p:cNvPr id="1" name=""/>
+        <p:cNvGrpSpPr/>
+        <p:nvPr/>
+      </p:nvGrpSpPr>
+      <p:grpSpPr>
+        <a:xfrm>
+          <a:off x="0" y="0"/>
+          <a:ext cx="0" cy="0"/>
+          <a:chOff x="0" y="0"/>
+          <a:chExt cx="0" cy="0"/>
+        </a:xfrm>
+      </p:grpSpPr>
+      <p:sp>
+        <p:nvSpPr>
+          <p:cNvPr id="2" name="Title 1">
+            <a:extLst>
+              <a:ext uri="{FF2B5EF4-FFF2-40B4-BE49-F238E27FC236}">
+                <a16:creationId xmlns:a16="http://schemas.microsoft.com/office/drawing/2014/main" id="{43A9D7CB-9050-A847-9458-D35677166F13}"/>
+              </a:ext>
+            </a:extLst>
+          </p:cNvPr>
+          <p:cNvSpPr>
+            <a:spLocks noGrp="1"/>
+          </p:cNvSpPr>
+          <p:nvPr>
+            <p:ph type="title"/>
+          </p:nvPr>
+        </p:nvSpPr>
+        <p:spPr/>
+        <p:txBody>
+          <a:bodyPr/>
+          <a:lstStyle/>
+          <a:p>
+            <a:r>
+              <a:rPr lang="de-DE" dirty="0" err="1"/>
+              <a:t>Preparation</a:t>
+            </a:r>
+            <a:endParaRPr lang="de-DE" dirty="0"/>
+          </a:p>
+        </p:txBody>
+      </p:sp>
+      <p:sp>
+        <p:nvSpPr>
+          <p:cNvPr id="3" name="Content Placeholder 2">
+            <a:extLst>
+              <a:ext uri="{FF2B5EF4-FFF2-40B4-BE49-F238E27FC236}">
+                <a16:creationId xmlns:a16="http://schemas.microsoft.com/office/drawing/2014/main" id="{CDB92161-2F85-8446-BBCD-B6012E06C269}"/>
+              </a:ext>
+            </a:extLst>
+          </p:cNvPr>
+          <p:cNvSpPr>
+            <a:spLocks noGrp="1"/>
+          </p:cNvSpPr>
+          <p:nvPr>
+            <p:ph idx="1"/>
+          </p:nvPr>
+        </p:nvSpPr>
+        <p:spPr/>
+        <p:txBody>
+          <a:bodyPr/>
+          <a:lstStyle/>
+          <a:p>
+            <a:endParaRPr lang="de-DE"/>
+          </a:p>
+        </p:txBody>
+      </p:sp>
+    </p:spTree>
+    <p:extLst>
+      <p:ext uri="{BB962C8B-B14F-4D97-AF65-F5344CB8AC3E}">
+        <p14:creationId xmlns:p14="http://schemas.microsoft.com/office/powerpoint/2010/main" val="2269157354"/>
+      </p:ext>
+    </p:extLst>
+  </p:cSld>
+  <p:clrMapOvr>
+    <a:masterClrMapping/>
+  </p:clrMapOvr>
+</p:sld>
+</file>
+
+<file path=ppt/slides/slide21.xml><?xml version="1.0" encoding="utf-8"?>
+<p:sld xmlns:a="http://schemas.openxmlformats.org/drawingml/2006/main" xmlns:r="http://schemas.openxmlformats.org/officeDocument/2006/relationships" xmlns:p="http://schemas.openxmlformats.org/presentationml/2006/main">
+  <p:cSld>
+    <p:spTree>
+      <p:nvGrpSpPr>
+        <p:cNvPr id="1" name=""/>
+        <p:cNvGrpSpPr/>
+        <p:nvPr/>
+      </p:nvGrpSpPr>
+      <p:grpSpPr>
+        <a:xfrm>
+          <a:off x="0" y="0"/>
+          <a:ext cx="0" cy="0"/>
+          <a:chOff x="0" y="0"/>
+          <a:chExt cx="0" cy="0"/>
+        </a:xfrm>
+      </p:grpSpPr>
+      <p:sp>
+        <p:nvSpPr>
+          <p:cNvPr id="2" name="Title 1">
+            <a:extLst>
+              <a:ext uri="{FF2B5EF4-FFF2-40B4-BE49-F238E27FC236}">
+                <a16:creationId xmlns:a16="http://schemas.microsoft.com/office/drawing/2014/main" id="{43A9D7CB-9050-A847-9458-D35677166F13}"/>
+              </a:ext>
+            </a:extLst>
+          </p:cNvPr>
+          <p:cNvSpPr>
+            <a:spLocks noGrp="1"/>
+          </p:cNvSpPr>
+          <p:nvPr>
+            <p:ph type="title"/>
+          </p:nvPr>
+        </p:nvSpPr>
+        <p:spPr/>
+        <p:txBody>
+          <a:bodyPr/>
+          <a:lstStyle/>
+          <a:p>
+            <a:r>
+              <a:rPr lang="de-DE" dirty="0" err="1"/>
+              <a:t>Tracing</a:t>
+            </a:r>
+            <a:endParaRPr lang="de-DE" dirty="0"/>
+          </a:p>
+        </p:txBody>
+      </p:sp>
+      <p:sp>
+        <p:nvSpPr>
+          <p:cNvPr id="3" name="Content Placeholder 2">
+            <a:extLst>
+              <a:ext uri="{FF2B5EF4-FFF2-40B4-BE49-F238E27FC236}">
+                <a16:creationId xmlns:a16="http://schemas.microsoft.com/office/drawing/2014/main" id="{CDB92161-2F85-8446-BBCD-B6012E06C269}"/>
+              </a:ext>
+            </a:extLst>
+          </p:cNvPr>
+          <p:cNvSpPr>
+            <a:spLocks noGrp="1"/>
+          </p:cNvSpPr>
+          <p:nvPr>
+            <p:ph idx="1"/>
+          </p:nvPr>
+        </p:nvSpPr>
+        <p:spPr/>
+        <p:txBody>
+          <a:bodyPr/>
+          <a:lstStyle/>
+          <a:p>
+            <a:endParaRPr lang="de-DE"/>
+          </a:p>
+        </p:txBody>
+      </p:sp>
+    </p:spTree>
+    <p:extLst>
+      <p:ext uri="{BB962C8B-B14F-4D97-AF65-F5344CB8AC3E}">
+        <p14:creationId xmlns:p14="http://schemas.microsoft.com/office/powerpoint/2010/main" val="20502498"/>
+      </p:ext>
+    </p:extLst>
+  </p:cSld>
+  <p:clrMapOvr>
+    <a:masterClrMapping/>
+  </p:clrMapOvr>
+</p:sld>
+</file>
+
+<file path=ppt/slides/slide22.xml><?xml version="1.0" encoding="utf-8"?>
+<p:sld xmlns:a="http://schemas.openxmlformats.org/drawingml/2006/main" xmlns:r="http://schemas.openxmlformats.org/officeDocument/2006/relationships" xmlns:p="http://schemas.openxmlformats.org/presentationml/2006/main">
+  <p:cSld>
+    <p:spTree>
+      <p:nvGrpSpPr>
+        <p:cNvPr id="1" name=""/>
+        <p:cNvGrpSpPr/>
+        <p:nvPr/>
+      </p:nvGrpSpPr>
+      <p:grpSpPr>
+        <a:xfrm>
+          <a:off x="0" y="0"/>
+          <a:ext cx="0" cy="0"/>
+          <a:chOff x="0" y="0"/>
+          <a:chExt cx="0" cy="0"/>
+        </a:xfrm>
+      </p:grpSpPr>
+      <p:sp>
+        <p:nvSpPr>
+          <p:cNvPr id="2" name="Title 1">
+            <a:extLst>
+              <a:ext uri="{FF2B5EF4-FFF2-40B4-BE49-F238E27FC236}">
+                <a16:creationId xmlns:a16="http://schemas.microsoft.com/office/drawing/2014/main" id="{43A9D7CB-9050-A847-9458-D35677166F13}"/>
+              </a:ext>
+            </a:extLst>
+          </p:cNvPr>
+          <p:cNvSpPr>
+            <a:spLocks noGrp="1"/>
+          </p:cNvSpPr>
+          <p:nvPr>
+            <p:ph type="title"/>
+          </p:nvPr>
+        </p:nvSpPr>
+        <p:spPr/>
+        <p:txBody>
+          <a:bodyPr/>
+          <a:lstStyle/>
+          <a:p>
+            <a:r>
+              <a:rPr lang="de-DE" dirty="0"/>
+              <a:t>Analysis </a:t>
+            </a:r>
+            <a:r>
+              <a:rPr lang="de-DE" dirty="0" err="1"/>
+              <a:t>of</a:t>
+            </a:r>
+            <a:r>
+              <a:rPr lang="de-DE" dirty="0"/>
+              <a:t> </a:t>
+            </a:r>
+            <a:r>
+              <a:rPr lang="de-DE" dirty="0" err="1"/>
+              <a:t>traces</a:t>
+            </a:r>
+            <a:endParaRPr lang="de-DE" dirty="0"/>
+          </a:p>
+        </p:txBody>
+      </p:sp>
+      <p:sp>
+        <p:nvSpPr>
+          <p:cNvPr id="3" name="Content Placeholder 2">
+            <a:extLst>
+              <a:ext uri="{FF2B5EF4-FFF2-40B4-BE49-F238E27FC236}">
+                <a16:creationId xmlns:a16="http://schemas.microsoft.com/office/drawing/2014/main" id="{CDB92161-2F85-8446-BBCD-B6012E06C269}"/>
+              </a:ext>
+            </a:extLst>
+          </p:cNvPr>
+          <p:cNvSpPr>
+            <a:spLocks noGrp="1"/>
+          </p:cNvSpPr>
+          <p:nvPr>
+            <p:ph idx="1"/>
+          </p:nvPr>
+        </p:nvSpPr>
+        <p:spPr/>
+        <p:txBody>
+          <a:bodyPr/>
+          <a:lstStyle/>
+          <a:p>
+            <a:endParaRPr lang="de-DE"/>
+          </a:p>
+        </p:txBody>
+      </p:sp>
+    </p:spTree>
+    <p:extLst>
+      <p:ext uri="{BB962C8B-B14F-4D97-AF65-F5344CB8AC3E}">
+        <p14:creationId xmlns:p14="http://schemas.microsoft.com/office/powerpoint/2010/main" val="2499912425"/>
       </p:ext>
     </p:extLst>
   </p:cSld>
@@ -7431,94 +13278,94 @@
               <a:buChar char="•"/>
             </a:pPr>
             <a:r>
-              <a:rPr lang="de-DE" dirty="0"/>
+              <a:rPr lang="de-DE" b="1" dirty="0"/>
               <a:t>Do </a:t>
             </a:r>
             <a:r>
-              <a:rPr lang="de-DE" dirty="0" err="1"/>
+              <a:rPr lang="de-DE" b="1" dirty="0" err="1"/>
               <a:t>these</a:t>
             </a:r>
             <a:r>
-              <a:rPr lang="de-DE" dirty="0"/>
-              <a:t> </a:t>
-            </a:r>
-            <a:r>
-              <a:rPr lang="de-DE" dirty="0" err="1"/>
+              <a:rPr lang="de-DE" b="1" dirty="0"/>
+              <a:t> </a:t>
+            </a:r>
+            <a:r>
+              <a:rPr lang="de-DE" b="1" dirty="0" err="1"/>
               <a:t>measures</a:t>
             </a:r>
             <a:r>
-              <a:rPr lang="de-DE" dirty="0"/>
-              <a:t> </a:t>
-            </a:r>
-            <a:r>
-              <a:rPr lang="de-DE" dirty="0" err="1"/>
+              <a:rPr lang="de-DE" b="1" dirty="0"/>
+              <a:t> </a:t>
+            </a:r>
+            <a:r>
+              <a:rPr lang="de-DE" b="1" dirty="0" err="1"/>
               <a:t>prevent</a:t>
             </a:r>
             <a:r>
-              <a:rPr lang="de-DE" dirty="0"/>
-              <a:t> </a:t>
-            </a:r>
-            <a:r>
-              <a:rPr lang="de-DE" dirty="0" err="1"/>
+              <a:rPr lang="de-DE" b="1" dirty="0"/>
+              <a:t> </a:t>
+            </a:r>
+            <a:r>
+              <a:rPr lang="de-DE" b="1" dirty="0" err="1"/>
               <a:t>these</a:t>
             </a:r>
             <a:r>
-              <a:rPr lang="de-DE" dirty="0"/>
-              <a:t> </a:t>
-            </a:r>
-            <a:r>
-              <a:rPr lang="de-DE" dirty="0" err="1"/>
+              <a:rPr lang="de-DE" b="1" dirty="0"/>
+              <a:t> </a:t>
+            </a:r>
+            <a:r>
+              <a:rPr lang="de-DE" b="1" dirty="0" err="1"/>
               <a:t>attacks</a:t>
             </a:r>
             <a:r>
-              <a:rPr lang="de-DE" dirty="0"/>
+              <a:rPr lang="de-DE" b="1" dirty="0"/>
               <a:t>. </a:t>
             </a:r>
             <a:r>
-              <a:rPr lang="de-DE" dirty="0" err="1"/>
+              <a:rPr lang="de-DE" b="1" dirty="0" err="1"/>
               <a:t>If</a:t>
             </a:r>
             <a:r>
-              <a:rPr lang="de-DE" dirty="0"/>
+              <a:rPr lang="de-DE" b="1" dirty="0"/>
               <a:t> not, </a:t>
             </a:r>
             <a:r>
-              <a:rPr lang="de-DE" dirty="0" err="1"/>
+              <a:rPr lang="de-DE" b="1" dirty="0" err="1"/>
               <a:t>how</a:t>
             </a:r>
             <a:r>
-              <a:rPr lang="de-DE" dirty="0"/>
-              <a:t> </a:t>
-            </a:r>
-            <a:r>
-              <a:rPr lang="de-DE" dirty="0" err="1"/>
+              <a:rPr lang="de-DE" b="1" dirty="0"/>
+              <a:t> </a:t>
+            </a:r>
+            <a:r>
+              <a:rPr lang="de-DE" b="1" dirty="0" err="1"/>
               <a:t>can</a:t>
             </a:r>
             <a:r>
-              <a:rPr lang="de-DE" dirty="0"/>
-              <a:t> </a:t>
-            </a:r>
-            <a:r>
-              <a:rPr lang="de-DE" dirty="0" err="1"/>
+              <a:rPr lang="de-DE" b="1" dirty="0"/>
+              <a:t> </a:t>
+            </a:r>
+            <a:r>
+              <a:rPr lang="de-DE" b="1" dirty="0" err="1"/>
               <a:t>they</a:t>
             </a:r>
             <a:r>
-              <a:rPr lang="de-DE" dirty="0"/>
-              <a:t> </a:t>
-            </a:r>
-            <a:r>
-              <a:rPr lang="de-DE" dirty="0" err="1"/>
+              <a:rPr lang="de-DE" b="1" dirty="0"/>
+              <a:t> </a:t>
+            </a:r>
+            <a:r>
+              <a:rPr lang="de-DE" b="1" dirty="0" err="1"/>
               <a:t>be</a:t>
             </a:r>
             <a:r>
-              <a:rPr lang="de-DE" dirty="0"/>
-              <a:t> </a:t>
-            </a:r>
-            <a:r>
-              <a:rPr lang="de-DE" dirty="0" err="1"/>
+              <a:rPr lang="de-DE" b="1" dirty="0"/>
+              <a:t> </a:t>
+            </a:r>
+            <a:r>
+              <a:rPr lang="de-DE" b="1" dirty="0" err="1"/>
               <a:t>circumvented</a:t>
             </a:r>
-            <a:endParaRPr lang="de-DE" dirty="0"/>
+            <a:endParaRPr lang="de-DE" b="1" dirty="0"/>
           </a:p>
         </p:txBody>
       </p:sp>
@@ -7709,31 +13556,6 @@
       </p:grpSpPr>
       <p:sp>
         <p:nvSpPr>
-          <p:cNvPr id="2" name="Content Placeholder 1">
-            <a:extLst>
-              <a:ext uri="{FF2B5EF4-FFF2-40B4-BE49-F238E27FC236}">
-                <a16:creationId xmlns:a16="http://schemas.microsoft.com/office/drawing/2014/main" id="{5D0276E8-D3E0-194C-A638-3BE854E17A36}"/>
-              </a:ext>
-            </a:extLst>
-          </p:cNvPr>
-          <p:cNvSpPr>
-            <a:spLocks noGrp="1"/>
-          </p:cNvSpPr>
-          <p:nvPr>
-            <p:ph idx="1"/>
-          </p:nvPr>
-        </p:nvSpPr>
-        <p:spPr/>
-        <p:txBody>
-          <a:bodyPr/>
-          <a:lstStyle/>
-          <a:p>
-            <a:endParaRPr lang="de-DE"/>
-          </a:p>
-        </p:txBody>
-      </p:sp>
-      <p:sp>
-        <p:nvSpPr>
           <p:cNvPr id="3" name="Text Placeholder 2">
             <a:extLst>
               <a:ext uri="{FF2B5EF4-FFF2-40B4-BE49-F238E27FC236}">
@@ -7748,39 +13570,197 @@
             <p:ph type="body" sz="half" idx="2"/>
           </p:nvPr>
         </p:nvSpPr>
-        <p:spPr/>
+        <p:spPr>
+          <a:xfrm>
+            <a:off x="323528" y="1620000"/>
+            <a:ext cx="3168352" cy="4506163"/>
+          </a:xfrm>
+        </p:spPr>
         <p:txBody>
           <a:bodyPr/>
           <a:lstStyle/>
           <a:p>
+            <a:pPr marL="342900" indent="-342900">
+              <a:buFont typeface="Arial" panose="020B0604020202020204" pitchFamily="34" charset="0"/>
+              <a:buChar char="•"/>
+            </a:pPr>
+            <a:r>
+              <a:rPr lang="de-DE" dirty="0" err="1"/>
+              <a:t>One</a:t>
+            </a:r>
+            <a:r>
+              <a:rPr lang="de-DE" dirty="0"/>
+              <a:t> </a:t>
+            </a:r>
+            <a:r>
+              <a:rPr lang="de-DE" dirty="0" err="1"/>
+              <a:t>execution</a:t>
+            </a:r>
+            <a:r>
+              <a:rPr lang="de-DE" dirty="0"/>
+              <a:t> </a:t>
+            </a:r>
+            <a:r>
+              <a:rPr lang="de-DE" dirty="0" err="1"/>
+              <a:t>context</a:t>
+            </a:r>
+            <a:r>
+              <a:rPr lang="de-DE" dirty="0"/>
+              <a:t> per </a:t>
+            </a:r>
+            <a:r>
+              <a:rPr lang="de-DE" dirty="0" err="1"/>
+              <a:t>window</a:t>
+            </a:r>
+            <a:r>
+              <a:rPr lang="de-DE" dirty="0"/>
+              <a:t> </a:t>
+            </a:r>
+            <a:r>
+              <a:rPr lang="de-DE" dirty="0" err="1"/>
+              <a:t>and</a:t>
+            </a:r>
+            <a:r>
+              <a:rPr lang="de-DE" dirty="0"/>
+              <a:t> </a:t>
+            </a:r>
+            <a:r>
+              <a:rPr lang="de-DE" dirty="0" err="1"/>
+              <a:t>origin</a:t>
+            </a:r>
+            <a:endParaRPr lang="de-DE" dirty="0"/>
+          </a:p>
+          <a:p>
+            <a:pPr marL="342900" indent="-342900">
+              <a:buFont typeface="Arial" panose="020B0604020202020204" pitchFamily="34" charset="0"/>
+              <a:buChar char="•"/>
+            </a:pPr>
             <a:r>
               <a:rPr lang="de-DE" dirty="0"/>
               <a:t>Event </a:t>
             </a:r>
             <a:r>
               <a:rPr lang="de-DE" dirty="0" err="1"/>
+              <a:t>loop</a:t>
+            </a:r>
+            <a:r>
+              <a:rPr lang="de-DE" dirty="0"/>
+              <a:t> </a:t>
+            </a:r>
+            <a:r>
+              <a:rPr lang="de-DE" dirty="0" err="1"/>
+              <a:t>executes</a:t>
+            </a:r>
+            <a:r>
+              <a:rPr lang="de-DE" dirty="0"/>
+              <a:t> </a:t>
+            </a:r>
+            <a:r>
+              <a:rPr lang="de-DE" dirty="0" err="1"/>
+              <a:t>tasks</a:t>
+            </a:r>
+            <a:r>
+              <a:rPr lang="de-DE" dirty="0"/>
+              <a:t> </a:t>
+            </a:r>
+            <a:r>
+              <a:rPr lang="de-DE" dirty="0" err="1"/>
+              <a:t>from</a:t>
+            </a:r>
+            <a:r>
+              <a:rPr lang="de-DE" dirty="0"/>
+              <a:t> </a:t>
+            </a:r>
+            <a:r>
+              <a:rPr lang="de-DE" dirty="0" err="1"/>
+              <a:t>task</a:t>
+            </a:r>
+            <a:r>
+              <a:rPr lang="de-DE" dirty="0"/>
+              <a:t> </a:t>
+            </a:r>
+            <a:r>
+              <a:rPr lang="de-DE" dirty="0" err="1"/>
               <a:t>queue</a:t>
             </a:r>
             <a:endParaRPr lang="de-DE" dirty="0"/>
           </a:p>
           <a:p>
-            <a:r>
-              <a:rPr lang="de-DE" dirty="0"/>
-              <a:t>Tasks</a:t>
-            </a:r>
-          </a:p>
-          <a:p>
-            <a:r>
-              <a:rPr lang="de-DE" dirty="0"/>
-              <a:t>Single </a:t>
-            </a:r>
-            <a:r>
-              <a:rPr lang="de-DE" dirty="0" err="1"/>
-              <a:t>threaded</a:t>
+            <a:pPr marL="342900" indent="-342900">
+              <a:buFont typeface="Arial" panose="020B0604020202020204" pitchFamily="34" charset="0"/>
+              <a:buChar char="•"/>
+            </a:pPr>
+            <a:r>
+              <a:rPr lang="de-DE" dirty="0"/>
+              <a:t>Tasks </a:t>
+            </a:r>
+            <a:r>
+              <a:rPr lang="de-DE" dirty="0" err="1"/>
+              <a:t>are</a:t>
+            </a:r>
+            <a:r>
+              <a:rPr lang="de-DE" dirty="0"/>
+              <a:t> </a:t>
+            </a:r>
+            <a:r>
+              <a:rPr lang="de-DE" dirty="0" err="1"/>
+              <a:t>created</a:t>
+            </a:r>
+            <a:r>
+              <a:rPr lang="de-DE" dirty="0"/>
+              <a:t> in </a:t>
+            </a:r>
+            <a:r>
+              <a:rPr lang="de-DE" dirty="0" err="1"/>
+              <a:t>response</a:t>
+            </a:r>
+            <a:r>
+              <a:rPr lang="de-DE" dirty="0"/>
+              <a:t> </a:t>
+            </a:r>
+            <a:r>
+              <a:rPr lang="de-DE" dirty="0" err="1"/>
+              <a:t>to</a:t>
+            </a:r>
+            <a:r>
+              <a:rPr lang="de-DE" dirty="0"/>
+              <a:t> </a:t>
+            </a:r>
+            <a:r>
+              <a:rPr lang="de-DE" dirty="0" err="1"/>
+              <a:t>events</a:t>
             </a:r>
             <a:endParaRPr lang="de-DE" dirty="0"/>
           </a:p>
           <a:p>
+            <a:pPr marL="342900" indent="-342900">
+              <a:buFont typeface="Arial" panose="020B0604020202020204" pitchFamily="34" charset="0"/>
+              <a:buChar char="•"/>
+            </a:pPr>
+            <a:r>
+              <a:rPr lang="de-DE" dirty="0"/>
+              <a:t>Tasks </a:t>
+            </a:r>
+            <a:r>
+              <a:rPr lang="de-DE" dirty="0" err="1"/>
+              <a:t>execution</a:t>
+            </a:r>
+            <a:r>
+              <a:rPr lang="de-DE" dirty="0"/>
+              <a:t> </a:t>
+            </a:r>
+            <a:r>
+              <a:rPr lang="de-DE" dirty="0" err="1"/>
+              <a:t>happens</a:t>
+            </a:r>
+            <a:r>
+              <a:rPr lang="de-DE" dirty="0"/>
+              <a:t> in </a:t>
+            </a:r>
+            <a:r>
+              <a:rPr lang="de-DE" dirty="0" err="1"/>
+              <a:t>serial</a:t>
+            </a:r>
             <a:endParaRPr lang="de-DE" dirty="0"/>
           </a:p>
         </p:txBody>
@@ -7806,7 +13786,108 @@
           <a:bodyPr/>
           <a:lstStyle/>
           <a:p>
-            <a:endParaRPr lang="de-DE"/>
+            <a:r>
+              <a:rPr lang="de-DE" dirty="0"/>
+              <a:t>JavaScript </a:t>
+            </a:r>
+            <a:r>
+              <a:rPr lang="de-DE" dirty="0" err="1"/>
+              <a:t>execution</a:t>
+            </a:r>
+            <a:r>
+              <a:rPr lang="de-DE" dirty="0"/>
+              <a:t> </a:t>
+            </a:r>
+            <a:r>
+              <a:rPr lang="de-DE" dirty="0" err="1"/>
+              <a:t>model</a:t>
+            </a:r>
+            <a:endParaRPr lang="de-DE" dirty="0"/>
+          </a:p>
+        </p:txBody>
+      </p:sp>
+      <p:pic>
+        <p:nvPicPr>
+          <p:cNvPr id="10" name="Content Placeholder 9">
+            <a:extLst>
+              <a:ext uri="{FF2B5EF4-FFF2-40B4-BE49-F238E27FC236}">
+                <a16:creationId xmlns:a16="http://schemas.microsoft.com/office/drawing/2014/main" id="{8CFE307F-ADED-1940-9057-F04702289321}"/>
+              </a:ext>
+            </a:extLst>
+          </p:cNvPr>
+          <p:cNvPicPr>
+            <a:picLocks noGrp="1" noChangeAspect="1"/>
+          </p:cNvPicPr>
+          <p:nvPr>
+            <p:ph idx="1"/>
+          </p:nvPr>
+        </p:nvPicPr>
+        <p:blipFill>
+          <a:blip r:embed="rId3">
+            <a:extLst>
+              <a:ext uri="{28A0092B-C50C-407E-A947-70E740481C1C}">
+                <a14:useLocalDpi xmlns:a14="http://schemas.microsoft.com/office/drawing/2010/main" val="0"/>
+              </a:ext>
+            </a:extLst>
+          </a:blip>
+          <a:stretch>
+            <a:fillRect/>
+          </a:stretch>
+        </p:blipFill>
+        <p:spPr>
+          <a:xfrm>
+            <a:off x="3419872" y="1617520"/>
+            <a:ext cx="5438378" cy="4691800"/>
+          </a:xfrm>
+        </p:spPr>
+      </p:pic>
+      <p:sp>
+        <p:nvSpPr>
+          <p:cNvPr id="11" name="TextBox 10">
+            <a:extLst>
+              <a:ext uri="{FF2B5EF4-FFF2-40B4-BE49-F238E27FC236}">
+                <a16:creationId xmlns:a16="http://schemas.microsoft.com/office/drawing/2014/main" id="{B7E3FD3D-AB7F-6B40-A772-FA0F072192C4}"/>
+              </a:ext>
+            </a:extLst>
+          </p:cNvPr>
+          <p:cNvSpPr txBox="1"/>
+          <p:nvPr/>
+        </p:nvSpPr>
+        <p:spPr>
+          <a:xfrm>
+            <a:off x="6540553" y="1556792"/>
+            <a:ext cx="2351927" cy="254361"/>
+          </a:xfrm>
+          <a:prstGeom prst="rect">
+            <a:avLst/>
+          </a:prstGeom>
+          <a:noFill/>
+        </p:spPr>
+        <p:txBody>
+          <a:bodyPr wrap="none" rtlCol="0">
+            <a:spAutoFit/>
+          </a:bodyPr>
+          <a:lstStyle/>
+          <a:p>
+            <a:r>
+              <a:rPr lang="de-DE" sz="1400" dirty="0"/>
+              <a:t>Image </a:t>
+            </a:r>
+            <a:r>
+              <a:rPr lang="de-DE" sz="1400" dirty="0" err="1"/>
+              <a:t>from</a:t>
+            </a:r>
+            <a:r>
+              <a:rPr lang="de-DE" sz="1400" dirty="0"/>
+              <a:t> </a:t>
+            </a:r>
+            <a:r>
+              <a:rPr lang="de-DE" sz="1400" dirty="0">
+                <a:hlinkClick r:id="rId4"/>
+              </a:rPr>
+              <a:t>freeCodeCamp</a:t>
+            </a:r>
+            <a:endParaRPr lang="de-DE" sz="1400" dirty="0"/>
           </a:p>
         </p:txBody>
       </p:sp>
@@ -7814,6 +13895,120 @@
     <p:extLst>
       <p:ext uri="{BB962C8B-B14F-4D97-AF65-F5344CB8AC3E}">
         <p14:creationId xmlns:p14="http://schemas.microsoft.com/office/powerpoint/2010/main" val="2653660737"/>
+      </p:ext>
+    </p:extLst>
+  </p:cSld>
+  <p:clrMapOvr>
+    <a:masterClrMapping/>
+  </p:clrMapOvr>
+</p:sld>
+</file>
+
+<file path=ppt/slides/slide9.xml><?xml version="1.0" encoding="utf-8"?>
+<p:sld xmlns:a="http://schemas.openxmlformats.org/drawingml/2006/main" xmlns:r="http://schemas.openxmlformats.org/officeDocument/2006/relationships" xmlns:p="http://schemas.openxmlformats.org/presentationml/2006/main">
+  <p:cSld>
+    <p:spTree>
+      <p:nvGrpSpPr>
+        <p:cNvPr id="1" name=""/>
+        <p:cNvGrpSpPr/>
+        <p:nvPr/>
+      </p:nvGrpSpPr>
+      <p:grpSpPr>
+        <a:xfrm>
+          <a:off x="0" y="0"/>
+          <a:ext cx="0" cy="0"/>
+          <a:chOff x="0" y="0"/>
+          <a:chExt cx="0" cy="0"/>
+        </a:xfrm>
+      </p:grpSpPr>
+      <p:sp>
+        <p:nvSpPr>
+          <p:cNvPr id="2" name="Title 1">
+            <a:extLst>
+              <a:ext uri="{FF2B5EF4-FFF2-40B4-BE49-F238E27FC236}">
+                <a16:creationId xmlns:a16="http://schemas.microsoft.com/office/drawing/2014/main" id="{E384E089-5D38-C14B-B7FF-9F61CE789105}"/>
+              </a:ext>
+            </a:extLst>
+          </p:cNvPr>
+          <p:cNvSpPr>
+            <a:spLocks noGrp="1"/>
+          </p:cNvSpPr>
+          <p:nvPr>
+            <p:ph type="title"/>
+          </p:nvPr>
+        </p:nvSpPr>
+        <p:spPr>
+          <a:xfrm>
+            <a:off x="722313" y="4406900"/>
+            <a:ext cx="6874023" cy="1362075"/>
+          </a:xfrm>
+        </p:spPr>
+        <p:txBody>
+          <a:bodyPr/>
+          <a:lstStyle/>
+          <a:p>
+            <a:r>
+              <a:rPr lang="de-DE" dirty="0"/>
+              <a:t>Analysis </a:t>
+            </a:r>
+            <a:r>
+              <a:rPr lang="de-DE" dirty="0" err="1"/>
+              <a:t>of</a:t>
+            </a:r>
+            <a:r>
+              <a:rPr lang="de-DE" dirty="0"/>
+              <a:t> </a:t>
+            </a:r>
+            <a:r>
+              <a:rPr lang="de-DE" dirty="0" err="1"/>
+              <a:t>browser</a:t>
+            </a:r>
+            <a:r>
+              <a:rPr lang="de-DE" dirty="0"/>
+              <a:t> </a:t>
+            </a:r>
+            <a:r>
+              <a:rPr lang="de-DE" dirty="0" err="1"/>
+              <a:t>behaviours</a:t>
+            </a:r>
+            <a:endParaRPr lang="de-DE" dirty="0"/>
+          </a:p>
+        </p:txBody>
+      </p:sp>
+      <p:sp>
+        <p:nvSpPr>
+          <p:cNvPr id="3" name="Text Placeholder 2">
+            <a:extLst>
+              <a:ext uri="{FF2B5EF4-FFF2-40B4-BE49-F238E27FC236}">
+                <a16:creationId xmlns:a16="http://schemas.microsoft.com/office/drawing/2014/main" id="{346974EB-3801-6F4F-8537-D05188F718BB}"/>
+              </a:ext>
+            </a:extLst>
+          </p:cNvPr>
+          <p:cNvSpPr>
+            <a:spLocks noGrp="1"/>
+          </p:cNvSpPr>
+          <p:nvPr>
+            <p:ph type="body" idx="1"/>
+          </p:nvPr>
+        </p:nvSpPr>
+        <p:spPr>
+          <a:xfrm>
+            <a:off x="722313" y="2906713"/>
+            <a:ext cx="6874023" cy="1500187"/>
+          </a:xfrm>
+        </p:spPr>
+        <p:txBody>
+          <a:bodyPr/>
+          <a:lstStyle/>
+          <a:p>
+            <a:endParaRPr lang="de-DE" dirty="0"/>
+          </a:p>
+        </p:txBody>
+      </p:sp>
+    </p:spTree>
+    <p:extLst>
+      <p:ext uri="{BB962C8B-B14F-4D97-AF65-F5344CB8AC3E}">
+        <p14:creationId xmlns:p14="http://schemas.microsoft.com/office/powerpoint/2010/main" val="1201058844"/>
       </p:ext>
     </p:extLst>
   </p:cSld>

--- a/thesis/slides.pptx
+++ b/thesis/slides.pptx
@@ -5,10 +5,10 @@
     <p:sldMasterId id="2147483648" r:id="rId1"/>
   </p:sldMasterIdLst>
   <p:notesMasterIdLst>
-    <p:notesMasterId r:id="rId24"/>
+    <p:notesMasterId r:id="rId30"/>
   </p:notesMasterIdLst>
   <p:handoutMasterIdLst>
-    <p:handoutMasterId r:id="rId25"/>
+    <p:handoutMasterId r:id="rId31"/>
   </p:handoutMasterIdLst>
   <p:sldIdLst>
     <p:sldId id="256" r:id="rId2"/>
@@ -27,12 +27,18 @@
     <p:sldId id="270" r:id="rId15"/>
     <p:sldId id="281" r:id="rId16"/>
     <p:sldId id="272" r:id="rId17"/>
-    <p:sldId id="271" r:id="rId18"/>
-    <p:sldId id="273" r:id="rId19"/>
-    <p:sldId id="274" r:id="rId20"/>
-    <p:sldId id="276" r:id="rId21"/>
-    <p:sldId id="277" r:id="rId22"/>
-    <p:sldId id="278" r:id="rId23"/>
+    <p:sldId id="282" r:id="rId18"/>
+    <p:sldId id="271" r:id="rId19"/>
+    <p:sldId id="283" r:id="rId20"/>
+    <p:sldId id="273" r:id="rId21"/>
+    <p:sldId id="285" r:id="rId22"/>
+    <p:sldId id="284" r:id="rId23"/>
+    <p:sldId id="274" r:id="rId24"/>
+    <p:sldId id="276" r:id="rId25"/>
+    <p:sldId id="277" r:id="rId26"/>
+    <p:sldId id="278" r:id="rId27"/>
+    <p:sldId id="286" r:id="rId28"/>
+    <p:sldId id="287" r:id="rId29"/>
   </p:sldIdLst>
   <p:sldSz cx="9144000" cy="6858000" type="screen4x3"/>
   <p:notesSz cx="6858000" cy="9144000"/>
@@ -300,7 +306,7 @@
             <a:fld id="{A32DC80D-291A-4ABB-A78B-0417274A267C}" type="datetime4">
               <a:rPr lang="de-DE"/>
               <a:pPr/>
-              <a:t>4. November 2019</a:t>
+              <a:t>6. November 2019</a:t>
             </a:fld>
             <a:endParaRPr lang="de-DE"/>
           </a:p>
@@ -683,7 +689,7 @@
             <a:fld id="{065B079B-E513-489A-8A1B-D7C78493EA86}" type="datetime4">
               <a:rPr lang="de-DE"/>
               <a:pPr/>
-              <a:t>4. November 2019</a:t>
+              <a:t>6. November 2019</a:t>
             </a:fld>
             <a:endParaRPr lang="de-DE"/>
           </a:p>
@@ -1318,7 +1324,7 @@
             <a:fld id="{065B079B-E513-489A-8A1B-D7C78493EA86}" type="datetime4">
               <a:rPr lang="de-DE" smtClean="0"/>
               <a:pPr/>
-              <a:t>4. November 2019</a:t>
+              <a:t>6. November 2019</a:t>
             </a:fld>
             <a:endParaRPr lang="de-DE"/>
           </a:p>
@@ -1378,6 +1384,1639 @@
     <p:extLst>
       <p:ext uri="{BB962C8B-B14F-4D97-AF65-F5344CB8AC3E}">
         <p14:creationId xmlns:p14="http://schemas.microsoft.com/office/powerpoint/2010/main" val="209570868"/>
+      </p:ext>
+    </p:extLst>
+  </p:cSld>
+  <p:clrMapOvr>
+    <a:masterClrMapping/>
+  </p:clrMapOvr>
+</p:notes>
+</file>
+
+<file path=ppt/notesSlides/notesSlide10.xml><?xml version="1.0" encoding="utf-8"?>
+<p:notes xmlns:a="http://schemas.openxmlformats.org/drawingml/2006/main" xmlns:r="http://schemas.openxmlformats.org/officeDocument/2006/relationships" xmlns:p="http://schemas.openxmlformats.org/presentationml/2006/main">
+  <p:cSld>
+    <p:spTree>
+      <p:nvGrpSpPr>
+        <p:cNvPr id="1" name=""/>
+        <p:cNvGrpSpPr/>
+        <p:nvPr/>
+      </p:nvGrpSpPr>
+      <p:grpSpPr>
+        <a:xfrm>
+          <a:off x="0" y="0"/>
+          <a:ext cx="0" cy="0"/>
+          <a:chOff x="0" y="0"/>
+          <a:chExt cx="0" cy="0"/>
+        </a:xfrm>
+      </p:grpSpPr>
+      <p:sp>
+        <p:nvSpPr>
+          <p:cNvPr id="2" name="Slide Image Placeholder 1"/>
+          <p:cNvSpPr>
+            <a:spLocks noGrp="1" noRot="1" noChangeAspect="1"/>
+          </p:cNvSpPr>
+          <p:nvPr>
+            <p:ph type="sldImg"/>
+          </p:nvPr>
+        </p:nvSpPr>
+        <p:spPr>
+          <a:xfrm>
+            <a:off x="1371600" y="923925"/>
+            <a:ext cx="4095750" cy="3071813"/>
+          </a:xfrm>
+        </p:spPr>
+      </p:sp>
+      <p:sp>
+        <p:nvSpPr>
+          <p:cNvPr id="3" name="Notes Placeholder 2"/>
+          <p:cNvSpPr>
+            <a:spLocks noGrp="1"/>
+          </p:cNvSpPr>
+          <p:nvPr>
+            <p:ph type="body" idx="1"/>
+          </p:nvPr>
+        </p:nvSpPr>
+        <p:spPr/>
+        <p:txBody>
+          <a:bodyPr/>
+          <a:lstStyle/>
+          <a:p>
+            <a:endParaRPr lang="de-DE" dirty="0"/>
+          </a:p>
+        </p:txBody>
+      </p:sp>
+      <p:sp>
+        <p:nvSpPr>
+          <p:cNvPr id="4" name="Date Placeholder 3"/>
+          <p:cNvSpPr>
+            <a:spLocks noGrp="1"/>
+          </p:cNvSpPr>
+          <p:nvPr>
+            <p:ph type="dt" idx="1"/>
+          </p:nvPr>
+        </p:nvSpPr>
+        <p:spPr/>
+        <p:txBody>
+          <a:bodyPr/>
+          <a:lstStyle/>
+          <a:p>
+            <a:fld id="{065B079B-E513-489A-8A1B-D7C78493EA86}" type="datetime4">
+              <a:rPr lang="de-DE" smtClean="0"/>
+              <a:pPr/>
+              <a:t>6. November 2019</a:t>
+            </a:fld>
+            <a:endParaRPr lang="de-DE"/>
+          </a:p>
+        </p:txBody>
+      </p:sp>
+      <p:sp>
+        <p:nvSpPr>
+          <p:cNvPr id="5" name="Footer Placeholder 4"/>
+          <p:cNvSpPr>
+            <a:spLocks noGrp="1"/>
+          </p:cNvSpPr>
+          <p:nvPr>
+            <p:ph type="ftr" sz="quarter" idx="4"/>
+          </p:nvPr>
+        </p:nvSpPr>
+        <p:spPr/>
+        <p:txBody>
+          <a:bodyPr/>
+          <a:lstStyle/>
+          <a:p>
+            <a:r>
+              <a:rPr lang="de-DE"/>
+              <a:t>|  </a:t>
+            </a:r>
+          </a:p>
+        </p:txBody>
+      </p:sp>
+      <p:sp>
+        <p:nvSpPr>
+          <p:cNvPr id="6" name="Slide Number Placeholder 5"/>
+          <p:cNvSpPr>
+            <a:spLocks noGrp="1"/>
+          </p:cNvSpPr>
+          <p:nvPr>
+            <p:ph type="sldNum" sz="quarter" idx="5"/>
+          </p:nvPr>
+        </p:nvSpPr>
+        <p:spPr/>
+        <p:txBody>
+          <a:bodyPr/>
+          <a:lstStyle/>
+          <a:p>
+            <a:r>
+              <a:rPr lang="de-DE"/>
+              <a:t>|  </a:t>
+            </a:r>
+            <a:fld id="{C36AA9A4-5D0B-4134-89A6-D8B9DAA4F25C}" type="slidenum">
+              <a:rPr lang="de-DE" smtClean="0"/>
+              <a:pPr/>
+              <a:t>15</a:t>
+            </a:fld>
+            <a:endParaRPr lang="de-DE"/>
+          </a:p>
+        </p:txBody>
+      </p:sp>
+    </p:spTree>
+    <p:extLst>
+      <p:ext uri="{BB962C8B-B14F-4D97-AF65-F5344CB8AC3E}">
+        <p14:creationId xmlns:p14="http://schemas.microsoft.com/office/powerpoint/2010/main" val="2734291700"/>
+      </p:ext>
+    </p:extLst>
+  </p:cSld>
+  <p:clrMapOvr>
+    <a:masterClrMapping/>
+  </p:clrMapOvr>
+</p:notes>
+</file>
+
+<file path=ppt/notesSlides/notesSlide11.xml><?xml version="1.0" encoding="utf-8"?>
+<p:notes xmlns:a="http://schemas.openxmlformats.org/drawingml/2006/main" xmlns:r="http://schemas.openxmlformats.org/officeDocument/2006/relationships" xmlns:p="http://schemas.openxmlformats.org/presentationml/2006/main">
+  <p:cSld>
+    <p:spTree>
+      <p:nvGrpSpPr>
+        <p:cNvPr id="1" name=""/>
+        <p:cNvGrpSpPr/>
+        <p:nvPr/>
+      </p:nvGrpSpPr>
+      <p:grpSpPr>
+        <a:xfrm>
+          <a:off x="0" y="0"/>
+          <a:ext cx="0" cy="0"/>
+          <a:chOff x="0" y="0"/>
+          <a:chExt cx="0" cy="0"/>
+        </a:xfrm>
+      </p:grpSpPr>
+      <p:sp>
+        <p:nvSpPr>
+          <p:cNvPr id="2" name="Slide Image Placeholder 1"/>
+          <p:cNvSpPr>
+            <a:spLocks noGrp="1" noRot="1" noChangeAspect="1"/>
+          </p:cNvSpPr>
+          <p:nvPr>
+            <p:ph type="sldImg"/>
+          </p:nvPr>
+        </p:nvSpPr>
+        <p:spPr>
+          <a:xfrm>
+            <a:off x="1371600" y="923925"/>
+            <a:ext cx="4095750" cy="3071813"/>
+          </a:xfrm>
+        </p:spPr>
+      </p:sp>
+      <p:sp>
+        <p:nvSpPr>
+          <p:cNvPr id="3" name="Notes Placeholder 2"/>
+          <p:cNvSpPr>
+            <a:spLocks noGrp="1"/>
+          </p:cNvSpPr>
+          <p:nvPr>
+            <p:ph type="body" idx="1"/>
+          </p:nvPr>
+        </p:nvSpPr>
+        <p:spPr/>
+        <p:txBody>
+          <a:bodyPr/>
+          <a:lstStyle/>
+          <a:p>
+            <a:r>
+              <a:rPr lang="de-DE" dirty="0" err="1"/>
+              <a:t>No</a:t>
+            </a:r>
+            <a:r>
+              <a:rPr lang="de-DE" dirty="0"/>
+              <a:t> </a:t>
+            </a:r>
+            <a:r>
+              <a:rPr lang="de-DE" dirty="0" err="1"/>
+              <a:t>graphs</a:t>
+            </a:r>
+            <a:r>
+              <a:rPr lang="de-DE" dirty="0"/>
+              <a:t>, </a:t>
+            </a:r>
+            <a:r>
+              <a:rPr lang="de-DE" dirty="0" err="1"/>
+              <a:t>because</a:t>
+            </a:r>
+            <a:r>
+              <a:rPr lang="de-DE" dirty="0"/>
+              <a:t> </a:t>
+            </a:r>
+            <a:r>
+              <a:rPr lang="de-DE" dirty="0" err="1"/>
+              <a:t>they</a:t>
+            </a:r>
+            <a:r>
+              <a:rPr lang="de-DE" dirty="0"/>
+              <a:t> </a:t>
+            </a:r>
+            <a:r>
+              <a:rPr lang="de-DE" dirty="0" err="1"/>
+              <a:t>would</a:t>
+            </a:r>
+            <a:r>
+              <a:rPr lang="de-DE" dirty="0"/>
+              <a:t> </a:t>
+            </a:r>
+            <a:r>
+              <a:rPr lang="de-DE" dirty="0" err="1"/>
+              <a:t>look</a:t>
+            </a:r>
+            <a:r>
+              <a:rPr lang="de-DE" dirty="0"/>
+              <a:t> </a:t>
+            </a:r>
+            <a:r>
+              <a:rPr lang="de-DE" dirty="0" err="1"/>
+              <a:t>boring</a:t>
+            </a:r>
+            <a:r>
+              <a:rPr lang="de-DE" dirty="0"/>
+              <a:t> </a:t>
+            </a:r>
+            <a:r>
+              <a:rPr lang="de-DE" dirty="0" err="1"/>
+              <a:t>with</a:t>
+            </a:r>
+            <a:r>
+              <a:rPr lang="de-DE" dirty="0"/>
+              <a:t> a </a:t>
+            </a:r>
+            <a:r>
+              <a:rPr lang="de-DE" dirty="0" err="1"/>
+              <a:t>straight</a:t>
+            </a:r>
+            <a:r>
+              <a:rPr lang="de-DE" dirty="0"/>
+              <a:t> </a:t>
+            </a:r>
+            <a:r>
+              <a:rPr lang="de-DE" dirty="0" err="1"/>
+              <a:t>line</a:t>
+            </a:r>
+            <a:r>
+              <a:rPr lang="de-DE" dirty="0"/>
+              <a:t> </a:t>
+            </a:r>
+            <a:r>
+              <a:rPr lang="de-DE" dirty="0" err="1"/>
+              <a:t>from</a:t>
+            </a:r>
+            <a:r>
+              <a:rPr lang="de-DE" dirty="0"/>
+              <a:t> </a:t>
+            </a:r>
+            <a:r>
+              <a:rPr lang="de-DE" dirty="0" err="1"/>
+              <a:t>left</a:t>
+            </a:r>
+            <a:r>
+              <a:rPr lang="de-DE" dirty="0"/>
+              <a:t> </a:t>
+            </a:r>
+            <a:r>
+              <a:rPr lang="de-DE" dirty="0" err="1"/>
+              <a:t>to</a:t>
+            </a:r>
+            <a:r>
+              <a:rPr lang="de-DE" dirty="0"/>
+              <a:t> </a:t>
+            </a:r>
+            <a:r>
+              <a:rPr lang="de-DE" dirty="0" err="1"/>
+              <a:t>right</a:t>
+            </a:r>
+            <a:endParaRPr lang="de-DE" dirty="0"/>
+          </a:p>
+        </p:txBody>
+      </p:sp>
+      <p:sp>
+        <p:nvSpPr>
+          <p:cNvPr id="4" name="Date Placeholder 3"/>
+          <p:cNvSpPr>
+            <a:spLocks noGrp="1"/>
+          </p:cNvSpPr>
+          <p:nvPr>
+            <p:ph type="dt" idx="1"/>
+          </p:nvPr>
+        </p:nvSpPr>
+        <p:spPr/>
+        <p:txBody>
+          <a:bodyPr/>
+          <a:lstStyle/>
+          <a:p>
+            <a:fld id="{065B079B-E513-489A-8A1B-D7C78493EA86}" type="datetime4">
+              <a:rPr lang="de-DE" smtClean="0"/>
+              <a:pPr/>
+              <a:t>6. November 2019</a:t>
+            </a:fld>
+            <a:endParaRPr lang="de-DE"/>
+          </a:p>
+        </p:txBody>
+      </p:sp>
+      <p:sp>
+        <p:nvSpPr>
+          <p:cNvPr id="5" name="Footer Placeholder 4"/>
+          <p:cNvSpPr>
+            <a:spLocks noGrp="1"/>
+          </p:cNvSpPr>
+          <p:nvPr>
+            <p:ph type="ftr" sz="quarter" idx="4"/>
+          </p:nvPr>
+        </p:nvSpPr>
+        <p:spPr/>
+        <p:txBody>
+          <a:bodyPr/>
+          <a:lstStyle/>
+          <a:p>
+            <a:r>
+              <a:rPr lang="de-DE"/>
+              <a:t>|  </a:t>
+            </a:r>
+          </a:p>
+        </p:txBody>
+      </p:sp>
+      <p:sp>
+        <p:nvSpPr>
+          <p:cNvPr id="6" name="Slide Number Placeholder 5"/>
+          <p:cNvSpPr>
+            <a:spLocks noGrp="1"/>
+          </p:cNvSpPr>
+          <p:nvPr>
+            <p:ph type="sldNum" sz="quarter" idx="5"/>
+          </p:nvPr>
+        </p:nvSpPr>
+        <p:spPr/>
+        <p:txBody>
+          <a:bodyPr/>
+          <a:lstStyle/>
+          <a:p>
+            <a:r>
+              <a:rPr lang="de-DE"/>
+              <a:t>|  </a:t>
+            </a:r>
+            <a:fld id="{C36AA9A4-5D0B-4134-89A6-D8B9DAA4F25C}" type="slidenum">
+              <a:rPr lang="de-DE" smtClean="0"/>
+              <a:pPr/>
+              <a:t>17</a:t>
+            </a:fld>
+            <a:endParaRPr lang="de-DE"/>
+          </a:p>
+        </p:txBody>
+      </p:sp>
+    </p:spTree>
+    <p:extLst>
+      <p:ext uri="{BB962C8B-B14F-4D97-AF65-F5344CB8AC3E}">
+        <p14:creationId xmlns:p14="http://schemas.microsoft.com/office/powerpoint/2010/main" val="3059864682"/>
+      </p:ext>
+    </p:extLst>
+  </p:cSld>
+  <p:clrMapOvr>
+    <a:masterClrMapping/>
+  </p:clrMapOvr>
+</p:notes>
+</file>
+
+<file path=ppt/notesSlides/notesSlide12.xml><?xml version="1.0" encoding="utf-8"?>
+<p:notes xmlns:a="http://schemas.openxmlformats.org/drawingml/2006/main" xmlns:r="http://schemas.openxmlformats.org/officeDocument/2006/relationships" xmlns:p="http://schemas.openxmlformats.org/presentationml/2006/main">
+  <p:cSld>
+    <p:spTree>
+      <p:nvGrpSpPr>
+        <p:cNvPr id="1" name=""/>
+        <p:cNvGrpSpPr/>
+        <p:nvPr/>
+      </p:nvGrpSpPr>
+      <p:grpSpPr>
+        <a:xfrm>
+          <a:off x="0" y="0"/>
+          <a:ext cx="0" cy="0"/>
+          <a:chOff x="0" y="0"/>
+          <a:chExt cx="0" cy="0"/>
+        </a:xfrm>
+      </p:grpSpPr>
+      <p:sp>
+        <p:nvSpPr>
+          <p:cNvPr id="2" name="Slide Image Placeholder 1"/>
+          <p:cNvSpPr>
+            <a:spLocks noGrp="1" noRot="1" noChangeAspect="1"/>
+          </p:cNvSpPr>
+          <p:nvPr>
+            <p:ph type="sldImg"/>
+          </p:nvPr>
+        </p:nvSpPr>
+        <p:spPr>
+          <a:xfrm>
+            <a:off x="1371600" y="923925"/>
+            <a:ext cx="4095750" cy="3071813"/>
+          </a:xfrm>
+        </p:spPr>
+      </p:sp>
+      <p:sp>
+        <p:nvSpPr>
+          <p:cNvPr id="3" name="Notes Placeholder 2"/>
+          <p:cNvSpPr>
+            <a:spLocks noGrp="1"/>
+          </p:cNvSpPr>
+          <p:nvPr>
+            <p:ph type="body" idx="1"/>
+          </p:nvPr>
+        </p:nvSpPr>
+        <p:spPr/>
+        <p:txBody>
+          <a:bodyPr/>
+          <a:lstStyle/>
+          <a:p>
+            <a:r>
+              <a:rPr lang="de-DE" dirty="0"/>
+              <a:t>Worker </a:t>
+            </a:r>
+            <a:r>
+              <a:rPr lang="de-DE" dirty="0" err="1"/>
+              <a:t>timers</a:t>
+            </a:r>
+            <a:r>
+              <a:rPr lang="de-DE" dirty="0"/>
+              <a:t> </a:t>
+            </a:r>
+            <a:r>
+              <a:rPr lang="de-DE" dirty="0" err="1"/>
+              <a:t>calls</a:t>
+            </a:r>
+            <a:r>
+              <a:rPr lang="de-DE" dirty="0"/>
+              <a:t> </a:t>
+            </a:r>
+            <a:r>
+              <a:rPr lang="de-DE" dirty="0" err="1"/>
+              <a:t>main</a:t>
+            </a:r>
+            <a:r>
+              <a:rPr lang="de-DE" dirty="0"/>
+              <a:t> </a:t>
+            </a:r>
+            <a:r>
+              <a:rPr lang="de-DE" dirty="0" err="1"/>
+              <a:t>thread</a:t>
+            </a:r>
+            <a:r>
+              <a:rPr lang="de-DE" dirty="0"/>
+              <a:t> via </a:t>
+            </a:r>
+            <a:r>
+              <a:rPr lang="de-DE" dirty="0" err="1"/>
+              <a:t>post</a:t>
+            </a:r>
+            <a:r>
+              <a:rPr lang="de-DE" dirty="0"/>
+              <a:t> </a:t>
+            </a:r>
+            <a:r>
+              <a:rPr lang="de-DE" dirty="0" err="1"/>
+              <a:t>message</a:t>
+            </a:r>
+            <a:r>
+              <a:rPr lang="de-DE" dirty="0"/>
+              <a:t> </a:t>
+            </a:r>
+            <a:r>
+              <a:rPr lang="de-DE" dirty="0" err="1"/>
+              <a:t>when</a:t>
+            </a:r>
+            <a:r>
+              <a:rPr lang="de-DE" dirty="0"/>
+              <a:t> </a:t>
+            </a:r>
+            <a:r>
+              <a:rPr lang="de-DE" dirty="0" err="1"/>
+              <a:t>the</a:t>
+            </a:r>
+            <a:r>
+              <a:rPr lang="de-DE" dirty="0"/>
+              <a:t> </a:t>
+            </a:r>
+            <a:r>
+              <a:rPr lang="de-DE" dirty="0" err="1"/>
+              <a:t>timer</a:t>
+            </a:r>
+            <a:r>
+              <a:rPr lang="de-DE" dirty="0"/>
+              <a:t> </a:t>
+            </a:r>
+            <a:r>
+              <a:rPr lang="de-DE" dirty="0" err="1"/>
+              <a:t>is</a:t>
+            </a:r>
+            <a:r>
+              <a:rPr lang="de-DE" dirty="0"/>
+              <a:t> </a:t>
+            </a:r>
+            <a:r>
+              <a:rPr lang="de-DE" dirty="0" err="1"/>
+              <a:t>scheduled</a:t>
+            </a:r>
+            <a:r>
+              <a:rPr lang="de-DE" dirty="0"/>
+              <a:t> </a:t>
+            </a:r>
+            <a:r>
+              <a:rPr lang="de-DE" dirty="0" err="1"/>
+              <a:t>to</a:t>
+            </a:r>
+            <a:r>
+              <a:rPr lang="de-DE" dirty="0"/>
+              <a:t> </a:t>
+            </a:r>
+            <a:r>
+              <a:rPr lang="de-DE" dirty="0" err="1"/>
+              <a:t>fire</a:t>
+            </a:r>
+            <a:endParaRPr lang="de-DE" dirty="0"/>
+          </a:p>
+        </p:txBody>
+      </p:sp>
+      <p:sp>
+        <p:nvSpPr>
+          <p:cNvPr id="4" name="Date Placeholder 3"/>
+          <p:cNvSpPr>
+            <a:spLocks noGrp="1"/>
+          </p:cNvSpPr>
+          <p:nvPr>
+            <p:ph type="dt" idx="1"/>
+          </p:nvPr>
+        </p:nvSpPr>
+        <p:spPr/>
+        <p:txBody>
+          <a:bodyPr/>
+          <a:lstStyle/>
+          <a:p>
+            <a:fld id="{065B079B-E513-489A-8A1B-D7C78493EA86}" type="datetime4">
+              <a:rPr lang="de-DE" smtClean="0"/>
+              <a:pPr/>
+              <a:t>6. November 2019</a:t>
+            </a:fld>
+            <a:endParaRPr lang="de-DE"/>
+          </a:p>
+        </p:txBody>
+      </p:sp>
+      <p:sp>
+        <p:nvSpPr>
+          <p:cNvPr id="5" name="Footer Placeholder 4"/>
+          <p:cNvSpPr>
+            <a:spLocks noGrp="1"/>
+          </p:cNvSpPr>
+          <p:nvPr>
+            <p:ph type="ftr" sz="quarter" idx="4"/>
+          </p:nvPr>
+        </p:nvSpPr>
+        <p:spPr/>
+        <p:txBody>
+          <a:bodyPr/>
+          <a:lstStyle/>
+          <a:p>
+            <a:r>
+              <a:rPr lang="de-DE"/>
+              <a:t>|  </a:t>
+            </a:r>
+          </a:p>
+        </p:txBody>
+      </p:sp>
+      <p:sp>
+        <p:nvSpPr>
+          <p:cNvPr id="6" name="Slide Number Placeholder 5"/>
+          <p:cNvSpPr>
+            <a:spLocks noGrp="1"/>
+          </p:cNvSpPr>
+          <p:nvPr>
+            <p:ph type="sldNum" sz="quarter" idx="5"/>
+          </p:nvPr>
+        </p:nvSpPr>
+        <p:spPr/>
+        <p:txBody>
+          <a:bodyPr/>
+          <a:lstStyle/>
+          <a:p>
+            <a:r>
+              <a:rPr lang="de-DE"/>
+              <a:t>|  </a:t>
+            </a:r>
+            <a:fld id="{C36AA9A4-5D0B-4134-89A6-D8B9DAA4F25C}" type="slidenum">
+              <a:rPr lang="de-DE" smtClean="0"/>
+              <a:pPr/>
+              <a:t>18</a:t>
+            </a:fld>
+            <a:endParaRPr lang="de-DE"/>
+          </a:p>
+        </p:txBody>
+      </p:sp>
+    </p:spTree>
+    <p:extLst>
+      <p:ext uri="{BB962C8B-B14F-4D97-AF65-F5344CB8AC3E}">
+        <p14:creationId xmlns:p14="http://schemas.microsoft.com/office/powerpoint/2010/main" val="3616398436"/>
+      </p:ext>
+    </p:extLst>
+  </p:cSld>
+  <p:clrMapOvr>
+    <a:masterClrMapping/>
+  </p:clrMapOvr>
+</p:notes>
+</file>
+
+<file path=ppt/notesSlides/notesSlide13.xml><?xml version="1.0" encoding="utf-8"?>
+<p:notes xmlns:a="http://schemas.openxmlformats.org/drawingml/2006/main" xmlns:r="http://schemas.openxmlformats.org/officeDocument/2006/relationships" xmlns:p="http://schemas.openxmlformats.org/presentationml/2006/main">
+  <p:cSld>
+    <p:spTree>
+      <p:nvGrpSpPr>
+        <p:cNvPr id="1" name=""/>
+        <p:cNvGrpSpPr/>
+        <p:nvPr/>
+      </p:nvGrpSpPr>
+      <p:grpSpPr>
+        <a:xfrm>
+          <a:off x="0" y="0"/>
+          <a:ext cx="0" cy="0"/>
+          <a:chOff x="0" y="0"/>
+          <a:chExt cx="0" cy="0"/>
+        </a:xfrm>
+      </p:grpSpPr>
+      <p:sp>
+        <p:nvSpPr>
+          <p:cNvPr id="2" name="Slide Image Placeholder 1"/>
+          <p:cNvSpPr>
+            <a:spLocks noGrp="1" noRot="1" noChangeAspect="1"/>
+          </p:cNvSpPr>
+          <p:nvPr>
+            <p:ph type="sldImg"/>
+          </p:nvPr>
+        </p:nvSpPr>
+        <p:spPr>
+          <a:xfrm>
+            <a:off x="1371600" y="923925"/>
+            <a:ext cx="4095750" cy="3071813"/>
+          </a:xfrm>
+        </p:spPr>
+      </p:sp>
+      <p:sp>
+        <p:nvSpPr>
+          <p:cNvPr id="3" name="Notes Placeholder 2"/>
+          <p:cNvSpPr>
+            <a:spLocks noGrp="1"/>
+          </p:cNvSpPr>
+          <p:nvPr>
+            <p:ph type="body" idx="1"/>
+          </p:nvPr>
+        </p:nvSpPr>
+        <p:spPr/>
+        <p:txBody>
+          <a:bodyPr/>
+          <a:lstStyle/>
+          <a:p>
+            <a:r>
+              <a:rPr lang="de-DE" dirty="0" err="1"/>
+              <a:t>Again</a:t>
+            </a:r>
+            <a:r>
+              <a:rPr lang="de-DE" dirty="0"/>
+              <a:t>, same </a:t>
+            </a:r>
+            <a:r>
+              <a:rPr lang="de-DE" dirty="0" err="1"/>
+              <a:t>results</a:t>
+            </a:r>
+            <a:r>
+              <a:rPr lang="de-DE" dirty="0"/>
+              <a:t> </a:t>
+            </a:r>
+            <a:r>
+              <a:rPr lang="de-DE" dirty="0" err="1"/>
+              <a:t>as</a:t>
+            </a:r>
+            <a:r>
+              <a:rPr lang="de-DE" dirty="0"/>
+              <a:t> </a:t>
+            </a:r>
+            <a:r>
+              <a:rPr lang="de-DE" dirty="0" err="1"/>
+              <a:t>for</a:t>
+            </a:r>
+            <a:r>
+              <a:rPr lang="de-DE" dirty="0"/>
+              <a:t> </a:t>
+            </a:r>
+            <a:r>
+              <a:rPr lang="de-DE" dirty="0" err="1"/>
+              <a:t>postmessage</a:t>
+            </a:r>
+            <a:r>
+              <a:rPr lang="de-DE" dirty="0"/>
+              <a:t> </a:t>
+            </a:r>
+            <a:r>
+              <a:rPr lang="de-DE" dirty="0" err="1"/>
+              <a:t>calls</a:t>
+            </a:r>
+            <a:r>
+              <a:rPr lang="de-DE" dirty="0"/>
+              <a:t>. </a:t>
+            </a:r>
+            <a:r>
+              <a:rPr lang="de-DE" dirty="0" err="1"/>
+              <a:t>Because</a:t>
+            </a:r>
+            <a:r>
+              <a:rPr lang="de-DE" dirty="0"/>
+              <a:t> </a:t>
+            </a:r>
+            <a:r>
+              <a:rPr lang="de-DE" dirty="0" err="1"/>
+              <a:t>it</a:t>
+            </a:r>
+            <a:r>
+              <a:rPr lang="de-DE" dirty="0"/>
+              <a:t> </a:t>
+            </a:r>
+            <a:r>
+              <a:rPr lang="de-DE" dirty="0" err="1"/>
+              <a:t>partly</a:t>
+            </a:r>
+            <a:r>
+              <a:rPr lang="de-DE" dirty="0"/>
+              <a:t> </a:t>
+            </a:r>
+            <a:r>
+              <a:rPr lang="de-DE" dirty="0" err="1"/>
+              <a:t>uses</a:t>
+            </a:r>
+            <a:r>
+              <a:rPr lang="de-DE" dirty="0"/>
+              <a:t> </a:t>
+            </a:r>
+            <a:r>
+              <a:rPr lang="de-DE" dirty="0" err="1"/>
+              <a:t>the</a:t>
+            </a:r>
+            <a:r>
+              <a:rPr lang="de-DE" dirty="0"/>
+              <a:t> same API (</a:t>
+            </a:r>
+            <a:r>
+              <a:rPr lang="de-DE" dirty="0" err="1"/>
+              <a:t>postmessage</a:t>
+            </a:r>
+            <a:r>
+              <a:rPr lang="de-DE" dirty="0"/>
+              <a:t>) But </a:t>
+            </a:r>
+            <a:r>
+              <a:rPr lang="de-DE" dirty="0" err="1"/>
+              <a:t>finer</a:t>
+            </a:r>
+            <a:r>
+              <a:rPr lang="de-DE" dirty="0"/>
+              <a:t> </a:t>
+            </a:r>
+            <a:r>
+              <a:rPr lang="de-DE" dirty="0" err="1"/>
+              <a:t>control</a:t>
+            </a:r>
+            <a:r>
+              <a:rPr lang="de-DE" dirty="0"/>
+              <a:t> </a:t>
+            </a:r>
+            <a:r>
+              <a:rPr lang="de-DE" dirty="0" err="1"/>
+              <a:t>when</a:t>
+            </a:r>
+            <a:r>
+              <a:rPr lang="de-DE" dirty="0"/>
+              <a:t> </a:t>
+            </a:r>
+            <a:r>
+              <a:rPr lang="de-DE" dirty="0" err="1"/>
+              <a:t>timers</a:t>
+            </a:r>
+            <a:r>
+              <a:rPr lang="de-DE" dirty="0"/>
+              <a:t> </a:t>
+            </a:r>
+            <a:r>
+              <a:rPr lang="de-DE" dirty="0" err="1"/>
+              <a:t>fire</a:t>
+            </a:r>
+            <a:r>
+              <a:rPr lang="de-DE" dirty="0"/>
+              <a:t>, </a:t>
+            </a:r>
+            <a:r>
+              <a:rPr lang="de-DE" dirty="0" err="1"/>
+              <a:t>because</a:t>
+            </a:r>
+            <a:r>
+              <a:rPr lang="de-DE" dirty="0"/>
+              <a:t> </a:t>
+            </a:r>
+            <a:r>
+              <a:rPr lang="de-DE" dirty="0" err="1"/>
+              <a:t>timers</a:t>
+            </a:r>
+            <a:r>
+              <a:rPr lang="de-DE" dirty="0"/>
+              <a:t> in web </a:t>
+            </a:r>
+            <a:r>
+              <a:rPr lang="de-DE" dirty="0" err="1"/>
+              <a:t>worker</a:t>
+            </a:r>
+            <a:r>
+              <a:rPr lang="de-DE" dirty="0"/>
+              <a:t> </a:t>
+            </a:r>
+            <a:r>
+              <a:rPr lang="de-DE" dirty="0" err="1"/>
+              <a:t>context</a:t>
+            </a:r>
+            <a:r>
+              <a:rPr lang="de-DE" dirty="0"/>
+              <a:t> </a:t>
+            </a:r>
+            <a:r>
+              <a:rPr lang="de-DE" dirty="0" err="1"/>
+              <a:t>are</a:t>
+            </a:r>
+            <a:r>
+              <a:rPr lang="de-DE" dirty="0"/>
+              <a:t> not </a:t>
+            </a:r>
+            <a:r>
+              <a:rPr lang="de-DE" dirty="0" err="1"/>
+              <a:t>throttled</a:t>
+            </a:r>
+            <a:r>
+              <a:rPr lang="de-DE" dirty="0"/>
+              <a:t> </a:t>
+            </a:r>
+            <a:r>
+              <a:rPr lang="de-DE" dirty="0" err="1"/>
+              <a:t>or</a:t>
+            </a:r>
+            <a:r>
+              <a:rPr lang="de-DE" dirty="0"/>
+              <a:t> </a:t>
+            </a:r>
+            <a:r>
+              <a:rPr lang="de-DE" dirty="0" err="1"/>
+              <a:t>otherwise</a:t>
+            </a:r>
+            <a:r>
+              <a:rPr lang="de-DE" dirty="0"/>
+              <a:t> limited</a:t>
+            </a:r>
+          </a:p>
+        </p:txBody>
+      </p:sp>
+      <p:sp>
+        <p:nvSpPr>
+          <p:cNvPr id="4" name="Date Placeholder 3"/>
+          <p:cNvSpPr>
+            <a:spLocks noGrp="1"/>
+          </p:cNvSpPr>
+          <p:nvPr>
+            <p:ph type="dt" idx="1"/>
+          </p:nvPr>
+        </p:nvSpPr>
+        <p:spPr/>
+        <p:txBody>
+          <a:bodyPr/>
+          <a:lstStyle/>
+          <a:p>
+            <a:fld id="{065B079B-E513-489A-8A1B-D7C78493EA86}" type="datetime4">
+              <a:rPr lang="de-DE" smtClean="0"/>
+              <a:pPr/>
+              <a:t>6. November 2019</a:t>
+            </a:fld>
+            <a:endParaRPr lang="de-DE"/>
+          </a:p>
+        </p:txBody>
+      </p:sp>
+      <p:sp>
+        <p:nvSpPr>
+          <p:cNvPr id="5" name="Footer Placeholder 4"/>
+          <p:cNvSpPr>
+            <a:spLocks noGrp="1"/>
+          </p:cNvSpPr>
+          <p:nvPr>
+            <p:ph type="ftr" sz="quarter" idx="4"/>
+          </p:nvPr>
+        </p:nvSpPr>
+        <p:spPr/>
+        <p:txBody>
+          <a:bodyPr/>
+          <a:lstStyle/>
+          <a:p>
+            <a:r>
+              <a:rPr lang="de-DE"/>
+              <a:t>|  </a:t>
+            </a:r>
+          </a:p>
+        </p:txBody>
+      </p:sp>
+      <p:sp>
+        <p:nvSpPr>
+          <p:cNvPr id="6" name="Slide Number Placeholder 5"/>
+          <p:cNvSpPr>
+            <a:spLocks noGrp="1"/>
+          </p:cNvSpPr>
+          <p:nvPr>
+            <p:ph type="sldNum" sz="quarter" idx="5"/>
+          </p:nvPr>
+        </p:nvSpPr>
+        <p:spPr/>
+        <p:txBody>
+          <a:bodyPr/>
+          <a:lstStyle/>
+          <a:p>
+            <a:r>
+              <a:rPr lang="de-DE"/>
+              <a:t>|  </a:t>
+            </a:r>
+            <a:fld id="{C36AA9A4-5D0B-4134-89A6-D8B9DAA4F25C}" type="slidenum">
+              <a:rPr lang="de-DE" smtClean="0"/>
+              <a:pPr/>
+              <a:t>19</a:t>
+            </a:fld>
+            <a:endParaRPr lang="de-DE"/>
+          </a:p>
+        </p:txBody>
+      </p:sp>
+    </p:spTree>
+    <p:extLst>
+      <p:ext uri="{BB962C8B-B14F-4D97-AF65-F5344CB8AC3E}">
+        <p14:creationId xmlns:p14="http://schemas.microsoft.com/office/powerpoint/2010/main" val="4179380309"/>
+      </p:ext>
+    </p:extLst>
+  </p:cSld>
+  <p:clrMapOvr>
+    <a:masterClrMapping/>
+  </p:clrMapOvr>
+</p:notes>
+</file>
+
+<file path=ppt/notesSlides/notesSlide14.xml><?xml version="1.0" encoding="utf-8"?>
+<p:notes xmlns:a="http://schemas.openxmlformats.org/drawingml/2006/main" xmlns:r="http://schemas.openxmlformats.org/officeDocument/2006/relationships" xmlns:p="http://schemas.openxmlformats.org/presentationml/2006/main">
+  <p:cSld>
+    <p:spTree>
+      <p:nvGrpSpPr>
+        <p:cNvPr id="1" name=""/>
+        <p:cNvGrpSpPr/>
+        <p:nvPr/>
+      </p:nvGrpSpPr>
+      <p:grpSpPr>
+        <a:xfrm>
+          <a:off x="0" y="0"/>
+          <a:ext cx="0" cy="0"/>
+          <a:chOff x="0" y="0"/>
+          <a:chExt cx="0" cy="0"/>
+        </a:xfrm>
+      </p:grpSpPr>
+      <p:sp>
+        <p:nvSpPr>
+          <p:cNvPr id="2" name="Slide Image Placeholder 1"/>
+          <p:cNvSpPr>
+            <a:spLocks noGrp="1" noRot="1" noChangeAspect="1"/>
+          </p:cNvSpPr>
+          <p:nvPr>
+            <p:ph type="sldImg"/>
+          </p:nvPr>
+        </p:nvSpPr>
+        <p:spPr>
+          <a:xfrm>
+            <a:off x="1371600" y="923925"/>
+            <a:ext cx="4095750" cy="3071813"/>
+          </a:xfrm>
+        </p:spPr>
+      </p:sp>
+      <p:sp>
+        <p:nvSpPr>
+          <p:cNvPr id="3" name="Notes Placeholder 2"/>
+          <p:cNvSpPr>
+            <a:spLocks noGrp="1"/>
+          </p:cNvSpPr>
+          <p:nvPr>
+            <p:ph type="body" idx="1"/>
+          </p:nvPr>
+        </p:nvSpPr>
+        <p:spPr/>
+        <p:txBody>
+          <a:bodyPr/>
+          <a:lstStyle/>
+          <a:p>
+            <a:r>
+              <a:rPr lang="de-DE" dirty="0" err="1"/>
+              <a:t>With</a:t>
+            </a:r>
+            <a:r>
+              <a:rPr lang="de-DE" dirty="0"/>
+              <a:t> </a:t>
+            </a:r>
+            <a:r>
+              <a:rPr lang="de-DE" dirty="0" err="1"/>
+              <a:t>these</a:t>
+            </a:r>
+            <a:r>
+              <a:rPr lang="de-DE" dirty="0"/>
+              <a:t> </a:t>
+            </a:r>
+            <a:r>
+              <a:rPr lang="de-DE" dirty="0" err="1"/>
+              <a:t>findings</a:t>
+            </a:r>
+            <a:r>
+              <a:rPr lang="de-DE" dirty="0"/>
+              <a:t>, </a:t>
+            </a:r>
+            <a:r>
+              <a:rPr lang="de-DE" dirty="0" err="1"/>
+              <a:t>we</a:t>
+            </a:r>
+            <a:r>
+              <a:rPr lang="de-DE" dirty="0"/>
+              <a:t> </a:t>
+            </a:r>
+            <a:r>
+              <a:rPr lang="de-DE" dirty="0" err="1"/>
+              <a:t>wanted</a:t>
+            </a:r>
+            <a:r>
+              <a:rPr lang="de-DE" dirty="0"/>
+              <a:t> </a:t>
+            </a:r>
+            <a:r>
+              <a:rPr lang="de-DE" dirty="0" err="1"/>
+              <a:t>to</a:t>
+            </a:r>
+            <a:r>
+              <a:rPr lang="de-DE" dirty="0"/>
+              <a:t> find out </a:t>
+            </a:r>
+            <a:r>
+              <a:rPr lang="de-DE" dirty="0" err="1"/>
+              <a:t>if</a:t>
+            </a:r>
+            <a:r>
+              <a:rPr lang="de-DE" dirty="0"/>
+              <a:t> </a:t>
+            </a:r>
+            <a:r>
+              <a:rPr lang="de-DE" dirty="0" err="1"/>
+              <a:t>these</a:t>
+            </a:r>
+            <a:r>
+              <a:rPr lang="de-DE" dirty="0"/>
+              <a:t> </a:t>
+            </a:r>
+            <a:r>
+              <a:rPr lang="de-DE" dirty="0" err="1"/>
+              <a:t>circumvention</a:t>
+            </a:r>
+            <a:r>
+              <a:rPr lang="de-DE" dirty="0"/>
+              <a:t> </a:t>
+            </a:r>
+            <a:r>
+              <a:rPr lang="de-DE" dirty="0" err="1"/>
+              <a:t>techniques</a:t>
+            </a:r>
+            <a:r>
+              <a:rPr lang="de-DE" dirty="0"/>
+              <a:t> </a:t>
+            </a:r>
+            <a:r>
+              <a:rPr lang="de-DE" dirty="0" err="1"/>
+              <a:t>are</a:t>
+            </a:r>
+            <a:r>
+              <a:rPr lang="de-DE" dirty="0"/>
+              <a:t> </a:t>
+            </a:r>
+            <a:r>
+              <a:rPr lang="de-DE" dirty="0" err="1"/>
+              <a:t>used</a:t>
+            </a:r>
+            <a:r>
+              <a:rPr lang="de-DE" dirty="0"/>
+              <a:t> </a:t>
+            </a:r>
+            <a:r>
+              <a:rPr lang="de-DE" dirty="0" err="1"/>
+              <a:t>by</a:t>
+            </a:r>
+            <a:r>
+              <a:rPr lang="de-DE" dirty="0"/>
+              <a:t> </a:t>
+            </a:r>
+            <a:r>
+              <a:rPr lang="de-DE" dirty="0" err="1"/>
+              <a:t>popular</a:t>
+            </a:r>
+            <a:r>
+              <a:rPr lang="de-DE" dirty="0"/>
+              <a:t> </a:t>
+            </a:r>
+            <a:r>
+              <a:rPr lang="de-DE" dirty="0" err="1"/>
+              <a:t>websites</a:t>
+            </a:r>
+            <a:endParaRPr lang="de-DE" dirty="0"/>
+          </a:p>
+          <a:p>
+            <a:endParaRPr lang="de-DE" dirty="0"/>
+          </a:p>
+          <a:p>
+            <a:r>
+              <a:rPr lang="de-DE" dirty="0" err="1"/>
+              <a:t>We</a:t>
+            </a:r>
+            <a:r>
+              <a:rPr lang="de-DE" dirty="0"/>
+              <a:t> </a:t>
+            </a:r>
+            <a:r>
+              <a:rPr lang="de-DE" dirty="0" err="1"/>
+              <a:t>did</a:t>
+            </a:r>
+            <a:r>
+              <a:rPr lang="de-DE" dirty="0"/>
+              <a:t> not </a:t>
+            </a:r>
+            <a:r>
+              <a:rPr lang="de-DE" dirty="0" err="1"/>
+              <a:t>try</a:t>
+            </a:r>
+            <a:r>
+              <a:rPr lang="de-DE" dirty="0"/>
+              <a:t> </a:t>
+            </a:r>
+            <a:r>
+              <a:rPr lang="de-DE" dirty="0" err="1"/>
+              <a:t>to</a:t>
+            </a:r>
+            <a:r>
+              <a:rPr lang="de-DE" dirty="0"/>
+              <a:t> find out, WHAT </a:t>
+            </a:r>
+            <a:r>
+              <a:rPr lang="de-DE" dirty="0" err="1"/>
+              <a:t>they</a:t>
+            </a:r>
+            <a:r>
+              <a:rPr lang="de-DE" dirty="0"/>
+              <a:t> do, but </a:t>
+            </a:r>
+            <a:r>
+              <a:rPr lang="de-DE" dirty="0" err="1"/>
+              <a:t>rather</a:t>
+            </a:r>
+            <a:r>
+              <a:rPr lang="de-DE" dirty="0"/>
+              <a:t> </a:t>
+            </a:r>
+            <a:r>
+              <a:rPr lang="de-DE" dirty="0" err="1"/>
+              <a:t>then</a:t>
+            </a:r>
+            <a:r>
+              <a:rPr lang="de-DE" dirty="0"/>
+              <a:t> IF </a:t>
+            </a:r>
+            <a:r>
+              <a:rPr lang="de-DE" dirty="0" err="1"/>
+              <a:t>they</a:t>
+            </a:r>
+            <a:r>
+              <a:rPr lang="de-DE" dirty="0"/>
+              <a:t> </a:t>
+            </a:r>
+            <a:r>
+              <a:rPr lang="de-DE" dirty="0" err="1"/>
+              <a:t>circumvent</a:t>
+            </a:r>
+            <a:r>
+              <a:rPr lang="de-DE" dirty="0"/>
+              <a:t> </a:t>
+            </a:r>
+            <a:r>
+              <a:rPr lang="de-DE" dirty="0" err="1"/>
+              <a:t>the</a:t>
+            </a:r>
+            <a:r>
+              <a:rPr lang="de-DE" dirty="0"/>
+              <a:t> </a:t>
+            </a:r>
+            <a:r>
+              <a:rPr lang="de-DE" dirty="0" err="1"/>
+              <a:t>browser</a:t>
+            </a:r>
+            <a:r>
+              <a:rPr lang="de-DE" dirty="0"/>
+              <a:t> </a:t>
+            </a:r>
+            <a:r>
+              <a:rPr lang="de-DE" dirty="0" err="1"/>
+              <a:t>throttling</a:t>
+            </a:r>
+            <a:r>
+              <a:rPr lang="de-DE" dirty="0"/>
+              <a:t> </a:t>
+            </a:r>
+            <a:r>
+              <a:rPr lang="de-DE" dirty="0" err="1"/>
+              <a:t>mechanisms</a:t>
+            </a:r>
+            <a:endParaRPr lang="de-DE" dirty="0"/>
+          </a:p>
+        </p:txBody>
+      </p:sp>
+      <p:sp>
+        <p:nvSpPr>
+          <p:cNvPr id="4" name="Date Placeholder 3"/>
+          <p:cNvSpPr>
+            <a:spLocks noGrp="1"/>
+          </p:cNvSpPr>
+          <p:nvPr>
+            <p:ph type="dt" idx="1"/>
+          </p:nvPr>
+        </p:nvSpPr>
+        <p:spPr/>
+        <p:txBody>
+          <a:bodyPr/>
+          <a:lstStyle/>
+          <a:p>
+            <a:fld id="{065B079B-E513-489A-8A1B-D7C78493EA86}" type="datetime4">
+              <a:rPr lang="de-DE" smtClean="0"/>
+              <a:pPr/>
+              <a:t>6. November 2019</a:t>
+            </a:fld>
+            <a:endParaRPr lang="de-DE"/>
+          </a:p>
+        </p:txBody>
+      </p:sp>
+      <p:sp>
+        <p:nvSpPr>
+          <p:cNvPr id="5" name="Footer Placeholder 4"/>
+          <p:cNvSpPr>
+            <a:spLocks noGrp="1"/>
+          </p:cNvSpPr>
+          <p:nvPr>
+            <p:ph type="ftr" sz="quarter" idx="4"/>
+          </p:nvPr>
+        </p:nvSpPr>
+        <p:spPr/>
+        <p:txBody>
+          <a:bodyPr/>
+          <a:lstStyle/>
+          <a:p>
+            <a:r>
+              <a:rPr lang="de-DE"/>
+              <a:t>|  </a:t>
+            </a:r>
+          </a:p>
+        </p:txBody>
+      </p:sp>
+      <p:sp>
+        <p:nvSpPr>
+          <p:cNvPr id="6" name="Slide Number Placeholder 5"/>
+          <p:cNvSpPr>
+            <a:spLocks noGrp="1"/>
+          </p:cNvSpPr>
+          <p:nvPr>
+            <p:ph type="sldNum" sz="quarter" idx="5"/>
+          </p:nvPr>
+        </p:nvSpPr>
+        <p:spPr/>
+        <p:txBody>
+          <a:bodyPr/>
+          <a:lstStyle/>
+          <a:p>
+            <a:r>
+              <a:rPr lang="de-DE"/>
+              <a:t>|  </a:t>
+            </a:r>
+            <a:fld id="{C36AA9A4-5D0B-4134-89A6-D8B9DAA4F25C}" type="slidenum">
+              <a:rPr lang="de-DE" smtClean="0"/>
+              <a:pPr/>
+              <a:t>23</a:t>
+            </a:fld>
+            <a:endParaRPr lang="de-DE"/>
+          </a:p>
+        </p:txBody>
+      </p:sp>
+    </p:spTree>
+    <p:extLst>
+      <p:ext uri="{BB962C8B-B14F-4D97-AF65-F5344CB8AC3E}">
+        <p14:creationId xmlns:p14="http://schemas.microsoft.com/office/powerpoint/2010/main" val="422789158"/>
+      </p:ext>
+    </p:extLst>
+  </p:cSld>
+  <p:clrMapOvr>
+    <a:masterClrMapping/>
+  </p:clrMapOvr>
+</p:notes>
+</file>
+
+<file path=ppt/notesSlides/notesSlide15.xml><?xml version="1.0" encoding="utf-8"?>
+<p:notes xmlns:a="http://schemas.openxmlformats.org/drawingml/2006/main" xmlns:r="http://schemas.openxmlformats.org/officeDocument/2006/relationships" xmlns:p="http://schemas.openxmlformats.org/presentationml/2006/main">
+  <p:cSld>
+    <p:spTree>
+      <p:nvGrpSpPr>
+        <p:cNvPr id="1" name=""/>
+        <p:cNvGrpSpPr/>
+        <p:nvPr/>
+      </p:nvGrpSpPr>
+      <p:grpSpPr>
+        <a:xfrm>
+          <a:off x="0" y="0"/>
+          <a:ext cx="0" cy="0"/>
+          <a:chOff x="0" y="0"/>
+          <a:chExt cx="0" cy="0"/>
+        </a:xfrm>
+      </p:grpSpPr>
+      <p:sp>
+        <p:nvSpPr>
+          <p:cNvPr id="2" name="Slide Image Placeholder 1"/>
+          <p:cNvSpPr>
+            <a:spLocks noGrp="1" noRot="1" noChangeAspect="1"/>
+          </p:cNvSpPr>
+          <p:nvPr>
+            <p:ph type="sldImg"/>
+          </p:nvPr>
+        </p:nvSpPr>
+        <p:spPr>
+          <a:xfrm>
+            <a:off x="1371600" y="923925"/>
+            <a:ext cx="4095750" cy="3071813"/>
+          </a:xfrm>
+        </p:spPr>
+      </p:sp>
+      <p:sp>
+        <p:nvSpPr>
+          <p:cNvPr id="3" name="Notes Placeholder 2"/>
+          <p:cNvSpPr>
+            <a:spLocks noGrp="1"/>
+          </p:cNvSpPr>
+          <p:nvPr>
+            <p:ph type="body" idx="1"/>
+          </p:nvPr>
+        </p:nvSpPr>
+        <p:spPr/>
+        <p:txBody>
+          <a:bodyPr/>
+          <a:lstStyle/>
+          <a:p>
+            <a:r>
+              <a:rPr lang="de-DE" dirty="0"/>
+              <a:t>This </a:t>
+            </a:r>
+            <a:r>
+              <a:rPr lang="de-DE" dirty="0" err="1"/>
+              <a:t>trace</a:t>
+            </a:r>
+            <a:r>
+              <a:rPr lang="de-DE" dirty="0"/>
+              <a:t> </a:t>
+            </a:r>
+            <a:r>
+              <a:rPr lang="de-DE" dirty="0" err="1"/>
+              <a:t>file</a:t>
+            </a:r>
+            <a:r>
+              <a:rPr lang="de-DE" dirty="0"/>
+              <a:t> </a:t>
+            </a:r>
+            <a:r>
+              <a:rPr lang="de-DE" dirty="0" err="1"/>
+              <a:t>can</a:t>
+            </a:r>
+            <a:r>
+              <a:rPr lang="de-DE" dirty="0"/>
+              <a:t> </a:t>
+            </a:r>
+            <a:r>
+              <a:rPr lang="de-DE" dirty="0" err="1"/>
+              <a:t>be</a:t>
+            </a:r>
+            <a:r>
+              <a:rPr lang="de-DE" dirty="0"/>
+              <a:t> </a:t>
+            </a:r>
+            <a:r>
+              <a:rPr lang="de-DE" dirty="0" err="1"/>
+              <a:t>analysed</a:t>
+            </a:r>
+            <a:r>
+              <a:rPr lang="de-DE" dirty="0"/>
+              <a:t> </a:t>
+            </a:r>
+            <a:r>
+              <a:rPr lang="de-DE" dirty="0" err="1"/>
+              <a:t>with</a:t>
+            </a:r>
+            <a:r>
+              <a:rPr lang="de-DE" dirty="0"/>
+              <a:t> Chrome </a:t>
+            </a:r>
+            <a:r>
+              <a:rPr lang="de-DE" dirty="0" err="1"/>
+              <a:t>profiler</a:t>
+            </a:r>
+            <a:r>
+              <a:rPr lang="de-DE" dirty="0"/>
+              <a:t> </a:t>
+            </a:r>
+            <a:r>
+              <a:rPr lang="de-DE" dirty="0" err="1"/>
+              <a:t>to</a:t>
+            </a:r>
+            <a:r>
+              <a:rPr lang="de-DE" dirty="0"/>
+              <a:t> </a:t>
+            </a:r>
+            <a:r>
+              <a:rPr lang="de-DE" dirty="0" err="1"/>
+              <a:t>see</a:t>
+            </a:r>
+            <a:r>
+              <a:rPr lang="de-DE" dirty="0"/>
+              <a:t> </a:t>
+            </a:r>
+            <a:r>
+              <a:rPr lang="de-DE" dirty="0" err="1"/>
+              <a:t>what</a:t>
+            </a:r>
+            <a:r>
+              <a:rPr lang="de-DE" dirty="0"/>
+              <a:t> </a:t>
+            </a:r>
+            <a:r>
+              <a:rPr lang="de-DE" dirty="0" err="1"/>
+              <a:t>the</a:t>
+            </a:r>
+            <a:r>
+              <a:rPr lang="de-DE" dirty="0"/>
+              <a:t> web </a:t>
+            </a:r>
+            <a:r>
+              <a:rPr lang="de-DE" dirty="0" err="1"/>
+              <a:t>site</a:t>
+            </a:r>
+            <a:r>
+              <a:rPr lang="de-DE" dirty="0"/>
+              <a:t> </a:t>
+            </a:r>
+            <a:r>
+              <a:rPr lang="de-DE" dirty="0" err="1"/>
+              <a:t>is</a:t>
+            </a:r>
+            <a:r>
+              <a:rPr lang="de-DE" dirty="0"/>
+              <a:t> </a:t>
+            </a:r>
+            <a:r>
+              <a:rPr lang="de-DE" dirty="0" err="1"/>
+              <a:t>doing</a:t>
+            </a:r>
+            <a:r>
+              <a:rPr lang="de-DE" dirty="0"/>
+              <a:t> </a:t>
+            </a:r>
+            <a:r>
+              <a:rPr lang="de-DE" dirty="0" err="1"/>
+              <a:t>including</a:t>
+            </a:r>
+            <a:r>
+              <a:rPr lang="de-DE" dirty="0"/>
+              <a:t> a </a:t>
+            </a:r>
+            <a:r>
+              <a:rPr lang="de-DE" dirty="0" err="1"/>
+              <a:t>flame</a:t>
+            </a:r>
+            <a:r>
+              <a:rPr lang="de-DE" dirty="0"/>
+              <a:t> </a:t>
+            </a:r>
+            <a:r>
+              <a:rPr lang="de-DE" dirty="0" err="1"/>
+              <a:t>graph</a:t>
+            </a:r>
+            <a:r>
+              <a:rPr lang="de-DE" dirty="0"/>
+              <a:t> </a:t>
+            </a:r>
+            <a:r>
+              <a:rPr lang="de-DE" dirty="0" err="1"/>
+              <a:t>and</a:t>
+            </a:r>
+            <a:r>
+              <a:rPr lang="de-DE" dirty="0"/>
+              <a:t> </a:t>
+            </a:r>
+            <a:r>
+              <a:rPr lang="de-DE" dirty="0" err="1"/>
+              <a:t>call</a:t>
+            </a:r>
+            <a:r>
+              <a:rPr lang="de-DE" dirty="0"/>
+              <a:t> </a:t>
+            </a:r>
+            <a:r>
+              <a:rPr lang="de-DE" dirty="0" err="1"/>
+              <a:t>stack</a:t>
+            </a:r>
+            <a:endParaRPr lang="de-DE" dirty="0"/>
+          </a:p>
+        </p:txBody>
+      </p:sp>
+      <p:sp>
+        <p:nvSpPr>
+          <p:cNvPr id="4" name="Date Placeholder 3"/>
+          <p:cNvSpPr>
+            <a:spLocks noGrp="1"/>
+          </p:cNvSpPr>
+          <p:nvPr>
+            <p:ph type="dt" idx="1"/>
+          </p:nvPr>
+        </p:nvSpPr>
+        <p:spPr/>
+        <p:txBody>
+          <a:bodyPr/>
+          <a:lstStyle/>
+          <a:p>
+            <a:fld id="{065B079B-E513-489A-8A1B-D7C78493EA86}" type="datetime4">
+              <a:rPr lang="de-DE" smtClean="0"/>
+              <a:pPr/>
+              <a:t>6. November 2019</a:t>
+            </a:fld>
+            <a:endParaRPr lang="de-DE"/>
+          </a:p>
+        </p:txBody>
+      </p:sp>
+      <p:sp>
+        <p:nvSpPr>
+          <p:cNvPr id="5" name="Footer Placeholder 4"/>
+          <p:cNvSpPr>
+            <a:spLocks noGrp="1"/>
+          </p:cNvSpPr>
+          <p:nvPr>
+            <p:ph type="ftr" sz="quarter" idx="4"/>
+          </p:nvPr>
+        </p:nvSpPr>
+        <p:spPr/>
+        <p:txBody>
+          <a:bodyPr/>
+          <a:lstStyle/>
+          <a:p>
+            <a:r>
+              <a:rPr lang="de-DE"/>
+              <a:t>|  </a:t>
+            </a:r>
+          </a:p>
+        </p:txBody>
+      </p:sp>
+      <p:sp>
+        <p:nvSpPr>
+          <p:cNvPr id="6" name="Slide Number Placeholder 5"/>
+          <p:cNvSpPr>
+            <a:spLocks noGrp="1"/>
+          </p:cNvSpPr>
+          <p:nvPr>
+            <p:ph type="sldNum" sz="quarter" idx="5"/>
+          </p:nvPr>
+        </p:nvSpPr>
+        <p:spPr/>
+        <p:txBody>
+          <a:bodyPr/>
+          <a:lstStyle/>
+          <a:p>
+            <a:r>
+              <a:rPr lang="de-DE"/>
+              <a:t>|  </a:t>
+            </a:r>
+            <a:fld id="{C36AA9A4-5D0B-4134-89A6-D8B9DAA4F25C}" type="slidenum">
+              <a:rPr lang="de-DE" smtClean="0"/>
+              <a:pPr/>
+              <a:t>24</a:t>
+            </a:fld>
+            <a:endParaRPr lang="de-DE"/>
+          </a:p>
+        </p:txBody>
+      </p:sp>
+    </p:spTree>
+    <p:extLst>
+      <p:ext uri="{BB962C8B-B14F-4D97-AF65-F5344CB8AC3E}">
+        <p14:creationId xmlns:p14="http://schemas.microsoft.com/office/powerpoint/2010/main" val="1096663217"/>
       </p:ext>
     </p:extLst>
   </p:cSld>
@@ -1725,7 +3364,7 @@
             <a:fld id="{065B079B-E513-489A-8A1B-D7C78493EA86}" type="datetime4">
               <a:rPr lang="de-DE" smtClean="0"/>
               <a:pPr/>
-              <a:t>4. November 2019</a:t>
+              <a:t>6. November 2019</a:t>
             </a:fld>
             <a:endParaRPr lang="de-DE"/>
           </a:p>
@@ -2749,7 +4388,7 @@
             <a:fld id="{065B079B-E513-489A-8A1B-D7C78493EA86}" type="datetime4">
               <a:rPr lang="de-DE" smtClean="0"/>
               <a:pPr/>
-              <a:t>4. November 2019</a:t>
+              <a:t>6. November 2019</a:t>
             </a:fld>
             <a:endParaRPr lang="de-DE"/>
           </a:p>
@@ -3183,7 +4822,7 @@
             <a:fld id="{065B079B-E513-489A-8A1B-D7C78493EA86}" type="datetime4">
               <a:rPr lang="de-DE" smtClean="0"/>
               <a:pPr/>
-              <a:t>4. November 2019</a:t>
+              <a:t>6. November 2019</a:t>
             </a:fld>
             <a:endParaRPr lang="de-DE"/>
           </a:p>
@@ -3798,7 +5437,7 @@
             <a:fld id="{065B079B-E513-489A-8A1B-D7C78493EA86}" type="datetime4">
               <a:rPr lang="de-DE" smtClean="0"/>
               <a:pPr/>
-              <a:t>4. November 2019</a:t>
+              <a:t>6. November 2019</a:t>
             </a:fld>
             <a:endParaRPr lang="de-DE"/>
           </a:p>
@@ -3938,7 +5577,7 @@
             <a:fld id="{065B079B-E513-489A-8A1B-D7C78493EA86}" type="datetime4">
               <a:rPr lang="de-DE" smtClean="0"/>
               <a:pPr/>
-              <a:t>4. November 2019</a:t>
+              <a:t>6. November 2019</a:t>
             </a:fld>
             <a:endParaRPr lang="de-DE"/>
           </a:p>
@@ -4370,7 +6009,7 @@
             <a:fld id="{065B079B-E513-489A-8A1B-D7C78493EA86}" type="datetime4">
               <a:rPr lang="de-DE" smtClean="0"/>
               <a:pPr/>
-              <a:t>4. November 2019</a:t>
+              <a:t>6. November 2019</a:t>
             </a:fld>
             <a:endParaRPr lang="de-DE"/>
           </a:p>
@@ -4671,7 +6310,7 @@
             <a:fld id="{065B079B-E513-489A-8A1B-D7C78493EA86}" type="datetime4">
               <a:rPr lang="de-DE" smtClean="0"/>
               <a:pPr/>
-              <a:t>4. November 2019</a:t>
+              <a:t>6. November 2019</a:t>
             </a:fld>
             <a:endParaRPr lang="de-DE"/>
           </a:p>
@@ -4731,6 +6370,383 @@
     <p:extLst>
       <p:ext uri="{BB962C8B-B14F-4D97-AF65-F5344CB8AC3E}">
         <p14:creationId xmlns:p14="http://schemas.microsoft.com/office/powerpoint/2010/main" val="4218145477"/>
+      </p:ext>
+    </p:extLst>
+  </p:cSld>
+  <p:clrMapOvr>
+    <a:masterClrMapping/>
+  </p:clrMapOvr>
+</p:notes>
+</file>
+
+<file path=ppt/notesSlides/notesSlide9.xml><?xml version="1.0" encoding="utf-8"?>
+<p:notes xmlns:a="http://schemas.openxmlformats.org/drawingml/2006/main" xmlns:r="http://schemas.openxmlformats.org/officeDocument/2006/relationships" xmlns:p="http://schemas.openxmlformats.org/presentationml/2006/main">
+  <p:cSld>
+    <p:spTree>
+      <p:nvGrpSpPr>
+        <p:cNvPr id="1" name=""/>
+        <p:cNvGrpSpPr/>
+        <p:nvPr/>
+      </p:nvGrpSpPr>
+      <p:grpSpPr>
+        <a:xfrm>
+          <a:off x="0" y="0"/>
+          <a:ext cx="0" cy="0"/>
+          <a:chOff x="0" y="0"/>
+          <a:chExt cx="0" cy="0"/>
+        </a:xfrm>
+      </p:grpSpPr>
+      <p:sp>
+        <p:nvSpPr>
+          <p:cNvPr id="2" name="Slide Image Placeholder 1"/>
+          <p:cNvSpPr>
+            <a:spLocks noGrp="1" noRot="1" noChangeAspect="1"/>
+          </p:cNvSpPr>
+          <p:nvPr>
+            <p:ph type="sldImg"/>
+          </p:nvPr>
+        </p:nvSpPr>
+        <p:spPr>
+          <a:xfrm>
+            <a:off x="1371600" y="923925"/>
+            <a:ext cx="4095750" cy="3071813"/>
+          </a:xfrm>
+        </p:spPr>
+      </p:sp>
+      <p:sp>
+        <p:nvSpPr>
+          <p:cNvPr id="3" name="Notes Placeholder 2"/>
+          <p:cNvSpPr>
+            <a:spLocks noGrp="1"/>
+          </p:cNvSpPr>
+          <p:nvPr>
+            <p:ph type="body" idx="1"/>
+          </p:nvPr>
+        </p:nvSpPr>
+        <p:spPr/>
+        <p:txBody>
+          <a:bodyPr/>
+          <a:lstStyle/>
+          <a:p>
+            <a:r>
+              <a:rPr lang="de-DE" dirty="0" err="1"/>
+              <a:t>WebSocket</a:t>
+            </a:r>
+            <a:r>
+              <a:rPr lang="de-DE" dirty="0"/>
+              <a:t>:</a:t>
+            </a:r>
+          </a:p>
+          <a:p>
+            <a:pPr marL="171450" marR="0" lvl="0" indent="-171450" algn="l" defTabSz="914400" rtl="0" eaLnBrk="1" fontAlgn="base" latinLnBrk="0" hangingPunct="1">
+              <a:lnSpc>
+                <a:spcPct val="100000"/>
+              </a:lnSpc>
+              <a:spcBef>
+                <a:spcPct val="10000"/>
+              </a:spcBef>
+              <a:spcAft>
+                <a:spcPct val="0"/>
+              </a:spcAft>
+              <a:buClrTx/>
+              <a:buSzTx/>
+              <a:buFontTx/>
+              <a:buChar char="-"/>
+              <a:tabLst/>
+              <a:defRPr/>
+            </a:pPr>
+            <a:r>
+              <a:rPr lang="de-DE" sz="1200" dirty="0" err="1"/>
+              <a:t>Bidirectional</a:t>
+            </a:r>
+            <a:r>
+              <a:rPr lang="de-DE" sz="1200" dirty="0"/>
+              <a:t> </a:t>
+            </a:r>
+            <a:r>
+              <a:rPr lang="de-DE" sz="1200" dirty="0" err="1"/>
+              <a:t>communication</a:t>
+            </a:r>
+            <a:r>
+              <a:rPr lang="de-DE" sz="1200" dirty="0"/>
+              <a:t> </a:t>
+            </a:r>
+            <a:r>
+              <a:rPr lang="de-DE" sz="1200" dirty="0" err="1"/>
+              <a:t>channel</a:t>
+            </a:r>
+            <a:endParaRPr lang="de-DE" sz="1200" dirty="0"/>
+          </a:p>
+          <a:p>
+            <a:pPr marL="171450" marR="0" lvl="0" indent="-171450" algn="l" defTabSz="914400" rtl="0" eaLnBrk="1" fontAlgn="base" latinLnBrk="0" hangingPunct="1">
+              <a:lnSpc>
+                <a:spcPct val="100000"/>
+              </a:lnSpc>
+              <a:spcBef>
+                <a:spcPct val="10000"/>
+              </a:spcBef>
+              <a:spcAft>
+                <a:spcPct val="0"/>
+              </a:spcAft>
+              <a:buClrTx/>
+              <a:buSzTx/>
+              <a:buFontTx/>
+              <a:buChar char="-"/>
+              <a:tabLst/>
+              <a:defRPr/>
+            </a:pPr>
+            <a:r>
+              <a:rPr lang="de-DE" sz="1200" dirty="0" err="1"/>
+              <a:t>Used</a:t>
+            </a:r>
+            <a:r>
+              <a:rPr lang="de-DE" sz="1200" dirty="0"/>
+              <a:t> </a:t>
+            </a:r>
+            <a:r>
+              <a:rPr lang="de-DE" sz="1200" dirty="0" err="1"/>
+              <a:t>for</a:t>
+            </a:r>
+            <a:r>
+              <a:rPr lang="de-DE" sz="1200" dirty="0"/>
+              <a:t> </a:t>
+            </a:r>
+            <a:r>
+              <a:rPr lang="de-DE" sz="1200" dirty="0" err="1"/>
+              <a:t>realtime</a:t>
+            </a:r>
+            <a:r>
+              <a:rPr lang="de-DE" sz="1200" dirty="0"/>
+              <a:t> </a:t>
+            </a:r>
+            <a:r>
+              <a:rPr lang="de-DE" sz="1200" dirty="0" err="1"/>
+              <a:t>notifications</a:t>
+            </a:r>
+            <a:r>
+              <a:rPr lang="de-DE" sz="1200" dirty="0"/>
+              <a:t> </a:t>
+            </a:r>
+            <a:r>
+              <a:rPr lang="de-DE" sz="1200" dirty="0" err="1"/>
+              <a:t>or</a:t>
+            </a:r>
+            <a:r>
+              <a:rPr lang="de-DE" sz="1200" dirty="0"/>
+              <a:t> </a:t>
+            </a:r>
+            <a:r>
+              <a:rPr lang="de-DE" sz="1200" dirty="0" err="1"/>
+              <a:t>communication</a:t>
+            </a:r>
+            <a:endParaRPr lang="de-DE" sz="1200" dirty="0"/>
+          </a:p>
+          <a:p>
+            <a:endParaRPr lang="de-DE" dirty="0"/>
+          </a:p>
+          <a:p>
+            <a:r>
+              <a:rPr lang="de-DE" dirty="0" err="1"/>
+              <a:t>AudioContext</a:t>
+            </a:r>
+            <a:r>
+              <a:rPr lang="de-DE" dirty="0"/>
+              <a:t>:</a:t>
+            </a:r>
+          </a:p>
+          <a:p>
+            <a:pPr marL="342900" indent="-342900">
+              <a:buFontTx/>
+              <a:buChar char="-"/>
+            </a:pPr>
+            <a:r>
+              <a:rPr lang="de-DE" sz="2000" dirty="0"/>
+              <a:t>Audio </a:t>
+            </a:r>
+            <a:r>
+              <a:rPr lang="de-DE" sz="2000" dirty="0" err="1"/>
+              <a:t>routing</a:t>
+            </a:r>
+            <a:r>
+              <a:rPr lang="de-DE" sz="2000" dirty="0"/>
+              <a:t> </a:t>
+            </a:r>
+            <a:r>
+              <a:rPr lang="de-DE" sz="2000" dirty="0" err="1"/>
+              <a:t>graph</a:t>
+            </a:r>
+            <a:r>
+              <a:rPr lang="de-DE" sz="2000" dirty="0"/>
+              <a:t> </a:t>
+            </a:r>
+            <a:r>
+              <a:rPr lang="de-DE" sz="2000" dirty="0" err="1"/>
+              <a:t>for</a:t>
+            </a:r>
+            <a:r>
+              <a:rPr lang="de-DE" sz="2000" dirty="0"/>
+              <a:t> </a:t>
+            </a:r>
+            <a:r>
+              <a:rPr lang="de-DE" sz="2000" dirty="0" err="1"/>
+              <a:t>usage</a:t>
+            </a:r>
+            <a:r>
+              <a:rPr lang="de-DE" sz="2000" dirty="0"/>
+              <a:t> </a:t>
+            </a:r>
+            <a:r>
+              <a:rPr lang="de-DE" sz="2000" dirty="0" err="1"/>
+              <a:t>with</a:t>
+            </a:r>
+            <a:r>
+              <a:rPr lang="de-DE" sz="2000" dirty="0"/>
+              <a:t> </a:t>
+            </a:r>
+            <a:r>
+              <a:rPr lang="de-DE" sz="2000" dirty="0" err="1"/>
+              <a:t>Canvas</a:t>
+            </a:r>
+            <a:r>
+              <a:rPr lang="de-DE" sz="2000" dirty="0"/>
+              <a:t> </a:t>
+            </a:r>
+            <a:r>
+              <a:rPr lang="de-DE" sz="2000" dirty="0" err="1"/>
+              <a:t>or</a:t>
+            </a:r>
+            <a:r>
+              <a:rPr lang="de-DE" sz="2000" dirty="0"/>
+              <a:t> </a:t>
+            </a:r>
+            <a:r>
+              <a:rPr lang="de-DE" sz="2000" dirty="0" err="1"/>
+              <a:t>WebGL</a:t>
+            </a:r>
+            <a:endParaRPr lang="de-DE" sz="2000" dirty="0"/>
+          </a:p>
+          <a:p>
+            <a:pPr marL="342900" indent="-342900">
+              <a:buFontTx/>
+              <a:buChar char="-"/>
+            </a:pPr>
+            <a:r>
+              <a:rPr lang="de-DE" sz="2000" dirty="0"/>
+              <a:t>Play </a:t>
+            </a:r>
+            <a:r>
+              <a:rPr lang="de-DE" sz="2000" dirty="0" err="1"/>
+              <a:t>sound</a:t>
+            </a:r>
+            <a:r>
+              <a:rPr lang="de-DE" sz="2000" dirty="0"/>
+              <a:t> in </a:t>
+            </a:r>
+            <a:r>
+              <a:rPr lang="de-DE" sz="2000" dirty="0" err="1"/>
+              <a:t>response</a:t>
+            </a:r>
+            <a:r>
+              <a:rPr lang="de-DE" sz="2000" dirty="0"/>
+              <a:t> </a:t>
+            </a:r>
+            <a:r>
+              <a:rPr lang="de-DE" sz="2000" dirty="0" err="1"/>
+              <a:t>to</a:t>
+            </a:r>
+            <a:r>
+              <a:rPr lang="de-DE" sz="2000" dirty="0"/>
+              <a:t> </a:t>
+            </a:r>
+            <a:r>
+              <a:rPr lang="de-DE" sz="2000" dirty="0" err="1"/>
+              <a:t>events</a:t>
+            </a:r>
+            <a:endParaRPr lang="de-DE" sz="2000" dirty="0"/>
+          </a:p>
+          <a:p>
+            <a:endParaRPr lang="de-DE" dirty="0"/>
+          </a:p>
+        </p:txBody>
+      </p:sp>
+      <p:sp>
+        <p:nvSpPr>
+          <p:cNvPr id="4" name="Date Placeholder 3"/>
+          <p:cNvSpPr>
+            <a:spLocks noGrp="1"/>
+          </p:cNvSpPr>
+          <p:nvPr>
+            <p:ph type="dt" idx="1"/>
+          </p:nvPr>
+        </p:nvSpPr>
+        <p:spPr/>
+        <p:txBody>
+          <a:bodyPr/>
+          <a:lstStyle/>
+          <a:p>
+            <a:fld id="{065B079B-E513-489A-8A1B-D7C78493EA86}" type="datetime4">
+              <a:rPr lang="de-DE" smtClean="0"/>
+              <a:pPr/>
+              <a:t>6. November 2019</a:t>
+            </a:fld>
+            <a:endParaRPr lang="de-DE"/>
+          </a:p>
+        </p:txBody>
+      </p:sp>
+      <p:sp>
+        <p:nvSpPr>
+          <p:cNvPr id="5" name="Footer Placeholder 4"/>
+          <p:cNvSpPr>
+            <a:spLocks noGrp="1"/>
+          </p:cNvSpPr>
+          <p:nvPr>
+            <p:ph type="ftr" sz="quarter" idx="4"/>
+          </p:nvPr>
+        </p:nvSpPr>
+        <p:spPr/>
+        <p:txBody>
+          <a:bodyPr/>
+          <a:lstStyle/>
+          <a:p>
+            <a:r>
+              <a:rPr lang="de-DE"/>
+              <a:t>|  </a:t>
+            </a:r>
+          </a:p>
+        </p:txBody>
+      </p:sp>
+      <p:sp>
+        <p:nvSpPr>
+          <p:cNvPr id="6" name="Slide Number Placeholder 5"/>
+          <p:cNvSpPr>
+            <a:spLocks noGrp="1"/>
+          </p:cNvSpPr>
+          <p:nvPr>
+            <p:ph type="sldNum" sz="quarter" idx="5"/>
+          </p:nvPr>
+        </p:nvSpPr>
+        <p:spPr/>
+        <p:txBody>
+          <a:bodyPr/>
+          <a:lstStyle/>
+          <a:p>
+            <a:r>
+              <a:rPr lang="de-DE"/>
+              <a:t>|  </a:t>
+            </a:r>
+            <a:fld id="{C36AA9A4-5D0B-4134-89A6-D8B9DAA4F25C}" type="slidenum">
+              <a:rPr lang="de-DE" smtClean="0"/>
+              <a:pPr/>
+              <a:t>14</a:t>
+            </a:fld>
+            <a:endParaRPr lang="de-DE"/>
+          </a:p>
+        </p:txBody>
+      </p:sp>
+    </p:spTree>
+    <p:extLst>
+      <p:ext uri="{BB962C8B-B14F-4D97-AF65-F5344CB8AC3E}">
+        <p14:creationId xmlns:p14="http://schemas.microsoft.com/office/powerpoint/2010/main" val="1882593118"/>
       </p:ext>
     </p:extLst>
   </p:cSld>
@@ -5107,7 +7123,7 @@
                 <a:tabLst/>
                 <a:defRPr/>
               </a:pPr>
-              <a:t>04.11.19</a:t>
+              <a:t>06.11.19</a:t>
             </a:fld>
             <a:r>
               <a:rPr kumimoji="0" lang="de-DE" sz="1000" b="0" i="0" u="none" strike="noStrike" kern="1200" cap="none" spc="0" normalizeH="0" baseline="0" noProof="0" dirty="0">
@@ -6581,7 +8597,7 @@
                 <a:tabLst/>
                 <a:defRPr/>
               </a:pPr>
-              <a:t>04.11.19</a:t>
+              <a:t>06.11.19</a:t>
             </a:fld>
             <a:r>
               <a:rPr kumimoji="0" lang="de-DE" sz="1000" b="0" i="0" u="none" strike="noStrike" kern="1200" cap="none" spc="0" normalizeH="0" baseline="0" noProof="0" dirty="0">
@@ -9332,6 +11348,87 @@
               <a:rPr lang="de-DE" kern="0" dirty="0" err="1">
                 <a:cs typeface="Consolas" panose="020B0609020204030204" pitchFamily="49" charset="0"/>
               </a:rPr>
+              <a:t>limit</a:t>
+            </a:r>
+            <a:r>
+              <a:rPr lang="de-DE" kern="0" dirty="0">
+                <a:cs typeface="Consolas" panose="020B0609020204030204" pitchFamily="49" charset="0"/>
+              </a:rPr>
+              <a:t> </a:t>
+            </a:r>
+            <a:r>
+              <a:rPr lang="de-DE" kern="0" dirty="0" err="1">
+                <a:cs typeface="Consolas" panose="020B0609020204030204" pitchFamily="49" charset="0"/>
+              </a:rPr>
+              <a:t>invocations</a:t>
+            </a:r>
+            <a:r>
+              <a:rPr lang="de-DE" kern="0" dirty="0">
+                <a:cs typeface="Consolas" panose="020B0609020204030204" pitchFamily="49" charset="0"/>
+              </a:rPr>
+              <a:t> </a:t>
+            </a:r>
+            <a:r>
+              <a:rPr lang="de-DE" kern="0" dirty="0" err="1">
+                <a:cs typeface="Consolas" panose="020B0609020204030204" pitchFamily="49" charset="0"/>
+              </a:rPr>
+              <a:t>to</a:t>
+            </a:r>
+            <a:r>
+              <a:rPr lang="de-DE" kern="0" dirty="0">
+                <a:cs typeface="Consolas" panose="020B0609020204030204" pitchFamily="49" charset="0"/>
+              </a:rPr>
+              <a:t> </a:t>
+            </a:r>
+            <a:r>
+              <a:rPr lang="de-DE" kern="0" dirty="0" err="1">
+                <a:cs typeface="Consolas" panose="020B0609020204030204" pitchFamily="49" charset="0"/>
+              </a:rPr>
+              <a:t>once</a:t>
+            </a:r>
+            <a:r>
+              <a:rPr lang="de-DE" kern="0" dirty="0">
+                <a:cs typeface="Consolas" panose="020B0609020204030204" pitchFamily="49" charset="0"/>
+              </a:rPr>
+              <a:t> a per </a:t>
+            </a:r>
+            <a:r>
+              <a:rPr lang="de-DE" kern="0" dirty="0" err="1">
+                <a:cs typeface="Consolas" panose="020B0609020204030204" pitchFamily="49" charset="0"/>
+              </a:rPr>
+              <a:t>second</a:t>
+            </a:r>
+            <a:endParaRPr lang="de-DE" kern="0" dirty="0">
+              <a:cs typeface="Consolas" panose="020B0609020204030204" pitchFamily="49" charset="0"/>
+            </a:endParaRPr>
+          </a:p>
+          <a:p>
+            <a:pPr marL="342900" indent="-342900">
+              <a:buFont typeface="Arial" panose="020B0604020202020204" pitchFamily="34" charset="0"/>
+              <a:buChar char="•"/>
+            </a:pPr>
+            <a:r>
+              <a:rPr lang="de-DE" kern="0" dirty="0">
+                <a:cs typeface="Consolas" panose="020B0609020204030204" pitchFamily="49" charset="0"/>
+              </a:rPr>
+              <a:t>Chrome </a:t>
+            </a:r>
+            <a:r>
+              <a:rPr lang="de-DE" kern="0" dirty="0" err="1">
+                <a:cs typeface="Consolas" panose="020B0609020204030204" pitchFamily="49" charset="0"/>
+              </a:rPr>
+              <a:t>and</a:t>
+            </a:r>
+            <a:r>
+              <a:rPr lang="de-DE" kern="0" dirty="0">
+                <a:cs typeface="Consolas" panose="020B0609020204030204" pitchFamily="49" charset="0"/>
+              </a:rPr>
+              <a:t> Firefox </a:t>
+            </a:r>
+            <a:r>
+              <a:rPr lang="de-DE" kern="0" dirty="0" err="1">
+                <a:cs typeface="Consolas" panose="020B0609020204030204" pitchFamily="49" charset="0"/>
+              </a:rPr>
               <a:t>use</a:t>
             </a:r>
             <a:r>
@@ -9593,7 +11690,7 @@
                                         <p:tgtEl>
                                           <p:spTgt spid="15">
                                             <p:txEl>
-                                              <p:pRg st="0" end="0"/>
+                                              <p:pRg st="1" end="1"/>
                                             </p:txEl>
                                           </p:spTgt>
                                         </p:tgtEl>
@@ -9642,7 +11739,56 @@
                                         <p:tgtEl>
                                           <p:spTgt spid="15">
                                             <p:txEl>
-                                              <p:pRg st="1" end="1"/>
+                                              <p:pRg st="0" end="0"/>
+                                            </p:txEl>
+                                          </p:spTgt>
+                                        </p:tgtEl>
+                                        <p:attrNameLst>
+                                          <p:attrName>style.visibility</p:attrName>
+                                        </p:attrNameLst>
+                                      </p:cBhvr>
+                                      <p:to>
+                                        <p:strVal val="visible"/>
+                                      </p:to>
+                                    </p:set>
+                                  </p:childTnLst>
+                                </p:cTn>
+                              </p:par>
+                            </p:childTnLst>
+                          </p:cTn>
+                        </p:par>
+                      </p:childTnLst>
+                    </p:cTn>
+                  </p:par>
+                  <p:par>
+                    <p:cTn id="21" fill="hold">
+                      <p:stCondLst>
+                        <p:cond delay="indefinite"/>
+                      </p:stCondLst>
+                      <p:childTnLst>
+                        <p:par>
+                          <p:cTn id="22" fill="hold">
+                            <p:stCondLst>
+                              <p:cond delay="0"/>
+                            </p:stCondLst>
+                            <p:childTnLst>
+                              <p:par>
+                                <p:cTn id="23" presetID="1" presetClass="entr" presetSubtype="0" fill="hold" nodeType="clickEffect">
+                                  <p:stCondLst>
+                                    <p:cond delay="0"/>
+                                  </p:stCondLst>
+                                  <p:childTnLst>
+                                    <p:set>
+                                      <p:cBhvr>
+                                        <p:cTn id="24" dur="1" fill="hold">
+                                          <p:stCondLst>
+                                            <p:cond delay="0"/>
+                                          </p:stCondLst>
+                                        </p:cTn>
+                                        <p:tgtEl>
+                                          <p:spTgt spid="15">
+                                            <p:txEl>
+                                              <p:pRg st="2" end="2"/>
                                             </p:txEl>
                                           </p:spTgt>
                                         </p:tgtEl>
@@ -9940,57 +12086,6 @@
             <a:endParaRPr lang="de-DE" sz="2000" dirty="0"/>
           </a:p>
           <a:p>
-            <a:pPr marL="881062" lvl="3" indent="-342900">
-              <a:buFont typeface="Arial" panose="020B0604020202020204" pitchFamily="34" charset="0"/>
-              <a:buChar char="•"/>
-            </a:pPr>
-            <a:r>
-              <a:rPr lang="de-DE" sz="2000" dirty="0" err="1"/>
-              <a:t>Used</a:t>
-            </a:r>
-            <a:r>
-              <a:rPr lang="de-DE" sz="2000" dirty="0"/>
-              <a:t> </a:t>
-            </a:r>
-            <a:r>
-              <a:rPr lang="de-DE" sz="2000" dirty="0" err="1"/>
-              <a:t>for</a:t>
-            </a:r>
-            <a:r>
-              <a:rPr lang="de-DE" sz="2000" dirty="0"/>
-              <a:t> </a:t>
-            </a:r>
-            <a:r>
-              <a:rPr lang="de-DE" sz="2000" dirty="0" err="1"/>
-              <a:t>realtime</a:t>
-            </a:r>
-            <a:r>
-              <a:rPr lang="de-DE" sz="2000" dirty="0"/>
-              <a:t> </a:t>
-            </a:r>
-            <a:r>
-              <a:rPr lang="de-DE" sz="2000" dirty="0" err="1"/>
-              <a:t>notifications</a:t>
-            </a:r>
-            <a:r>
-              <a:rPr lang="de-DE" sz="2000" dirty="0"/>
-              <a:t> </a:t>
-            </a:r>
-            <a:r>
-              <a:rPr lang="de-DE" sz="2000" dirty="0" err="1"/>
-              <a:t>or</a:t>
-            </a:r>
-            <a:r>
-              <a:rPr lang="de-DE" sz="2000" dirty="0"/>
-              <a:t> </a:t>
-            </a:r>
-            <a:r>
-              <a:rPr lang="de-DE" sz="2000" dirty="0" err="1"/>
-              <a:t>communication</a:t>
-            </a:r>
-            <a:endParaRPr lang="de-DE" sz="2000" dirty="0"/>
-          </a:p>
-          <a:p>
             <a:pPr marL="701675" lvl="2" indent="-342900">
               <a:buFont typeface="Arial" panose="020B0604020202020204" pitchFamily="34" charset="0"/>
               <a:buChar char="•"/>
@@ -10030,116 +12125,6 @@
             <a:r>
               <a:rPr lang="de-DE" sz="2000" dirty="0" err="1"/>
               <a:t>active</a:t>
-            </a:r>
-            <a:endParaRPr lang="de-DE" sz="2000" dirty="0"/>
-          </a:p>
-          <a:p>
-            <a:pPr marL="881062" lvl="3" indent="-342900">
-              <a:buFont typeface="Arial" panose="020B0604020202020204" pitchFamily="34" charset="0"/>
-              <a:buChar char="•"/>
-            </a:pPr>
-            <a:r>
-              <a:rPr lang="de-DE" sz="2000" dirty="0"/>
-              <a:t>Audio </a:t>
-            </a:r>
-            <a:r>
-              <a:rPr lang="de-DE" sz="2000" dirty="0" err="1"/>
-              <a:t>routing</a:t>
-            </a:r>
-            <a:r>
-              <a:rPr lang="de-DE" sz="2000" dirty="0"/>
-              <a:t> </a:t>
-            </a:r>
-            <a:r>
-              <a:rPr lang="de-DE" sz="2000" dirty="0" err="1"/>
-              <a:t>graph</a:t>
-            </a:r>
-            <a:r>
-              <a:rPr lang="de-DE" sz="2000" dirty="0"/>
-              <a:t> </a:t>
-            </a:r>
-            <a:r>
-              <a:rPr lang="de-DE" sz="2000" dirty="0" err="1"/>
-              <a:t>for</a:t>
-            </a:r>
-            <a:r>
-              <a:rPr lang="de-DE" sz="2000" dirty="0"/>
-              <a:t> </a:t>
-            </a:r>
-            <a:r>
-              <a:rPr lang="de-DE" sz="2000" dirty="0" err="1"/>
-              <a:t>usage</a:t>
-            </a:r>
-            <a:r>
-              <a:rPr lang="de-DE" sz="2000" dirty="0"/>
-              <a:t> </a:t>
-            </a:r>
-            <a:r>
-              <a:rPr lang="de-DE" sz="2000" dirty="0" err="1"/>
-              <a:t>with</a:t>
-            </a:r>
-            <a:r>
-              <a:rPr lang="de-DE" sz="2000" dirty="0"/>
-              <a:t> </a:t>
-            </a:r>
-            <a:r>
-              <a:rPr lang="de-DE" sz="2000" dirty="0" err="1"/>
-              <a:t>Canvas</a:t>
-            </a:r>
-            <a:r>
-              <a:rPr lang="de-DE" sz="2000" dirty="0"/>
-              <a:t> </a:t>
-            </a:r>
-            <a:r>
-              <a:rPr lang="de-DE" sz="2000" dirty="0" err="1"/>
-              <a:t>or</a:t>
-            </a:r>
-            <a:r>
-              <a:rPr lang="de-DE" sz="2000" dirty="0"/>
-              <a:t> </a:t>
-            </a:r>
-            <a:r>
-              <a:rPr lang="de-DE" sz="2000" dirty="0" err="1"/>
-              <a:t>WebGL</a:t>
-            </a:r>
-            <a:endParaRPr lang="de-DE" sz="2000" dirty="0"/>
-          </a:p>
-          <a:p>
-            <a:pPr marL="881062" lvl="3" indent="-342900">
-              <a:buFont typeface="Arial" panose="020B0604020202020204" pitchFamily="34" charset="0"/>
-              <a:buChar char="•"/>
-            </a:pPr>
-            <a:r>
-              <a:rPr lang="de-DE" sz="2000" dirty="0"/>
-              <a:t>Play </a:t>
-            </a:r>
-            <a:r>
-              <a:rPr lang="de-DE" sz="2000" dirty="0" err="1"/>
-              <a:t>sound</a:t>
-            </a:r>
-            <a:r>
-              <a:rPr lang="de-DE" sz="2000" dirty="0"/>
-              <a:t> in </a:t>
-            </a:r>
-            <a:r>
-              <a:rPr lang="de-DE" sz="2000" dirty="0" err="1"/>
-              <a:t>response</a:t>
-            </a:r>
-            <a:r>
-              <a:rPr lang="de-DE" sz="2000" dirty="0"/>
-              <a:t> </a:t>
-            </a:r>
-            <a:r>
-              <a:rPr lang="de-DE" sz="2000" dirty="0" err="1"/>
-              <a:t>to</a:t>
-            </a:r>
-            <a:r>
-              <a:rPr lang="de-DE" sz="2000" dirty="0"/>
-              <a:t> </a:t>
-            </a:r>
-            <a:r>
-              <a:rPr lang="de-DE" sz="2000" dirty="0" err="1"/>
-              <a:t>events</a:t>
             </a:r>
             <a:endParaRPr lang="de-DE" sz="2000" dirty="0"/>
           </a:p>
@@ -10433,15 +12418,33 @@
                                   </p:childTnLst>
                                 </p:cTn>
                               </p:par>
+                            </p:childTnLst>
+                          </p:cTn>
+                        </p:par>
+                      </p:childTnLst>
+                    </p:cTn>
+                  </p:par>
+                  <p:par>
+                    <p:cTn id="15" fill="hold">
+                      <p:stCondLst>
+                        <p:cond delay="indefinite"/>
+                      </p:stCondLst>
+                      <p:childTnLst>
+                        <p:par>
+                          <p:cTn id="16" fill="hold">
+                            <p:stCondLst>
+                              <p:cond delay="0"/>
+                            </p:stCondLst>
+                            <p:childTnLst>
                               <p:par>
-                                <p:cTn id="15" presetID="1" presetClass="entr" presetSubtype="0" fill="hold" grpId="0" nodeType="withEffect">
+                                <p:cTn id="17" presetID="1" presetClass="entr" presetSubtype="0" fill="hold" grpId="0" nodeType="clickEffect">
                                   <p:stCondLst>
                                     <p:cond delay="0"/>
                                   </p:stCondLst>
                                   <p:childTnLst>
                                     <p:set>
                                       <p:cBhvr>
-                                        <p:cTn id="16" dur="1" fill="hold">
+                                        <p:cTn id="18" dur="1" fill="hold">
                                           <p:stCondLst>
                                             <p:cond delay="0"/>
                                           </p:stCondLst>
@@ -10471,26 +12474,26 @@
                     </p:cTn>
                   </p:par>
                   <p:par>
-                    <p:cTn id="17" fill="hold">
+                    <p:cTn id="19" fill="hold">
                       <p:stCondLst>
                         <p:cond delay="indefinite"/>
                       </p:stCondLst>
                       <p:childTnLst>
                         <p:par>
-                          <p:cTn id="18" fill="hold">
+                          <p:cTn id="20" fill="hold">
                             <p:stCondLst>
                               <p:cond delay="0"/>
                             </p:stCondLst>
                             <p:childTnLst>
                               <p:par>
-                                <p:cTn id="19" presetID="1" presetClass="entr" presetSubtype="0" fill="hold" grpId="0" nodeType="clickEffect">
+                                <p:cTn id="21" presetID="1" presetClass="entr" presetSubtype="0" fill="hold" grpId="0" nodeType="clickEffect">
                                   <p:stCondLst>
                                     <p:cond delay="0"/>
                                   </p:stCondLst>
                                   <p:childTnLst>
                                     <p:set>
                                       <p:cBhvr>
-                                        <p:cTn id="20" dur="1" fill="hold">
+                                        <p:cTn id="22" dur="1" fill="hold">
                                           <p:stCondLst>
                                             <p:cond delay="0"/>
                                           </p:stCondLst>
@@ -10513,15 +12516,33 @@
                                   </p:childTnLst>
                                 </p:cTn>
                               </p:par>
+                            </p:childTnLst>
+                          </p:cTn>
+                        </p:par>
+                      </p:childTnLst>
+                    </p:cTn>
+                  </p:par>
+                  <p:par>
+                    <p:cTn id="23" fill="hold">
+                      <p:stCondLst>
+                        <p:cond delay="indefinite"/>
+                      </p:stCondLst>
+                      <p:childTnLst>
+                        <p:par>
+                          <p:cTn id="24" fill="hold">
+                            <p:stCondLst>
+                              <p:cond delay="0"/>
+                            </p:stCondLst>
+                            <p:childTnLst>
                               <p:par>
-                                <p:cTn id="21" presetID="1" presetClass="entr" presetSubtype="0" fill="hold" grpId="0" nodeType="withEffect">
+                                <p:cTn id="25" presetID="1" presetClass="entr" presetSubtype="0" fill="hold" grpId="0" nodeType="clickEffect">
                                   <p:stCondLst>
                                     <p:cond delay="0"/>
                                   </p:stCondLst>
                                   <p:childTnLst>
                                     <p:set>
                                       <p:cBhvr>
-                                        <p:cTn id="22" dur="1" fill="hold">
+                                        <p:cTn id="26" dur="1" fill="hold">
                                           <p:stCondLst>
                                             <p:cond delay="0"/>
                                           </p:stCondLst>
@@ -10530,135 +12551,6 @@
                                           <p:spTgt spid="3">
                                             <p:txEl>
                                               <p:pRg st="5" end="5"/>
-                                            </p:txEl>
-                                          </p:spTgt>
-                                        </p:tgtEl>
-                                        <p:attrNameLst>
-                                          <p:attrName>style.visibility</p:attrName>
-                                        </p:attrNameLst>
-                                      </p:cBhvr>
-                                      <p:to>
-                                        <p:strVal val="visible"/>
-                                      </p:to>
-                                    </p:set>
-                                  </p:childTnLst>
-                                </p:cTn>
-                              </p:par>
-                              <p:par>
-                                <p:cTn id="23" presetID="1" presetClass="entr" presetSubtype="0" fill="hold" grpId="0" nodeType="withEffect">
-                                  <p:stCondLst>
-                                    <p:cond delay="0"/>
-                                  </p:stCondLst>
-                                  <p:childTnLst>
-                                    <p:set>
-                                      <p:cBhvr>
-                                        <p:cTn id="24" dur="1" fill="hold">
-                                          <p:stCondLst>
-                                            <p:cond delay="0"/>
-                                          </p:stCondLst>
-                                        </p:cTn>
-                                        <p:tgtEl>
-                                          <p:spTgt spid="3">
-                                            <p:txEl>
-                                              <p:pRg st="6" end="6"/>
-                                            </p:txEl>
-                                          </p:spTgt>
-                                        </p:tgtEl>
-                                        <p:attrNameLst>
-                                          <p:attrName>style.visibility</p:attrName>
-                                        </p:attrNameLst>
-                                      </p:cBhvr>
-                                      <p:to>
-                                        <p:strVal val="visible"/>
-                                      </p:to>
-                                    </p:set>
-                                  </p:childTnLst>
-                                </p:cTn>
-                              </p:par>
-                            </p:childTnLst>
-                          </p:cTn>
-                        </p:par>
-                      </p:childTnLst>
-                    </p:cTn>
-                  </p:par>
-                  <p:par>
-                    <p:cTn id="25" fill="hold">
-                      <p:stCondLst>
-                        <p:cond delay="indefinite"/>
-                      </p:stCondLst>
-                      <p:childTnLst>
-                        <p:par>
-                          <p:cTn id="26" fill="hold">
-                            <p:stCondLst>
-                              <p:cond delay="0"/>
-                            </p:stCondLst>
-                            <p:childTnLst>
-                              <p:par>
-                                <p:cTn id="27" presetID="1" presetClass="entr" presetSubtype="0" fill="hold" grpId="0" nodeType="clickEffect">
-                                  <p:stCondLst>
-                                    <p:cond delay="0"/>
-                                  </p:stCondLst>
-                                  <p:childTnLst>
-                                    <p:set>
-                                      <p:cBhvr>
-                                        <p:cTn id="28" dur="1" fill="hold">
-                                          <p:stCondLst>
-                                            <p:cond delay="0"/>
-                                          </p:stCondLst>
-                                        </p:cTn>
-                                        <p:tgtEl>
-                                          <p:spTgt spid="3">
-                                            <p:txEl>
-                                              <p:pRg st="7" end="7"/>
-                                            </p:txEl>
-                                          </p:spTgt>
-                                        </p:tgtEl>
-                                        <p:attrNameLst>
-                                          <p:attrName>style.visibility</p:attrName>
-                                        </p:attrNameLst>
-                                      </p:cBhvr>
-                                      <p:to>
-                                        <p:strVal val="visible"/>
-                                      </p:to>
-                                    </p:set>
-                                  </p:childTnLst>
-                                </p:cTn>
-                              </p:par>
-                            </p:childTnLst>
-                          </p:cTn>
-                        </p:par>
-                      </p:childTnLst>
-                    </p:cTn>
-                  </p:par>
-                  <p:par>
-                    <p:cTn id="29" fill="hold">
-                      <p:stCondLst>
-                        <p:cond delay="indefinite"/>
-                      </p:stCondLst>
-                      <p:childTnLst>
-                        <p:par>
-                          <p:cTn id="30" fill="hold">
-                            <p:stCondLst>
-                              <p:cond delay="0"/>
-                            </p:stCondLst>
-                            <p:childTnLst>
-                              <p:par>
-                                <p:cTn id="31" presetID="1" presetClass="entr" presetSubtype="0" fill="hold" grpId="0" nodeType="clickEffect">
-                                  <p:stCondLst>
-                                    <p:cond delay="0"/>
-                                  </p:stCondLst>
-                                  <p:childTnLst>
-                                    <p:set>
-                                      <p:cBhvr>
-                                        <p:cTn id="32" dur="1" fill="hold">
-                                          <p:stCondLst>
-                                            <p:cond delay="0"/>
-                                          </p:stCondLst>
-                                        </p:cTn>
-                                        <p:tgtEl>
-                                          <p:spTgt spid="3">
-                                            <p:txEl>
-                                              <p:pRg st="8" end="8"/>
                                             </p:txEl>
                                           </p:spTgt>
                                         </p:tgtEl>
@@ -10794,7 +12686,7 @@
           </p:nvPr>
         </p:nvPicPr>
         <p:blipFill>
-          <a:blip r:embed="rId2">
+          <a:blip r:embed="rId3">
             <a:extLst>
               <a:ext uri="{28A0092B-C50C-407E-A947-70E740481C1C}">
                 <a14:useLocalDpi xmlns:a14="http://schemas.microsoft.com/office/drawing/2010/main" val="0"/>
@@ -10829,7 +12721,7 @@
           </p:nvPr>
         </p:nvPicPr>
         <p:blipFill>
-          <a:blip r:embed="rId3">
+          <a:blip r:embed="rId4">
             <a:extLst>
               <a:ext uri="{28A0092B-C50C-407E-A947-70E740481C1C}">
                 <a14:useLocalDpi xmlns:a14="http://schemas.microsoft.com/office/drawing/2010/main" val="0"/>
@@ -10847,6 +12739,204 @@
           </a:xfrm>
         </p:spPr>
       </p:pic>
+      <p:sp>
+        <p:nvSpPr>
+          <p:cNvPr id="2" name="TextBox 1">
+            <a:extLst>
+              <a:ext uri="{FF2B5EF4-FFF2-40B4-BE49-F238E27FC236}">
+                <a16:creationId xmlns:a16="http://schemas.microsoft.com/office/drawing/2014/main" id="{153CF730-F374-264F-9EF1-AC42F3F120DF}"/>
+              </a:ext>
+            </a:extLst>
+          </p:cNvPr>
+          <p:cNvSpPr txBox="1"/>
+          <p:nvPr/>
+        </p:nvSpPr>
+        <p:spPr>
+          <a:xfrm>
+            <a:off x="467544" y="5085184"/>
+            <a:ext cx="6800260" cy="707886"/>
+          </a:xfrm>
+          <a:prstGeom prst="rect">
+            <a:avLst/>
+          </a:prstGeom>
+          <a:noFill/>
+        </p:spPr>
+        <p:txBody>
+          <a:bodyPr wrap="none" rtlCol="0">
+            <a:spAutoFit/>
+          </a:bodyPr>
+          <a:lstStyle/>
+          <a:p>
+            <a:pPr marL="342900" indent="-342900">
+              <a:buFont typeface="Arial" panose="020B0604020202020204" pitchFamily="34" charset="0"/>
+              <a:buChar char="•"/>
+            </a:pPr>
+            <a:r>
+              <a:rPr lang="de-DE" sz="2000" dirty="0"/>
+              <a:t>Budget </a:t>
+            </a:r>
+            <a:r>
+              <a:rPr lang="de-DE" sz="2000" dirty="0" err="1"/>
+              <a:t>based</a:t>
+            </a:r>
+            <a:r>
+              <a:rPr lang="de-DE" sz="2000" dirty="0"/>
+              <a:t> </a:t>
+            </a:r>
+            <a:r>
+              <a:rPr lang="de-DE" sz="2000" dirty="0" err="1"/>
+              <a:t>throttling</a:t>
+            </a:r>
+            <a:r>
+              <a:rPr lang="de-DE" sz="2000" dirty="0"/>
+              <a:t> </a:t>
+            </a:r>
+            <a:r>
+              <a:rPr lang="de-DE" sz="2000" dirty="0" err="1"/>
+              <a:t>disabled</a:t>
+            </a:r>
+            <a:r>
+              <a:rPr lang="de-DE" sz="2000" dirty="0"/>
+              <a:t> in Chrome </a:t>
+            </a:r>
+            <a:r>
+              <a:rPr lang="de-DE" sz="2000" dirty="0" err="1"/>
+              <a:t>and</a:t>
+            </a:r>
+            <a:r>
+              <a:rPr lang="de-DE" sz="2000" dirty="0"/>
+              <a:t> Firefox</a:t>
+            </a:r>
+          </a:p>
+          <a:p>
+            <a:pPr marL="342900" indent="-342900">
+              <a:buFont typeface="Arial" panose="020B0604020202020204" pitchFamily="34" charset="0"/>
+              <a:buChar char="•"/>
+            </a:pPr>
+            <a:r>
+              <a:rPr lang="de-DE" sz="2000" dirty="0"/>
+              <a:t>Safaris </a:t>
+            </a:r>
+            <a:r>
+              <a:rPr lang="de-DE" sz="2000" dirty="0" err="1"/>
+              <a:t>behaviour</a:t>
+            </a:r>
+            <a:r>
+              <a:rPr lang="de-DE" sz="2000" dirty="0"/>
+              <a:t> </a:t>
+            </a:r>
+            <a:r>
+              <a:rPr lang="de-DE" sz="2000" dirty="0" err="1"/>
+              <a:t>does</a:t>
+            </a:r>
+            <a:r>
+              <a:rPr lang="de-DE" sz="2000" dirty="0"/>
+              <a:t> not </a:t>
+            </a:r>
+            <a:r>
+              <a:rPr lang="de-DE" sz="2000" dirty="0" err="1"/>
+              <a:t>change</a:t>
+            </a:r>
+            <a:endParaRPr lang="de-DE" sz="2000" dirty="0"/>
+          </a:p>
+        </p:txBody>
+      </p:sp>
+      <p:sp>
+        <p:nvSpPr>
+          <p:cNvPr id="6" name="TextBox 5">
+            <a:extLst>
+              <a:ext uri="{FF2B5EF4-FFF2-40B4-BE49-F238E27FC236}">
+                <a16:creationId xmlns:a16="http://schemas.microsoft.com/office/drawing/2014/main" id="{6727025E-A893-C544-BB5B-B755CD0BB757}"/>
+              </a:ext>
+            </a:extLst>
+          </p:cNvPr>
+          <p:cNvSpPr txBox="1"/>
+          <p:nvPr/>
+        </p:nvSpPr>
+        <p:spPr>
+          <a:xfrm>
+            <a:off x="1650925" y="4365104"/>
+            <a:ext cx="1527982" cy="307777"/>
+          </a:xfrm>
+          <a:prstGeom prst="rect">
+            <a:avLst/>
+          </a:prstGeom>
+          <a:noFill/>
+        </p:spPr>
+        <p:txBody>
+          <a:bodyPr wrap="none" rtlCol="0">
+            <a:spAutoFit/>
+          </a:bodyPr>
+          <a:lstStyle/>
+          <a:p>
+            <a:r>
+              <a:rPr lang="de-DE" sz="1400" b="1" dirty="0"/>
+              <a:t>50 </a:t>
+            </a:r>
+            <a:r>
+              <a:rPr lang="de-DE" sz="1400" b="1" dirty="0" err="1"/>
+              <a:t>ms</a:t>
+            </a:r>
+            <a:r>
+              <a:rPr lang="de-DE" sz="1400" b="1" dirty="0"/>
+              <a:t> </a:t>
+            </a:r>
+            <a:r>
+              <a:rPr lang="de-DE" sz="1400" b="1" dirty="0" err="1"/>
+              <a:t>workload</a:t>
+            </a:r>
+            <a:endParaRPr lang="de-DE" sz="1400" b="1" dirty="0"/>
+          </a:p>
+        </p:txBody>
+      </p:sp>
+      <p:sp>
+        <p:nvSpPr>
+          <p:cNvPr id="7" name="TextBox 6">
+            <a:extLst>
+              <a:ext uri="{FF2B5EF4-FFF2-40B4-BE49-F238E27FC236}">
+                <a16:creationId xmlns:a16="http://schemas.microsoft.com/office/drawing/2014/main" id="{89652937-188A-5246-A533-E5F5AE5BCF54}"/>
+              </a:ext>
+            </a:extLst>
+          </p:cNvPr>
+          <p:cNvSpPr txBox="1"/>
+          <p:nvPr/>
+        </p:nvSpPr>
+        <p:spPr>
+          <a:xfrm>
+            <a:off x="5952929" y="4365103"/>
+            <a:ext cx="1726755" cy="307777"/>
+          </a:xfrm>
+          <a:prstGeom prst="rect">
+            <a:avLst/>
+          </a:prstGeom>
+          <a:noFill/>
+        </p:spPr>
+        <p:txBody>
+          <a:bodyPr wrap="none" rtlCol="0">
+            <a:spAutoFit/>
+          </a:bodyPr>
+          <a:lstStyle/>
+          <a:p>
+            <a:r>
+              <a:rPr lang="de-DE" sz="1400" b="1" dirty="0"/>
+              <a:t>1000 </a:t>
+            </a:r>
+            <a:r>
+              <a:rPr lang="de-DE" sz="1400" b="1" dirty="0" err="1"/>
+              <a:t>ms</a:t>
+            </a:r>
+            <a:r>
+              <a:rPr lang="de-DE" sz="1400" b="1" dirty="0"/>
+              <a:t> </a:t>
+            </a:r>
+            <a:r>
+              <a:rPr lang="de-DE" sz="1400" b="1" dirty="0" err="1"/>
+              <a:t>workload</a:t>
+            </a:r>
+            <a:endParaRPr lang="de-DE" sz="1400" b="1" dirty="0"/>
+          </a:p>
+        </p:txBody>
+      </p:sp>
     </p:spTree>
     <p:extLst>
       <p:ext uri="{BB962C8B-B14F-4D97-AF65-F5344CB8AC3E}">
@@ -10857,6 +12947,264 @@
   <p:clrMapOvr>
     <a:masterClrMapping/>
   </p:clrMapOvr>
+  <p:timing>
+    <p:tnLst>
+      <p:par>
+        <p:cTn id="1" dur="indefinite" restart="never" nodeType="tmRoot">
+          <p:childTnLst>
+            <p:seq concurrent="1" nextAc="seek">
+              <p:cTn id="2" dur="indefinite" nodeType="mainSeq">
+                <p:childTnLst>
+                  <p:par>
+                    <p:cTn id="3" fill="hold">
+                      <p:stCondLst>
+                        <p:cond delay="indefinite"/>
+                      </p:stCondLst>
+                      <p:childTnLst>
+                        <p:par>
+                          <p:cTn id="4" fill="hold">
+                            <p:stCondLst>
+                              <p:cond delay="0"/>
+                            </p:stCondLst>
+                            <p:childTnLst>
+                              <p:par>
+                                <p:cTn id="5" presetID="1" presetClass="entr" presetSubtype="0" fill="hold" nodeType="clickEffect">
+                                  <p:stCondLst>
+                                    <p:cond delay="0"/>
+                                  </p:stCondLst>
+                                  <p:childTnLst>
+                                    <p:set>
+                                      <p:cBhvr>
+                                        <p:cTn id="6" dur="1" fill="hold">
+                                          <p:stCondLst>
+                                            <p:cond delay="0"/>
+                                          </p:stCondLst>
+                                        </p:cTn>
+                                        <p:tgtEl>
+                                          <p:spTgt spid="8"/>
+                                        </p:tgtEl>
+                                        <p:attrNameLst>
+                                          <p:attrName>style.visibility</p:attrName>
+                                        </p:attrNameLst>
+                                      </p:cBhvr>
+                                      <p:to>
+                                        <p:strVal val="visible"/>
+                                      </p:to>
+                                    </p:set>
+                                  </p:childTnLst>
+                                </p:cTn>
+                              </p:par>
+                              <p:par>
+                                <p:cTn id="7" presetID="1" presetClass="entr" presetSubtype="0" fill="hold" nodeType="withEffect">
+                                  <p:stCondLst>
+                                    <p:cond delay="0"/>
+                                  </p:stCondLst>
+                                  <p:childTnLst>
+                                    <p:set>
+                                      <p:cBhvr>
+                                        <p:cTn id="8" dur="1" fill="hold">
+                                          <p:stCondLst>
+                                            <p:cond delay="0"/>
+                                          </p:stCondLst>
+                                        </p:cTn>
+                                        <p:tgtEl>
+                                          <p:spTgt spid="10"/>
+                                        </p:tgtEl>
+                                        <p:attrNameLst>
+                                          <p:attrName>style.visibility</p:attrName>
+                                        </p:attrNameLst>
+                                      </p:cBhvr>
+                                      <p:to>
+                                        <p:strVal val="visible"/>
+                                      </p:to>
+                                    </p:set>
+                                  </p:childTnLst>
+                                </p:cTn>
+                              </p:par>
+                              <p:par>
+                                <p:cTn id="9" presetID="1" presetClass="entr" presetSubtype="0" fill="hold" grpId="0" nodeType="withEffect">
+                                  <p:stCondLst>
+                                    <p:cond delay="0"/>
+                                  </p:stCondLst>
+                                  <p:childTnLst>
+                                    <p:set>
+                                      <p:cBhvr>
+                                        <p:cTn id="10" dur="1" fill="hold">
+                                          <p:stCondLst>
+                                            <p:cond delay="0"/>
+                                          </p:stCondLst>
+                                        </p:cTn>
+                                        <p:tgtEl>
+                                          <p:spTgt spid="6"/>
+                                        </p:tgtEl>
+                                        <p:attrNameLst>
+                                          <p:attrName>style.visibility</p:attrName>
+                                        </p:attrNameLst>
+                                      </p:cBhvr>
+                                      <p:to>
+                                        <p:strVal val="visible"/>
+                                      </p:to>
+                                    </p:set>
+                                  </p:childTnLst>
+                                </p:cTn>
+                              </p:par>
+                              <p:par>
+                                <p:cTn id="11" presetID="1" presetClass="entr" presetSubtype="0" fill="hold" grpId="0" nodeType="withEffect">
+                                  <p:stCondLst>
+                                    <p:cond delay="0"/>
+                                  </p:stCondLst>
+                                  <p:childTnLst>
+                                    <p:set>
+                                      <p:cBhvr>
+                                        <p:cTn id="12" dur="1" fill="hold">
+                                          <p:stCondLst>
+                                            <p:cond delay="0"/>
+                                          </p:stCondLst>
+                                        </p:cTn>
+                                        <p:tgtEl>
+                                          <p:spTgt spid="7"/>
+                                        </p:tgtEl>
+                                        <p:attrNameLst>
+                                          <p:attrName>style.visibility</p:attrName>
+                                        </p:attrNameLst>
+                                      </p:cBhvr>
+                                      <p:to>
+                                        <p:strVal val="visible"/>
+                                      </p:to>
+                                    </p:set>
+                                  </p:childTnLst>
+                                </p:cTn>
+                              </p:par>
+                            </p:childTnLst>
+                          </p:cTn>
+                        </p:par>
+                      </p:childTnLst>
+                    </p:cTn>
+                  </p:par>
+                  <p:par>
+                    <p:cTn id="13" fill="hold">
+                      <p:stCondLst>
+                        <p:cond delay="indefinite"/>
+                      </p:stCondLst>
+                      <p:childTnLst>
+                        <p:par>
+                          <p:cTn id="14" fill="hold">
+                            <p:stCondLst>
+                              <p:cond delay="0"/>
+                            </p:stCondLst>
+                            <p:childTnLst>
+                              <p:par>
+                                <p:cTn id="15" presetID="1" presetClass="entr" presetSubtype="0" fill="hold" nodeType="clickEffect">
+                                  <p:stCondLst>
+                                    <p:cond delay="0"/>
+                                  </p:stCondLst>
+                                  <p:childTnLst>
+                                    <p:set>
+                                      <p:cBhvr>
+                                        <p:cTn id="16" dur="1" fill="hold">
+                                          <p:stCondLst>
+                                            <p:cond delay="0"/>
+                                          </p:stCondLst>
+                                        </p:cTn>
+                                        <p:tgtEl>
+                                          <p:spTgt spid="2">
+                                            <p:txEl>
+                                              <p:pRg st="0" end="0"/>
+                                            </p:txEl>
+                                          </p:spTgt>
+                                        </p:tgtEl>
+                                        <p:attrNameLst>
+                                          <p:attrName>style.visibility</p:attrName>
+                                        </p:attrNameLst>
+                                      </p:cBhvr>
+                                      <p:to>
+                                        <p:strVal val="visible"/>
+                                      </p:to>
+                                    </p:set>
+                                  </p:childTnLst>
+                                </p:cTn>
+                              </p:par>
+                            </p:childTnLst>
+                          </p:cTn>
+                        </p:par>
+                      </p:childTnLst>
+                    </p:cTn>
+                  </p:par>
+                  <p:par>
+                    <p:cTn id="17" fill="hold">
+                      <p:stCondLst>
+                        <p:cond delay="indefinite"/>
+                      </p:stCondLst>
+                      <p:childTnLst>
+                        <p:par>
+                          <p:cTn id="18" fill="hold">
+                            <p:stCondLst>
+                              <p:cond delay="0"/>
+                            </p:stCondLst>
+                            <p:childTnLst>
+                              <p:par>
+                                <p:cTn id="19" presetID="1" presetClass="entr" presetSubtype="0" fill="hold" nodeType="clickEffect">
+                                  <p:stCondLst>
+                                    <p:cond delay="0"/>
+                                  </p:stCondLst>
+                                  <p:childTnLst>
+                                    <p:set>
+                                      <p:cBhvr>
+                                        <p:cTn id="20" dur="1" fill="hold">
+                                          <p:stCondLst>
+                                            <p:cond delay="0"/>
+                                          </p:stCondLst>
+                                        </p:cTn>
+                                        <p:tgtEl>
+                                          <p:spTgt spid="2">
+                                            <p:txEl>
+                                              <p:pRg st="1" end="1"/>
+                                            </p:txEl>
+                                          </p:spTgt>
+                                        </p:tgtEl>
+                                        <p:attrNameLst>
+                                          <p:attrName>style.visibility</p:attrName>
+                                        </p:attrNameLst>
+                                      </p:cBhvr>
+                                      <p:to>
+                                        <p:strVal val="visible"/>
+                                      </p:to>
+                                    </p:set>
+                                  </p:childTnLst>
+                                </p:cTn>
+                              </p:par>
+                            </p:childTnLst>
+                          </p:cTn>
+                        </p:par>
+                      </p:childTnLst>
+                    </p:cTn>
+                  </p:par>
+                </p:childTnLst>
+              </p:cTn>
+              <p:prevCondLst>
+                <p:cond evt="onPrev" delay="0">
+                  <p:tgtEl>
+                    <p:sldTgt/>
+                  </p:tgtEl>
+                </p:cond>
+              </p:prevCondLst>
+              <p:nextCondLst>
+                <p:cond evt="onNext" delay="0">
+                  <p:tgtEl>
+                    <p:sldTgt/>
+                  </p:tgtEl>
+                </p:cond>
+              </p:nextCondLst>
+            </p:seq>
+          </p:childTnLst>
+        </p:cTn>
+      </p:par>
+    </p:tnLst>
+    <p:bldLst>
+      <p:bldP spid="6" grpId="0"/>
+      <p:bldP spid="7" grpId="0"/>
+    </p:bldLst>
+  </p:timing>
 </p:sld>
 </file>
 
@@ -10940,12 +13288,463 @@
             <p:ph idx="1"/>
           </p:nvPr>
         </p:nvSpPr>
-        <p:spPr/>
+        <p:spPr>
+          <a:xfrm>
+            <a:off x="360000" y="1620000"/>
+            <a:ext cx="8532480" cy="4479943"/>
+          </a:xfrm>
+        </p:spPr>
         <p:txBody>
           <a:bodyPr/>
           <a:lstStyle/>
           <a:p>
-            <a:endParaRPr lang="de-DE" dirty="0"/>
+            <a:pPr marL="457200" indent="-457200">
+              <a:buFont typeface="Arial" panose="020B0604020202020204" pitchFamily="34" charset="0"/>
+              <a:buChar char="•"/>
+            </a:pPr>
+            <a:r>
+              <a:rPr lang="de-DE" dirty="0" err="1">
+                <a:latin typeface="Consolas" panose="020B0609020204030204" pitchFamily="49" charset="0"/>
+                <a:cs typeface="Consolas" panose="020B0609020204030204" pitchFamily="49" charset="0"/>
+              </a:rPr>
+              <a:t>postMessage</a:t>
+            </a:r>
+            <a:r>
+              <a:rPr lang="de-DE" dirty="0">
+                <a:latin typeface="Consolas" panose="020B0609020204030204" pitchFamily="49" charset="0"/>
+                <a:cs typeface="Consolas" panose="020B0609020204030204" pitchFamily="49" charset="0"/>
+              </a:rPr>
+              <a:t>()</a:t>
+            </a:r>
+            <a:r>
+              <a:rPr lang="de-DE" dirty="0">
+                <a:latin typeface="+mj-lt"/>
+                <a:cs typeface="Consolas" panose="020B0609020204030204" pitchFamily="49" charset="0"/>
+              </a:rPr>
+              <a:t> </a:t>
+            </a:r>
+            <a:r>
+              <a:rPr lang="de-DE" dirty="0" err="1">
+                <a:latin typeface="+mj-lt"/>
+                <a:cs typeface="Consolas" panose="020B0609020204030204" pitchFamily="49" charset="0"/>
+              </a:rPr>
+              <a:t>provides</a:t>
+            </a:r>
+            <a:r>
+              <a:rPr lang="de-DE" dirty="0">
+                <a:latin typeface="+mj-lt"/>
+                <a:cs typeface="Consolas" panose="020B0609020204030204" pitchFamily="49" charset="0"/>
+              </a:rPr>
+              <a:t> </a:t>
+            </a:r>
+            <a:r>
+              <a:rPr lang="de-DE" dirty="0" err="1">
+                <a:latin typeface="+mj-lt"/>
+                <a:cs typeface="Consolas" panose="020B0609020204030204" pitchFamily="49" charset="0"/>
+              </a:rPr>
+              <a:t>safe</a:t>
+            </a:r>
+            <a:r>
+              <a:rPr lang="de-DE" dirty="0">
+                <a:latin typeface="+mj-lt"/>
+                <a:cs typeface="Consolas" panose="020B0609020204030204" pitchFamily="49" charset="0"/>
+              </a:rPr>
+              <a:t> </a:t>
+            </a:r>
+            <a:r>
+              <a:rPr lang="de-DE" dirty="0" err="1">
+                <a:latin typeface="+mj-lt"/>
+                <a:cs typeface="Consolas" panose="020B0609020204030204" pitchFamily="49" charset="0"/>
+              </a:rPr>
+              <a:t>cross-origin</a:t>
+            </a:r>
+            <a:r>
+              <a:rPr lang="de-DE" dirty="0">
+                <a:latin typeface="+mj-lt"/>
+                <a:cs typeface="Consolas" panose="020B0609020204030204" pitchFamily="49" charset="0"/>
+              </a:rPr>
+              <a:t> </a:t>
+            </a:r>
+            <a:r>
+              <a:rPr lang="de-DE" dirty="0" err="1">
+                <a:latin typeface="+mj-lt"/>
+                <a:cs typeface="Consolas" panose="020B0609020204030204" pitchFamily="49" charset="0"/>
+              </a:rPr>
+              <a:t>communication</a:t>
+            </a:r>
+            <a:endParaRPr lang="de-DE" dirty="0">
+              <a:latin typeface="+mj-lt"/>
+              <a:cs typeface="Consolas" panose="020B0609020204030204" pitchFamily="49" charset="0"/>
+            </a:endParaRPr>
+          </a:p>
+          <a:p>
+            <a:pPr marL="815975" lvl="2" indent="-457200">
+              <a:buFont typeface="Arial" panose="020B0604020202020204" pitchFamily="34" charset="0"/>
+              <a:buChar char="•"/>
+            </a:pPr>
+            <a:r>
+              <a:rPr lang="de-DE" sz="2000" dirty="0" err="1">
+                <a:latin typeface="+mj-lt"/>
+                <a:cs typeface="Consolas" panose="020B0609020204030204" pitchFamily="49" charset="0"/>
+              </a:rPr>
+              <a:t>Allows</a:t>
+            </a:r>
+            <a:r>
+              <a:rPr lang="de-DE" sz="2000" dirty="0">
+                <a:latin typeface="+mj-lt"/>
+                <a:cs typeface="Consolas" panose="020B0609020204030204" pitchFamily="49" charset="0"/>
+              </a:rPr>
+              <a:t> </a:t>
+            </a:r>
+            <a:r>
+              <a:rPr lang="de-DE" sz="2000" dirty="0" err="1">
+                <a:latin typeface="+mj-lt"/>
+                <a:cs typeface="Consolas" panose="020B0609020204030204" pitchFamily="49" charset="0"/>
+              </a:rPr>
+              <a:t>communication</a:t>
+            </a:r>
+            <a:r>
+              <a:rPr lang="de-DE" sz="2000" dirty="0">
+                <a:latin typeface="+mj-lt"/>
+                <a:cs typeface="Consolas" panose="020B0609020204030204" pitchFamily="49" charset="0"/>
+              </a:rPr>
+              <a:t> </a:t>
+            </a:r>
+            <a:r>
+              <a:rPr lang="de-DE" sz="2000" dirty="0" err="1">
+                <a:latin typeface="+mj-lt"/>
+                <a:cs typeface="Consolas" panose="020B0609020204030204" pitchFamily="49" charset="0"/>
+              </a:rPr>
+              <a:t>between</a:t>
+            </a:r>
+            <a:r>
+              <a:rPr lang="de-DE" sz="2000" dirty="0">
+                <a:latin typeface="+mj-lt"/>
+                <a:cs typeface="Consolas" panose="020B0609020204030204" pitchFamily="49" charset="0"/>
+              </a:rPr>
+              <a:t> web </a:t>
+            </a:r>
+            <a:r>
+              <a:rPr lang="de-DE" sz="2000" dirty="0" err="1">
+                <a:latin typeface="+mj-lt"/>
+                <a:cs typeface="Consolas" panose="020B0609020204030204" pitchFamily="49" charset="0"/>
+              </a:rPr>
+              <a:t>site</a:t>
+            </a:r>
+            <a:r>
+              <a:rPr lang="de-DE" sz="2000" dirty="0">
+                <a:latin typeface="+mj-lt"/>
+                <a:cs typeface="Consolas" panose="020B0609020204030204" pitchFamily="49" charset="0"/>
+              </a:rPr>
+              <a:t> </a:t>
+            </a:r>
+            <a:r>
+              <a:rPr lang="de-DE" sz="2000" dirty="0" err="1">
+                <a:latin typeface="+mj-lt"/>
+                <a:cs typeface="Consolas" panose="020B0609020204030204" pitchFamily="49" charset="0"/>
+              </a:rPr>
+              <a:t>and</a:t>
+            </a:r>
+            <a:r>
+              <a:rPr lang="de-DE" sz="2000" dirty="0">
+                <a:latin typeface="+mj-lt"/>
+                <a:cs typeface="Consolas" panose="020B0609020204030204" pitchFamily="49" charset="0"/>
+              </a:rPr>
+              <a:t> </a:t>
+            </a:r>
+            <a:r>
+              <a:rPr lang="de-DE" sz="2000" dirty="0" err="1">
+                <a:latin typeface="+mj-lt"/>
+                <a:cs typeface="Consolas" panose="020B0609020204030204" pitchFamily="49" charset="0"/>
+              </a:rPr>
+              <a:t>iframe</a:t>
+            </a:r>
+            <a:endParaRPr lang="de-DE" sz="2000" dirty="0">
+              <a:latin typeface="+mj-lt"/>
+              <a:cs typeface="Consolas" panose="020B0609020204030204" pitchFamily="49" charset="0"/>
+            </a:endParaRPr>
+          </a:p>
+          <a:p>
+            <a:pPr marL="815975" lvl="2" indent="-457200">
+              <a:buFont typeface="Arial" panose="020B0604020202020204" pitchFamily="34" charset="0"/>
+              <a:buChar char="•"/>
+            </a:pPr>
+            <a:r>
+              <a:rPr lang="de-DE" sz="2000" dirty="0" err="1">
+                <a:latin typeface="+mj-lt"/>
+                <a:cs typeface="Consolas" panose="020B0609020204030204" pitchFamily="49" charset="0"/>
+              </a:rPr>
+              <a:t>Allows</a:t>
+            </a:r>
+            <a:r>
+              <a:rPr lang="de-DE" sz="2000" dirty="0">
+                <a:latin typeface="+mj-lt"/>
+                <a:cs typeface="Consolas" panose="020B0609020204030204" pitchFamily="49" charset="0"/>
+              </a:rPr>
+              <a:t> </a:t>
+            </a:r>
+            <a:r>
+              <a:rPr lang="de-DE" sz="2000" dirty="0" err="1">
+                <a:latin typeface="+mj-lt"/>
+                <a:cs typeface="Consolas" panose="020B0609020204030204" pitchFamily="49" charset="0"/>
+              </a:rPr>
+              <a:t>communication</a:t>
+            </a:r>
+            <a:r>
+              <a:rPr lang="de-DE" sz="2000" dirty="0">
+                <a:latin typeface="+mj-lt"/>
+                <a:cs typeface="Consolas" panose="020B0609020204030204" pitchFamily="49" charset="0"/>
+              </a:rPr>
+              <a:t> </a:t>
+            </a:r>
+            <a:r>
+              <a:rPr lang="de-DE" sz="2000" dirty="0" err="1">
+                <a:latin typeface="+mj-lt"/>
+                <a:cs typeface="Consolas" panose="020B0609020204030204" pitchFamily="49" charset="0"/>
+              </a:rPr>
+              <a:t>between</a:t>
+            </a:r>
+            <a:r>
+              <a:rPr lang="de-DE" sz="2000" dirty="0">
+                <a:latin typeface="+mj-lt"/>
+                <a:cs typeface="Consolas" panose="020B0609020204030204" pitchFamily="49" charset="0"/>
+              </a:rPr>
+              <a:t> web </a:t>
+            </a:r>
+            <a:r>
+              <a:rPr lang="de-DE" sz="2000" dirty="0" err="1">
+                <a:latin typeface="+mj-lt"/>
+                <a:cs typeface="Consolas" panose="020B0609020204030204" pitchFamily="49" charset="0"/>
+              </a:rPr>
+              <a:t>site</a:t>
+            </a:r>
+            <a:r>
+              <a:rPr lang="de-DE" sz="2000" dirty="0">
+                <a:latin typeface="+mj-lt"/>
+                <a:cs typeface="Consolas" panose="020B0609020204030204" pitchFamily="49" charset="0"/>
+              </a:rPr>
+              <a:t> </a:t>
+            </a:r>
+            <a:r>
+              <a:rPr lang="de-DE" sz="2000" dirty="0" err="1">
+                <a:latin typeface="+mj-lt"/>
+                <a:cs typeface="Consolas" panose="020B0609020204030204" pitchFamily="49" charset="0"/>
+              </a:rPr>
+              <a:t>and</a:t>
+            </a:r>
+            <a:r>
+              <a:rPr lang="de-DE" sz="2000" dirty="0">
+                <a:latin typeface="+mj-lt"/>
+                <a:cs typeface="Consolas" panose="020B0609020204030204" pitchFamily="49" charset="0"/>
+              </a:rPr>
+              <a:t> web </a:t>
+            </a:r>
+            <a:r>
+              <a:rPr lang="de-DE" sz="2000" dirty="0" err="1">
+                <a:latin typeface="+mj-lt"/>
+                <a:cs typeface="Consolas" panose="020B0609020204030204" pitchFamily="49" charset="0"/>
+              </a:rPr>
+              <a:t>worker</a:t>
+            </a:r>
+            <a:endParaRPr lang="de-DE" sz="2000" dirty="0">
+              <a:latin typeface="+mj-lt"/>
+              <a:cs typeface="Consolas" panose="020B0609020204030204" pitchFamily="49" charset="0"/>
+            </a:endParaRPr>
+          </a:p>
+          <a:p>
+            <a:pPr marL="457200" lvl="1" indent="-457200">
+              <a:buFont typeface="Arial" panose="020B0604020202020204" pitchFamily="34" charset="0"/>
+              <a:buChar char="•"/>
+            </a:pPr>
+            <a:r>
+              <a:rPr lang="de-DE" dirty="0">
+                <a:latin typeface="+mj-lt"/>
+                <a:cs typeface="Consolas" panose="020B0609020204030204" pitchFamily="49" charset="0"/>
+              </a:rPr>
+              <a:t>Can also </a:t>
+            </a:r>
+            <a:r>
+              <a:rPr lang="de-DE" dirty="0" err="1">
+                <a:latin typeface="+mj-lt"/>
+                <a:cs typeface="Consolas" panose="020B0609020204030204" pitchFamily="49" charset="0"/>
+              </a:rPr>
+              <a:t>be</a:t>
+            </a:r>
+            <a:r>
+              <a:rPr lang="de-DE" dirty="0">
+                <a:latin typeface="+mj-lt"/>
+                <a:cs typeface="Consolas" panose="020B0609020204030204" pitchFamily="49" charset="0"/>
+              </a:rPr>
+              <a:t> </a:t>
+            </a:r>
+            <a:r>
+              <a:rPr lang="de-DE" dirty="0" err="1">
+                <a:latin typeface="+mj-lt"/>
+                <a:cs typeface="Consolas" panose="020B0609020204030204" pitchFamily="49" charset="0"/>
+              </a:rPr>
+              <a:t>used</a:t>
+            </a:r>
+            <a:r>
+              <a:rPr lang="de-DE" dirty="0">
+                <a:latin typeface="+mj-lt"/>
+                <a:cs typeface="Consolas" panose="020B0609020204030204" pitchFamily="49" charset="0"/>
+              </a:rPr>
+              <a:t> </a:t>
+            </a:r>
+            <a:r>
+              <a:rPr lang="de-DE" dirty="0" err="1">
+                <a:latin typeface="+mj-lt"/>
+                <a:cs typeface="Consolas" panose="020B0609020204030204" pitchFamily="49" charset="0"/>
+              </a:rPr>
+              <a:t>to</a:t>
+            </a:r>
+            <a:r>
+              <a:rPr lang="de-DE" dirty="0">
+                <a:latin typeface="+mj-lt"/>
+                <a:cs typeface="Consolas" panose="020B0609020204030204" pitchFamily="49" charset="0"/>
+              </a:rPr>
+              <a:t> send </a:t>
+            </a:r>
+            <a:r>
+              <a:rPr lang="de-DE" dirty="0" err="1">
+                <a:latin typeface="+mj-lt"/>
+                <a:cs typeface="Consolas" panose="020B0609020204030204" pitchFamily="49" charset="0"/>
+              </a:rPr>
+              <a:t>messages</a:t>
+            </a:r>
+            <a:r>
+              <a:rPr lang="de-DE" dirty="0">
+                <a:latin typeface="+mj-lt"/>
+                <a:cs typeface="Consolas" panose="020B0609020204030204" pitchFamily="49" charset="0"/>
+              </a:rPr>
+              <a:t> </a:t>
+            </a:r>
+            <a:r>
+              <a:rPr lang="de-DE" dirty="0" err="1">
+                <a:latin typeface="+mj-lt"/>
+                <a:cs typeface="Consolas" panose="020B0609020204030204" pitchFamily="49" charset="0"/>
+              </a:rPr>
+              <a:t>to</a:t>
+            </a:r>
+            <a:r>
+              <a:rPr lang="de-DE" dirty="0">
+                <a:latin typeface="+mj-lt"/>
+                <a:cs typeface="Consolas" panose="020B0609020204030204" pitchFamily="49" charset="0"/>
+              </a:rPr>
+              <a:t> </a:t>
+            </a:r>
+            <a:r>
+              <a:rPr lang="de-DE" dirty="0" err="1">
+                <a:latin typeface="+mj-lt"/>
+                <a:cs typeface="Consolas" panose="020B0609020204030204" pitchFamily="49" charset="0"/>
+              </a:rPr>
+              <a:t>own</a:t>
+            </a:r>
+            <a:r>
+              <a:rPr lang="de-DE" dirty="0">
+                <a:latin typeface="+mj-lt"/>
+                <a:cs typeface="Consolas" panose="020B0609020204030204" pitchFamily="49" charset="0"/>
+              </a:rPr>
+              <a:t> </a:t>
+            </a:r>
+            <a:r>
+              <a:rPr lang="de-DE" dirty="0" err="1">
+                <a:latin typeface="+mj-lt"/>
+                <a:cs typeface="Consolas" panose="020B0609020204030204" pitchFamily="49" charset="0"/>
+              </a:rPr>
+              <a:t>window</a:t>
+            </a:r>
+            <a:endParaRPr lang="de-DE" dirty="0">
+              <a:latin typeface="+mj-lt"/>
+              <a:cs typeface="Consolas" panose="020B0609020204030204" pitchFamily="49" charset="0"/>
+            </a:endParaRPr>
+          </a:p>
+          <a:p>
+            <a:pPr marL="457200" lvl="1" indent="-457200">
+              <a:buFont typeface="Arial" panose="020B0604020202020204" pitchFamily="34" charset="0"/>
+              <a:buChar char="•"/>
+            </a:pPr>
+            <a:r>
+              <a:rPr lang="de-DE" dirty="0" err="1">
+                <a:latin typeface="+mj-lt"/>
+                <a:cs typeface="Consolas" panose="020B0609020204030204" pitchFamily="49" charset="0"/>
+              </a:rPr>
+              <a:t>Receiving</a:t>
+            </a:r>
+            <a:r>
+              <a:rPr lang="de-DE" dirty="0">
+                <a:latin typeface="+mj-lt"/>
+                <a:cs typeface="Consolas" panose="020B0609020204030204" pitchFamily="49" charset="0"/>
+              </a:rPr>
+              <a:t> a </a:t>
+            </a:r>
+            <a:r>
+              <a:rPr lang="de-DE" dirty="0" err="1">
+                <a:latin typeface="+mj-lt"/>
+                <a:cs typeface="Consolas" panose="020B0609020204030204" pitchFamily="49" charset="0"/>
+              </a:rPr>
+              <a:t>message</a:t>
+            </a:r>
+            <a:r>
+              <a:rPr lang="de-DE" dirty="0">
+                <a:latin typeface="+mj-lt"/>
+                <a:cs typeface="Consolas" panose="020B0609020204030204" pitchFamily="49" charset="0"/>
+              </a:rPr>
+              <a:t> </a:t>
+            </a:r>
+            <a:r>
+              <a:rPr lang="de-DE" dirty="0" err="1">
+                <a:latin typeface="+mj-lt"/>
+                <a:cs typeface="Consolas" panose="020B0609020204030204" pitchFamily="49" charset="0"/>
+              </a:rPr>
+              <a:t>schedules</a:t>
+            </a:r>
+            <a:r>
+              <a:rPr lang="de-DE" dirty="0">
+                <a:latin typeface="+mj-lt"/>
+                <a:cs typeface="Consolas" panose="020B0609020204030204" pitchFamily="49" charset="0"/>
+              </a:rPr>
+              <a:t> a </a:t>
+            </a:r>
+            <a:r>
+              <a:rPr lang="de-DE" dirty="0" err="1">
+                <a:latin typeface="+mj-lt"/>
+                <a:cs typeface="Consolas" panose="020B0609020204030204" pitchFamily="49" charset="0"/>
+              </a:rPr>
+              <a:t>task</a:t>
+            </a:r>
+            <a:r>
+              <a:rPr lang="de-DE" dirty="0">
+                <a:latin typeface="+mj-lt"/>
+                <a:cs typeface="Consolas" panose="020B0609020204030204" pitchFamily="49" charset="0"/>
+              </a:rPr>
+              <a:t> in </a:t>
+            </a:r>
+            <a:r>
+              <a:rPr lang="de-DE" dirty="0" err="1">
+                <a:latin typeface="+mj-lt"/>
+                <a:cs typeface="Consolas" panose="020B0609020204030204" pitchFamily="49" charset="0"/>
+              </a:rPr>
+              <a:t>task</a:t>
+            </a:r>
+            <a:r>
+              <a:rPr lang="de-DE" dirty="0">
+                <a:latin typeface="+mj-lt"/>
+                <a:cs typeface="Consolas" panose="020B0609020204030204" pitchFamily="49" charset="0"/>
+              </a:rPr>
+              <a:t> </a:t>
+            </a:r>
+            <a:r>
+              <a:rPr lang="de-DE" dirty="0" err="1">
+                <a:latin typeface="+mj-lt"/>
+                <a:cs typeface="Consolas" panose="020B0609020204030204" pitchFamily="49" charset="0"/>
+              </a:rPr>
+              <a:t>queue</a:t>
+            </a:r>
+            <a:endParaRPr lang="de-DE" dirty="0">
+              <a:latin typeface="+mj-lt"/>
+              <a:cs typeface="Consolas" panose="020B0609020204030204" pitchFamily="49" charset="0"/>
+            </a:endParaRPr>
           </a:p>
         </p:txBody>
       </p:sp>
@@ -10959,6 +13758,284 @@
   <p:clrMapOvr>
     <a:masterClrMapping/>
   </p:clrMapOvr>
+  <p:timing>
+    <p:tnLst>
+      <p:par>
+        <p:cTn id="1" dur="indefinite" restart="never" nodeType="tmRoot">
+          <p:childTnLst>
+            <p:seq concurrent="1" nextAc="seek">
+              <p:cTn id="2" dur="indefinite" nodeType="mainSeq">
+                <p:childTnLst>
+                  <p:par>
+                    <p:cTn id="3" fill="hold">
+                      <p:stCondLst>
+                        <p:cond delay="indefinite"/>
+                      </p:stCondLst>
+                      <p:childTnLst>
+                        <p:par>
+                          <p:cTn id="4" fill="hold">
+                            <p:stCondLst>
+                              <p:cond delay="0"/>
+                            </p:stCondLst>
+                            <p:childTnLst>
+                              <p:par>
+                                <p:cTn id="5" presetID="1" presetClass="entr" presetSubtype="0" fill="hold" grpId="0" nodeType="clickEffect">
+                                  <p:stCondLst>
+                                    <p:cond delay="0"/>
+                                  </p:stCondLst>
+                                  <p:childTnLst>
+                                    <p:set>
+                                      <p:cBhvr>
+                                        <p:cTn id="6" dur="1" fill="hold">
+                                          <p:stCondLst>
+                                            <p:cond delay="0"/>
+                                          </p:stCondLst>
+                                        </p:cTn>
+                                        <p:tgtEl>
+                                          <p:spTgt spid="3">
+                                            <p:txEl>
+                                              <p:pRg st="0" end="0"/>
+                                            </p:txEl>
+                                          </p:spTgt>
+                                        </p:tgtEl>
+                                        <p:attrNameLst>
+                                          <p:attrName>style.visibility</p:attrName>
+                                        </p:attrNameLst>
+                                      </p:cBhvr>
+                                      <p:to>
+                                        <p:strVal val="visible"/>
+                                      </p:to>
+                                    </p:set>
+                                  </p:childTnLst>
+                                </p:cTn>
+                              </p:par>
+                            </p:childTnLst>
+                          </p:cTn>
+                        </p:par>
+                      </p:childTnLst>
+                    </p:cTn>
+                  </p:par>
+                  <p:par>
+                    <p:cTn id="7" fill="hold">
+                      <p:stCondLst>
+                        <p:cond delay="indefinite"/>
+                      </p:stCondLst>
+                      <p:childTnLst>
+                        <p:par>
+                          <p:cTn id="8" fill="hold">
+                            <p:stCondLst>
+                              <p:cond delay="0"/>
+                            </p:stCondLst>
+                            <p:childTnLst>
+                              <p:par>
+                                <p:cTn id="9" presetID="1" presetClass="entr" presetSubtype="0" fill="hold" grpId="0" nodeType="clickEffect">
+                                  <p:stCondLst>
+                                    <p:cond delay="0"/>
+                                  </p:stCondLst>
+                                  <p:childTnLst>
+                                    <p:set>
+                                      <p:cBhvr>
+                                        <p:cTn id="10" dur="1" fill="hold">
+                                          <p:stCondLst>
+                                            <p:cond delay="0"/>
+                                          </p:stCondLst>
+                                        </p:cTn>
+                                        <p:tgtEl>
+                                          <p:spTgt spid="3">
+                                            <p:txEl>
+                                              <p:pRg st="1" end="1"/>
+                                            </p:txEl>
+                                          </p:spTgt>
+                                        </p:tgtEl>
+                                        <p:attrNameLst>
+                                          <p:attrName>style.visibility</p:attrName>
+                                        </p:attrNameLst>
+                                      </p:cBhvr>
+                                      <p:to>
+                                        <p:strVal val="visible"/>
+                                      </p:to>
+                                    </p:set>
+                                  </p:childTnLst>
+                                </p:cTn>
+                              </p:par>
+                            </p:childTnLst>
+                          </p:cTn>
+                        </p:par>
+                      </p:childTnLst>
+                    </p:cTn>
+                  </p:par>
+                  <p:par>
+                    <p:cTn id="11" fill="hold">
+                      <p:stCondLst>
+                        <p:cond delay="indefinite"/>
+                      </p:stCondLst>
+                      <p:childTnLst>
+                        <p:par>
+                          <p:cTn id="12" fill="hold">
+                            <p:stCondLst>
+                              <p:cond delay="0"/>
+                            </p:stCondLst>
+                            <p:childTnLst>
+                              <p:par>
+                                <p:cTn id="13" presetID="1" presetClass="entr" presetSubtype="0" fill="hold" grpId="0" nodeType="clickEffect">
+                                  <p:stCondLst>
+                                    <p:cond delay="0"/>
+                                  </p:stCondLst>
+                                  <p:childTnLst>
+                                    <p:set>
+                                      <p:cBhvr>
+                                        <p:cTn id="14" dur="1" fill="hold">
+                                          <p:stCondLst>
+                                            <p:cond delay="0"/>
+                                          </p:stCondLst>
+                                        </p:cTn>
+                                        <p:tgtEl>
+                                          <p:spTgt spid="3">
+                                            <p:txEl>
+                                              <p:pRg st="2" end="2"/>
+                                            </p:txEl>
+                                          </p:spTgt>
+                                        </p:tgtEl>
+                                        <p:attrNameLst>
+                                          <p:attrName>style.visibility</p:attrName>
+                                        </p:attrNameLst>
+                                      </p:cBhvr>
+                                      <p:to>
+                                        <p:strVal val="visible"/>
+                                      </p:to>
+                                    </p:set>
+                                  </p:childTnLst>
+                                </p:cTn>
+                              </p:par>
+                            </p:childTnLst>
+                          </p:cTn>
+                        </p:par>
+                      </p:childTnLst>
+                    </p:cTn>
+                  </p:par>
+                  <p:par>
+                    <p:cTn id="15" fill="hold">
+                      <p:stCondLst>
+                        <p:cond delay="indefinite"/>
+                      </p:stCondLst>
+                      <p:childTnLst>
+                        <p:par>
+                          <p:cTn id="16" fill="hold">
+                            <p:stCondLst>
+                              <p:cond delay="0"/>
+                            </p:stCondLst>
+                            <p:childTnLst>
+                              <p:par>
+                                <p:cTn id="17" presetID="1" presetClass="entr" presetSubtype="0" fill="hold" grpId="0" nodeType="clickEffect">
+                                  <p:stCondLst>
+                                    <p:cond delay="0"/>
+                                  </p:stCondLst>
+                                  <p:childTnLst>
+                                    <p:set>
+                                      <p:cBhvr>
+                                        <p:cTn id="18" dur="1" fill="hold">
+                                          <p:stCondLst>
+                                            <p:cond delay="0"/>
+                                          </p:stCondLst>
+                                        </p:cTn>
+                                        <p:tgtEl>
+                                          <p:spTgt spid="3">
+                                            <p:txEl>
+                                              <p:pRg st="3" end="3"/>
+                                            </p:txEl>
+                                          </p:spTgt>
+                                        </p:tgtEl>
+                                        <p:attrNameLst>
+                                          <p:attrName>style.visibility</p:attrName>
+                                        </p:attrNameLst>
+                                      </p:cBhvr>
+                                      <p:to>
+                                        <p:strVal val="visible"/>
+                                      </p:to>
+                                    </p:set>
+                                  </p:childTnLst>
+                                </p:cTn>
+                              </p:par>
+                            </p:childTnLst>
+                          </p:cTn>
+                        </p:par>
+                      </p:childTnLst>
+                    </p:cTn>
+                  </p:par>
+                  <p:par>
+                    <p:cTn id="19" fill="hold">
+                      <p:stCondLst>
+                        <p:cond delay="indefinite"/>
+                      </p:stCondLst>
+                      <p:childTnLst>
+                        <p:par>
+                          <p:cTn id="20" fill="hold">
+                            <p:stCondLst>
+                              <p:cond delay="0"/>
+                            </p:stCondLst>
+                            <p:childTnLst>
+                              <p:par>
+                                <p:cTn id="21" presetID="1" presetClass="entr" presetSubtype="0" fill="hold" grpId="0" nodeType="clickEffect">
+                                  <p:stCondLst>
+                                    <p:cond delay="0"/>
+                                  </p:stCondLst>
+                                  <p:childTnLst>
+                                    <p:set>
+                                      <p:cBhvr>
+                                        <p:cTn id="22" dur="1" fill="hold">
+                                          <p:stCondLst>
+                                            <p:cond delay="0"/>
+                                          </p:stCondLst>
+                                        </p:cTn>
+                                        <p:tgtEl>
+                                          <p:spTgt spid="3">
+                                            <p:txEl>
+                                              <p:pRg st="4" end="4"/>
+                                            </p:txEl>
+                                          </p:spTgt>
+                                        </p:tgtEl>
+                                        <p:attrNameLst>
+                                          <p:attrName>style.visibility</p:attrName>
+                                        </p:attrNameLst>
+                                      </p:cBhvr>
+                                      <p:to>
+                                        <p:strVal val="visible"/>
+                                      </p:to>
+                                    </p:set>
+                                  </p:childTnLst>
+                                </p:cTn>
+                              </p:par>
+                            </p:childTnLst>
+                          </p:cTn>
+                        </p:par>
+                      </p:childTnLst>
+                    </p:cTn>
+                  </p:par>
+                </p:childTnLst>
+              </p:cTn>
+              <p:prevCondLst>
+                <p:cond evt="onPrev" delay="0">
+                  <p:tgtEl>
+                    <p:sldTgt/>
+                  </p:tgtEl>
+                </p:cond>
+              </p:prevCondLst>
+              <p:nextCondLst>
+                <p:cond evt="onNext" delay="0">
+                  <p:tgtEl>
+                    <p:sldTgt/>
+                  </p:tgtEl>
+                </p:cond>
+              </p:nextCondLst>
+            </p:seq>
+          </p:childTnLst>
+        </p:cTn>
+      </p:par>
+    </p:tnLst>
+    <p:bldLst>
+      <p:bldP spid="3" grpId="0" uiExpand="1" build="p"/>
+    </p:bldLst>
+  </p:timing>
 </p:sld>
 </file>
 
@@ -10984,7 +14061,7 @@
           <p:cNvPr id="2" name="Title 1">
             <a:extLst>
               <a:ext uri="{FF2B5EF4-FFF2-40B4-BE49-F238E27FC236}">
-                <a16:creationId xmlns:a16="http://schemas.microsoft.com/office/drawing/2014/main" id="{1BDD1B6A-0DE4-4A4D-BC3A-E9FBA4B2D30D}"/>
+                <a16:creationId xmlns:a16="http://schemas.microsoft.com/office/drawing/2014/main" id="{18353928-0D8A-9848-89E3-64E349A1D6F3}"/>
               </a:ext>
             </a:extLst>
           </p:cNvPr>
@@ -11001,20 +14078,18 @@
           <a:lstStyle/>
           <a:p>
             <a:r>
-              <a:rPr lang="de-DE" dirty="0"/>
-              <a:t>Web </a:t>
-            </a:r>
-            <a:r>
-              <a:rPr lang="de-DE" dirty="0" err="1"/>
-              <a:t>worker</a:t>
-            </a:r>
-            <a:r>
-              <a:rPr lang="de-DE" dirty="0"/>
-              <a:t> </a:t>
-            </a:r>
-            <a:r>
-              <a:rPr lang="de-DE" dirty="0" err="1"/>
-              <a:t>timer</a:t>
+              <a:rPr lang="de-DE" dirty="0" err="1">
+                <a:latin typeface="Consolas" panose="020B0609020204030204" pitchFamily="49" charset="0"/>
+                <a:cs typeface="Consolas" panose="020B0609020204030204" pitchFamily="49" charset="0"/>
+              </a:rPr>
+              <a:t>postMessage</a:t>
+            </a:r>
+            <a:r>
+              <a:rPr lang="de-DE" dirty="0">
+                <a:latin typeface="Consolas" panose="020B0609020204030204" pitchFamily="49" charset="0"/>
+                <a:cs typeface="Consolas" panose="020B0609020204030204" pitchFamily="49" charset="0"/>
+              </a:rPr>
+              <a:t>()</a:t>
             </a:r>
             <a:r>
               <a:rPr lang="de-DE" dirty="0"/>
@@ -11028,12 +14103,48 @@
           </a:p>
         </p:txBody>
       </p:sp>
+      <p:pic>
+        <p:nvPicPr>
+          <p:cNvPr id="5" name="Picture 4">
+            <a:extLst>
+              <a:ext uri="{FF2B5EF4-FFF2-40B4-BE49-F238E27FC236}">
+                <a16:creationId xmlns:a16="http://schemas.microsoft.com/office/drawing/2014/main" id="{45D37DB0-93DB-D840-8C57-628F00069720}"/>
+              </a:ext>
+            </a:extLst>
+          </p:cNvPr>
+          <p:cNvPicPr>
+            <a:picLocks noChangeAspect="1"/>
+          </p:cNvPicPr>
+          <p:nvPr/>
+        </p:nvPicPr>
+        <p:blipFill>
+          <a:blip r:embed="rId3">
+            <a:extLst>
+              <a:ext uri="{28A0092B-C50C-407E-A947-70E740481C1C}">
+                <a14:useLocalDpi xmlns:a14="http://schemas.microsoft.com/office/drawing/2010/main" val="0"/>
+              </a:ext>
+            </a:extLst>
+          </a:blip>
+          <a:stretch>
+            <a:fillRect/>
+          </a:stretch>
+        </p:blipFill>
+        <p:spPr>
+          <a:xfrm>
+            <a:off x="3490597" y="2902650"/>
+            <a:ext cx="5627813" cy="3334662"/>
+          </a:xfrm>
+          <a:prstGeom prst="rect">
+            <a:avLst/>
+          </a:prstGeom>
+        </p:spPr>
+      </p:pic>
       <p:sp>
         <p:nvSpPr>
           <p:cNvPr id="3" name="Content Placeholder 2">
             <a:extLst>
               <a:ext uri="{FF2B5EF4-FFF2-40B4-BE49-F238E27FC236}">
-                <a16:creationId xmlns:a16="http://schemas.microsoft.com/office/drawing/2014/main" id="{9304FAC8-5659-504C-9B53-14788E756158}"/>
+                <a16:creationId xmlns:a16="http://schemas.microsoft.com/office/drawing/2014/main" id="{56334B5C-6FAC-A64A-B7E8-1E94AD0CFDBF}"/>
               </a:ext>
             </a:extLst>
           </p:cNvPr>
@@ -11044,11 +14155,247 @@
             <p:ph idx="1"/>
           </p:nvPr>
         </p:nvSpPr>
-        <p:spPr/>
+        <p:spPr>
+          <a:xfrm>
+            <a:off x="360001" y="1620000"/>
+            <a:ext cx="3347903" cy="4617312"/>
+          </a:xfrm>
+        </p:spPr>
         <p:txBody>
           <a:bodyPr/>
           <a:lstStyle/>
           <a:p>
+            <a:pPr marL="457200" indent="-457200">
+              <a:buFont typeface="Arial" panose="020B0604020202020204" pitchFamily="34" charset="0"/>
+              <a:buChar char="•"/>
+            </a:pPr>
+            <a:r>
+              <a:rPr lang="de-DE" dirty="0" err="1"/>
+              <a:t>Usage</a:t>
+            </a:r>
+            <a:r>
+              <a:rPr lang="de-DE" dirty="0"/>
+              <a:t> </a:t>
+            </a:r>
+            <a:r>
+              <a:rPr lang="de-DE" dirty="0" err="1"/>
+              <a:t>of</a:t>
+            </a:r>
+            <a:r>
+              <a:rPr lang="de-DE" dirty="0"/>
+              <a:t> </a:t>
+            </a:r>
+            <a:r>
+              <a:rPr lang="de-DE" dirty="0" err="1">
+                <a:latin typeface="Consolas" panose="020B0609020204030204" pitchFamily="49" charset="0"/>
+                <a:cs typeface="Consolas" panose="020B0609020204030204" pitchFamily="49" charset="0"/>
+              </a:rPr>
+              <a:t>postMessage</a:t>
+            </a:r>
+            <a:r>
+              <a:rPr lang="de-DE" dirty="0">
+                <a:latin typeface="Consolas" panose="020B0609020204030204" pitchFamily="49" charset="0"/>
+                <a:cs typeface="Consolas" panose="020B0609020204030204" pitchFamily="49" charset="0"/>
+              </a:rPr>
+              <a:t>()</a:t>
+            </a:r>
+            <a:r>
+              <a:rPr lang="de-DE" dirty="0"/>
+              <a:t> </a:t>
+            </a:r>
+            <a:r>
+              <a:rPr lang="de-DE" dirty="0" err="1"/>
+              <a:t>to</a:t>
+            </a:r>
+            <a:r>
+              <a:rPr lang="de-DE" dirty="0"/>
+              <a:t> </a:t>
+            </a:r>
+            <a:r>
+              <a:rPr lang="de-DE" dirty="0" err="1"/>
+              <a:t>create</a:t>
+            </a:r>
+            <a:r>
+              <a:rPr lang="de-DE" dirty="0"/>
+              <a:t> </a:t>
+            </a:r>
+            <a:r>
+              <a:rPr lang="de-DE" dirty="0" err="1"/>
+              <a:t>tasks</a:t>
+            </a:r>
+            <a:r>
+              <a:rPr lang="de-DE" dirty="0"/>
+              <a:t> </a:t>
+            </a:r>
+            <a:r>
+              <a:rPr lang="de-DE" dirty="0" err="1"/>
+              <a:t>allows</a:t>
+            </a:r>
+            <a:r>
+              <a:rPr lang="de-DE" dirty="0"/>
+              <a:t> </a:t>
+            </a:r>
+            <a:r>
+              <a:rPr lang="de-DE" dirty="0" err="1"/>
+              <a:t>full</a:t>
+            </a:r>
+            <a:r>
+              <a:rPr lang="de-DE" dirty="0"/>
+              <a:t> </a:t>
+            </a:r>
+            <a:r>
+              <a:rPr lang="de-DE" dirty="0" err="1"/>
+              <a:t>saturation</a:t>
+            </a:r>
+            <a:r>
+              <a:rPr lang="de-DE" dirty="0"/>
+              <a:t> </a:t>
+            </a:r>
+            <a:r>
+              <a:rPr lang="de-DE" dirty="0" err="1"/>
+              <a:t>of</a:t>
+            </a:r>
+            <a:r>
+              <a:rPr lang="de-DE" dirty="0"/>
+              <a:t> </a:t>
+            </a:r>
+            <a:r>
+              <a:rPr lang="de-DE" dirty="0" err="1"/>
+              <a:t>main</a:t>
+            </a:r>
+            <a:r>
+              <a:rPr lang="de-DE" dirty="0"/>
+              <a:t> </a:t>
+            </a:r>
+            <a:r>
+              <a:rPr lang="de-DE" dirty="0" err="1"/>
+              <a:t>thread</a:t>
+            </a:r>
+            <a:endParaRPr lang="de-DE" dirty="0"/>
+          </a:p>
+          <a:p>
+            <a:pPr marL="457200" indent="-457200">
+              <a:buFont typeface="Arial" panose="020B0604020202020204" pitchFamily="34" charset="0"/>
+              <a:buChar char="•"/>
+            </a:pPr>
+            <a:r>
+              <a:rPr lang="de-DE" dirty="0" err="1"/>
+              <a:t>No</a:t>
+            </a:r>
+            <a:r>
+              <a:rPr lang="de-DE" dirty="0"/>
+              <a:t> </a:t>
+            </a:r>
+            <a:r>
+              <a:rPr lang="de-DE" dirty="0" err="1"/>
+              <a:t>throttling</a:t>
+            </a:r>
+            <a:r>
+              <a:rPr lang="de-DE" dirty="0"/>
+              <a:t> </a:t>
+            </a:r>
+            <a:r>
+              <a:rPr lang="de-DE" dirty="0" err="1"/>
+              <a:t>or</a:t>
+            </a:r>
+            <a:r>
+              <a:rPr lang="de-DE" dirty="0"/>
+              <a:t> </a:t>
+            </a:r>
+            <a:r>
+              <a:rPr lang="de-DE" dirty="0" err="1"/>
+              <a:t>limits</a:t>
+            </a:r>
+            <a:r>
+              <a:rPr lang="de-DE" dirty="0"/>
+              <a:t> </a:t>
+            </a:r>
+            <a:r>
+              <a:rPr lang="de-DE" dirty="0" err="1"/>
+              <a:t>active</a:t>
+            </a:r>
+            <a:endParaRPr lang="de-DE" dirty="0"/>
+          </a:p>
+          <a:p>
+            <a:pPr marL="457200" indent="-457200">
+              <a:buFont typeface="Arial" panose="020B0604020202020204" pitchFamily="34" charset="0"/>
+              <a:buChar char="•"/>
+            </a:pPr>
+            <a:r>
+              <a:rPr lang="de-DE" dirty="0"/>
+              <a:t>Works in all </a:t>
+            </a:r>
+            <a:r>
+              <a:rPr lang="de-DE" dirty="0" err="1"/>
+              <a:t>browsers</a:t>
+            </a:r>
+            <a:endParaRPr lang="de-DE" dirty="0"/>
+          </a:p>
+          <a:p>
+            <a:pPr marL="457200" indent="-457200">
+              <a:buFont typeface="Arial" panose="020B0604020202020204" pitchFamily="34" charset="0"/>
+              <a:buChar char="•"/>
+            </a:pPr>
+            <a:r>
+              <a:rPr lang="de-DE" dirty="0" err="1"/>
+              <a:t>Only</a:t>
+            </a:r>
+            <a:r>
+              <a:rPr lang="de-DE" dirty="0"/>
+              <a:t> Safari </a:t>
+            </a:r>
+            <a:r>
+              <a:rPr lang="de-DE" dirty="0" err="1"/>
+              <a:t>detects</a:t>
+            </a:r>
+            <a:r>
+              <a:rPr lang="de-DE" dirty="0"/>
+              <a:t> high </a:t>
+            </a:r>
+            <a:r>
+              <a:rPr lang="de-DE" dirty="0" err="1"/>
+              <a:t>energy</a:t>
+            </a:r>
+            <a:r>
+              <a:rPr lang="de-DE" dirty="0"/>
+              <a:t> </a:t>
+            </a:r>
+            <a:r>
+              <a:rPr lang="de-DE" dirty="0" err="1"/>
+              <a:t>usage</a:t>
+            </a:r>
+            <a:r>
+              <a:rPr lang="de-DE" dirty="0"/>
+              <a:t> </a:t>
+            </a:r>
+            <a:r>
+              <a:rPr lang="de-DE" dirty="0" err="1"/>
+              <a:t>and</a:t>
+            </a:r>
+            <a:r>
+              <a:rPr lang="de-DE" dirty="0"/>
+              <a:t> </a:t>
+            </a:r>
+            <a:r>
+              <a:rPr lang="de-DE" dirty="0" err="1"/>
+              <a:t>kills</a:t>
+            </a:r>
+            <a:r>
+              <a:rPr lang="de-DE" dirty="0"/>
+              <a:t> </a:t>
+            </a:r>
+            <a:r>
+              <a:rPr lang="de-DE" dirty="0" err="1"/>
+              <a:t>tab</a:t>
+            </a:r>
+            <a:r>
+              <a:rPr lang="de-DE" dirty="0"/>
+              <a:t> after ~8 </a:t>
+            </a:r>
+            <a:r>
+              <a:rPr lang="de-DE" dirty="0" err="1"/>
+              <a:t>minutes</a:t>
+            </a:r>
             <a:endParaRPr lang="de-DE" dirty="0"/>
           </a:p>
         </p:txBody>
@@ -11056,13 +14403,269 @@
     </p:spTree>
     <p:extLst>
       <p:ext uri="{BB962C8B-B14F-4D97-AF65-F5344CB8AC3E}">
-        <p14:creationId xmlns:p14="http://schemas.microsoft.com/office/powerpoint/2010/main" val="1644818634"/>
+        <p14:creationId xmlns:p14="http://schemas.microsoft.com/office/powerpoint/2010/main" val="655670944"/>
       </p:ext>
     </p:extLst>
   </p:cSld>
   <p:clrMapOvr>
     <a:masterClrMapping/>
   </p:clrMapOvr>
+  <p:timing>
+    <p:tnLst>
+      <p:par>
+        <p:cTn id="1" dur="indefinite" restart="never" nodeType="tmRoot">
+          <p:childTnLst>
+            <p:seq concurrent="1" nextAc="seek">
+              <p:cTn id="2" dur="indefinite" nodeType="mainSeq">
+                <p:childTnLst>
+                  <p:par>
+                    <p:cTn id="3" fill="hold">
+                      <p:stCondLst>
+                        <p:cond delay="indefinite"/>
+                      </p:stCondLst>
+                      <p:childTnLst>
+                        <p:par>
+                          <p:cTn id="4" fill="hold">
+                            <p:stCondLst>
+                              <p:cond delay="0"/>
+                            </p:stCondLst>
+                            <p:childTnLst>
+                              <p:par>
+                                <p:cTn id="5" presetID="1" presetClass="entr" presetSubtype="0" fill="hold" grpId="0" nodeType="clickEffect">
+                                  <p:stCondLst>
+                                    <p:cond delay="0"/>
+                                  </p:stCondLst>
+                                  <p:childTnLst>
+                                    <p:set>
+                                      <p:cBhvr>
+                                        <p:cTn id="6" dur="1" fill="hold">
+                                          <p:stCondLst>
+                                            <p:cond delay="0"/>
+                                          </p:stCondLst>
+                                        </p:cTn>
+                                        <p:tgtEl>
+                                          <p:spTgt spid="3">
+                                            <p:txEl>
+                                              <p:pRg st="0" end="0"/>
+                                            </p:txEl>
+                                          </p:spTgt>
+                                        </p:tgtEl>
+                                        <p:attrNameLst>
+                                          <p:attrName>style.visibility</p:attrName>
+                                        </p:attrNameLst>
+                                      </p:cBhvr>
+                                      <p:to>
+                                        <p:strVal val="visible"/>
+                                      </p:to>
+                                    </p:set>
+                                  </p:childTnLst>
+                                </p:cTn>
+                              </p:par>
+                            </p:childTnLst>
+                          </p:cTn>
+                        </p:par>
+                      </p:childTnLst>
+                    </p:cTn>
+                  </p:par>
+                  <p:par>
+                    <p:cTn id="7" fill="hold">
+                      <p:stCondLst>
+                        <p:cond delay="indefinite"/>
+                      </p:stCondLst>
+                      <p:childTnLst>
+                        <p:par>
+                          <p:cTn id="8" fill="hold">
+                            <p:stCondLst>
+                              <p:cond delay="0"/>
+                            </p:stCondLst>
+                            <p:childTnLst>
+                              <p:par>
+                                <p:cTn id="9" presetID="1" presetClass="entr" presetSubtype="0" fill="hold" grpId="0" nodeType="clickEffect">
+                                  <p:stCondLst>
+                                    <p:cond delay="0"/>
+                                  </p:stCondLst>
+                                  <p:childTnLst>
+                                    <p:set>
+                                      <p:cBhvr>
+                                        <p:cTn id="10" dur="1" fill="hold">
+                                          <p:stCondLst>
+                                            <p:cond delay="0"/>
+                                          </p:stCondLst>
+                                        </p:cTn>
+                                        <p:tgtEl>
+                                          <p:spTgt spid="3">
+                                            <p:txEl>
+                                              <p:pRg st="1" end="1"/>
+                                            </p:txEl>
+                                          </p:spTgt>
+                                        </p:tgtEl>
+                                        <p:attrNameLst>
+                                          <p:attrName>style.visibility</p:attrName>
+                                        </p:attrNameLst>
+                                      </p:cBhvr>
+                                      <p:to>
+                                        <p:strVal val="visible"/>
+                                      </p:to>
+                                    </p:set>
+                                  </p:childTnLst>
+                                </p:cTn>
+                              </p:par>
+                            </p:childTnLst>
+                          </p:cTn>
+                        </p:par>
+                      </p:childTnLst>
+                    </p:cTn>
+                  </p:par>
+                  <p:par>
+                    <p:cTn id="11" fill="hold">
+                      <p:stCondLst>
+                        <p:cond delay="indefinite"/>
+                      </p:stCondLst>
+                      <p:childTnLst>
+                        <p:par>
+                          <p:cTn id="12" fill="hold">
+                            <p:stCondLst>
+                              <p:cond delay="0"/>
+                            </p:stCondLst>
+                            <p:childTnLst>
+                              <p:par>
+                                <p:cTn id="13" presetID="1" presetClass="entr" presetSubtype="0" fill="hold" grpId="0" nodeType="clickEffect">
+                                  <p:stCondLst>
+                                    <p:cond delay="0"/>
+                                  </p:stCondLst>
+                                  <p:childTnLst>
+                                    <p:set>
+                                      <p:cBhvr>
+                                        <p:cTn id="14" dur="1" fill="hold">
+                                          <p:stCondLst>
+                                            <p:cond delay="0"/>
+                                          </p:stCondLst>
+                                        </p:cTn>
+                                        <p:tgtEl>
+                                          <p:spTgt spid="3">
+                                            <p:txEl>
+                                              <p:pRg st="2" end="2"/>
+                                            </p:txEl>
+                                          </p:spTgt>
+                                        </p:tgtEl>
+                                        <p:attrNameLst>
+                                          <p:attrName>style.visibility</p:attrName>
+                                        </p:attrNameLst>
+                                      </p:cBhvr>
+                                      <p:to>
+                                        <p:strVal val="visible"/>
+                                      </p:to>
+                                    </p:set>
+                                  </p:childTnLst>
+                                </p:cTn>
+                              </p:par>
+                            </p:childTnLst>
+                          </p:cTn>
+                        </p:par>
+                      </p:childTnLst>
+                    </p:cTn>
+                  </p:par>
+                  <p:par>
+                    <p:cTn id="15" fill="hold">
+                      <p:stCondLst>
+                        <p:cond delay="indefinite"/>
+                      </p:stCondLst>
+                      <p:childTnLst>
+                        <p:par>
+                          <p:cTn id="16" fill="hold">
+                            <p:stCondLst>
+                              <p:cond delay="0"/>
+                            </p:stCondLst>
+                            <p:childTnLst>
+                              <p:par>
+                                <p:cTn id="17" presetID="1" presetClass="entr" presetSubtype="0" fill="hold" grpId="0" nodeType="clickEffect">
+                                  <p:stCondLst>
+                                    <p:cond delay="0"/>
+                                  </p:stCondLst>
+                                  <p:childTnLst>
+                                    <p:set>
+                                      <p:cBhvr>
+                                        <p:cTn id="18" dur="1" fill="hold">
+                                          <p:stCondLst>
+                                            <p:cond delay="0"/>
+                                          </p:stCondLst>
+                                        </p:cTn>
+                                        <p:tgtEl>
+                                          <p:spTgt spid="3">
+                                            <p:txEl>
+                                              <p:pRg st="3" end="3"/>
+                                            </p:txEl>
+                                          </p:spTgt>
+                                        </p:tgtEl>
+                                        <p:attrNameLst>
+                                          <p:attrName>style.visibility</p:attrName>
+                                        </p:attrNameLst>
+                                      </p:cBhvr>
+                                      <p:to>
+                                        <p:strVal val="visible"/>
+                                      </p:to>
+                                    </p:set>
+                                  </p:childTnLst>
+                                </p:cTn>
+                              </p:par>
+                              <p:par>
+                                <p:cTn id="19" presetID="1" presetClass="entr" presetSubtype="0" fill="hold" nodeType="withEffect">
+                                  <p:stCondLst>
+                                    <p:cond delay="0"/>
+                                  </p:stCondLst>
+                                  <p:childTnLst>
+                                    <p:set>
+                                      <p:cBhvr>
+                                        <p:cTn id="20" dur="1" fill="hold">
+                                          <p:stCondLst>
+                                            <p:cond delay="0"/>
+                                          </p:stCondLst>
+                                        </p:cTn>
+                                        <p:tgtEl>
+                                          <p:spTgt spid="5"/>
+                                        </p:tgtEl>
+                                        <p:attrNameLst>
+                                          <p:attrName>style.visibility</p:attrName>
+                                        </p:attrNameLst>
+                                      </p:cBhvr>
+                                      <p:to>
+                                        <p:strVal val="visible"/>
+                                      </p:to>
+                                    </p:set>
+                                  </p:childTnLst>
+                                </p:cTn>
+                              </p:par>
+                            </p:childTnLst>
+                          </p:cTn>
+                        </p:par>
+                      </p:childTnLst>
+                    </p:cTn>
+                  </p:par>
+                </p:childTnLst>
+              </p:cTn>
+              <p:prevCondLst>
+                <p:cond evt="onPrev" delay="0">
+                  <p:tgtEl>
+                    <p:sldTgt/>
+                  </p:tgtEl>
+                </p:cond>
+              </p:prevCondLst>
+              <p:nextCondLst>
+                <p:cond evt="onNext" delay="0">
+                  <p:tgtEl>
+                    <p:sldTgt/>
+                  </p:tgtEl>
+                </p:cond>
+              </p:nextCondLst>
+            </p:seq>
+          </p:childTnLst>
+        </p:cTn>
+      </p:par>
+    </p:tnLst>
+    <p:bldLst>
+      <p:bldP spid="3" grpId="0" uiExpand="1" build="p"/>
+    </p:bldLst>
+  </p:timing>
 </p:sld>
 </file>
 
@@ -11106,8 +14709,29 @@
           <a:p>
             <a:r>
               <a:rPr lang="de-DE" dirty="0"/>
-              <a:t>Summary</a:t>
-            </a:r>
+              <a:t>Web </a:t>
+            </a:r>
+            <a:r>
+              <a:rPr lang="de-DE" dirty="0" err="1"/>
+              <a:t>worker</a:t>
+            </a:r>
+            <a:r>
+              <a:rPr lang="de-DE" dirty="0"/>
+              <a:t> </a:t>
+            </a:r>
+            <a:r>
+              <a:rPr lang="de-DE" dirty="0" err="1"/>
+              <a:t>timer</a:t>
+            </a:r>
+            <a:r>
+              <a:rPr lang="de-DE" dirty="0"/>
+              <a:t> </a:t>
+            </a:r>
+            <a:r>
+              <a:rPr lang="de-DE" dirty="0" err="1"/>
+              <a:t>tasks</a:t>
+            </a:r>
+            <a:endParaRPr lang="de-DE" dirty="0"/>
           </a:p>
         </p:txBody>
       </p:sp>
@@ -11127,49 +14751,240 @@
             <p:ph idx="1"/>
           </p:nvPr>
         </p:nvSpPr>
-        <p:spPr/>
+        <p:spPr>
+          <a:xfrm>
+            <a:off x="360000" y="1620000"/>
+            <a:ext cx="8532480" cy="4479943"/>
+          </a:xfrm>
+        </p:spPr>
         <p:txBody>
           <a:bodyPr/>
           <a:lstStyle/>
           <a:p>
-            <a:r>
-              <a:rPr lang="de-DE" dirty="0"/>
-              <a:t>Browser </a:t>
-            </a:r>
-            <a:r>
-              <a:rPr lang="de-DE" dirty="0" err="1"/>
-              <a:t>throttling</a:t>
-            </a:r>
-            <a:r>
-              <a:rPr lang="de-DE" dirty="0"/>
-              <a:t> </a:t>
-            </a:r>
-            <a:r>
-              <a:rPr lang="de-DE" dirty="0" err="1"/>
-              <a:t>can</a:t>
-            </a:r>
-            <a:r>
-              <a:rPr lang="de-DE" dirty="0"/>
-              <a:t> </a:t>
-            </a:r>
-            <a:r>
-              <a:rPr lang="de-DE" dirty="0" err="1"/>
-              <a:t>be</a:t>
-            </a:r>
-            <a:r>
-              <a:rPr lang="de-DE" dirty="0"/>
-              <a:t> </a:t>
-            </a:r>
-            <a:r>
-              <a:rPr lang="de-DE" dirty="0" err="1"/>
-              <a:t>circumvented</a:t>
+            <a:pPr marL="342900" indent="-342900">
+              <a:buFont typeface="Arial" panose="020B0604020202020204" pitchFamily="34" charset="0"/>
+              <a:buChar char="•"/>
+            </a:pPr>
+            <a:r>
+              <a:rPr lang="de-DE" dirty="0"/>
+              <a:t>Web </a:t>
+            </a:r>
+            <a:r>
+              <a:rPr lang="de-DE" dirty="0" err="1"/>
+              <a:t>workers</a:t>
+            </a:r>
+            <a:r>
+              <a:rPr lang="de-DE" dirty="0"/>
+              <a:t> </a:t>
+            </a:r>
+            <a:r>
+              <a:rPr lang="de-DE" dirty="0" err="1"/>
+              <a:t>spawn</a:t>
+            </a:r>
+            <a:r>
+              <a:rPr lang="de-DE" dirty="0"/>
+              <a:t> </a:t>
+            </a:r>
+            <a:r>
+              <a:rPr lang="de-DE" dirty="0" err="1"/>
+              <a:t>seperate</a:t>
+            </a:r>
+            <a:r>
+              <a:rPr lang="de-DE" dirty="0"/>
+              <a:t> </a:t>
+            </a:r>
+            <a:r>
+              <a:rPr lang="de-DE" dirty="0" err="1"/>
+              <a:t>execution</a:t>
+            </a:r>
+            <a:r>
+              <a:rPr lang="de-DE" dirty="0"/>
+              <a:t> </a:t>
+            </a:r>
+            <a:r>
+              <a:rPr lang="de-DE" dirty="0" err="1"/>
+              <a:t>context</a:t>
             </a:r>
             <a:endParaRPr lang="de-DE" dirty="0"/>
           </a:p>
           <a:p>
-            <a:r>
-              <a:rPr lang="de-DE" dirty="0"/>
-              <a:t>Chrome </a:t>
+            <a:pPr marL="342900" indent="-342900">
+              <a:buFont typeface="Arial" panose="020B0604020202020204" pitchFamily="34" charset="0"/>
+              <a:buChar char="•"/>
+            </a:pPr>
+            <a:r>
+              <a:rPr lang="de-DE" dirty="0"/>
+              <a:t>Communication </a:t>
+            </a:r>
+            <a:r>
+              <a:rPr lang="de-DE" dirty="0" err="1"/>
+              <a:t>with</a:t>
+            </a:r>
+            <a:r>
+              <a:rPr lang="de-DE" dirty="0"/>
+              <a:t> web </a:t>
+            </a:r>
+            <a:r>
+              <a:rPr lang="de-DE" dirty="0" err="1"/>
+              <a:t>site</a:t>
+            </a:r>
+            <a:r>
+              <a:rPr lang="de-DE" dirty="0"/>
+              <a:t> via </a:t>
+            </a:r>
+            <a:r>
+              <a:rPr lang="de-DE" dirty="0" err="1"/>
+              <a:t>messages</a:t>
+            </a:r>
+            <a:endParaRPr lang="de-DE" dirty="0"/>
+          </a:p>
+          <a:p>
+            <a:pPr marL="342900" indent="-342900">
+              <a:buFont typeface="Arial" panose="020B0604020202020204" pitchFamily="34" charset="0"/>
+              <a:buChar char="•"/>
+            </a:pPr>
+            <a:r>
+              <a:rPr lang="de-DE" dirty="0" err="1"/>
+              <a:t>Introduced</a:t>
+            </a:r>
+            <a:r>
+              <a:rPr lang="de-DE" dirty="0"/>
+              <a:t> </a:t>
+            </a:r>
+            <a:r>
+              <a:rPr lang="de-DE" dirty="0" err="1"/>
+              <a:t>to</a:t>
+            </a:r>
+            <a:r>
+              <a:rPr lang="de-DE" dirty="0"/>
+              <a:t> </a:t>
+            </a:r>
+            <a:r>
+              <a:rPr lang="de-DE" dirty="0" err="1"/>
+              <a:t>allow</a:t>
+            </a:r>
+            <a:r>
+              <a:rPr lang="de-DE" dirty="0"/>
+              <a:t> </a:t>
+            </a:r>
+            <a:r>
+              <a:rPr lang="de-DE" dirty="0" err="1"/>
+              <a:t>long</a:t>
+            </a:r>
+            <a:r>
+              <a:rPr lang="de-DE" dirty="0"/>
+              <a:t> </a:t>
+            </a:r>
+            <a:r>
+              <a:rPr lang="de-DE" dirty="0" err="1"/>
+              <a:t>running</a:t>
+            </a:r>
+            <a:r>
+              <a:rPr lang="de-DE" dirty="0"/>
+              <a:t> </a:t>
+            </a:r>
+            <a:r>
+              <a:rPr lang="de-DE" dirty="0" err="1"/>
+              <a:t>computations</a:t>
+            </a:r>
+            <a:r>
+              <a:rPr lang="de-DE" dirty="0"/>
+              <a:t> </a:t>
+            </a:r>
+            <a:r>
+              <a:rPr lang="de-DE" dirty="0" err="1"/>
+              <a:t>without</a:t>
+            </a:r>
+            <a:r>
+              <a:rPr lang="de-DE" dirty="0"/>
+              <a:t> </a:t>
+            </a:r>
+            <a:r>
+              <a:rPr lang="de-DE" dirty="0" err="1"/>
+              <a:t>blocking</a:t>
+            </a:r>
+            <a:r>
+              <a:rPr lang="de-DE" dirty="0"/>
+              <a:t> </a:t>
+            </a:r>
+            <a:r>
+              <a:rPr lang="de-DE" dirty="0" err="1"/>
+              <a:t>browser</a:t>
+            </a:r>
+            <a:r>
+              <a:rPr lang="de-DE" dirty="0"/>
+              <a:t> </a:t>
+            </a:r>
+            <a:r>
+              <a:rPr lang="de-DE" dirty="0" err="1"/>
+              <a:t>rendering</a:t>
+            </a:r>
+            <a:endParaRPr lang="de-DE" dirty="0"/>
+          </a:p>
+          <a:p>
+            <a:pPr marL="342900" indent="-342900">
+              <a:buFont typeface="Arial" panose="020B0604020202020204" pitchFamily="34" charset="0"/>
+              <a:buChar char="•"/>
+            </a:pPr>
+            <a:r>
+              <a:rPr lang="de-DE" dirty="0">
+                <a:hlinkClick r:id="rId3"/>
+              </a:rPr>
+              <a:t>worker-timers</a:t>
+            </a:r>
+            <a:r>
+              <a:rPr lang="de-DE" dirty="0"/>
+              <a:t> </a:t>
+            </a:r>
+            <a:r>
+              <a:rPr lang="de-DE" dirty="0" err="1"/>
+              <a:t>is</a:t>
+            </a:r>
+            <a:r>
+              <a:rPr lang="de-DE" dirty="0"/>
+              <a:t> a </a:t>
+            </a:r>
+            <a:r>
+              <a:rPr lang="de-DE" dirty="0" err="1"/>
+              <a:t>drop</a:t>
+            </a:r>
+            <a:r>
+              <a:rPr lang="de-DE" dirty="0"/>
+              <a:t>-in </a:t>
+            </a:r>
+            <a:r>
+              <a:rPr lang="de-DE" dirty="0" err="1"/>
+              <a:t>replacement</a:t>
+            </a:r>
+            <a:r>
+              <a:rPr lang="de-DE" dirty="0"/>
+              <a:t> </a:t>
+            </a:r>
+            <a:r>
+              <a:rPr lang="de-DE" dirty="0" err="1"/>
+              <a:t>for</a:t>
+            </a:r>
+            <a:r>
+              <a:rPr lang="de-DE" dirty="0"/>
+              <a:t> </a:t>
+            </a:r>
+            <a:r>
+              <a:rPr lang="de-DE" dirty="0" err="1">
+                <a:latin typeface="Consolas" panose="020B0609020204030204" pitchFamily="49" charset="0"/>
+                <a:cs typeface="Consolas" panose="020B0609020204030204" pitchFamily="49" charset="0"/>
+              </a:rPr>
+              <a:t>setInterval</a:t>
+            </a:r>
+            <a:r>
+              <a:rPr lang="de-DE" dirty="0">
+                <a:latin typeface="Consolas" panose="020B0609020204030204" pitchFamily="49" charset="0"/>
+                <a:cs typeface="Consolas" panose="020B0609020204030204" pitchFamily="49" charset="0"/>
+              </a:rPr>
+              <a:t>()</a:t>
+            </a:r>
+            <a:r>
+              <a:rPr lang="de-DE" dirty="0"/>
+              <a:t> </a:t>
             </a:r>
             <a:r>
               <a:rPr lang="de-DE" dirty="0" err="1"/>
@@ -11177,49 +14992,53 @@
             </a:r>
             <a:r>
               <a:rPr lang="de-DE" dirty="0"/>
-              <a:t> Firefox </a:t>
-            </a:r>
-          </a:p>
-          <a:p>
-            <a:r>
-              <a:rPr lang="de-DE" dirty="0"/>
-              <a:t>Safari </a:t>
-            </a:r>
-            <a:r>
-              <a:rPr lang="de-DE" dirty="0" err="1"/>
-              <a:t>stops</a:t>
-            </a:r>
-            <a:r>
-              <a:rPr lang="de-DE" dirty="0"/>
-              <a:t> after ~ 8 </a:t>
-            </a:r>
-            <a:r>
-              <a:rPr lang="de-DE" dirty="0" err="1"/>
-              <a:t>minutes</a:t>
-            </a:r>
-            <a:r>
-              <a:rPr lang="de-DE" dirty="0"/>
-              <a:t> </a:t>
-            </a:r>
-            <a:r>
-              <a:rPr lang="de-DE" dirty="0" err="1"/>
-              <a:t>of</a:t>
-            </a:r>
-            <a:r>
-              <a:rPr lang="de-DE" dirty="0"/>
-              <a:t> high </a:t>
-            </a:r>
-            <a:r>
-              <a:rPr lang="de-DE" dirty="0" err="1"/>
-              <a:t>energy</a:t>
-            </a:r>
-            <a:r>
-              <a:rPr lang="de-DE" dirty="0"/>
-              <a:t> </a:t>
-            </a:r>
-            <a:r>
-              <a:rPr lang="de-DE" dirty="0" err="1"/>
-              <a:t>usage</a:t>
+              <a:t> </a:t>
+            </a:r>
+            <a:r>
+              <a:rPr lang="de-DE" dirty="0" err="1">
+                <a:latin typeface="Consolas" panose="020B0609020204030204" pitchFamily="49" charset="0"/>
+                <a:cs typeface="Consolas" panose="020B0609020204030204" pitchFamily="49" charset="0"/>
+              </a:rPr>
+              <a:t>setTimeout</a:t>
+            </a:r>
+            <a:r>
+              <a:rPr lang="de-DE" dirty="0">
+                <a:latin typeface="Consolas" panose="020B0609020204030204" pitchFamily="49" charset="0"/>
+                <a:cs typeface="Consolas" panose="020B0609020204030204" pitchFamily="49" charset="0"/>
+              </a:rPr>
+              <a:t>()</a:t>
+            </a:r>
+            <a:r>
+              <a:rPr lang="de-DE" dirty="0"/>
+              <a:t> </a:t>
+            </a:r>
+            <a:r>
+              <a:rPr lang="de-DE" dirty="0" err="1"/>
+              <a:t>implementing</a:t>
+            </a:r>
+            <a:r>
+              <a:rPr lang="de-DE" dirty="0"/>
+              <a:t> a </a:t>
+            </a:r>
+            <a:r>
+              <a:rPr lang="de-DE" dirty="0" err="1"/>
+              <a:t>scheduler</a:t>
+            </a:r>
+            <a:r>
+              <a:rPr lang="de-DE" dirty="0"/>
+              <a:t> in a web </a:t>
+            </a:r>
+            <a:r>
+              <a:rPr lang="de-DE" dirty="0" err="1"/>
+              <a:t>worker</a:t>
+            </a:r>
+            <a:r>
+              <a:rPr lang="de-DE" dirty="0"/>
+              <a:t> </a:t>
+            </a:r>
+            <a:r>
+              <a:rPr lang="de-DE" dirty="0" err="1"/>
+              <a:t>context</a:t>
             </a:r>
             <a:endParaRPr lang="de-DE" dirty="0"/>
           </a:p>
@@ -11228,13 +15047,242 @@
     </p:spTree>
     <p:extLst>
       <p:ext uri="{BB962C8B-B14F-4D97-AF65-F5344CB8AC3E}">
-        <p14:creationId xmlns:p14="http://schemas.microsoft.com/office/powerpoint/2010/main" val="3074482870"/>
+        <p14:creationId xmlns:p14="http://schemas.microsoft.com/office/powerpoint/2010/main" val="1644818634"/>
       </p:ext>
     </p:extLst>
   </p:cSld>
   <p:clrMapOvr>
     <a:masterClrMapping/>
   </p:clrMapOvr>
+  <p:timing>
+    <p:tnLst>
+      <p:par>
+        <p:cTn id="1" dur="indefinite" restart="never" nodeType="tmRoot">
+          <p:childTnLst>
+            <p:seq concurrent="1" nextAc="seek">
+              <p:cTn id="2" dur="indefinite" nodeType="mainSeq">
+                <p:childTnLst>
+                  <p:par>
+                    <p:cTn id="3" fill="hold">
+                      <p:stCondLst>
+                        <p:cond delay="indefinite"/>
+                      </p:stCondLst>
+                      <p:childTnLst>
+                        <p:par>
+                          <p:cTn id="4" fill="hold">
+                            <p:stCondLst>
+                              <p:cond delay="0"/>
+                            </p:stCondLst>
+                            <p:childTnLst>
+                              <p:par>
+                                <p:cTn id="5" presetID="1" presetClass="entr" presetSubtype="0" fill="hold" grpId="0" nodeType="clickEffect">
+                                  <p:stCondLst>
+                                    <p:cond delay="0"/>
+                                  </p:stCondLst>
+                                  <p:childTnLst>
+                                    <p:set>
+                                      <p:cBhvr>
+                                        <p:cTn id="6" dur="1" fill="hold">
+                                          <p:stCondLst>
+                                            <p:cond delay="0"/>
+                                          </p:stCondLst>
+                                        </p:cTn>
+                                        <p:tgtEl>
+                                          <p:spTgt spid="3">
+                                            <p:txEl>
+                                              <p:pRg st="0" end="0"/>
+                                            </p:txEl>
+                                          </p:spTgt>
+                                        </p:tgtEl>
+                                        <p:attrNameLst>
+                                          <p:attrName>style.visibility</p:attrName>
+                                        </p:attrNameLst>
+                                      </p:cBhvr>
+                                      <p:to>
+                                        <p:strVal val="visible"/>
+                                      </p:to>
+                                    </p:set>
+                                  </p:childTnLst>
+                                </p:cTn>
+                              </p:par>
+                            </p:childTnLst>
+                          </p:cTn>
+                        </p:par>
+                      </p:childTnLst>
+                    </p:cTn>
+                  </p:par>
+                  <p:par>
+                    <p:cTn id="7" fill="hold">
+                      <p:stCondLst>
+                        <p:cond delay="indefinite"/>
+                      </p:stCondLst>
+                      <p:childTnLst>
+                        <p:par>
+                          <p:cTn id="8" fill="hold">
+                            <p:stCondLst>
+                              <p:cond delay="0"/>
+                            </p:stCondLst>
+                            <p:childTnLst>
+                              <p:par>
+                                <p:cTn id="9" presetID="1" presetClass="entr" presetSubtype="0" fill="hold" grpId="0" nodeType="clickEffect">
+                                  <p:stCondLst>
+                                    <p:cond delay="0"/>
+                                  </p:stCondLst>
+                                  <p:childTnLst>
+                                    <p:set>
+                                      <p:cBhvr>
+                                        <p:cTn id="10" dur="1" fill="hold">
+                                          <p:stCondLst>
+                                            <p:cond delay="0"/>
+                                          </p:stCondLst>
+                                        </p:cTn>
+                                        <p:tgtEl>
+                                          <p:spTgt spid="3">
+                                            <p:txEl>
+                                              <p:pRg st="1" end="1"/>
+                                            </p:txEl>
+                                          </p:spTgt>
+                                        </p:tgtEl>
+                                        <p:attrNameLst>
+                                          <p:attrName>style.visibility</p:attrName>
+                                        </p:attrNameLst>
+                                      </p:cBhvr>
+                                      <p:to>
+                                        <p:strVal val="visible"/>
+                                      </p:to>
+                                    </p:set>
+                                  </p:childTnLst>
+                                </p:cTn>
+                              </p:par>
+                            </p:childTnLst>
+                          </p:cTn>
+                        </p:par>
+                      </p:childTnLst>
+                    </p:cTn>
+                  </p:par>
+                  <p:par>
+                    <p:cTn id="11" fill="hold">
+                      <p:stCondLst>
+                        <p:cond delay="indefinite"/>
+                      </p:stCondLst>
+                      <p:childTnLst>
+                        <p:par>
+                          <p:cTn id="12" fill="hold">
+                            <p:stCondLst>
+                              <p:cond delay="0"/>
+                            </p:stCondLst>
+                            <p:childTnLst>
+                              <p:par>
+                                <p:cTn id="13" presetID="1" presetClass="entr" presetSubtype="0" fill="hold" grpId="0" nodeType="clickEffect">
+                                  <p:stCondLst>
+                                    <p:cond delay="0"/>
+                                  </p:stCondLst>
+                                  <p:childTnLst>
+                                    <p:set>
+                                      <p:cBhvr>
+                                        <p:cTn id="14" dur="1" fill="hold">
+                                          <p:stCondLst>
+                                            <p:cond delay="0"/>
+                                          </p:stCondLst>
+                                        </p:cTn>
+                                        <p:tgtEl>
+                                          <p:spTgt spid="3">
+                                            <p:txEl>
+                                              <p:pRg st="2" end="2"/>
+                                            </p:txEl>
+                                          </p:spTgt>
+                                        </p:tgtEl>
+                                        <p:attrNameLst>
+                                          <p:attrName>style.visibility</p:attrName>
+                                        </p:attrNameLst>
+                                      </p:cBhvr>
+                                      <p:to>
+                                        <p:strVal val="visible"/>
+                                      </p:to>
+                                    </p:set>
+                                  </p:childTnLst>
+                                </p:cTn>
+                              </p:par>
+                            </p:childTnLst>
+                          </p:cTn>
+                        </p:par>
+                      </p:childTnLst>
+                    </p:cTn>
+                  </p:par>
+                  <p:par>
+                    <p:cTn id="15" fill="hold">
+                      <p:stCondLst>
+                        <p:cond delay="indefinite"/>
+                      </p:stCondLst>
+                      <p:childTnLst>
+                        <p:par>
+                          <p:cTn id="16" fill="hold">
+                            <p:stCondLst>
+                              <p:cond delay="0"/>
+                            </p:stCondLst>
+                            <p:childTnLst>
+                              <p:par>
+                                <p:cTn id="17" presetID="1" presetClass="entr" presetSubtype="0" fill="hold" grpId="0" nodeType="clickEffect">
+                                  <p:stCondLst>
+                                    <p:cond delay="0"/>
+                                  </p:stCondLst>
+                                  <p:childTnLst>
+                                    <p:set>
+                                      <p:cBhvr>
+                                        <p:cTn id="18" dur="1" fill="hold">
+                                          <p:stCondLst>
+                                            <p:cond delay="0"/>
+                                          </p:stCondLst>
+                                        </p:cTn>
+                                        <p:tgtEl>
+                                          <p:spTgt spid="3">
+                                            <p:txEl>
+                                              <p:pRg st="3" end="3"/>
+                                            </p:txEl>
+                                          </p:spTgt>
+                                        </p:tgtEl>
+                                        <p:attrNameLst>
+                                          <p:attrName>style.visibility</p:attrName>
+                                        </p:attrNameLst>
+                                      </p:cBhvr>
+                                      <p:to>
+                                        <p:strVal val="visible"/>
+                                      </p:to>
+                                    </p:set>
+                                  </p:childTnLst>
+                                </p:cTn>
+                              </p:par>
+                            </p:childTnLst>
+                          </p:cTn>
+                        </p:par>
+                      </p:childTnLst>
+                    </p:cTn>
+                  </p:par>
+                </p:childTnLst>
+              </p:cTn>
+              <p:prevCondLst>
+                <p:cond evt="onPrev" delay="0">
+                  <p:tgtEl>
+                    <p:sldTgt/>
+                  </p:tgtEl>
+                </p:cond>
+              </p:prevCondLst>
+              <p:nextCondLst>
+                <p:cond evt="onNext" delay="0">
+                  <p:tgtEl>
+                    <p:sldTgt/>
+                  </p:tgtEl>
+                </p:cond>
+              </p:nextCondLst>
+            </p:seq>
+          </p:childTnLst>
+        </p:cTn>
+      </p:par>
+    </p:tnLst>
+    <p:bldLst>
+      <p:bldP spid="3" grpId="0" uiExpand="1" build="p"/>
+    </p:bldLst>
+  </p:timing>
 </p:sld>
 </file>
 
@@ -11260,7 +15308,7 @@
           <p:cNvPr id="2" name="Title 1">
             <a:extLst>
               <a:ext uri="{FF2B5EF4-FFF2-40B4-BE49-F238E27FC236}">
-                <a16:creationId xmlns:a16="http://schemas.microsoft.com/office/drawing/2014/main" id="{3902D59F-1220-E242-A0F1-5A9C19071C59}"/>
+                <a16:creationId xmlns:a16="http://schemas.microsoft.com/office/drawing/2014/main" id="{A8820266-FE4C-8C4B-9B0A-B5E3F0038056}"/>
               </a:ext>
             </a:extLst>
           </p:cNvPr>
@@ -11278,35 +15326,27 @@
           <a:p>
             <a:r>
               <a:rPr lang="de-DE" dirty="0"/>
-              <a:t>Dynamic </a:t>
-            </a:r>
-            <a:r>
-              <a:rPr lang="de-DE" dirty="0" err="1"/>
-              <a:t>analysis</a:t>
-            </a:r>
-            <a:r>
-              <a:rPr lang="de-DE" dirty="0"/>
-              <a:t> </a:t>
-            </a:r>
-            <a:r>
-              <a:rPr lang="de-DE" dirty="0" err="1"/>
-              <a:t>of</a:t>
-            </a:r>
-            <a:r>
-              <a:rPr lang="de-DE" dirty="0"/>
-              <a:t> </a:t>
-            </a:r>
-            <a:r>
-              <a:rPr lang="de-DE" dirty="0" err="1"/>
-              <a:t>popular</a:t>
-            </a:r>
-            <a:r>
-              <a:rPr lang="de-DE" dirty="0"/>
-              <a:t> </a:t>
-            </a:r>
-            <a:r>
-              <a:rPr lang="de-DE" dirty="0" err="1"/>
-              <a:t>websites</a:t>
+              <a:t>Web </a:t>
+            </a:r>
+            <a:r>
+              <a:rPr lang="de-DE" dirty="0" err="1"/>
+              <a:t>worker</a:t>
+            </a:r>
+            <a:r>
+              <a:rPr lang="de-DE" dirty="0"/>
+              <a:t> </a:t>
+            </a:r>
+            <a:r>
+              <a:rPr lang="de-DE" dirty="0" err="1"/>
+              <a:t>timer</a:t>
+            </a:r>
+            <a:r>
+              <a:rPr lang="de-DE" dirty="0"/>
+              <a:t> </a:t>
+            </a:r>
+            <a:r>
+              <a:rPr lang="de-DE" dirty="0" err="1"/>
+              <a:t>tasks</a:t>
             </a:r>
             <a:endParaRPr lang="de-DE" dirty="0"/>
           </a:p>
@@ -11314,10 +15354,10 @@
       </p:sp>
       <p:sp>
         <p:nvSpPr>
-          <p:cNvPr id="3" name="Text Placeholder 2">
+          <p:cNvPr id="4" name="Content Placeholder 2">
             <a:extLst>
               <a:ext uri="{FF2B5EF4-FFF2-40B4-BE49-F238E27FC236}">
-                <a16:creationId xmlns:a16="http://schemas.microsoft.com/office/drawing/2014/main" id="{2F85007D-583C-A74B-8C18-278C9C985315}"/>
+                <a16:creationId xmlns:a16="http://schemas.microsoft.com/office/drawing/2014/main" id="{0A3F6095-7011-AC49-8B26-8174233F44B1}"/>
               </a:ext>
             </a:extLst>
           </p:cNvPr>
@@ -11325,14 +15365,216 @@
             <a:spLocks noGrp="1"/>
           </p:cNvSpPr>
           <p:nvPr>
-            <p:ph type="body" idx="1"/>
+            <p:ph idx="1"/>
           </p:nvPr>
         </p:nvSpPr>
-        <p:spPr/>
+        <p:spPr>
+          <a:xfrm>
+            <a:off x="360000" y="1620000"/>
+            <a:ext cx="8532480" cy="4479943"/>
+          </a:xfrm>
+        </p:spPr>
         <p:txBody>
           <a:bodyPr/>
           <a:lstStyle/>
           <a:p>
+            <a:pPr marL="457200" indent="-457200">
+              <a:buFont typeface="Arial" panose="020B0604020202020204" pitchFamily="34" charset="0"/>
+              <a:buChar char="•"/>
+            </a:pPr>
+            <a:r>
+              <a:rPr lang="de-DE" dirty="0" err="1"/>
+              <a:t>Usage</a:t>
+            </a:r>
+            <a:r>
+              <a:rPr lang="de-DE" dirty="0"/>
+              <a:t> </a:t>
+            </a:r>
+            <a:r>
+              <a:rPr lang="de-DE" dirty="0" err="1"/>
+              <a:t>of</a:t>
+            </a:r>
+            <a:r>
+              <a:rPr lang="de-DE" dirty="0"/>
+              <a:t> </a:t>
+            </a:r>
+            <a:r>
+              <a:rPr lang="de-DE" dirty="0" err="1"/>
+              <a:t>worker-timers</a:t>
+            </a:r>
+            <a:r>
+              <a:rPr lang="de-DE" dirty="0"/>
+              <a:t> </a:t>
+            </a:r>
+            <a:r>
+              <a:rPr lang="de-DE" dirty="0" err="1"/>
+              <a:t>allows</a:t>
+            </a:r>
+            <a:r>
+              <a:rPr lang="de-DE" dirty="0"/>
+              <a:t> </a:t>
+            </a:r>
+            <a:r>
+              <a:rPr lang="de-DE" dirty="0" err="1"/>
+              <a:t>full</a:t>
+            </a:r>
+            <a:r>
+              <a:rPr lang="de-DE" dirty="0"/>
+              <a:t> </a:t>
+            </a:r>
+            <a:r>
+              <a:rPr lang="de-DE" dirty="0" err="1"/>
+              <a:t>saturation</a:t>
+            </a:r>
+            <a:r>
+              <a:rPr lang="de-DE" dirty="0"/>
+              <a:t> </a:t>
+            </a:r>
+            <a:r>
+              <a:rPr lang="de-DE" dirty="0" err="1"/>
+              <a:t>of</a:t>
+            </a:r>
+            <a:r>
+              <a:rPr lang="de-DE" dirty="0"/>
+              <a:t> </a:t>
+            </a:r>
+            <a:r>
+              <a:rPr lang="de-DE" dirty="0" err="1"/>
+              <a:t>main</a:t>
+            </a:r>
+            <a:r>
+              <a:rPr lang="de-DE" dirty="0"/>
+              <a:t> </a:t>
+            </a:r>
+            <a:r>
+              <a:rPr lang="de-DE" dirty="0" err="1"/>
+              <a:t>thread</a:t>
+            </a:r>
+            <a:endParaRPr lang="de-DE" dirty="0"/>
+          </a:p>
+          <a:p>
+            <a:pPr marL="457200" indent="-457200">
+              <a:buFont typeface="Arial" panose="020B0604020202020204" pitchFamily="34" charset="0"/>
+              <a:buChar char="•"/>
+            </a:pPr>
+            <a:r>
+              <a:rPr lang="de-DE" dirty="0" err="1"/>
+              <a:t>No</a:t>
+            </a:r>
+            <a:r>
+              <a:rPr lang="de-DE" dirty="0"/>
+              <a:t> </a:t>
+            </a:r>
+            <a:r>
+              <a:rPr lang="de-DE" dirty="0" err="1"/>
+              <a:t>throttling</a:t>
+            </a:r>
+            <a:r>
+              <a:rPr lang="de-DE" dirty="0"/>
+              <a:t> </a:t>
+            </a:r>
+            <a:r>
+              <a:rPr lang="de-DE" dirty="0" err="1"/>
+              <a:t>or</a:t>
+            </a:r>
+            <a:r>
+              <a:rPr lang="de-DE" dirty="0"/>
+              <a:t> </a:t>
+            </a:r>
+            <a:r>
+              <a:rPr lang="de-DE" dirty="0" err="1"/>
+              <a:t>limits</a:t>
+            </a:r>
+            <a:r>
+              <a:rPr lang="de-DE" dirty="0"/>
+              <a:t> </a:t>
+            </a:r>
+            <a:r>
+              <a:rPr lang="de-DE" dirty="0" err="1"/>
+              <a:t>active</a:t>
+            </a:r>
+            <a:endParaRPr lang="de-DE" dirty="0"/>
+          </a:p>
+          <a:p>
+            <a:pPr marL="457200" indent="-457200">
+              <a:buFont typeface="Arial" panose="020B0604020202020204" pitchFamily="34" charset="0"/>
+              <a:buChar char="•"/>
+            </a:pPr>
+            <a:r>
+              <a:rPr lang="de-DE" dirty="0"/>
+              <a:t>Works in all </a:t>
+            </a:r>
+            <a:r>
+              <a:rPr lang="de-DE" dirty="0" err="1"/>
+              <a:t>browsers</a:t>
+            </a:r>
+            <a:endParaRPr lang="de-DE" dirty="0"/>
+          </a:p>
+          <a:p>
+            <a:pPr marL="457200" indent="-457200">
+              <a:buFont typeface="Arial" panose="020B0604020202020204" pitchFamily="34" charset="0"/>
+              <a:buChar char="•"/>
+            </a:pPr>
+            <a:r>
+              <a:rPr lang="de-DE" dirty="0" err="1"/>
+              <a:t>Only</a:t>
+            </a:r>
+            <a:r>
+              <a:rPr lang="de-DE" dirty="0"/>
+              <a:t> Safari </a:t>
+            </a:r>
+            <a:r>
+              <a:rPr lang="de-DE" dirty="0" err="1"/>
+              <a:t>detects</a:t>
+            </a:r>
+            <a:r>
+              <a:rPr lang="de-DE" dirty="0"/>
+              <a:t> high </a:t>
+            </a:r>
+            <a:r>
+              <a:rPr lang="de-DE" dirty="0" err="1"/>
+              <a:t>energy</a:t>
+            </a:r>
+            <a:r>
+              <a:rPr lang="de-DE" dirty="0"/>
+              <a:t> </a:t>
+            </a:r>
+            <a:r>
+              <a:rPr lang="de-DE" dirty="0" err="1"/>
+              <a:t>usage</a:t>
+            </a:r>
+            <a:r>
+              <a:rPr lang="de-DE" dirty="0"/>
+              <a:t> </a:t>
+            </a:r>
+            <a:r>
+              <a:rPr lang="de-DE" dirty="0" err="1"/>
+              <a:t>and</a:t>
+            </a:r>
+            <a:r>
+              <a:rPr lang="de-DE" dirty="0"/>
+              <a:t> </a:t>
+            </a:r>
+            <a:r>
+              <a:rPr lang="de-DE" dirty="0" err="1"/>
+              <a:t>kills</a:t>
+            </a:r>
+            <a:r>
+              <a:rPr lang="de-DE" dirty="0"/>
+              <a:t> </a:t>
+            </a:r>
+            <a:r>
+              <a:rPr lang="de-DE" dirty="0" err="1"/>
+              <a:t>tab</a:t>
+            </a:r>
+            <a:r>
+              <a:rPr lang="de-DE" dirty="0"/>
+              <a:t> after ~8 </a:t>
+            </a:r>
+            <a:r>
+              <a:rPr lang="de-DE" dirty="0" err="1"/>
+              <a:t>minutes</a:t>
+            </a:r>
             <a:endParaRPr lang="de-DE" dirty="0"/>
           </a:p>
         </p:txBody>
@@ -11340,13 +15582,242 @@
     </p:spTree>
     <p:extLst>
       <p:ext uri="{BB962C8B-B14F-4D97-AF65-F5344CB8AC3E}">
-        <p14:creationId xmlns:p14="http://schemas.microsoft.com/office/powerpoint/2010/main" val="3154969002"/>
+        <p14:creationId xmlns:p14="http://schemas.microsoft.com/office/powerpoint/2010/main" val="1355775928"/>
       </p:ext>
     </p:extLst>
   </p:cSld>
   <p:clrMapOvr>
     <a:masterClrMapping/>
   </p:clrMapOvr>
+  <p:timing>
+    <p:tnLst>
+      <p:par>
+        <p:cTn id="1" dur="indefinite" restart="never" nodeType="tmRoot">
+          <p:childTnLst>
+            <p:seq concurrent="1" nextAc="seek">
+              <p:cTn id="2" dur="indefinite" nodeType="mainSeq">
+                <p:childTnLst>
+                  <p:par>
+                    <p:cTn id="3" fill="hold">
+                      <p:stCondLst>
+                        <p:cond delay="indefinite"/>
+                      </p:stCondLst>
+                      <p:childTnLst>
+                        <p:par>
+                          <p:cTn id="4" fill="hold">
+                            <p:stCondLst>
+                              <p:cond delay="0"/>
+                            </p:stCondLst>
+                            <p:childTnLst>
+                              <p:par>
+                                <p:cTn id="5" presetID="1" presetClass="entr" presetSubtype="0" fill="hold" grpId="0" nodeType="clickEffect">
+                                  <p:stCondLst>
+                                    <p:cond delay="0"/>
+                                  </p:stCondLst>
+                                  <p:childTnLst>
+                                    <p:set>
+                                      <p:cBhvr>
+                                        <p:cTn id="6" dur="1" fill="hold">
+                                          <p:stCondLst>
+                                            <p:cond delay="0"/>
+                                          </p:stCondLst>
+                                        </p:cTn>
+                                        <p:tgtEl>
+                                          <p:spTgt spid="4">
+                                            <p:txEl>
+                                              <p:pRg st="0" end="0"/>
+                                            </p:txEl>
+                                          </p:spTgt>
+                                        </p:tgtEl>
+                                        <p:attrNameLst>
+                                          <p:attrName>style.visibility</p:attrName>
+                                        </p:attrNameLst>
+                                      </p:cBhvr>
+                                      <p:to>
+                                        <p:strVal val="visible"/>
+                                      </p:to>
+                                    </p:set>
+                                  </p:childTnLst>
+                                </p:cTn>
+                              </p:par>
+                            </p:childTnLst>
+                          </p:cTn>
+                        </p:par>
+                      </p:childTnLst>
+                    </p:cTn>
+                  </p:par>
+                  <p:par>
+                    <p:cTn id="7" fill="hold">
+                      <p:stCondLst>
+                        <p:cond delay="indefinite"/>
+                      </p:stCondLst>
+                      <p:childTnLst>
+                        <p:par>
+                          <p:cTn id="8" fill="hold">
+                            <p:stCondLst>
+                              <p:cond delay="0"/>
+                            </p:stCondLst>
+                            <p:childTnLst>
+                              <p:par>
+                                <p:cTn id="9" presetID="1" presetClass="entr" presetSubtype="0" fill="hold" grpId="0" nodeType="clickEffect">
+                                  <p:stCondLst>
+                                    <p:cond delay="0"/>
+                                  </p:stCondLst>
+                                  <p:childTnLst>
+                                    <p:set>
+                                      <p:cBhvr>
+                                        <p:cTn id="10" dur="1" fill="hold">
+                                          <p:stCondLst>
+                                            <p:cond delay="0"/>
+                                          </p:stCondLst>
+                                        </p:cTn>
+                                        <p:tgtEl>
+                                          <p:spTgt spid="4">
+                                            <p:txEl>
+                                              <p:pRg st="1" end="1"/>
+                                            </p:txEl>
+                                          </p:spTgt>
+                                        </p:tgtEl>
+                                        <p:attrNameLst>
+                                          <p:attrName>style.visibility</p:attrName>
+                                        </p:attrNameLst>
+                                      </p:cBhvr>
+                                      <p:to>
+                                        <p:strVal val="visible"/>
+                                      </p:to>
+                                    </p:set>
+                                  </p:childTnLst>
+                                </p:cTn>
+                              </p:par>
+                            </p:childTnLst>
+                          </p:cTn>
+                        </p:par>
+                      </p:childTnLst>
+                    </p:cTn>
+                  </p:par>
+                  <p:par>
+                    <p:cTn id="11" fill="hold">
+                      <p:stCondLst>
+                        <p:cond delay="indefinite"/>
+                      </p:stCondLst>
+                      <p:childTnLst>
+                        <p:par>
+                          <p:cTn id="12" fill="hold">
+                            <p:stCondLst>
+                              <p:cond delay="0"/>
+                            </p:stCondLst>
+                            <p:childTnLst>
+                              <p:par>
+                                <p:cTn id="13" presetID="1" presetClass="entr" presetSubtype="0" fill="hold" grpId="0" nodeType="clickEffect">
+                                  <p:stCondLst>
+                                    <p:cond delay="0"/>
+                                  </p:stCondLst>
+                                  <p:childTnLst>
+                                    <p:set>
+                                      <p:cBhvr>
+                                        <p:cTn id="14" dur="1" fill="hold">
+                                          <p:stCondLst>
+                                            <p:cond delay="0"/>
+                                          </p:stCondLst>
+                                        </p:cTn>
+                                        <p:tgtEl>
+                                          <p:spTgt spid="4">
+                                            <p:txEl>
+                                              <p:pRg st="2" end="2"/>
+                                            </p:txEl>
+                                          </p:spTgt>
+                                        </p:tgtEl>
+                                        <p:attrNameLst>
+                                          <p:attrName>style.visibility</p:attrName>
+                                        </p:attrNameLst>
+                                      </p:cBhvr>
+                                      <p:to>
+                                        <p:strVal val="visible"/>
+                                      </p:to>
+                                    </p:set>
+                                  </p:childTnLst>
+                                </p:cTn>
+                              </p:par>
+                            </p:childTnLst>
+                          </p:cTn>
+                        </p:par>
+                      </p:childTnLst>
+                    </p:cTn>
+                  </p:par>
+                  <p:par>
+                    <p:cTn id="15" fill="hold">
+                      <p:stCondLst>
+                        <p:cond delay="indefinite"/>
+                      </p:stCondLst>
+                      <p:childTnLst>
+                        <p:par>
+                          <p:cTn id="16" fill="hold">
+                            <p:stCondLst>
+                              <p:cond delay="0"/>
+                            </p:stCondLst>
+                            <p:childTnLst>
+                              <p:par>
+                                <p:cTn id="17" presetID="1" presetClass="entr" presetSubtype="0" fill="hold" grpId="0" nodeType="clickEffect">
+                                  <p:stCondLst>
+                                    <p:cond delay="0"/>
+                                  </p:stCondLst>
+                                  <p:childTnLst>
+                                    <p:set>
+                                      <p:cBhvr>
+                                        <p:cTn id="18" dur="1" fill="hold">
+                                          <p:stCondLst>
+                                            <p:cond delay="0"/>
+                                          </p:stCondLst>
+                                        </p:cTn>
+                                        <p:tgtEl>
+                                          <p:spTgt spid="4">
+                                            <p:txEl>
+                                              <p:pRg st="3" end="3"/>
+                                            </p:txEl>
+                                          </p:spTgt>
+                                        </p:tgtEl>
+                                        <p:attrNameLst>
+                                          <p:attrName>style.visibility</p:attrName>
+                                        </p:attrNameLst>
+                                      </p:cBhvr>
+                                      <p:to>
+                                        <p:strVal val="visible"/>
+                                      </p:to>
+                                    </p:set>
+                                  </p:childTnLst>
+                                </p:cTn>
+                              </p:par>
+                            </p:childTnLst>
+                          </p:cTn>
+                        </p:par>
+                      </p:childTnLst>
+                    </p:cTn>
+                  </p:par>
+                </p:childTnLst>
+              </p:cTn>
+              <p:prevCondLst>
+                <p:cond evt="onPrev" delay="0">
+                  <p:tgtEl>
+                    <p:sldTgt/>
+                  </p:tgtEl>
+                </p:cond>
+              </p:prevCondLst>
+              <p:nextCondLst>
+                <p:cond evt="onNext" delay="0">
+                  <p:tgtEl>
+                    <p:sldTgt/>
+                  </p:tgtEl>
+                </p:cond>
+              </p:nextCondLst>
+            </p:seq>
+          </p:childTnLst>
+        </p:cTn>
+      </p:par>
+    </p:tnLst>
+    <p:bldLst>
+      <p:bldP spid="4" grpId="0" uiExpand="1" build="p"/>
+    </p:bldLst>
+  </p:timing>
 </p:sld>
 </file>
 
@@ -11540,6 +16011,17 @@
               <a:buFont typeface="+mj-lt"/>
               <a:buAutoNum type="arabicPeriod"/>
             </a:pPr>
+            <a:r>
+              <a:rPr lang="de-DE" dirty="0" err="1"/>
+              <a:t>Discussion</a:t>
+            </a:r>
+            <a:endParaRPr lang="de-DE" dirty="0"/>
+          </a:p>
+          <a:p>
+            <a:pPr marL="457200" indent="-457200">
+              <a:buFont typeface="+mj-lt"/>
+              <a:buAutoNum type="arabicPeriod"/>
+            </a:pPr>
             <a:endParaRPr lang="de-DE" dirty="0"/>
           </a:p>
           <a:p>
@@ -11593,7 +16075,7 @@
           <p:cNvPr id="2" name="Title 1">
             <a:extLst>
               <a:ext uri="{FF2B5EF4-FFF2-40B4-BE49-F238E27FC236}">
-                <a16:creationId xmlns:a16="http://schemas.microsoft.com/office/drawing/2014/main" id="{43A9D7CB-9050-A847-9458-D35677166F13}"/>
+                <a16:creationId xmlns:a16="http://schemas.microsoft.com/office/drawing/2014/main" id="{1BDD1B6A-0DE4-4A4D-BC3A-E9FBA4B2D30D}"/>
               </a:ext>
             </a:extLst>
           </p:cNvPr>
@@ -11610,10 +16092,1103 @@
           <a:lstStyle/>
           <a:p>
             <a:r>
-              <a:rPr lang="de-DE" dirty="0" err="1"/>
-              <a:t>Preparation</a:t>
-            </a:r>
-            <a:endParaRPr lang="de-DE" dirty="0"/>
+              <a:rPr lang="de-DE" dirty="0"/>
+              <a:t>Summary</a:t>
+            </a:r>
+          </a:p>
+        </p:txBody>
+      </p:sp>
+      <p:graphicFrame>
+        <p:nvGraphicFramePr>
+          <p:cNvPr id="4" name="Content Placeholder 3">
+            <a:extLst>
+              <a:ext uri="{FF2B5EF4-FFF2-40B4-BE49-F238E27FC236}">
+                <a16:creationId xmlns:a16="http://schemas.microsoft.com/office/drawing/2014/main" id="{41674D64-66F7-BD43-9ED8-7B82AF1F96B4}"/>
+              </a:ext>
+            </a:extLst>
+          </p:cNvPr>
+          <p:cNvGraphicFramePr>
+            <a:graphicFrameLocks noGrp="1"/>
+          </p:cNvGraphicFramePr>
+          <p:nvPr>
+            <p:ph idx="1"/>
+            <p:extLst>
+              <p:ext uri="{D42A27DB-BD31-4B8C-83A1-F6EECF244321}">
+                <p14:modId xmlns:p14="http://schemas.microsoft.com/office/powerpoint/2010/main" val="1231560348"/>
+              </p:ext>
+            </p:extLst>
+          </p:nvPr>
+        </p:nvGraphicFramePr>
+        <p:xfrm>
+          <a:off x="251520" y="1484784"/>
+          <a:ext cx="8639372" cy="4846320"/>
+        </p:xfrm>
+        <a:graphic>
+          <a:graphicData uri="http://schemas.openxmlformats.org/drawingml/2006/table">
+            <a:tbl>
+              <a:tblPr firstRow="1" bandRow="1">
+                <a:tableStyleId>{5C22544A-7EE6-4342-B048-85BDC9FD1C3A}</a:tableStyleId>
+              </a:tblPr>
+              <a:tblGrid>
+                <a:gridCol w="2159843">
+                  <a:extLst>
+                    <a:ext uri="{9D8B030D-6E8A-4147-A177-3AD203B41FA5}">
+                      <a16:colId xmlns:a16="http://schemas.microsoft.com/office/drawing/2014/main" val="431964324"/>
+                    </a:ext>
+                  </a:extLst>
+                </a:gridCol>
+                <a:gridCol w="2159843">
+                  <a:extLst>
+                    <a:ext uri="{9D8B030D-6E8A-4147-A177-3AD203B41FA5}">
+                      <a16:colId xmlns:a16="http://schemas.microsoft.com/office/drawing/2014/main" val="517598621"/>
+                    </a:ext>
+                  </a:extLst>
+                </a:gridCol>
+                <a:gridCol w="2159843">
+                  <a:extLst>
+                    <a:ext uri="{9D8B030D-6E8A-4147-A177-3AD203B41FA5}">
+                      <a16:colId xmlns:a16="http://schemas.microsoft.com/office/drawing/2014/main" val="987010720"/>
+                    </a:ext>
+                  </a:extLst>
+                </a:gridCol>
+                <a:gridCol w="2159843">
+                  <a:extLst>
+                    <a:ext uri="{9D8B030D-6E8A-4147-A177-3AD203B41FA5}">
+                      <a16:colId xmlns:a16="http://schemas.microsoft.com/office/drawing/2014/main" val="2854017806"/>
+                    </a:ext>
+                  </a:extLst>
+                </a:gridCol>
+              </a:tblGrid>
+              <a:tr h="342224">
+                <a:tc>
+                  <a:txBody>
+                    <a:bodyPr/>
+                    <a:lstStyle/>
+                    <a:p>
+                      <a:r>
+                        <a:rPr lang="de-DE" dirty="0" err="1"/>
+                        <a:t>Method</a:t>
+                      </a:r>
+                      <a:endParaRPr lang="de-DE" dirty="0"/>
+                    </a:p>
+                  </a:txBody>
+                  <a:tcPr/>
+                </a:tc>
+                <a:tc>
+                  <a:txBody>
+                    <a:bodyPr/>
+                    <a:lstStyle/>
+                    <a:p>
+                      <a:r>
+                        <a:rPr lang="de-DE" dirty="0"/>
+                        <a:t>Chrome</a:t>
+                      </a:r>
+                    </a:p>
+                  </a:txBody>
+                  <a:tcPr/>
+                </a:tc>
+                <a:tc>
+                  <a:txBody>
+                    <a:bodyPr/>
+                    <a:lstStyle/>
+                    <a:p>
+                      <a:r>
+                        <a:rPr lang="de-DE" dirty="0"/>
+                        <a:t>Firefox</a:t>
+                      </a:r>
+                    </a:p>
+                  </a:txBody>
+                  <a:tcPr/>
+                </a:tc>
+                <a:tc>
+                  <a:txBody>
+                    <a:bodyPr/>
+                    <a:lstStyle/>
+                    <a:p>
+                      <a:r>
+                        <a:rPr lang="de-DE" dirty="0"/>
+                        <a:t>Safari</a:t>
+                      </a:r>
+                    </a:p>
+                  </a:txBody>
+                  <a:tcPr/>
+                </a:tc>
+                <a:extLst>
+                  <a:ext uri="{0D108BD9-81ED-4DB2-BD59-A6C34878D82A}">
+                    <a16:rowId xmlns:a16="http://schemas.microsoft.com/office/drawing/2014/main" val="648891341"/>
+                  </a:ext>
+                </a:extLst>
+              </a:tr>
+              <a:tr h="966946">
+                <a:tc>
+                  <a:txBody>
+                    <a:bodyPr/>
+                    <a:lstStyle/>
+                    <a:p>
+                      <a:r>
+                        <a:rPr lang="de-DE" dirty="0" err="1"/>
+                        <a:t>Timer</a:t>
+                      </a:r>
+                      <a:r>
+                        <a:rPr lang="de-DE" dirty="0"/>
+                        <a:t> </a:t>
+                      </a:r>
+                      <a:r>
+                        <a:rPr lang="de-DE" dirty="0" err="1"/>
+                        <a:t>tasks</a:t>
+                      </a:r>
+                      <a:endParaRPr lang="de-DE" dirty="0"/>
+                    </a:p>
+                  </a:txBody>
+                  <a:tcPr/>
+                </a:tc>
+                <a:tc>
+                  <a:txBody>
+                    <a:bodyPr/>
+                    <a:lstStyle/>
+                    <a:p>
+                      <a:pPr marL="285750" marR="0" lvl="0" indent="-285750" algn="l" defTabSz="914400" rtl="0" eaLnBrk="1" fontAlgn="auto" latinLnBrk="0" hangingPunct="1">
+                        <a:lnSpc>
+                          <a:spcPct val="100000"/>
+                        </a:lnSpc>
+                        <a:spcBef>
+                          <a:spcPts val="0"/>
+                        </a:spcBef>
+                        <a:spcAft>
+                          <a:spcPts val="0"/>
+                        </a:spcAft>
+                        <a:buClrTx/>
+                        <a:buSzTx/>
+                        <a:buFont typeface="Arial" panose="020B0604020202020204" pitchFamily="34" charset="0"/>
+                        <a:buChar char="•"/>
+                        <a:tabLst/>
+                        <a:defRPr/>
+                      </a:pPr>
+                      <a:r>
+                        <a:rPr lang="de-DE" sz="1800" kern="1200" dirty="0">
+                          <a:solidFill>
+                            <a:schemeClr val="dk1"/>
+                          </a:solidFill>
+                          <a:effectLst/>
+                          <a:latin typeface="+mn-lt"/>
+                          <a:ea typeface="+mn-ea"/>
+                          <a:cs typeface="+mn-cs"/>
+                        </a:rPr>
+                        <a:t>Max. 1 Hz</a:t>
+                      </a:r>
+                    </a:p>
+                    <a:p>
+                      <a:pPr marL="285750" marR="0" lvl="0" indent="-285750" algn="l" defTabSz="914400" rtl="0" eaLnBrk="1" fontAlgn="auto" latinLnBrk="0" hangingPunct="1">
+                        <a:lnSpc>
+                          <a:spcPct val="100000"/>
+                        </a:lnSpc>
+                        <a:spcBef>
+                          <a:spcPts val="0"/>
+                        </a:spcBef>
+                        <a:spcAft>
+                          <a:spcPts val="0"/>
+                        </a:spcAft>
+                        <a:buClrTx/>
+                        <a:buSzTx/>
+                        <a:buFont typeface="Arial" panose="020B0604020202020204" pitchFamily="34" charset="0"/>
+                        <a:buChar char="•"/>
+                        <a:tabLst/>
+                        <a:defRPr/>
+                      </a:pPr>
+                      <a:r>
+                        <a:rPr lang="de-DE" sz="1800" kern="1200" dirty="0">
+                          <a:solidFill>
+                            <a:schemeClr val="dk1"/>
+                          </a:solidFill>
+                          <a:effectLst/>
+                          <a:latin typeface="+mn-lt"/>
+                          <a:ea typeface="+mn-ea"/>
+                          <a:cs typeface="+mn-cs"/>
+                        </a:rPr>
+                        <a:t>Budget-</a:t>
+                      </a:r>
+                      <a:r>
+                        <a:rPr lang="de-DE" sz="1800" kern="1200" dirty="0" err="1">
+                          <a:solidFill>
+                            <a:schemeClr val="dk1"/>
+                          </a:solidFill>
+                          <a:effectLst/>
+                          <a:latin typeface="+mn-lt"/>
+                          <a:ea typeface="+mn-ea"/>
+                          <a:cs typeface="+mn-cs"/>
+                        </a:rPr>
+                        <a:t>based</a:t>
+                      </a:r>
+                      <a:r>
+                        <a:rPr lang="de-DE" sz="1800" kern="1200" dirty="0">
+                          <a:solidFill>
+                            <a:schemeClr val="dk1"/>
+                          </a:solidFill>
+                          <a:effectLst/>
+                          <a:latin typeface="+mn-lt"/>
+                          <a:ea typeface="+mn-ea"/>
+                          <a:cs typeface="+mn-cs"/>
+                        </a:rPr>
+                        <a:t> </a:t>
+                      </a:r>
+                      <a:r>
+                        <a:rPr lang="de-DE" sz="1800" kern="1200" dirty="0" err="1">
+                          <a:solidFill>
+                            <a:schemeClr val="dk1"/>
+                          </a:solidFill>
+                          <a:effectLst/>
+                          <a:latin typeface="+mn-lt"/>
+                          <a:ea typeface="+mn-ea"/>
+                          <a:cs typeface="+mn-cs"/>
+                        </a:rPr>
+                        <a:t>throttling</a:t>
+                      </a:r>
+                      <a:r>
+                        <a:rPr lang="de-DE" sz="1800" kern="1200" dirty="0">
+                          <a:solidFill>
+                            <a:schemeClr val="dk1"/>
+                          </a:solidFill>
+                          <a:effectLst/>
+                          <a:latin typeface="+mn-lt"/>
+                          <a:ea typeface="+mn-ea"/>
+                          <a:cs typeface="+mn-cs"/>
+                        </a:rPr>
+                        <a:t> </a:t>
+                      </a:r>
+                      <a:r>
+                        <a:rPr lang="de-DE" sz="1800" kern="1200" dirty="0" err="1">
+                          <a:solidFill>
+                            <a:schemeClr val="dk1"/>
+                          </a:solidFill>
+                          <a:effectLst/>
+                          <a:latin typeface="+mn-lt"/>
+                          <a:ea typeface="+mn-ea"/>
+                          <a:cs typeface="+mn-cs"/>
+                        </a:rPr>
+                        <a:t>to</a:t>
+                      </a:r>
+                      <a:r>
+                        <a:rPr lang="de-DE" sz="1800" kern="1200" dirty="0">
+                          <a:solidFill>
+                            <a:schemeClr val="dk1"/>
+                          </a:solidFill>
+                          <a:effectLst/>
+                          <a:latin typeface="+mn-lt"/>
+                          <a:ea typeface="+mn-ea"/>
+                          <a:cs typeface="+mn-cs"/>
+                        </a:rPr>
+                        <a:t> 1% </a:t>
+                      </a:r>
+                      <a:r>
+                        <a:rPr lang="de-DE" sz="1800" kern="1200" dirty="0" err="1">
+                          <a:solidFill>
+                            <a:schemeClr val="dk1"/>
+                          </a:solidFill>
+                          <a:effectLst/>
+                          <a:latin typeface="+mn-lt"/>
+                          <a:ea typeface="+mn-ea"/>
+                          <a:cs typeface="+mn-cs"/>
+                        </a:rPr>
+                        <a:t>avg</a:t>
+                      </a:r>
+                      <a:r>
+                        <a:rPr lang="de-DE" sz="1800" kern="1200" dirty="0">
+                          <a:solidFill>
+                            <a:schemeClr val="dk1"/>
+                          </a:solidFill>
+                          <a:effectLst/>
+                          <a:latin typeface="+mn-lt"/>
+                          <a:ea typeface="+mn-ea"/>
+                          <a:cs typeface="+mn-cs"/>
+                        </a:rPr>
+                        <a:t>. CPU </a:t>
+                      </a:r>
+                      <a:r>
+                        <a:rPr lang="de-DE" sz="1800" kern="1200" dirty="0" err="1">
+                          <a:solidFill>
+                            <a:schemeClr val="dk1"/>
+                          </a:solidFill>
+                          <a:effectLst/>
+                          <a:latin typeface="+mn-lt"/>
+                          <a:ea typeface="+mn-ea"/>
+                          <a:cs typeface="+mn-cs"/>
+                        </a:rPr>
+                        <a:t>usage</a:t>
+                      </a:r>
+                      <a:r>
+                        <a:rPr lang="de-DE" sz="1800" kern="1200" dirty="0">
+                          <a:solidFill>
+                            <a:schemeClr val="dk1"/>
+                          </a:solidFill>
+                          <a:effectLst/>
+                          <a:latin typeface="+mn-lt"/>
+                          <a:ea typeface="+mn-ea"/>
+                          <a:cs typeface="+mn-cs"/>
+                        </a:rPr>
+                        <a:t> after 10 </a:t>
+                      </a:r>
+                      <a:r>
+                        <a:rPr lang="de-DE" sz="1800" kern="1200" dirty="0" err="1">
+                          <a:solidFill>
+                            <a:schemeClr val="dk1"/>
+                          </a:solidFill>
+                          <a:effectLst/>
+                          <a:latin typeface="+mn-lt"/>
+                          <a:ea typeface="+mn-ea"/>
+                          <a:cs typeface="+mn-cs"/>
+                        </a:rPr>
+                        <a:t>secs</a:t>
+                      </a:r>
+                      <a:endParaRPr lang="de-DE" sz="1800" kern="1200" dirty="0">
+                        <a:solidFill>
+                          <a:schemeClr val="dk1"/>
+                        </a:solidFill>
+                        <a:effectLst/>
+                        <a:latin typeface="+mn-lt"/>
+                        <a:ea typeface="+mn-ea"/>
+                        <a:cs typeface="+mn-cs"/>
+                      </a:endParaRPr>
+                    </a:p>
+                  </a:txBody>
+                  <a:tcPr/>
+                </a:tc>
+                <a:tc>
+                  <a:txBody>
+                    <a:bodyPr/>
+                    <a:lstStyle/>
+                    <a:p>
+                      <a:pPr marL="285750" marR="0" lvl="0" indent="-285750" algn="l" defTabSz="914400" rtl="0" eaLnBrk="1" fontAlgn="auto" latinLnBrk="0" hangingPunct="1">
+                        <a:lnSpc>
+                          <a:spcPct val="100000"/>
+                        </a:lnSpc>
+                        <a:spcBef>
+                          <a:spcPts val="0"/>
+                        </a:spcBef>
+                        <a:spcAft>
+                          <a:spcPts val="0"/>
+                        </a:spcAft>
+                        <a:buClrTx/>
+                        <a:buSzTx/>
+                        <a:buFont typeface="Arial" panose="020B0604020202020204" pitchFamily="34" charset="0"/>
+                        <a:buChar char="•"/>
+                        <a:tabLst/>
+                        <a:defRPr/>
+                      </a:pPr>
+                      <a:r>
+                        <a:rPr lang="de-DE" sz="1800" kern="1200" dirty="0">
+                          <a:solidFill>
+                            <a:schemeClr val="dk1"/>
+                          </a:solidFill>
+                          <a:effectLst/>
+                          <a:latin typeface="+mn-lt"/>
+                          <a:ea typeface="+mn-ea"/>
+                          <a:cs typeface="+mn-cs"/>
+                        </a:rPr>
+                        <a:t>Max. 1 Hz</a:t>
+                      </a:r>
+                    </a:p>
+                    <a:p>
+                      <a:pPr marL="285750" marR="0" lvl="0" indent="-285750" algn="l" defTabSz="914400" rtl="0" eaLnBrk="1" fontAlgn="auto" latinLnBrk="0" hangingPunct="1">
+                        <a:lnSpc>
+                          <a:spcPct val="100000"/>
+                        </a:lnSpc>
+                        <a:spcBef>
+                          <a:spcPts val="0"/>
+                        </a:spcBef>
+                        <a:spcAft>
+                          <a:spcPts val="0"/>
+                        </a:spcAft>
+                        <a:buClrTx/>
+                        <a:buSzTx/>
+                        <a:buFont typeface="Arial" panose="020B0604020202020204" pitchFamily="34" charset="0"/>
+                        <a:buChar char="•"/>
+                        <a:tabLst/>
+                        <a:defRPr/>
+                      </a:pPr>
+                      <a:r>
+                        <a:rPr lang="de-DE" sz="1800" kern="1200" dirty="0">
+                          <a:solidFill>
+                            <a:schemeClr val="dk1"/>
+                          </a:solidFill>
+                          <a:effectLst/>
+                          <a:latin typeface="+mn-lt"/>
+                          <a:ea typeface="+mn-ea"/>
+                          <a:cs typeface="+mn-cs"/>
+                        </a:rPr>
+                        <a:t>Budget-</a:t>
+                      </a:r>
+                      <a:r>
+                        <a:rPr lang="de-DE" sz="1800" kern="1200" dirty="0" err="1">
+                          <a:solidFill>
+                            <a:schemeClr val="dk1"/>
+                          </a:solidFill>
+                          <a:effectLst/>
+                          <a:latin typeface="+mn-lt"/>
+                          <a:ea typeface="+mn-ea"/>
+                          <a:cs typeface="+mn-cs"/>
+                        </a:rPr>
+                        <a:t>based</a:t>
+                      </a:r>
+                      <a:r>
+                        <a:rPr lang="de-DE" sz="1800" kern="1200" dirty="0">
+                          <a:solidFill>
+                            <a:schemeClr val="dk1"/>
+                          </a:solidFill>
+                          <a:effectLst/>
+                          <a:latin typeface="+mn-lt"/>
+                          <a:ea typeface="+mn-ea"/>
+                          <a:cs typeface="+mn-cs"/>
+                        </a:rPr>
+                        <a:t> </a:t>
+                      </a:r>
+                      <a:r>
+                        <a:rPr lang="de-DE" sz="1800" kern="1200" dirty="0" err="1">
+                          <a:solidFill>
+                            <a:schemeClr val="dk1"/>
+                          </a:solidFill>
+                          <a:effectLst/>
+                          <a:latin typeface="+mn-lt"/>
+                          <a:ea typeface="+mn-ea"/>
+                          <a:cs typeface="+mn-cs"/>
+                        </a:rPr>
+                        <a:t>throttling</a:t>
+                      </a:r>
+                      <a:r>
+                        <a:rPr lang="de-DE" sz="1800" kern="1200" dirty="0">
+                          <a:solidFill>
+                            <a:schemeClr val="dk1"/>
+                          </a:solidFill>
+                          <a:effectLst/>
+                          <a:latin typeface="+mn-lt"/>
+                          <a:ea typeface="+mn-ea"/>
+                          <a:cs typeface="+mn-cs"/>
+                        </a:rPr>
+                        <a:t> </a:t>
+                      </a:r>
+                      <a:r>
+                        <a:rPr lang="de-DE" sz="1800" kern="1200" dirty="0" err="1">
+                          <a:solidFill>
+                            <a:schemeClr val="dk1"/>
+                          </a:solidFill>
+                          <a:effectLst/>
+                          <a:latin typeface="+mn-lt"/>
+                          <a:ea typeface="+mn-ea"/>
+                          <a:cs typeface="+mn-cs"/>
+                        </a:rPr>
+                        <a:t>to</a:t>
+                      </a:r>
+                      <a:r>
+                        <a:rPr lang="de-DE" sz="1800" kern="1200" dirty="0">
+                          <a:solidFill>
+                            <a:schemeClr val="dk1"/>
+                          </a:solidFill>
+                          <a:effectLst/>
+                          <a:latin typeface="+mn-lt"/>
+                          <a:ea typeface="+mn-ea"/>
+                          <a:cs typeface="+mn-cs"/>
+                        </a:rPr>
+                        <a:t> 1% </a:t>
+                      </a:r>
+                      <a:r>
+                        <a:rPr lang="de-DE" sz="1800" kern="1200" dirty="0" err="1">
+                          <a:solidFill>
+                            <a:schemeClr val="dk1"/>
+                          </a:solidFill>
+                          <a:effectLst/>
+                          <a:latin typeface="+mn-lt"/>
+                          <a:ea typeface="+mn-ea"/>
+                          <a:cs typeface="+mn-cs"/>
+                        </a:rPr>
+                        <a:t>avg</a:t>
+                      </a:r>
+                      <a:r>
+                        <a:rPr lang="de-DE" sz="1800" kern="1200" dirty="0">
+                          <a:solidFill>
+                            <a:schemeClr val="dk1"/>
+                          </a:solidFill>
+                          <a:effectLst/>
+                          <a:latin typeface="+mn-lt"/>
+                          <a:ea typeface="+mn-ea"/>
+                          <a:cs typeface="+mn-cs"/>
+                        </a:rPr>
+                        <a:t>. CPU </a:t>
+                      </a:r>
+                      <a:r>
+                        <a:rPr lang="de-DE" sz="1800" kern="1200" dirty="0" err="1">
+                          <a:solidFill>
+                            <a:schemeClr val="dk1"/>
+                          </a:solidFill>
+                          <a:effectLst/>
+                          <a:latin typeface="+mn-lt"/>
+                          <a:ea typeface="+mn-ea"/>
+                          <a:cs typeface="+mn-cs"/>
+                        </a:rPr>
+                        <a:t>usage</a:t>
+                      </a:r>
+                      <a:r>
+                        <a:rPr lang="de-DE" sz="1800" kern="1200" dirty="0">
+                          <a:solidFill>
+                            <a:schemeClr val="dk1"/>
+                          </a:solidFill>
+                          <a:effectLst/>
+                          <a:latin typeface="+mn-lt"/>
+                          <a:ea typeface="+mn-ea"/>
+                          <a:cs typeface="+mn-cs"/>
+                        </a:rPr>
+                        <a:t> after 30 </a:t>
+                      </a:r>
+                      <a:r>
+                        <a:rPr lang="de-DE" sz="1800" kern="1200" dirty="0" err="1">
+                          <a:solidFill>
+                            <a:schemeClr val="dk1"/>
+                          </a:solidFill>
+                          <a:effectLst/>
+                          <a:latin typeface="+mn-lt"/>
+                          <a:ea typeface="+mn-ea"/>
+                          <a:cs typeface="+mn-cs"/>
+                        </a:rPr>
+                        <a:t>secs</a:t>
+                      </a:r>
+                      <a:endParaRPr lang="de-DE" sz="1800" kern="1200" dirty="0">
+                        <a:solidFill>
+                          <a:schemeClr val="dk1"/>
+                        </a:solidFill>
+                        <a:effectLst/>
+                        <a:latin typeface="+mn-lt"/>
+                        <a:ea typeface="+mn-ea"/>
+                        <a:cs typeface="+mn-cs"/>
+                      </a:endParaRPr>
+                    </a:p>
+                    <a:p>
+                      <a:pPr marL="285750" marR="0" lvl="0" indent="-285750" algn="l" defTabSz="914400" rtl="0" eaLnBrk="1" fontAlgn="auto" latinLnBrk="0" hangingPunct="1">
+                        <a:lnSpc>
+                          <a:spcPct val="100000"/>
+                        </a:lnSpc>
+                        <a:spcBef>
+                          <a:spcPts val="0"/>
+                        </a:spcBef>
+                        <a:spcAft>
+                          <a:spcPts val="0"/>
+                        </a:spcAft>
+                        <a:buClrTx/>
+                        <a:buSzTx/>
+                        <a:buFont typeface="Arial" panose="020B0604020202020204" pitchFamily="34" charset="0"/>
+                        <a:buChar char="•"/>
+                        <a:tabLst/>
+                        <a:defRPr/>
+                      </a:pPr>
+                      <a:r>
+                        <a:rPr lang="de-DE" sz="1800" kern="1200" dirty="0">
+                          <a:solidFill>
+                            <a:schemeClr val="dk1"/>
+                          </a:solidFill>
+                          <a:effectLst/>
+                          <a:latin typeface="+mn-lt"/>
+                          <a:ea typeface="+mn-ea"/>
+                          <a:cs typeface="+mn-cs"/>
+                        </a:rPr>
+                        <a:t>Budget </a:t>
+                      </a:r>
+                      <a:r>
+                        <a:rPr lang="de-DE" sz="1800" kern="1200" dirty="0" err="1">
+                          <a:solidFill>
+                            <a:schemeClr val="dk1"/>
+                          </a:solidFill>
+                          <a:effectLst/>
+                          <a:latin typeface="+mn-lt"/>
+                          <a:ea typeface="+mn-ea"/>
+                          <a:cs typeface="+mn-cs"/>
+                        </a:rPr>
+                        <a:t>is</a:t>
+                      </a:r>
+                      <a:r>
+                        <a:rPr lang="de-DE" sz="1800" kern="1200" dirty="0">
+                          <a:solidFill>
+                            <a:schemeClr val="dk1"/>
+                          </a:solidFill>
+                          <a:effectLst/>
+                          <a:latin typeface="+mn-lt"/>
+                          <a:ea typeface="+mn-ea"/>
+                          <a:cs typeface="+mn-cs"/>
+                        </a:rPr>
+                        <a:t> </a:t>
+                      </a:r>
+                      <a:r>
+                        <a:rPr lang="de-DE" sz="1800" kern="1200" dirty="0" err="1">
+                          <a:solidFill>
+                            <a:schemeClr val="dk1"/>
+                          </a:solidFill>
+                          <a:effectLst/>
+                          <a:latin typeface="+mn-lt"/>
+                          <a:ea typeface="+mn-ea"/>
+                          <a:cs typeface="+mn-cs"/>
+                        </a:rPr>
+                        <a:t>clamped</a:t>
+                      </a:r>
+                      <a:r>
+                        <a:rPr lang="de-DE" sz="1800" kern="1200" dirty="0">
+                          <a:solidFill>
+                            <a:schemeClr val="dk1"/>
+                          </a:solidFill>
+                          <a:effectLst/>
+                          <a:latin typeface="+mn-lt"/>
+                          <a:ea typeface="+mn-ea"/>
+                          <a:cs typeface="+mn-cs"/>
+                        </a:rPr>
+                        <a:t> </a:t>
+                      </a:r>
+                      <a:r>
+                        <a:rPr lang="de-DE" sz="1800" kern="1200" dirty="0" err="1">
+                          <a:solidFill>
+                            <a:schemeClr val="dk1"/>
+                          </a:solidFill>
+                          <a:effectLst/>
+                          <a:latin typeface="+mn-lt"/>
+                          <a:ea typeface="+mn-ea"/>
+                          <a:cs typeface="+mn-cs"/>
+                        </a:rPr>
+                        <a:t>to</a:t>
+                      </a:r>
+                      <a:r>
+                        <a:rPr lang="de-DE" sz="1800" kern="1200" dirty="0">
+                          <a:solidFill>
+                            <a:schemeClr val="dk1"/>
+                          </a:solidFill>
+                          <a:effectLst/>
+                          <a:latin typeface="+mn-lt"/>
+                          <a:ea typeface="+mn-ea"/>
+                          <a:cs typeface="+mn-cs"/>
+                        </a:rPr>
+                        <a:t> [50ms, -150ms]</a:t>
+                      </a:r>
+                    </a:p>
+                  </a:txBody>
+                  <a:tcPr/>
+                </a:tc>
+                <a:tc>
+                  <a:txBody>
+                    <a:bodyPr/>
+                    <a:lstStyle/>
+                    <a:p>
+                      <a:r>
+                        <a:rPr lang="de-DE" dirty="0"/>
+                        <a:t>Starts at 1 Hz </a:t>
+                      </a:r>
+                      <a:r>
+                        <a:rPr lang="de-DE" dirty="0" err="1"/>
+                        <a:t>and</a:t>
+                      </a:r>
+                      <a:r>
+                        <a:rPr lang="de-DE" dirty="0"/>
+                        <a:t> </a:t>
+                      </a:r>
+                      <a:r>
+                        <a:rPr lang="de-DE" dirty="0" err="1"/>
+                        <a:t>decreases</a:t>
+                      </a:r>
+                      <a:r>
+                        <a:rPr lang="de-DE" dirty="0"/>
+                        <a:t> </a:t>
+                      </a:r>
+                      <a:r>
+                        <a:rPr lang="de-DE" dirty="0" err="1"/>
+                        <a:t>exponentially</a:t>
+                      </a:r>
+                      <a:r>
+                        <a:rPr lang="de-DE" dirty="0"/>
+                        <a:t> </a:t>
+                      </a:r>
+                      <a:r>
+                        <a:rPr lang="de-DE" dirty="0" err="1"/>
+                        <a:t>to</a:t>
+                      </a:r>
+                      <a:r>
+                        <a:rPr lang="de-DE" dirty="0"/>
+                        <a:t> 0.0055 Hz (3 </a:t>
+                      </a:r>
+                      <a:r>
+                        <a:rPr lang="de-DE" dirty="0" err="1"/>
+                        <a:t>minutes</a:t>
+                      </a:r>
+                      <a:r>
+                        <a:rPr lang="de-DE" dirty="0"/>
+                        <a:t>)</a:t>
+                      </a:r>
+                    </a:p>
+                  </a:txBody>
+                  <a:tcPr/>
+                </a:tc>
+                <a:extLst>
+                  <a:ext uri="{0D108BD9-81ED-4DB2-BD59-A6C34878D82A}">
+                    <a16:rowId xmlns:a16="http://schemas.microsoft.com/office/drawing/2014/main" val="3644501658"/>
+                  </a:ext>
+                </a:extLst>
+              </a:tr>
+              <a:tr h="342224">
+                <a:tc>
+                  <a:txBody>
+                    <a:bodyPr/>
+                    <a:lstStyle/>
+                    <a:p>
+                      <a:r>
+                        <a:rPr lang="de-DE" dirty="0" err="1"/>
+                        <a:t>Timer</a:t>
+                      </a:r>
+                      <a:r>
+                        <a:rPr lang="de-DE" dirty="0"/>
+                        <a:t> </a:t>
+                      </a:r>
+                      <a:r>
+                        <a:rPr lang="de-DE" dirty="0" err="1"/>
+                        <a:t>tasks</a:t>
+                      </a:r>
+                      <a:r>
+                        <a:rPr lang="de-DE" dirty="0"/>
+                        <a:t> </a:t>
+                      </a:r>
+                      <a:r>
+                        <a:rPr lang="de-DE" dirty="0" err="1"/>
+                        <a:t>with</a:t>
+                      </a:r>
+                      <a:r>
+                        <a:rPr lang="de-DE" dirty="0"/>
+                        <a:t> </a:t>
+                      </a:r>
+                      <a:r>
+                        <a:rPr lang="de-DE" dirty="0" err="1"/>
+                        <a:t>AudioContext</a:t>
+                      </a:r>
+                      <a:r>
+                        <a:rPr lang="de-DE" dirty="0"/>
+                        <a:t> / </a:t>
+                      </a:r>
+                      <a:r>
+                        <a:rPr lang="de-DE" dirty="0" err="1"/>
+                        <a:t>WebSocket</a:t>
+                      </a:r>
+                      <a:endParaRPr lang="de-DE" dirty="0"/>
+                    </a:p>
+                  </a:txBody>
+                  <a:tcPr/>
+                </a:tc>
+                <a:tc>
+                  <a:txBody>
+                    <a:bodyPr/>
+                    <a:lstStyle/>
+                    <a:p>
+                      <a:pPr algn="l"/>
+                      <a:r>
+                        <a:rPr lang="de-DE" dirty="0"/>
+                        <a:t>Max. 1 Hz</a:t>
+                      </a:r>
+                    </a:p>
+                  </a:txBody>
+                  <a:tcPr/>
+                </a:tc>
+                <a:tc>
+                  <a:txBody>
+                    <a:bodyPr/>
+                    <a:lstStyle/>
+                    <a:p>
+                      <a:r>
+                        <a:rPr lang="de-DE" dirty="0"/>
+                        <a:t>Max 1 Hz</a:t>
+                      </a:r>
+                    </a:p>
+                  </a:txBody>
+                  <a:tcPr/>
+                </a:tc>
+                <a:tc>
+                  <a:txBody>
+                    <a:bodyPr/>
+                    <a:lstStyle/>
+                    <a:p>
+                      <a:r>
+                        <a:rPr lang="de-DE" dirty="0"/>
+                        <a:t>See </a:t>
+                      </a:r>
+                      <a:r>
+                        <a:rPr lang="de-DE" dirty="0" err="1"/>
+                        <a:t>above</a:t>
+                      </a:r>
+                      <a:endParaRPr lang="de-DE" dirty="0"/>
+                    </a:p>
+                  </a:txBody>
+                  <a:tcPr/>
+                </a:tc>
+                <a:extLst>
+                  <a:ext uri="{0D108BD9-81ED-4DB2-BD59-A6C34878D82A}">
+                    <a16:rowId xmlns:a16="http://schemas.microsoft.com/office/drawing/2014/main" val="2959599453"/>
+                  </a:ext>
+                </a:extLst>
+              </a:tr>
+              <a:tr h="342224">
+                <a:tc>
+                  <a:txBody>
+                    <a:bodyPr/>
+                    <a:lstStyle/>
+                    <a:p>
+                      <a:r>
+                        <a:rPr lang="de-DE" dirty="0" err="1">
+                          <a:latin typeface="Consolas" panose="020B0609020204030204" pitchFamily="49" charset="0"/>
+                          <a:cs typeface="Consolas" panose="020B0609020204030204" pitchFamily="49" charset="0"/>
+                        </a:rPr>
+                        <a:t>postMessage</a:t>
+                      </a:r>
+                      <a:r>
+                        <a:rPr lang="de-DE" dirty="0">
+                          <a:latin typeface="Consolas" panose="020B0609020204030204" pitchFamily="49" charset="0"/>
+                          <a:cs typeface="Consolas" panose="020B0609020204030204" pitchFamily="49" charset="0"/>
+                        </a:rPr>
+                        <a:t>()</a:t>
+                      </a:r>
+                    </a:p>
+                  </a:txBody>
+                  <a:tcPr/>
+                </a:tc>
+                <a:tc>
+                  <a:txBody>
+                    <a:bodyPr/>
+                    <a:lstStyle/>
+                    <a:p>
+                      <a:r>
+                        <a:rPr lang="de-DE" dirty="0" err="1"/>
+                        <a:t>No</a:t>
+                      </a:r>
+                      <a:r>
+                        <a:rPr lang="de-DE" dirty="0"/>
+                        <a:t> </a:t>
+                      </a:r>
+                      <a:r>
+                        <a:rPr lang="de-DE" dirty="0" err="1"/>
+                        <a:t>limits</a:t>
+                      </a:r>
+                      <a:endParaRPr lang="de-DE" dirty="0"/>
+                    </a:p>
+                  </a:txBody>
+                  <a:tcPr/>
+                </a:tc>
+                <a:tc>
+                  <a:txBody>
+                    <a:bodyPr/>
+                    <a:lstStyle/>
+                    <a:p>
+                      <a:r>
+                        <a:rPr lang="de-DE" dirty="0" err="1"/>
+                        <a:t>No</a:t>
+                      </a:r>
+                      <a:r>
+                        <a:rPr lang="de-DE" dirty="0"/>
+                        <a:t> </a:t>
+                      </a:r>
+                      <a:r>
+                        <a:rPr lang="de-DE" dirty="0" err="1"/>
+                        <a:t>limits</a:t>
+                      </a:r>
+                      <a:endParaRPr lang="de-DE" dirty="0"/>
+                    </a:p>
+                  </a:txBody>
+                  <a:tcPr/>
+                </a:tc>
+                <a:tc>
+                  <a:txBody>
+                    <a:bodyPr/>
+                    <a:lstStyle/>
+                    <a:p>
+                      <a:r>
+                        <a:rPr lang="de-DE" dirty="0" err="1"/>
+                        <a:t>No</a:t>
+                      </a:r>
+                      <a:r>
+                        <a:rPr lang="de-DE" dirty="0"/>
+                        <a:t> </a:t>
+                      </a:r>
+                      <a:r>
+                        <a:rPr lang="de-DE" dirty="0" err="1"/>
+                        <a:t>limits</a:t>
+                      </a:r>
+                      <a:r>
+                        <a:rPr lang="de-DE" dirty="0"/>
+                        <a:t>, but </a:t>
+                      </a:r>
+                      <a:r>
+                        <a:rPr lang="de-DE" dirty="0" err="1"/>
+                        <a:t>detects</a:t>
+                      </a:r>
+                      <a:r>
+                        <a:rPr lang="de-DE" dirty="0"/>
+                        <a:t> high </a:t>
+                      </a:r>
+                      <a:r>
+                        <a:rPr lang="de-DE" dirty="0" err="1"/>
+                        <a:t>energy</a:t>
+                      </a:r>
+                      <a:r>
+                        <a:rPr lang="de-DE" dirty="0"/>
+                        <a:t> </a:t>
+                      </a:r>
+                      <a:r>
+                        <a:rPr lang="de-DE" dirty="0" err="1"/>
+                        <a:t>usage</a:t>
+                      </a:r>
+                      <a:endParaRPr lang="de-DE" dirty="0"/>
+                    </a:p>
+                  </a:txBody>
+                  <a:tcPr/>
+                </a:tc>
+                <a:extLst>
+                  <a:ext uri="{0D108BD9-81ED-4DB2-BD59-A6C34878D82A}">
+                    <a16:rowId xmlns:a16="http://schemas.microsoft.com/office/drawing/2014/main" val="2662517857"/>
+                  </a:ext>
+                </a:extLst>
+              </a:tr>
+              <a:tr h="342224">
+                <a:tc>
+                  <a:txBody>
+                    <a:bodyPr/>
+                    <a:lstStyle/>
+                    <a:p>
+                      <a:r>
+                        <a:rPr lang="de-DE" dirty="0">
+                          <a:latin typeface="Consolas" panose="020B0609020204030204" pitchFamily="49" charset="0"/>
+                          <a:cs typeface="Consolas" panose="020B0609020204030204" pitchFamily="49" charset="0"/>
+                        </a:rPr>
+                        <a:t>Web </a:t>
+                      </a:r>
+                      <a:r>
+                        <a:rPr lang="de-DE" dirty="0" err="1">
+                          <a:latin typeface="Consolas" panose="020B0609020204030204" pitchFamily="49" charset="0"/>
+                          <a:cs typeface="Consolas" panose="020B0609020204030204" pitchFamily="49" charset="0"/>
+                        </a:rPr>
+                        <a:t>worker</a:t>
+                      </a:r>
+                      <a:endParaRPr lang="de-DE" dirty="0">
+                        <a:latin typeface="Consolas" panose="020B0609020204030204" pitchFamily="49" charset="0"/>
+                        <a:cs typeface="Consolas" panose="020B0609020204030204" pitchFamily="49" charset="0"/>
+                      </a:endParaRPr>
+                    </a:p>
+                  </a:txBody>
+                  <a:tcPr/>
+                </a:tc>
+                <a:tc>
+                  <a:txBody>
+                    <a:bodyPr/>
+                    <a:lstStyle/>
+                    <a:p>
+                      <a:r>
+                        <a:rPr lang="de-DE" dirty="0"/>
+                        <a:t>See </a:t>
+                      </a:r>
+                      <a:r>
+                        <a:rPr lang="de-DE" dirty="0" err="1"/>
+                        <a:t>above</a:t>
+                      </a:r>
+                      <a:endParaRPr lang="de-DE" dirty="0"/>
+                    </a:p>
+                  </a:txBody>
+                  <a:tcPr/>
+                </a:tc>
+                <a:tc>
+                  <a:txBody>
+                    <a:bodyPr/>
+                    <a:lstStyle/>
+                    <a:p>
+                      <a:r>
+                        <a:rPr lang="de-DE" dirty="0"/>
+                        <a:t>See </a:t>
+                      </a:r>
+                      <a:r>
+                        <a:rPr lang="de-DE" dirty="0" err="1"/>
+                        <a:t>above</a:t>
+                      </a:r>
+                      <a:endParaRPr lang="de-DE" dirty="0"/>
+                    </a:p>
+                  </a:txBody>
+                  <a:tcPr/>
+                </a:tc>
+                <a:tc>
+                  <a:txBody>
+                    <a:bodyPr/>
+                    <a:lstStyle/>
+                    <a:p>
+                      <a:r>
+                        <a:rPr lang="de-DE" dirty="0"/>
+                        <a:t>See </a:t>
+                      </a:r>
+                      <a:r>
+                        <a:rPr lang="de-DE" dirty="0" err="1"/>
+                        <a:t>above</a:t>
+                      </a:r>
+                      <a:endParaRPr lang="de-DE" dirty="0"/>
+                    </a:p>
+                  </a:txBody>
+                  <a:tcPr/>
+                </a:tc>
+                <a:extLst>
+                  <a:ext uri="{0D108BD9-81ED-4DB2-BD59-A6C34878D82A}">
+                    <a16:rowId xmlns:a16="http://schemas.microsoft.com/office/drawing/2014/main" val="172698351"/>
+                  </a:ext>
+                </a:extLst>
+              </a:tr>
+            </a:tbl>
+          </a:graphicData>
+        </a:graphic>
+      </p:graphicFrame>
+    </p:spTree>
+    <p:extLst>
+      <p:ext uri="{BB962C8B-B14F-4D97-AF65-F5344CB8AC3E}">
+        <p14:creationId xmlns:p14="http://schemas.microsoft.com/office/powerpoint/2010/main" val="3074482870"/>
+      </p:ext>
+    </p:extLst>
+  </p:cSld>
+  <p:clrMapOvr>
+    <a:masterClrMapping/>
+  </p:clrMapOvr>
+</p:sld>
+</file>
+
+<file path=ppt/slides/slide21.xml><?xml version="1.0" encoding="utf-8"?>
+<p:sld xmlns:a="http://schemas.openxmlformats.org/drawingml/2006/main" xmlns:r="http://schemas.openxmlformats.org/officeDocument/2006/relationships" xmlns:p="http://schemas.openxmlformats.org/presentationml/2006/main">
+  <p:cSld>
+    <p:spTree>
+      <p:nvGrpSpPr>
+        <p:cNvPr id="1" name=""/>
+        <p:cNvGrpSpPr/>
+        <p:nvPr/>
+      </p:nvGrpSpPr>
+      <p:grpSpPr>
+        <a:xfrm>
+          <a:off x="0" y="0"/>
+          <a:ext cx="0" cy="0"/>
+          <a:chOff x="0" y="0"/>
+          <a:chExt cx="0" cy="0"/>
+        </a:xfrm>
+      </p:grpSpPr>
+      <p:sp>
+        <p:nvSpPr>
+          <p:cNvPr id="2" name="Title 1">
+            <a:extLst>
+              <a:ext uri="{FF2B5EF4-FFF2-40B4-BE49-F238E27FC236}">
+                <a16:creationId xmlns:a16="http://schemas.microsoft.com/office/drawing/2014/main" id="{18BD1CCB-4376-9846-B250-60B7F18635FD}"/>
+              </a:ext>
+            </a:extLst>
+          </p:cNvPr>
+          <p:cNvSpPr>
+            <a:spLocks noGrp="1"/>
+          </p:cNvSpPr>
+          <p:nvPr>
+            <p:ph type="title"/>
+          </p:nvPr>
+        </p:nvSpPr>
+        <p:spPr/>
+        <p:txBody>
+          <a:bodyPr/>
+          <a:lstStyle/>
+          <a:p>
+            <a:r>
+              <a:rPr lang="de-DE" dirty="0"/>
+              <a:t>Summary</a:t>
+            </a:r>
           </a:p>
         </p:txBody>
       </p:sp>
@@ -11622,7 +17197,7 @@
           <p:cNvPr id="3" name="Content Placeholder 2">
             <a:extLst>
               <a:ext uri="{FF2B5EF4-FFF2-40B4-BE49-F238E27FC236}">
-                <a16:creationId xmlns:a16="http://schemas.microsoft.com/office/drawing/2014/main" id="{CDB92161-2F85-8446-BBCD-B6012E06C269}"/>
+                <a16:creationId xmlns:a16="http://schemas.microsoft.com/office/drawing/2014/main" id="{F2AA0395-190C-D54E-8B20-44B61EF6D99C}"/>
               </a:ext>
             </a:extLst>
           </p:cNvPr>
@@ -11638,14 +17213,22 @@
           <a:bodyPr/>
           <a:lstStyle/>
           <a:p>
-            <a:endParaRPr lang="de-DE"/>
+            <a:r>
+              <a:rPr lang="de-DE" dirty="0"/>
+              <a:t>Mobile </a:t>
+            </a:r>
+            <a:r>
+              <a:rPr lang="de-DE" dirty="0" err="1"/>
+              <a:t>browsers</a:t>
+            </a:r>
+            <a:endParaRPr lang="de-DE" dirty="0"/>
           </a:p>
         </p:txBody>
       </p:sp>
     </p:spTree>
     <p:extLst>
       <p:ext uri="{BB962C8B-B14F-4D97-AF65-F5344CB8AC3E}">
-        <p14:creationId xmlns:p14="http://schemas.microsoft.com/office/powerpoint/2010/main" val="2269157354"/>
+        <p14:creationId xmlns:p14="http://schemas.microsoft.com/office/powerpoint/2010/main" val="102528758"/>
       </p:ext>
     </p:extLst>
   </p:cSld>
@@ -11655,7 +17238,656 @@
 </p:sld>
 </file>
 
-<file path=ppt/slides/slide21.xml><?xml version="1.0" encoding="utf-8"?>
+<file path=ppt/slides/slide22.xml><?xml version="1.0" encoding="utf-8"?>
+<p:sld xmlns:a="http://schemas.openxmlformats.org/drawingml/2006/main" xmlns:r="http://schemas.openxmlformats.org/officeDocument/2006/relationships" xmlns:p="http://schemas.openxmlformats.org/presentationml/2006/main">
+  <p:cSld>
+    <p:spTree>
+      <p:nvGrpSpPr>
+        <p:cNvPr id="1" name=""/>
+        <p:cNvGrpSpPr/>
+        <p:nvPr/>
+      </p:nvGrpSpPr>
+      <p:grpSpPr>
+        <a:xfrm>
+          <a:off x="0" y="0"/>
+          <a:ext cx="0" cy="0"/>
+          <a:chOff x="0" y="0"/>
+          <a:chExt cx="0" cy="0"/>
+        </a:xfrm>
+      </p:grpSpPr>
+      <p:sp>
+        <p:nvSpPr>
+          <p:cNvPr id="2" name="Title 1">
+            <a:extLst>
+              <a:ext uri="{FF2B5EF4-FFF2-40B4-BE49-F238E27FC236}">
+                <a16:creationId xmlns:a16="http://schemas.microsoft.com/office/drawing/2014/main" id="{1BDD1B6A-0DE4-4A4D-BC3A-E9FBA4B2D30D}"/>
+              </a:ext>
+            </a:extLst>
+          </p:cNvPr>
+          <p:cNvSpPr>
+            <a:spLocks noGrp="1"/>
+          </p:cNvSpPr>
+          <p:nvPr>
+            <p:ph type="title"/>
+          </p:nvPr>
+        </p:nvSpPr>
+        <p:spPr/>
+        <p:txBody>
+          <a:bodyPr/>
+          <a:lstStyle/>
+          <a:p>
+            <a:r>
+              <a:rPr lang="de-DE" dirty="0"/>
+              <a:t>Summary</a:t>
+            </a:r>
+          </a:p>
+        </p:txBody>
+      </p:sp>
+      <p:sp>
+        <p:nvSpPr>
+          <p:cNvPr id="3" name="Content Placeholder 2">
+            <a:extLst>
+              <a:ext uri="{FF2B5EF4-FFF2-40B4-BE49-F238E27FC236}">
+                <a16:creationId xmlns:a16="http://schemas.microsoft.com/office/drawing/2014/main" id="{9304FAC8-5659-504C-9B53-14788E756158}"/>
+              </a:ext>
+            </a:extLst>
+          </p:cNvPr>
+          <p:cNvSpPr>
+            <a:spLocks noGrp="1"/>
+          </p:cNvSpPr>
+          <p:nvPr>
+            <p:ph idx="1"/>
+          </p:nvPr>
+        </p:nvSpPr>
+        <p:spPr>
+          <a:xfrm>
+            <a:off x="358775" y="2742017"/>
+            <a:ext cx="8533705" cy="3423287"/>
+          </a:xfrm>
+        </p:spPr>
+        <p:txBody>
+          <a:bodyPr/>
+          <a:lstStyle/>
+          <a:p>
+            <a:pPr marL="342900" indent="-342900">
+              <a:buFont typeface="Arial" panose="020B0604020202020204" pitchFamily="34" charset="0"/>
+              <a:buChar char="•"/>
+            </a:pPr>
+            <a:r>
+              <a:rPr lang="de-DE" dirty="0"/>
+              <a:t>Browser </a:t>
+            </a:r>
+            <a:r>
+              <a:rPr lang="de-DE" dirty="0" err="1"/>
+              <a:t>throttling</a:t>
+            </a:r>
+            <a:r>
+              <a:rPr lang="de-DE" dirty="0"/>
+              <a:t> </a:t>
+            </a:r>
+            <a:r>
+              <a:rPr lang="de-DE" dirty="0" err="1"/>
+              <a:t>can</a:t>
+            </a:r>
+            <a:r>
+              <a:rPr lang="de-DE" dirty="0"/>
+              <a:t> </a:t>
+            </a:r>
+            <a:r>
+              <a:rPr lang="de-DE" dirty="0" err="1"/>
+              <a:t>be</a:t>
+            </a:r>
+            <a:r>
+              <a:rPr lang="de-DE" dirty="0"/>
+              <a:t> </a:t>
+            </a:r>
+            <a:r>
+              <a:rPr lang="de-DE" dirty="0" err="1"/>
+              <a:t>circumvented</a:t>
+            </a:r>
+            <a:endParaRPr lang="de-DE" dirty="0"/>
+          </a:p>
+          <a:p>
+            <a:pPr marL="342900" indent="-342900">
+              <a:buFont typeface="Arial" panose="020B0604020202020204" pitchFamily="34" charset="0"/>
+              <a:buChar char="•"/>
+            </a:pPr>
+            <a:r>
+              <a:rPr lang="de-DE" dirty="0"/>
+              <a:t>Chrome </a:t>
+            </a:r>
+            <a:r>
+              <a:rPr lang="de-DE" dirty="0" err="1"/>
+              <a:t>and</a:t>
+            </a:r>
+            <a:r>
+              <a:rPr lang="de-DE" dirty="0"/>
+              <a:t> Firefox </a:t>
+            </a:r>
+            <a:r>
+              <a:rPr lang="de-DE" dirty="0" err="1"/>
+              <a:t>impose</a:t>
+            </a:r>
+            <a:r>
+              <a:rPr lang="de-DE" dirty="0"/>
+              <a:t> </a:t>
+            </a:r>
+            <a:r>
+              <a:rPr lang="de-DE" dirty="0" err="1"/>
+              <a:t>no</a:t>
+            </a:r>
+            <a:r>
+              <a:rPr lang="de-DE" dirty="0"/>
+              <a:t> </a:t>
+            </a:r>
+            <a:r>
+              <a:rPr lang="de-DE" dirty="0" err="1"/>
+              <a:t>limits</a:t>
+            </a:r>
+            <a:r>
+              <a:rPr lang="de-DE" dirty="0"/>
+              <a:t> </a:t>
+            </a:r>
+            <a:r>
+              <a:rPr lang="de-DE" dirty="0" err="1"/>
+              <a:t>to</a:t>
+            </a:r>
+            <a:r>
+              <a:rPr lang="de-DE" dirty="0"/>
+              <a:t> CPU </a:t>
+            </a:r>
+            <a:r>
+              <a:rPr lang="de-DE" dirty="0" err="1"/>
+              <a:t>activity</a:t>
+            </a:r>
+            <a:endParaRPr lang="de-DE" dirty="0"/>
+          </a:p>
+          <a:p>
+            <a:pPr marL="342900" indent="-342900">
+              <a:buFont typeface="Arial" panose="020B0604020202020204" pitchFamily="34" charset="0"/>
+              <a:buChar char="•"/>
+            </a:pPr>
+            <a:r>
+              <a:rPr lang="de-DE" dirty="0"/>
+              <a:t>Safari </a:t>
+            </a:r>
+            <a:r>
+              <a:rPr lang="de-DE" dirty="0" err="1"/>
+              <a:t>stops</a:t>
+            </a:r>
+            <a:r>
+              <a:rPr lang="de-DE" dirty="0"/>
+              <a:t> after ~ 8 </a:t>
+            </a:r>
+            <a:r>
+              <a:rPr lang="de-DE" dirty="0" err="1"/>
+              <a:t>minutes</a:t>
+            </a:r>
+            <a:r>
+              <a:rPr lang="de-DE" dirty="0"/>
+              <a:t> </a:t>
+            </a:r>
+            <a:r>
+              <a:rPr lang="de-DE" dirty="0" err="1"/>
+              <a:t>of</a:t>
+            </a:r>
+            <a:r>
+              <a:rPr lang="de-DE" dirty="0"/>
+              <a:t> high </a:t>
+            </a:r>
+            <a:r>
+              <a:rPr lang="de-DE" dirty="0" err="1"/>
+              <a:t>energy</a:t>
+            </a:r>
+            <a:r>
+              <a:rPr lang="de-DE" dirty="0"/>
+              <a:t> </a:t>
+            </a:r>
+            <a:r>
+              <a:rPr lang="de-DE" dirty="0" err="1"/>
+              <a:t>usage</a:t>
+            </a:r>
+            <a:endParaRPr lang="de-DE" dirty="0"/>
+          </a:p>
+        </p:txBody>
+      </p:sp>
+      <p:sp>
+        <p:nvSpPr>
+          <p:cNvPr id="4" name="TextBox 3">
+            <a:extLst>
+              <a:ext uri="{FF2B5EF4-FFF2-40B4-BE49-F238E27FC236}">
+                <a16:creationId xmlns:a16="http://schemas.microsoft.com/office/drawing/2014/main" id="{C835AA38-3D57-154A-B7FA-364121B00C75}"/>
+              </a:ext>
+            </a:extLst>
+          </p:cNvPr>
+          <p:cNvSpPr txBox="1"/>
+          <p:nvPr/>
+        </p:nvSpPr>
+        <p:spPr>
+          <a:xfrm>
+            <a:off x="251520" y="1619085"/>
+            <a:ext cx="8640960" cy="830997"/>
+          </a:xfrm>
+          <a:prstGeom prst="rect">
+            <a:avLst/>
+          </a:prstGeom>
+          <a:noFill/>
+        </p:spPr>
+        <p:txBody>
+          <a:bodyPr wrap="square" rtlCol="0">
+            <a:spAutoFit/>
+          </a:bodyPr>
+          <a:lstStyle/>
+          <a:p>
+            <a:pPr algn="ctr"/>
+            <a:r>
+              <a:rPr lang="de-DE" sz="2400" b="1" dirty="0"/>
+              <a:t>Do </a:t>
+            </a:r>
+            <a:r>
+              <a:rPr lang="de-DE" sz="2400" b="1" dirty="0" err="1"/>
+              <a:t>browser</a:t>
+            </a:r>
+            <a:r>
+              <a:rPr lang="de-DE" sz="2400" b="1" dirty="0"/>
+              <a:t> </a:t>
+            </a:r>
+            <a:r>
+              <a:rPr lang="de-DE" sz="2400" b="1" dirty="0" err="1"/>
+              <a:t>throttling</a:t>
+            </a:r>
+            <a:r>
+              <a:rPr lang="de-DE" sz="2400" b="1" dirty="0"/>
+              <a:t> </a:t>
+            </a:r>
+            <a:r>
+              <a:rPr lang="de-DE" sz="2400" b="1" dirty="0" err="1"/>
+              <a:t>measures</a:t>
+            </a:r>
+            <a:r>
+              <a:rPr lang="de-DE" sz="2400" b="1" dirty="0"/>
+              <a:t> </a:t>
+            </a:r>
+            <a:r>
+              <a:rPr lang="de-DE" sz="2400" b="1" dirty="0" err="1"/>
+              <a:t>prevent</a:t>
+            </a:r>
+            <a:r>
+              <a:rPr lang="de-DE" sz="2400" b="1" dirty="0"/>
+              <a:t> </a:t>
+            </a:r>
+            <a:r>
+              <a:rPr lang="de-DE" sz="2400" b="1" dirty="0" err="1"/>
+              <a:t>malicous</a:t>
+            </a:r>
+            <a:r>
+              <a:rPr lang="de-DE" sz="2400" b="1" dirty="0"/>
+              <a:t> CPU </a:t>
+            </a:r>
+            <a:r>
+              <a:rPr lang="de-DE" sz="2400" b="1" dirty="0" err="1"/>
+              <a:t>usage</a:t>
+            </a:r>
+            <a:r>
+              <a:rPr lang="de-DE" sz="2400" b="1" dirty="0"/>
+              <a:t>?</a:t>
+            </a:r>
+            <a:endParaRPr lang="de-DE" sz="2400" dirty="0"/>
+          </a:p>
+        </p:txBody>
+      </p:sp>
+    </p:spTree>
+    <p:extLst>
+      <p:ext uri="{BB962C8B-B14F-4D97-AF65-F5344CB8AC3E}">
+        <p14:creationId xmlns:p14="http://schemas.microsoft.com/office/powerpoint/2010/main" val="283488930"/>
+      </p:ext>
+    </p:extLst>
+  </p:cSld>
+  <p:clrMapOvr>
+    <a:masterClrMapping/>
+  </p:clrMapOvr>
+  <p:timing>
+    <p:tnLst>
+      <p:par>
+        <p:cTn id="1" dur="indefinite" restart="never" nodeType="tmRoot">
+          <p:childTnLst>
+            <p:seq concurrent="1" nextAc="seek">
+              <p:cTn id="2" dur="indefinite" nodeType="mainSeq">
+                <p:childTnLst>
+                  <p:par>
+                    <p:cTn id="3" fill="hold">
+                      <p:stCondLst>
+                        <p:cond delay="indefinite"/>
+                      </p:stCondLst>
+                      <p:childTnLst>
+                        <p:par>
+                          <p:cTn id="4" fill="hold">
+                            <p:stCondLst>
+                              <p:cond delay="0"/>
+                            </p:stCondLst>
+                            <p:childTnLst>
+                              <p:par>
+                                <p:cTn id="5" presetID="1" presetClass="entr" presetSubtype="0" fill="hold" grpId="0" nodeType="clickEffect">
+                                  <p:stCondLst>
+                                    <p:cond delay="0"/>
+                                  </p:stCondLst>
+                                  <p:childTnLst>
+                                    <p:set>
+                                      <p:cBhvr>
+                                        <p:cTn id="6" dur="1" fill="hold">
+                                          <p:stCondLst>
+                                            <p:cond delay="0"/>
+                                          </p:stCondLst>
+                                        </p:cTn>
+                                        <p:tgtEl>
+                                          <p:spTgt spid="4"/>
+                                        </p:tgtEl>
+                                        <p:attrNameLst>
+                                          <p:attrName>style.visibility</p:attrName>
+                                        </p:attrNameLst>
+                                      </p:cBhvr>
+                                      <p:to>
+                                        <p:strVal val="visible"/>
+                                      </p:to>
+                                    </p:set>
+                                  </p:childTnLst>
+                                </p:cTn>
+                              </p:par>
+                            </p:childTnLst>
+                          </p:cTn>
+                        </p:par>
+                      </p:childTnLst>
+                    </p:cTn>
+                  </p:par>
+                  <p:par>
+                    <p:cTn id="7" fill="hold">
+                      <p:stCondLst>
+                        <p:cond delay="indefinite"/>
+                      </p:stCondLst>
+                      <p:childTnLst>
+                        <p:par>
+                          <p:cTn id="8" fill="hold">
+                            <p:stCondLst>
+                              <p:cond delay="0"/>
+                            </p:stCondLst>
+                            <p:childTnLst>
+                              <p:par>
+                                <p:cTn id="9" presetID="1" presetClass="entr" presetSubtype="0" fill="hold" grpId="0" nodeType="clickEffect">
+                                  <p:stCondLst>
+                                    <p:cond delay="0"/>
+                                  </p:stCondLst>
+                                  <p:childTnLst>
+                                    <p:set>
+                                      <p:cBhvr>
+                                        <p:cTn id="10" dur="1" fill="hold">
+                                          <p:stCondLst>
+                                            <p:cond delay="0"/>
+                                          </p:stCondLst>
+                                        </p:cTn>
+                                        <p:tgtEl>
+                                          <p:spTgt spid="3">
+                                            <p:txEl>
+                                              <p:pRg st="0" end="0"/>
+                                            </p:txEl>
+                                          </p:spTgt>
+                                        </p:tgtEl>
+                                        <p:attrNameLst>
+                                          <p:attrName>style.visibility</p:attrName>
+                                        </p:attrNameLst>
+                                      </p:cBhvr>
+                                      <p:to>
+                                        <p:strVal val="visible"/>
+                                      </p:to>
+                                    </p:set>
+                                  </p:childTnLst>
+                                </p:cTn>
+                              </p:par>
+                            </p:childTnLst>
+                          </p:cTn>
+                        </p:par>
+                      </p:childTnLst>
+                    </p:cTn>
+                  </p:par>
+                  <p:par>
+                    <p:cTn id="11" fill="hold">
+                      <p:stCondLst>
+                        <p:cond delay="indefinite"/>
+                      </p:stCondLst>
+                      <p:childTnLst>
+                        <p:par>
+                          <p:cTn id="12" fill="hold">
+                            <p:stCondLst>
+                              <p:cond delay="0"/>
+                            </p:stCondLst>
+                            <p:childTnLst>
+                              <p:par>
+                                <p:cTn id="13" presetID="1" presetClass="entr" presetSubtype="0" fill="hold" grpId="0" nodeType="clickEffect">
+                                  <p:stCondLst>
+                                    <p:cond delay="0"/>
+                                  </p:stCondLst>
+                                  <p:childTnLst>
+                                    <p:set>
+                                      <p:cBhvr>
+                                        <p:cTn id="14" dur="1" fill="hold">
+                                          <p:stCondLst>
+                                            <p:cond delay="0"/>
+                                          </p:stCondLst>
+                                        </p:cTn>
+                                        <p:tgtEl>
+                                          <p:spTgt spid="3">
+                                            <p:txEl>
+                                              <p:pRg st="1" end="1"/>
+                                            </p:txEl>
+                                          </p:spTgt>
+                                        </p:tgtEl>
+                                        <p:attrNameLst>
+                                          <p:attrName>style.visibility</p:attrName>
+                                        </p:attrNameLst>
+                                      </p:cBhvr>
+                                      <p:to>
+                                        <p:strVal val="visible"/>
+                                      </p:to>
+                                    </p:set>
+                                  </p:childTnLst>
+                                </p:cTn>
+                              </p:par>
+                            </p:childTnLst>
+                          </p:cTn>
+                        </p:par>
+                      </p:childTnLst>
+                    </p:cTn>
+                  </p:par>
+                  <p:par>
+                    <p:cTn id="15" fill="hold">
+                      <p:stCondLst>
+                        <p:cond delay="indefinite"/>
+                      </p:stCondLst>
+                      <p:childTnLst>
+                        <p:par>
+                          <p:cTn id="16" fill="hold">
+                            <p:stCondLst>
+                              <p:cond delay="0"/>
+                            </p:stCondLst>
+                            <p:childTnLst>
+                              <p:par>
+                                <p:cTn id="17" presetID="1" presetClass="entr" presetSubtype="0" fill="hold" grpId="0" nodeType="clickEffect">
+                                  <p:stCondLst>
+                                    <p:cond delay="0"/>
+                                  </p:stCondLst>
+                                  <p:childTnLst>
+                                    <p:set>
+                                      <p:cBhvr>
+                                        <p:cTn id="18" dur="1" fill="hold">
+                                          <p:stCondLst>
+                                            <p:cond delay="0"/>
+                                          </p:stCondLst>
+                                        </p:cTn>
+                                        <p:tgtEl>
+                                          <p:spTgt spid="3">
+                                            <p:txEl>
+                                              <p:pRg st="2" end="2"/>
+                                            </p:txEl>
+                                          </p:spTgt>
+                                        </p:tgtEl>
+                                        <p:attrNameLst>
+                                          <p:attrName>style.visibility</p:attrName>
+                                        </p:attrNameLst>
+                                      </p:cBhvr>
+                                      <p:to>
+                                        <p:strVal val="visible"/>
+                                      </p:to>
+                                    </p:set>
+                                  </p:childTnLst>
+                                </p:cTn>
+                              </p:par>
+                            </p:childTnLst>
+                          </p:cTn>
+                        </p:par>
+                      </p:childTnLst>
+                    </p:cTn>
+                  </p:par>
+                </p:childTnLst>
+              </p:cTn>
+              <p:prevCondLst>
+                <p:cond evt="onPrev" delay="0">
+                  <p:tgtEl>
+                    <p:sldTgt/>
+                  </p:tgtEl>
+                </p:cond>
+              </p:prevCondLst>
+              <p:nextCondLst>
+                <p:cond evt="onNext" delay="0">
+                  <p:tgtEl>
+                    <p:sldTgt/>
+                  </p:tgtEl>
+                </p:cond>
+              </p:nextCondLst>
+            </p:seq>
+          </p:childTnLst>
+        </p:cTn>
+      </p:par>
+    </p:tnLst>
+    <p:bldLst>
+      <p:bldP spid="3" grpId="0" build="p"/>
+      <p:bldP spid="4" grpId="0"/>
+    </p:bldLst>
+  </p:timing>
+</p:sld>
+</file>
+
+<file path=ppt/slides/slide23.xml><?xml version="1.0" encoding="utf-8"?>
+<p:sld xmlns:a="http://schemas.openxmlformats.org/drawingml/2006/main" xmlns:r="http://schemas.openxmlformats.org/officeDocument/2006/relationships" xmlns:p="http://schemas.openxmlformats.org/presentationml/2006/main">
+  <p:cSld>
+    <p:spTree>
+      <p:nvGrpSpPr>
+        <p:cNvPr id="1" name=""/>
+        <p:cNvGrpSpPr/>
+        <p:nvPr/>
+      </p:nvGrpSpPr>
+      <p:grpSpPr>
+        <a:xfrm>
+          <a:off x="0" y="0"/>
+          <a:ext cx="0" cy="0"/>
+          <a:chOff x="0" y="0"/>
+          <a:chExt cx="0" cy="0"/>
+        </a:xfrm>
+      </p:grpSpPr>
+      <p:sp>
+        <p:nvSpPr>
+          <p:cNvPr id="2" name="Title 1">
+            <a:extLst>
+              <a:ext uri="{FF2B5EF4-FFF2-40B4-BE49-F238E27FC236}">
+                <a16:creationId xmlns:a16="http://schemas.microsoft.com/office/drawing/2014/main" id="{3902D59F-1220-E242-A0F1-5A9C19071C59}"/>
+              </a:ext>
+            </a:extLst>
+          </p:cNvPr>
+          <p:cNvSpPr>
+            <a:spLocks noGrp="1"/>
+          </p:cNvSpPr>
+          <p:nvPr>
+            <p:ph type="title"/>
+          </p:nvPr>
+        </p:nvSpPr>
+        <p:spPr/>
+        <p:txBody>
+          <a:bodyPr/>
+          <a:lstStyle/>
+          <a:p>
+            <a:r>
+              <a:rPr lang="de-DE" dirty="0"/>
+              <a:t>Dynamic </a:t>
+            </a:r>
+            <a:r>
+              <a:rPr lang="de-DE" dirty="0" err="1"/>
+              <a:t>analysis</a:t>
+            </a:r>
+            <a:r>
+              <a:rPr lang="de-DE" dirty="0"/>
+              <a:t> </a:t>
+            </a:r>
+            <a:r>
+              <a:rPr lang="de-DE" dirty="0" err="1"/>
+              <a:t>of</a:t>
+            </a:r>
+            <a:r>
+              <a:rPr lang="de-DE" dirty="0"/>
+              <a:t> </a:t>
+            </a:r>
+            <a:r>
+              <a:rPr lang="de-DE" dirty="0" err="1"/>
+              <a:t>popular</a:t>
+            </a:r>
+            <a:r>
+              <a:rPr lang="de-DE" dirty="0"/>
+              <a:t> </a:t>
+            </a:r>
+            <a:r>
+              <a:rPr lang="de-DE" dirty="0" err="1"/>
+              <a:t>websites</a:t>
+            </a:r>
+            <a:endParaRPr lang="de-DE" dirty="0"/>
+          </a:p>
+        </p:txBody>
+      </p:sp>
+      <p:sp>
+        <p:nvSpPr>
+          <p:cNvPr id="3" name="Text Placeholder 2">
+            <a:extLst>
+              <a:ext uri="{FF2B5EF4-FFF2-40B4-BE49-F238E27FC236}">
+                <a16:creationId xmlns:a16="http://schemas.microsoft.com/office/drawing/2014/main" id="{2F85007D-583C-A74B-8C18-278C9C985315}"/>
+              </a:ext>
+            </a:extLst>
+          </p:cNvPr>
+          <p:cNvSpPr>
+            <a:spLocks noGrp="1"/>
+          </p:cNvSpPr>
+          <p:nvPr>
+            <p:ph type="body" idx="1"/>
+          </p:nvPr>
+        </p:nvSpPr>
+        <p:spPr/>
+        <p:txBody>
+          <a:bodyPr/>
+          <a:lstStyle/>
+          <a:p>
+            <a:endParaRPr lang="de-DE" dirty="0"/>
+          </a:p>
+        </p:txBody>
+      </p:sp>
+    </p:spTree>
+    <p:extLst>
+      <p:ext uri="{BB962C8B-B14F-4D97-AF65-F5344CB8AC3E}">
+        <p14:creationId xmlns:p14="http://schemas.microsoft.com/office/powerpoint/2010/main" val="3154969002"/>
+      </p:ext>
+    </p:extLst>
+  </p:cSld>
+  <p:clrMapOvr>
+    <a:masterClrMapping/>
+  </p:clrMapOvr>
+</p:sld>
+</file>
+
+<file path=ppt/slides/slide24.xml><?xml version="1.0" encoding="utf-8"?>
 <p:sld xmlns:a="http://schemas.openxmlformats.org/drawingml/2006/main" xmlns:r="http://schemas.openxmlformats.org/officeDocument/2006/relationships" xmlns:p="http://schemas.openxmlformats.org/presentationml/2006/main">
   <p:cSld>
     <p:spTree>
@@ -11717,19 +17949,338 @@
             <p:ph idx="1"/>
           </p:nvPr>
         </p:nvSpPr>
-        <p:spPr/>
+        <p:spPr>
+          <a:xfrm>
+            <a:off x="360000" y="1620000"/>
+            <a:ext cx="8460472" cy="4479943"/>
+          </a:xfrm>
+        </p:spPr>
         <p:txBody>
           <a:bodyPr/>
           <a:lstStyle/>
           <a:p>
-            <a:endParaRPr lang="de-DE"/>
+            <a:pPr marL="342900" indent="-342900">
+              <a:buFont typeface="Arial" panose="020B0604020202020204" pitchFamily="34" charset="0"/>
+              <a:buChar char="•"/>
+            </a:pPr>
+            <a:r>
+              <a:rPr lang="de-DE" dirty="0"/>
+              <a:t>List </a:t>
+            </a:r>
+            <a:r>
+              <a:rPr lang="de-DE" dirty="0" err="1"/>
+              <a:t>of</a:t>
+            </a:r>
+            <a:r>
+              <a:rPr lang="de-DE" dirty="0"/>
+              <a:t> ~ 1500 </a:t>
+            </a:r>
+            <a:r>
+              <a:rPr lang="de-DE" dirty="0" err="1"/>
+              <a:t>popular</a:t>
+            </a:r>
+            <a:r>
+              <a:rPr lang="de-DE" dirty="0"/>
+              <a:t> web </a:t>
+            </a:r>
+            <a:r>
+              <a:rPr lang="de-DE" dirty="0" err="1"/>
+              <a:t>sites</a:t>
+            </a:r>
+            <a:endParaRPr lang="de-DE" dirty="0"/>
+          </a:p>
+          <a:p>
+            <a:pPr marL="342900" indent="-342900">
+              <a:buFont typeface="Arial" panose="020B0604020202020204" pitchFamily="34" charset="0"/>
+              <a:buChar char="•"/>
+            </a:pPr>
+            <a:r>
+              <a:rPr lang="de-DE" dirty="0" err="1"/>
+              <a:t>Puppeteer</a:t>
+            </a:r>
+            <a:r>
+              <a:rPr lang="de-DE" dirty="0"/>
+              <a:t> </a:t>
+            </a:r>
+            <a:r>
+              <a:rPr lang="de-DE" dirty="0" err="1"/>
+              <a:t>to</a:t>
+            </a:r>
+            <a:r>
+              <a:rPr lang="de-DE" dirty="0"/>
+              <a:t> remote </a:t>
+            </a:r>
+            <a:r>
+              <a:rPr lang="de-DE" dirty="0" err="1"/>
+              <a:t>control</a:t>
+            </a:r>
+            <a:r>
+              <a:rPr lang="de-DE" dirty="0"/>
+              <a:t> Chrome </a:t>
+            </a:r>
+            <a:r>
+              <a:rPr lang="de-DE" dirty="0" err="1"/>
+              <a:t>browser</a:t>
+            </a:r>
+            <a:endParaRPr lang="de-DE" dirty="0"/>
+          </a:p>
+          <a:p>
+            <a:pPr marL="701675" lvl="2" indent="-342900">
+              <a:buFont typeface="Arial" panose="020B0604020202020204" pitchFamily="34" charset="0"/>
+              <a:buChar char="•"/>
+            </a:pPr>
+            <a:r>
+              <a:rPr lang="de-DE" dirty="0" err="1"/>
+              <a:t>Based</a:t>
+            </a:r>
+            <a:r>
+              <a:rPr lang="de-DE" dirty="0"/>
+              <a:t> on Chrome </a:t>
+            </a:r>
+            <a:r>
+              <a:rPr lang="de-DE" dirty="0" err="1"/>
+              <a:t>DevTools</a:t>
+            </a:r>
+            <a:r>
+              <a:rPr lang="de-DE" dirty="0"/>
+              <a:t> Protocol</a:t>
+            </a:r>
+          </a:p>
+          <a:p>
+            <a:pPr marL="701675" lvl="2" indent="-342900">
+              <a:buFont typeface="Arial" panose="020B0604020202020204" pitchFamily="34" charset="0"/>
+              <a:buChar char="•"/>
+            </a:pPr>
+            <a:r>
+              <a:rPr lang="de-DE" dirty="0" err="1"/>
+              <a:t>Allows</a:t>
+            </a:r>
+            <a:r>
+              <a:rPr lang="de-DE" dirty="0"/>
+              <a:t> </a:t>
+            </a:r>
+            <a:r>
+              <a:rPr lang="de-DE" dirty="0" err="1"/>
+              <a:t>usage</a:t>
+            </a:r>
+            <a:r>
+              <a:rPr lang="de-DE" dirty="0"/>
+              <a:t> </a:t>
+            </a:r>
+            <a:r>
+              <a:rPr lang="de-DE" dirty="0" err="1"/>
+              <a:t>of</a:t>
+            </a:r>
+            <a:r>
+              <a:rPr lang="de-DE" dirty="0"/>
+              <a:t> internal Chrome </a:t>
+            </a:r>
+            <a:r>
+              <a:rPr lang="de-DE" dirty="0" err="1"/>
+              <a:t>profiling</a:t>
+            </a:r>
+            <a:r>
+              <a:rPr lang="de-DE" dirty="0"/>
+              <a:t> </a:t>
+            </a:r>
+            <a:r>
+              <a:rPr lang="de-DE" dirty="0" err="1"/>
+              <a:t>tools</a:t>
+            </a:r>
+            <a:endParaRPr lang="de-DE" dirty="0"/>
+          </a:p>
+          <a:p>
+            <a:pPr marL="342900" lvl="1" indent="-342900">
+              <a:buFont typeface="Arial" panose="020B0604020202020204" pitchFamily="34" charset="0"/>
+              <a:buChar char="•"/>
+            </a:pPr>
+            <a:r>
+              <a:rPr lang="de-DE" dirty="0"/>
+              <a:t>Hook </a:t>
+            </a:r>
+            <a:r>
+              <a:rPr lang="de-DE" dirty="0" err="1"/>
+              <a:t>function</a:t>
+            </a:r>
+            <a:r>
+              <a:rPr lang="de-DE" dirty="0"/>
+              <a:t> </a:t>
+            </a:r>
+            <a:r>
+              <a:rPr lang="de-DE" dirty="0" err="1"/>
+              <a:t>calls</a:t>
+            </a:r>
+            <a:r>
+              <a:rPr lang="de-DE" dirty="0"/>
+              <a:t> </a:t>
+            </a:r>
+            <a:r>
+              <a:rPr lang="de-DE" dirty="0" err="1"/>
+              <a:t>to</a:t>
+            </a:r>
+            <a:r>
+              <a:rPr lang="de-DE" dirty="0"/>
+              <a:t> </a:t>
+            </a:r>
+            <a:r>
+              <a:rPr lang="de-DE" dirty="0" err="1"/>
+              <a:t>record</a:t>
+            </a:r>
+            <a:r>
+              <a:rPr lang="de-DE" dirty="0"/>
+              <a:t> </a:t>
+            </a:r>
+            <a:r>
+              <a:rPr lang="de-DE" dirty="0" err="1"/>
+              <a:t>WebSockets</a:t>
+            </a:r>
+            <a:r>
+              <a:rPr lang="de-DE" dirty="0"/>
+              <a:t> </a:t>
+            </a:r>
+            <a:r>
+              <a:rPr lang="de-DE" dirty="0" err="1"/>
+              <a:t>connections</a:t>
+            </a:r>
+            <a:r>
+              <a:rPr lang="de-DE" dirty="0"/>
+              <a:t>, </a:t>
+            </a:r>
+            <a:r>
+              <a:rPr lang="de-DE" dirty="0" err="1">
+                <a:latin typeface="Consolas" panose="020B0609020204030204" pitchFamily="49" charset="0"/>
+                <a:cs typeface="Consolas" panose="020B0609020204030204" pitchFamily="49" charset="0"/>
+              </a:rPr>
+              <a:t>postMessage</a:t>
+            </a:r>
+            <a:r>
+              <a:rPr lang="de-DE" dirty="0">
+                <a:latin typeface="Consolas" panose="020B0609020204030204" pitchFamily="49" charset="0"/>
+                <a:cs typeface="Consolas" panose="020B0609020204030204" pitchFamily="49" charset="0"/>
+              </a:rPr>
+              <a:t>()</a:t>
+            </a:r>
+            <a:r>
+              <a:rPr lang="de-DE" dirty="0"/>
+              <a:t> </a:t>
+            </a:r>
+            <a:r>
+              <a:rPr lang="de-DE" dirty="0" err="1"/>
+              <a:t>calls</a:t>
+            </a:r>
+            <a:r>
+              <a:rPr lang="de-DE" dirty="0"/>
+              <a:t> </a:t>
+            </a:r>
+            <a:r>
+              <a:rPr lang="de-DE" dirty="0" err="1"/>
+              <a:t>and</a:t>
+            </a:r>
+            <a:r>
+              <a:rPr lang="de-DE" dirty="0"/>
+              <a:t> Web Worker </a:t>
+            </a:r>
+            <a:r>
+              <a:rPr lang="de-DE" dirty="0" err="1"/>
+              <a:t>creation</a:t>
+            </a:r>
+            <a:endParaRPr lang="de-DE" dirty="0"/>
+          </a:p>
+          <a:p>
+            <a:pPr marL="342900" lvl="1" indent="-342900">
+              <a:buFont typeface="Arial" panose="020B0604020202020204" pitchFamily="34" charset="0"/>
+              <a:buChar char="•"/>
+            </a:pPr>
+            <a:r>
+              <a:rPr lang="de-DE" dirty="0" err="1"/>
+              <a:t>Record</a:t>
+            </a:r>
+            <a:r>
+              <a:rPr lang="de-DE" dirty="0"/>
+              <a:t> </a:t>
+            </a:r>
+            <a:r>
+              <a:rPr lang="de-DE" dirty="0" err="1"/>
+              <a:t>events</a:t>
+            </a:r>
+            <a:r>
+              <a:rPr lang="de-DE" dirty="0"/>
+              <a:t> </a:t>
+            </a:r>
+            <a:r>
+              <a:rPr lang="de-DE" dirty="0" err="1"/>
+              <a:t>for</a:t>
+            </a:r>
+            <a:r>
+              <a:rPr lang="de-DE" dirty="0"/>
+              <a:t> web </a:t>
+            </a:r>
+            <a:r>
+              <a:rPr lang="de-DE" dirty="0" err="1"/>
+              <a:t>page</a:t>
+            </a:r>
+            <a:r>
+              <a:rPr lang="de-DE" dirty="0"/>
+              <a:t> </a:t>
+            </a:r>
+            <a:r>
+              <a:rPr lang="de-DE" dirty="0" err="1"/>
+              <a:t>for</a:t>
+            </a:r>
+            <a:r>
+              <a:rPr lang="de-DE" dirty="0"/>
+              <a:t> 15 </a:t>
+            </a:r>
+            <a:r>
+              <a:rPr lang="de-DE" dirty="0" err="1"/>
+              <a:t>minutes</a:t>
+            </a:r>
+            <a:endParaRPr lang="de-DE" dirty="0"/>
+          </a:p>
+          <a:p>
+            <a:pPr marL="342900" lvl="1" indent="-342900">
+              <a:buFont typeface="Arial" panose="020B0604020202020204" pitchFamily="34" charset="0"/>
+              <a:buChar char="•"/>
+            </a:pPr>
+            <a:r>
+              <a:rPr lang="de-DE" dirty="0"/>
+              <a:t>Outputs an </a:t>
+            </a:r>
+            <a:r>
+              <a:rPr lang="de-DE" dirty="0" err="1"/>
+              <a:t>event</a:t>
+            </a:r>
+            <a:r>
+              <a:rPr lang="de-DE" dirty="0"/>
+              <a:t> </a:t>
+            </a:r>
+            <a:r>
+              <a:rPr lang="de-DE" dirty="0" err="1"/>
+              <a:t>trace</a:t>
+            </a:r>
+            <a:r>
+              <a:rPr lang="de-DE" dirty="0"/>
+              <a:t> </a:t>
+            </a:r>
+            <a:r>
+              <a:rPr lang="de-DE" dirty="0" err="1"/>
+              <a:t>file</a:t>
+            </a:r>
+            <a:endParaRPr lang="de-DE" dirty="0"/>
+          </a:p>
+          <a:p>
+            <a:pPr marL="0" indent="0"/>
+            <a:endParaRPr lang="de-DE" dirty="0"/>
+          </a:p>
+          <a:p>
+            <a:endParaRPr lang="de-DE" dirty="0"/>
           </a:p>
         </p:txBody>
       </p:sp>
     </p:spTree>
     <p:extLst>
       <p:ext uri="{BB962C8B-B14F-4D97-AF65-F5344CB8AC3E}">
-        <p14:creationId xmlns:p14="http://schemas.microsoft.com/office/powerpoint/2010/main" val="20502498"/>
+        <p14:creationId xmlns:p14="http://schemas.microsoft.com/office/powerpoint/2010/main" val="2269157354"/>
       </p:ext>
     </p:extLst>
   </p:cSld>
@@ -11739,7 +18290,7 @@
 </p:sld>
 </file>
 
-<file path=ppt/slides/slide22.xml><?xml version="1.0" encoding="utf-8"?>
+<file path=ppt/slides/slide25.xml><?xml version="1.0" encoding="utf-8"?>
 <p:sld xmlns:a="http://schemas.openxmlformats.org/drawingml/2006/main" xmlns:r="http://schemas.openxmlformats.org/officeDocument/2006/relationships" xmlns:p="http://schemas.openxmlformats.org/presentationml/2006/main">
   <p:cSld>
     <p:spTree>
@@ -11779,21 +18330,8 @@
           <a:p>
             <a:r>
               <a:rPr lang="de-DE" dirty="0"/>
-              <a:t>Analysis </a:t>
-            </a:r>
-            <a:r>
-              <a:rPr lang="de-DE" dirty="0" err="1"/>
-              <a:t>of</a:t>
-            </a:r>
-            <a:r>
-              <a:rPr lang="de-DE" dirty="0"/>
-              <a:t> </a:t>
-            </a:r>
-            <a:r>
-              <a:rPr lang="de-DE" dirty="0" err="1"/>
-              <a:t>traces</a:t>
-            </a:r>
-            <a:endParaRPr lang="de-DE" dirty="0"/>
+              <a:t>Processing</a:t>
+            </a:r>
           </a:p>
         </p:txBody>
       </p:sp>
@@ -11818,7 +18356,166 @@
           <a:bodyPr/>
           <a:lstStyle/>
           <a:p>
-            <a:endParaRPr lang="de-DE"/>
+            <a:r>
+              <a:rPr lang="de-DE" dirty="0" err="1"/>
+              <a:t>How</a:t>
+            </a:r>
+            <a:r>
+              <a:rPr lang="de-DE" dirty="0"/>
+              <a:t> </a:t>
+            </a:r>
+            <a:r>
+              <a:rPr lang="de-DE" dirty="0" err="1"/>
+              <a:t>to</a:t>
+            </a:r>
+            <a:r>
+              <a:rPr lang="de-DE" dirty="0"/>
+              <a:t> </a:t>
+            </a:r>
+            <a:r>
+              <a:rPr lang="de-DE" dirty="0" err="1"/>
+              <a:t>calculate</a:t>
+            </a:r>
+            <a:r>
+              <a:rPr lang="de-DE" dirty="0"/>
+              <a:t> </a:t>
+            </a:r>
+            <a:r>
+              <a:rPr lang="de-DE" dirty="0" err="1"/>
+              <a:t>scores</a:t>
+            </a:r>
+            <a:endParaRPr lang="de-DE" dirty="0"/>
+          </a:p>
+        </p:txBody>
+      </p:sp>
+    </p:spTree>
+    <p:extLst>
+      <p:ext uri="{BB962C8B-B14F-4D97-AF65-F5344CB8AC3E}">
+        <p14:creationId xmlns:p14="http://schemas.microsoft.com/office/powerpoint/2010/main" val="20502498"/>
+      </p:ext>
+    </p:extLst>
+  </p:cSld>
+  <p:clrMapOvr>
+    <a:masterClrMapping/>
+  </p:clrMapOvr>
+</p:sld>
+</file>
+
+<file path=ppt/slides/slide26.xml><?xml version="1.0" encoding="utf-8"?>
+<p:sld xmlns:a="http://schemas.openxmlformats.org/drawingml/2006/main" xmlns:r="http://schemas.openxmlformats.org/officeDocument/2006/relationships" xmlns:p="http://schemas.openxmlformats.org/presentationml/2006/main">
+  <p:cSld>
+    <p:spTree>
+      <p:nvGrpSpPr>
+        <p:cNvPr id="1" name=""/>
+        <p:cNvGrpSpPr/>
+        <p:nvPr/>
+      </p:nvGrpSpPr>
+      <p:grpSpPr>
+        <a:xfrm>
+          <a:off x="0" y="0"/>
+          <a:ext cx="0" cy="0"/>
+          <a:chOff x="0" y="0"/>
+          <a:chExt cx="0" cy="0"/>
+        </a:xfrm>
+      </p:grpSpPr>
+      <p:sp>
+        <p:nvSpPr>
+          <p:cNvPr id="2" name="Title 1">
+            <a:extLst>
+              <a:ext uri="{FF2B5EF4-FFF2-40B4-BE49-F238E27FC236}">
+                <a16:creationId xmlns:a16="http://schemas.microsoft.com/office/drawing/2014/main" id="{43A9D7CB-9050-A847-9458-D35677166F13}"/>
+              </a:ext>
+            </a:extLst>
+          </p:cNvPr>
+          <p:cNvSpPr>
+            <a:spLocks noGrp="1"/>
+          </p:cNvSpPr>
+          <p:nvPr>
+            <p:ph type="title"/>
+          </p:nvPr>
+        </p:nvSpPr>
+        <p:spPr/>
+        <p:txBody>
+          <a:bodyPr/>
+          <a:lstStyle/>
+          <a:p>
+            <a:r>
+              <a:rPr lang="de-DE" dirty="0"/>
+              <a:t>Analysis</a:t>
+            </a:r>
+          </a:p>
+        </p:txBody>
+      </p:sp>
+      <p:sp>
+        <p:nvSpPr>
+          <p:cNvPr id="3" name="Content Placeholder 2">
+            <a:extLst>
+              <a:ext uri="{FF2B5EF4-FFF2-40B4-BE49-F238E27FC236}">
+                <a16:creationId xmlns:a16="http://schemas.microsoft.com/office/drawing/2014/main" id="{CDB92161-2F85-8446-BBCD-B6012E06C269}"/>
+              </a:ext>
+            </a:extLst>
+          </p:cNvPr>
+          <p:cNvSpPr>
+            <a:spLocks noGrp="1"/>
+          </p:cNvSpPr>
+          <p:nvPr>
+            <p:ph idx="1"/>
+          </p:nvPr>
+        </p:nvSpPr>
+        <p:spPr/>
+        <p:txBody>
+          <a:bodyPr/>
+          <a:lstStyle/>
+          <a:p>
+            <a:r>
+              <a:rPr lang="de-DE" dirty="0"/>
+              <a:t>This </a:t>
+            </a:r>
+            <a:r>
+              <a:rPr lang="de-DE" dirty="0" err="1"/>
+              <a:t>is</a:t>
+            </a:r>
+            <a:r>
+              <a:rPr lang="de-DE" dirty="0"/>
+              <a:t> </a:t>
+            </a:r>
+            <a:r>
+              <a:rPr lang="de-DE" dirty="0" err="1"/>
+              <a:t>the</a:t>
+            </a:r>
+            <a:r>
+              <a:rPr lang="de-DE" dirty="0"/>
+              <a:t> </a:t>
+            </a:r>
+            <a:r>
+              <a:rPr lang="de-DE" dirty="0" err="1"/>
+              <a:t>result</a:t>
+            </a:r>
+            <a:r>
+              <a:rPr lang="de-DE" dirty="0"/>
+              <a:t> </a:t>
+            </a:r>
+            <a:r>
+              <a:rPr lang="de-DE" dirty="0" err="1"/>
+              <a:t>of</a:t>
+            </a:r>
+            <a:r>
+              <a:rPr lang="de-DE" dirty="0"/>
+              <a:t> </a:t>
+            </a:r>
+            <a:r>
+              <a:rPr lang="de-DE" dirty="0" err="1"/>
+              <a:t>our</a:t>
+            </a:r>
+            <a:r>
+              <a:rPr lang="de-DE" dirty="0"/>
+              <a:t> </a:t>
+            </a:r>
+            <a:r>
+              <a:rPr lang="de-DE" dirty="0" err="1"/>
+              <a:t>analysis</a:t>
+            </a:r>
+            <a:endParaRPr lang="de-DE" dirty="0"/>
           </a:p>
         </p:txBody>
       </p:sp>
@@ -11826,6 +18523,188 @@
     <p:extLst>
       <p:ext uri="{BB962C8B-B14F-4D97-AF65-F5344CB8AC3E}">
         <p14:creationId xmlns:p14="http://schemas.microsoft.com/office/powerpoint/2010/main" val="2499912425"/>
+      </p:ext>
+    </p:extLst>
+  </p:cSld>
+  <p:clrMapOvr>
+    <a:masterClrMapping/>
+  </p:clrMapOvr>
+</p:sld>
+</file>
+
+<file path=ppt/slides/slide27.xml><?xml version="1.0" encoding="utf-8"?>
+<p:sld xmlns:a="http://schemas.openxmlformats.org/drawingml/2006/main" xmlns:r="http://schemas.openxmlformats.org/officeDocument/2006/relationships" xmlns:p="http://schemas.openxmlformats.org/presentationml/2006/main">
+  <p:cSld>
+    <p:spTree>
+      <p:nvGrpSpPr>
+        <p:cNvPr id="1" name=""/>
+        <p:cNvGrpSpPr/>
+        <p:nvPr/>
+      </p:nvGrpSpPr>
+      <p:grpSpPr>
+        <a:xfrm>
+          <a:off x="0" y="0"/>
+          <a:ext cx="0" cy="0"/>
+          <a:chOff x="0" y="0"/>
+          <a:chExt cx="0" cy="0"/>
+        </a:xfrm>
+      </p:grpSpPr>
+      <p:sp>
+        <p:nvSpPr>
+          <p:cNvPr id="2" name="Title 1">
+            <a:extLst>
+              <a:ext uri="{FF2B5EF4-FFF2-40B4-BE49-F238E27FC236}">
+                <a16:creationId xmlns:a16="http://schemas.microsoft.com/office/drawing/2014/main" id="{E384E089-5D38-C14B-B7FF-9F61CE789105}"/>
+              </a:ext>
+            </a:extLst>
+          </p:cNvPr>
+          <p:cNvSpPr>
+            <a:spLocks noGrp="1"/>
+          </p:cNvSpPr>
+          <p:nvPr>
+            <p:ph type="title"/>
+          </p:nvPr>
+        </p:nvSpPr>
+        <p:spPr>
+          <a:xfrm>
+            <a:off x="722313" y="4406900"/>
+            <a:ext cx="6874023" cy="1362075"/>
+          </a:xfrm>
+        </p:spPr>
+        <p:txBody>
+          <a:bodyPr/>
+          <a:lstStyle/>
+          <a:p>
+            <a:r>
+              <a:rPr lang="de-DE" dirty="0" err="1"/>
+              <a:t>Discussion</a:t>
+            </a:r>
+            <a:endParaRPr lang="de-DE" dirty="0"/>
+          </a:p>
+        </p:txBody>
+      </p:sp>
+      <p:sp>
+        <p:nvSpPr>
+          <p:cNvPr id="3" name="Text Placeholder 2">
+            <a:extLst>
+              <a:ext uri="{FF2B5EF4-FFF2-40B4-BE49-F238E27FC236}">
+                <a16:creationId xmlns:a16="http://schemas.microsoft.com/office/drawing/2014/main" id="{346974EB-3801-6F4F-8537-D05188F718BB}"/>
+              </a:ext>
+            </a:extLst>
+          </p:cNvPr>
+          <p:cNvSpPr>
+            <a:spLocks noGrp="1"/>
+          </p:cNvSpPr>
+          <p:nvPr>
+            <p:ph type="body" idx="1"/>
+          </p:nvPr>
+        </p:nvSpPr>
+        <p:spPr>
+          <a:xfrm>
+            <a:off x="722313" y="2906713"/>
+            <a:ext cx="6874023" cy="1500187"/>
+          </a:xfrm>
+        </p:spPr>
+        <p:txBody>
+          <a:bodyPr/>
+          <a:lstStyle/>
+          <a:p>
+            <a:endParaRPr lang="de-DE" dirty="0"/>
+          </a:p>
+        </p:txBody>
+      </p:sp>
+    </p:spTree>
+    <p:extLst>
+      <p:ext uri="{BB962C8B-B14F-4D97-AF65-F5344CB8AC3E}">
+        <p14:creationId xmlns:p14="http://schemas.microsoft.com/office/powerpoint/2010/main" val="2253044626"/>
+      </p:ext>
+    </p:extLst>
+  </p:cSld>
+  <p:clrMapOvr>
+    <a:masterClrMapping/>
+  </p:clrMapOvr>
+</p:sld>
+</file>
+
+<file path=ppt/slides/slide28.xml><?xml version="1.0" encoding="utf-8"?>
+<p:sld xmlns:a="http://schemas.openxmlformats.org/drawingml/2006/main" xmlns:r="http://schemas.openxmlformats.org/officeDocument/2006/relationships" xmlns:p="http://schemas.openxmlformats.org/presentationml/2006/main">
+  <p:cSld>
+    <p:spTree>
+      <p:nvGrpSpPr>
+        <p:cNvPr id="1" name=""/>
+        <p:cNvGrpSpPr/>
+        <p:nvPr/>
+      </p:nvGrpSpPr>
+      <p:grpSpPr>
+        <a:xfrm>
+          <a:off x="0" y="0"/>
+          <a:ext cx="0" cy="0"/>
+          <a:chOff x="0" y="0"/>
+          <a:chExt cx="0" cy="0"/>
+        </a:xfrm>
+      </p:grpSpPr>
+      <p:sp>
+        <p:nvSpPr>
+          <p:cNvPr id="4" name="Title 3">
+            <a:extLst>
+              <a:ext uri="{FF2B5EF4-FFF2-40B4-BE49-F238E27FC236}">
+                <a16:creationId xmlns:a16="http://schemas.microsoft.com/office/drawing/2014/main" id="{1F2ECCF5-BC8D-C44B-984F-A34F2977B2E9}"/>
+              </a:ext>
+            </a:extLst>
+          </p:cNvPr>
+          <p:cNvSpPr>
+            <a:spLocks noGrp="1"/>
+          </p:cNvSpPr>
+          <p:nvPr>
+            <p:ph type="title"/>
+          </p:nvPr>
+        </p:nvSpPr>
+        <p:spPr/>
+        <p:txBody>
+          <a:bodyPr/>
+          <a:lstStyle/>
+          <a:p>
+            <a:r>
+              <a:rPr lang="de-DE" dirty="0" err="1"/>
+              <a:t>Discussion</a:t>
+            </a:r>
+            <a:endParaRPr lang="de-DE" dirty="0"/>
+          </a:p>
+        </p:txBody>
+      </p:sp>
+      <p:sp>
+        <p:nvSpPr>
+          <p:cNvPr id="5" name="Content Placeholder 4">
+            <a:extLst>
+              <a:ext uri="{FF2B5EF4-FFF2-40B4-BE49-F238E27FC236}">
+                <a16:creationId xmlns:a16="http://schemas.microsoft.com/office/drawing/2014/main" id="{96E07444-014B-0248-9670-A32BEBA2F12F}"/>
+              </a:ext>
+            </a:extLst>
+          </p:cNvPr>
+          <p:cNvSpPr>
+            <a:spLocks noGrp="1"/>
+          </p:cNvSpPr>
+          <p:nvPr>
+            <p:ph idx="1"/>
+          </p:nvPr>
+        </p:nvSpPr>
+        <p:spPr/>
+        <p:txBody>
+          <a:bodyPr/>
+          <a:lstStyle/>
+          <a:p>
+            <a:pPr marL="342900" indent="-342900">
+              <a:buFont typeface="Arial" panose="020B0604020202020204" pitchFamily="34" charset="0"/>
+              <a:buChar char="•"/>
+            </a:pPr>
+            <a:endParaRPr lang="de-DE" dirty="0"/>
+          </a:p>
+        </p:txBody>
+      </p:sp>
+    </p:spTree>
+    <p:extLst>
+      <p:ext uri="{BB962C8B-B14F-4D97-AF65-F5344CB8AC3E}">
+        <p14:creationId xmlns:p14="http://schemas.microsoft.com/office/powerpoint/2010/main" val="1484231640"/>
       </p:ext>
     </p:extLst>
   </p:cSld>

--- a/thesis/slides.pptx
+++ b/thesis/slides.pptx
@@ -1305,82 +1305,6 @@
           <a:bodyPr/>
           <a:lstStyle/>
           <a:p>
-            <a:r>
-              <a:rPr lang="de-DE" dirty="0" err="1"/>
-              <a:t>Good</a:t>
-            </a:r>
-            <a:r>
-              <a:rPr lang="de-DE" dirty="0"/>
-              <a:t> </a:t>
-            </a:r>
-            <a:r>
-              <a:rPr lang="de-DE" dirty="0" err="1"/>
-              <a:t>day</a:t>
-            </a:r>
-            <a:r>
-              <a:rPr lang="de-DE" dirty="0"/>
-              <a:t>, </a:t>
-            </a:r>
-            <a:r>
-              <a:rPr lang="de-DE" dirty="0" err="1"/>
-              <a:t>my</a:t>
-            </a:r>
-            <a:r>
-              <a:rPr lang="de-DE" dirty="0"/>
-              <a:t> </a:t>
-            </a:r>
-            <a:r>
-              <a:rPr lang="de-DE" dirty="0" err="1"/>
-              <a:t>name</a:t>
-            </a:r>
-            <a:r>
-              <a:rPr lang="de-DE" dirty="0"/>
-              <a:t> </a:t>
-            </a:r>
-            <a:r>
-              <a:rPr lang="de-DE" dirty="0" err="1"/>
-              <a:t>is</a:t>
-            </a:r>
-            <a:r>
-              <a:rPr lang="de-DE" dirty="0"/>
-              <a:t> Yannick Reifschneider </a:t>
-            </a:r>
-            <a:r>
-              <a:rPr lang="de-DE" dirty="0" err="1"/>
-              <a:t>and</a:t>
-            </a:r>
-            <a:r>
-              <a:rPr lang="de-DE" dirty="0"/>
-              <a:t> I will </a:t>
-            </a:r>
-            <a:r>
-              <a:rPr lang="de-DE" dirty="0" err="1"/>
-              <a:t>present</a:t>
-            </a:r>
-            <a:r>
-              <a:rPr lang="de-DE" dirty="0"/>
-              <a:t> </a:t>
-            </a:r>
-            <a:r>
-              <a:rPr lang="de-DE" dirty="0" err="1"/>
-              <a:t>my</a:t>
-            </a:r>
-            <a:r>
-              <a:rPr lang="de-DE" dirty="0"/>
-              <a:t> </a:t>
-            </a:r>
-            <a:r>
-              <a:rPr lang="de-DE" dirty="0" err="1"/>
-              <a:t>bachelors</a:t>
-            </a:r>
-            <a:r>
-              <a:rPr lang="de-DE" dirty="0"/>
-              <a:t> </a:t>
-            </a:r>
-            <a:r>
-              <a:rPr lang="de-DE" dirty="0" err="1"/>
-              <a:t>thesis</a:t>
-            </a:r>
             <a:endParaRPr lang="de-DE" dirty="0"/>
           </a:p>
         </p:txBody>
